--- a/images/theory_analysis/DB_Indexing/DB_Indexing.pptx
+++ b/images/theory_analysis/DB_Indexing/DB_Indexing.pptx
@@ -5,10 +5,14 @@
     <p:sldMasterId id="2147483648" r:id="rId1"/>
   </p:sldMasterIdLst>
   <p:notesMasterIdLst>
-    <p:notesMasterId r:id="rId3"/>
+    <p:notesMasterId r:id="rId7"/>
   </p:notesMasterIdLst>
   <p:sldIdLst>
     <p:sldId id="417" r:id="rId2"/>
+    <p:sldId id="421" r:id="rId3"/>
+    <p:sldId id="418" r:id="rId4"/>
+    <p:sldId id="419" r:id="rId5"/>
+    <p:sldId id="420" r:id="rId6"/>
   </p:sldIdLst>
   <p:sldSz cx="9144000" cy="5143500" type="screen16x9"/>
   <p:notesSz cx="6858000" cy="9144000"/>
@@ -109,13 +113,18 @@
   </p:defaultTextStyle>
   <p:extLst>
     <p:ext uri="{EFAFB233-063F-42B5-8137-9DF3F51BA10A}">
-      <p15:sldGuideLst xmlns:p15="http://schemas.microsoft.com/office/powerpoint/2012/main" xmlns="">
+      <p15:sldGuideLst xmlns:p15="http://schemas.microsoft.com/office/powerpoint/2012/main">
         <p15:guide id="1" orient="horz" pos="2160">
           <p15:clr>
             <a:srgbClr val="A4A3A4"/>
           </p15:clr>
         </p15:guide>
         <p15:guide id="2" pos="2880">
+          <p15:clr>
+            <a:srgbClr val="A4A3A4"/>
+          </p15:clr>
+        </p15:guide>
+        <p15:guide id="3" orient="horz" pos="1620">
           <p15:clr>
             <a:srgbClr val="A4A3A4"/>
           </p15:clr>
@@ -208,7 +217,7 @@
           <a:p>
             <a:fld id="{6CD5550B-26C4-49A9-A5BA-636EF7BE6CE9}" type="datetimeFigureOut">
               <a:rPr lang="ko-KR" altLang="en-US" smtClean="0"/>
-              <a:t>2018-01-03</a:t>
+              <a:t>2022-02-06</a:t>
             </a:fld>
             <a:endParaRPr lang="ko-KR" altLang="en-US"/>
           </a:p>
@@ -272,38 +281,37 @@
           <a:p>
             <a:pPr lvl="0"/>
             <a:r>
-              <a:rPr lang="ko-KR" altLang="en-US" smtClean="0"/>
+              <a:rPr lang="ko-KR" altLang="en-US"/>
               <a:t>마스터 텍스트 스타일을 편집합니다</a:t>
             </a:r>
           </a:p>
           <a:p>
             <a:pPr lvl="1"/>
             <a:r>
-              <a:rPr lang="ko-KR" altLang="en-US" smtClean="0"/>
+              <a:rPr lang="ko-KR" altLang="en-US"/>
               <a:t>둘째 수준</a:t>
             </a:r>
           </a:p>
           <a:p>
             <a:pPr lvl="2"/>
             <a:r>
-              <a:rPr lang="ko-KR" altLang="en-US" smtClean="0"/>
+              <a:rPr lang="ko-KR" altLang="en-US"/>
               <a:t>셋째 수준</a:t>
             </a:r>
           </a:p>
           <a:p>
             <a:pPr lvl="3"/>
             <a:r>
-              <a:rPr lang="ko-KR" altLang="en-US" smtClean="0"/>
+              <a:rPr lang="ko-KR" altLang="en-US"/>
               <a:t>넷째 수준</a:t>
             </a:r>
           </a:p>
           <a:p>
             <a:pPr lvl="4"/>
             <a:r>
-              <a:rPr lang="ko-KR" altLang="en-US" smtClean="0"/>
+              <a:rPr lang="ko-KR" altLang="en-US"/>
               <a:t>다섯째 수준</a:t>
             </a:r>
-            <a:endParaRPr lang="ko-KR" altLang="en-US"/>
           </a:p>
         </p:txBody>
       </p:sp>
@@ -521,19 +529,19 @@
           <a:lstStyle/>
           <a:p>
             <a:r>
-              <a:rPr lang="en-US" altLang="ko-KR" dirty="0" smtClean="0"/>
+              <a:rPr lang="en-US" altLang="ko-KR" dirty="0"/>
               <a:t>1. </a:t>
             </a:r>
             <a:r>
-              <a:rPr lang="en-US" altLang="ko-KR" dirty="0" err="1" smtClean="0"/>
+              <a:rPr lang="en-US" altLang="ko-KR" dirty="0" err="1"/>
               <a:t>AppArmor</a:t>
             </a:r>
             <a:r>
-              <a:rPr lang="en-US" altLang="ko-KR" baseline="0" dirty="0" smtClean="0"/>
+              <a:rPr lang="en-US" altLang="ko-KR" baseline="0" dirty="0"/>
               <a:t> </a:t>
             </a:r>
             <a:r>
-              <a:rPr lang="ko-KR" altLang="en-US" baseline="0" dirty="0" smtClean="0"/>
+              <a:rPr lang="ko-KR" altLang="en-US" baseline="0" dirty="0"/>
               <a:t>변경 권한</a:t>
             </a:r>
             <a:endParaRPr lang="ko-KR" altLang="en-US" dirty="0"/>
@@ -567,6 +575,306 @@
     <p:extLst>
       <p:ext uri="{BB962C8B-B14F-4D97-AF65-F5344CB8AC3E}">
         <p14:creationId xmlns:p14="http://schemas.microsoft.com/office/powerpoint/2010/main" val="2887953239"/>
+      </p:ext>
+    </p:extLst>
+  </p:cSld>
+  <p:clrMapOvr>
+    <a:masterClrMapping/>
+  </p:clrMapOvr>
+</p:notes>
+</file>
+
+<file path=ppt/notesSlides/notesSlide2.xml><?xml version="1.0" encoding="utf-8"?>
+<p:notes xmlns:a="http://schemas.openxmlformats.org/drawingml/2006/main" xmlns:r="http://schemas.openxmlformats.org/officeDocument/2006/relationships" xmlns:p="http://schemas.openxmlformats.org/presentationml/2006/main">
+  <p:cSld>
+    <p:spTree>
+      <p:nvGrpSpPr>
+        <p:cNvPr id="1" name=""/>
+        <p:cNvGrpSpPr/>
+        <p:nvPr/>
+      </p:nvGrpSpPr>
+      <p:grpSpPr>
+        <a:xfrm>
+          <a:off x="0" y="0"/>
+          <a:ext cx="0" cy="0"/>
+          <a:chOff x="0" y="0"/>
+          <a:chExt cx="0" cy="0"/>
+        </a:xfrm>
+      </p:grpSpPr>
+      <p:sp>
+        <p:nvSpPr>
+          <p:cNvPr id="2" name="슬라이드 이미지 개체 틀 1"/>
+          <p:cNvSpPr>
+            <a:spLocks noGrp="1" noRot="1" noChangeAspect="1"/>
+          </p:cNvSpPr>
+          <p:nvPr>
+            <p:ph type="sldImg"/>
+          </p:nvPr>
+        </p:nvSpPr>
+        <p:spPr/>
+      </p:sp>
+      <p:sp>
+        <p:nvSpPr>
+          <p:cNvPr id="3" name="슬라이드 노트 개체 틀 2"/>
+          <p:cNvSpPr>
+            <a:spLocks noGrp="1"/>
+          </p:cNvSpPr>
+          <p:nvPr>
+            <p:ph type="body" idx="1"/>
+          </p:nvPr>
+        </p:nvSpPr>
+        <p:spPr/>
+        <p:txBody>
+          <a:bodyPr/>
+          <a:lstStyle/>
+          <a:p>
+            <a:r>
+              <a:rPr lang="en-US" altLang="ko-KR" dirty="0"/>
+              <a:t>1. </a:t>
+            </a:r>
+            <a:r>
+              <a:rPr lang="en-US" altLang="ko-KR" dirty="0" err="1"/>
+              <a:t>AppArmor</a:t>
+            </a:r>
+            <a:r>
+              <a:rPr lang="en-US" altLang="ko-KR" baseline="0" dirty="0"/>
+              <a:t> </a:t>
+            </a:r>
+            <a:r>
+              <a:rPr lang="ko-KR" altLang="en-US" baseline="0" dirty="0"/>
+              <a:t>변경 권한</a:t>
+            </a:r>
+            <a:endParaRPr lang="ko-KR" altLang="en-US" dirty="0"/>
+          </a:p>
+        </p:txBody>
+      </p:sp>
+      <p:sp>
+        <p:nvSpPr>
+          <p:cNvPr id="4" name="슬라이드 번호 개체 틀 3"/>
+          <p:cNvSpPr>
+            <a:spLocks noGrp="1"/>
+          </p:cNvSpPr>
+          <p:nvPr>
+            <p:ph type="sldNum" sz="quarter" idx="10"/>
+          </p:nvPr>
+        </p:nvSpPr>
+        <p:spPr/>
+        <p:txBody>
+          <a:bodyPr/>
+          <a:lstStyle/>
+          <a:p>
+            <a:fld id="{BA5DFA43-8D57-47FB-BC46-057616015C3B}" type="slidenum">
+              <a:rPr lang="ko-KR" altLang="en-US" smtClean="0"/>
+              <a:t>2</a:t>
+            </a:fld>
+            <a:endParaRPr lang="ko-KR" altLang="en-US"/>
+          </a:p>
+        </p:txBody>
+      </p:sp>
+    </p:spTree>
+    <p:extLst>
+      <p:ext uri="{BB962C8B-B14F-4D97-AF65-F5344CB8AC3E}">
+        <p14:creationId xmlns:p14="http://schemas.microsoft.com/office/powerpoint/2010/main" val="2176291392"/>
+      </p:ext>
+    </p:extLst>
+  </p:cSld>
+  <p:clrMapOvr>
+    <a:masterClrMapping/>
+  </p:clrMapOvr>
+</p:notes>
+</file>
+
+<file path=ppt/notesSlides/notesSlide3.xml><?xml version="1.0" encoding="utf-8"?>
+<p:notes xmlns:a="http://schemas.openxmlformats.org/drawingml/2006/main" xmlns:r="http://schemas.openxmlformats.org/officeDocument/2006/relationships" xmlns:p="http://schemas.openxmlformats.org/presentationml/2006/main">
+  <p:cSld>
+    <p:spTree>
+      <p:nvGrpSpPr>
+        <p:cNvPr id="1" name=""/>
+        <p:cNvGrpSpPr/>
+        <p:nvPr/>
+      </p:nvGrpSpPr>
+      <p:grpSpPr>
+        <a:xfrm>
+          <a:off x="0" y="0"/>
+          <a:ext cx="0" cy="0"/>
+          <a:chOff x="0" y="0"/>
+          <a:chExt cx="0" cy="0"/>
+        </a:xfrm>
+      </p:grpSpPr>
+      <p:sp>
+        <p:nvSpPr>
+          <p:cNvPr id="2" name="슬라이드 이미지 개체 틀 1"/>
+          <p:cNvSpPr>
+            <a:spLocks noGrp="1" noRot="1" noChangeAspect="1"/>
+          </p:cNvSpPr>
+          <p:nvPr>
+            <p:ph type="sldImg"/>
+          </p:nvPr>
+        </p:nvSpPr>
+        <p:spPr/>
+      </p:sp>
+      <p:sp>
+        <p:nvSpPr>
+          <p:cNvPr id="3" name="슬라이드 노트 개체 틀 2"/>
+          <p:cNvSpPr>
+            <a:spLocks noGrp="1"/>
+          </p:cNvSpPr>
+          <p:nvPr>
+            <p:ph type="body" idx="1"/>
+          </p:nvPr>
+        </p:nvSpPr>
+        <p:spPr/>
+        <p:txBody>
+          <a:bodyPr/>
+          <a:lstStyle/>
+          <a:p>
+            <a:r>
+              <a:rPr lang="en-US" altLang="ko-KR" dirty="0"/>
+              <a:t>1. </a:t>
+            </a:r>
+            <a:r>
+              <a:rPr lang="en-US" altLang="ko-KR" dirty="0" err="1"/>
+              <a:t>AppArmor</a:t>
+            </a:r>
+            <a:r>
+              <a:rPr lang="en-US" altLang="ko-KR" baseline="0" dirty="0"/>
+              <a:t> </a:t>
+            </a:r>
+            <a:r>
+              <a:rPr lang="ko-KR" altLang="en-US" baseline="0" dirty="0"/>
+              <a:t>변경 권한</a:t>
+            </a:r>
+            <a:endParaRPr lang="ko-KR" altLang="en-US" dirty="0"/>
+          </a:p>
+        </p:txBody>
+      </p:sp>
+      <p:sp>
+        <p:nvSpPr>
+          <p:cNvPr id="4" name="슬라이드 번호 개체 틀 3"/>
+          <p:cNvSpPr>
+            <a:spLocks noGrp="1"/>
+          </p:cNvSpPr>
+          <p:nvPr>
+            <p:ph type="sldNum" sz="quarter" idx="10"/>
+          </p:nvPr>
+        </p:nvSpPr>
+        <p:spPr/>
+        <p:txBody>
+          <a:bodyPr/>
+          <a:lstStyle/>
+          <a:p>
+            <a:fld id="{BA5DFA43-8D57-47FB-BC46-057616015C3B}" type="slidenum">
+              <a:rPr lang="ko-KR" altLang="en-US" smtClean="0"/>
+              <a:t>3</a:t>
+            </a:fld>
+            <a:endParaRPr lang="ko-KR" altLang="en-US"/>
+          </a:p>
+        </p:txBody>
+      </p:sp>
+    </p:spTree>
+    <p:extLst>
+      <p:ext uri="{BB962C8B-B14F-4D97-AF65-F5344CB8AC3E}">
+        <p14:creationId xmlns:p14="http://schemas.microsoft.com/office/powerpoint/2010/main" val="1215402268"/>
+      </p:ext>
+    </p:extLst>
+  </p:cSld>
+  <p:clrMapOvr>
+    <a:masterClrMapping/>
+  </p:clrMapOvr>
+</p:notes>
+</file>
+
+<file path=ppt/notesSlides/notesSlide4.xml><?xml version="1.0" encoding="utf-8"?>
+<p:notes xmlns:a="http://schemas.openxmlformats.org/drawingml/2006/main" xmlns:r="http://schemas.openxmlformats.org/officeDocument/2006/relationships" xmlns:p="http://schemas.openxmlformats.org/presentationml/2006/main">
+  <p:cSld>
+    <p:spTree>
+      <p:nvGrpSpPr>
+        <p:cNvPr id="1" name=""/>
+        <p:cNvGrpSpPr/>
+        <p:nvPr/>
+      </p:nvGrpSpPr>
+      <p:grpSpPr>
+        <a:xfrm>
+          <a:off x="0" y="0"/>
+          <a:ext cx="0" cy="0"/>
+          <a:chOff x="0" y="0"/>
+          <a:chExt cx="0" cy="0"/>
+        </a:xfrm>
+      </p:grpSpPr>
+      <p:sp>
+        <p:nvSpPr>
+          <p:cNvPr id="2" name="슬라이드 이미지 개체 틀 1"/>
+          <p:cNvSpPr>
+            <a:spLocks noGrp="1" noRot="1" noChangeAspect="1"/>
+          </p:cNvSpPr>
+          <p:nvPr>
+            <p:ph type="sldImg"/>
+          </p:nvPr>
+        </p:nvSpPr>
+        <p:spPr/>
+      </p:sp>
+      <p:sp>
+        <p:nvSpPr>
+          <p:cNvPr id="3" name="슬라이드 노트 개체 틀 2"/>
+          <p:cNvSpPr>
+            <a:spLocks noGrp="1"/>
+          </p:cNvSpPr>
+          <p:nvPr>
+            <p:ph type="body" idx="1"/>
+          </p:nvPr>
+        </p:nvSpPr>
+        <p:spPr/>
+        <p:txBody>
+          <a:bodyPr/>
+          <a:lstStyle/>
+          <a:p>
+            <a:r>
+              <a:rPr lang="en-US" altLang="ko-KR" dirty="0"/>
+              <a:t>1. </a:t>
+            </a:r>
+            <a:r>
+              <a:rPr lang="en-US" altLang="ko-KR" dirty="0" err="1"/>
+              <a:t>AppArmor</a:t>
+            </a:r>
+            <a:r>
+              <a:rPr lang="en-US" altLang="ko-KR" baseline="0" dirty="0"/>
+              <a:t> </a:t>
+            </a:r>
+            <a:r>
+              <a:rPr lang="ko-KR" altLang="en-US" baseline="0" dirty="0"/>
+              <a:t>변경 권한</a:t>
+            </a:r>
+            <a:endParaRPr lang="ko-KR" altLang="en-US" dirty="0"/>
+          </a:p>
+        </p:txBody>
+      </p:sp>
+      <p:sp>
+        <p:nvSpPr>
+          <p:cNvPr id="4" name="슬라이드 번호 개체 틀 3"/>
+          <p:cNvSpPr>
+            <a:spLocks noGrp="1"/>
+          </p:cNvSpPr>
+          <p:nvPr>
+            <p:ph type="sldNum" sz="quarter" idx="10"/>
+          </p:nvPr>
+        </p:nvSpPr>
+        <p:spPr/>
+        <p:txBody>
+          <a:bodyPr/>
+          <a:lstStyle/>
+          <a:p>
+            <a:fld id="{BA5DFA43-8D57-47FB-BC46-057616015C3B}" type="slidenum">
+              <a:rPr lang="ko-KR" altLang="en-US" smtClean="0"/>
+              <a:t>5</a:t>
+            </a:fld>
+            <a:endParaRPr lang="ko-KR" altLang="en-US"/>
+          </a:p>
+        </p:txBody>
+      </p:sp>
+    </p:spTree>
+    <p:extLst>
+      <p:ext uri="{BB962C8B-B14F-4D97-AF65-F5344CB8AC3E}">
+        <p14:creationId xmlns:p14="http://schemas.microsoft.com/office/powerpoint/2010/main" val="3494691949"/>
       </p:ext>
     </p:extLst>
   </p:cSld>
@@ -614,10 +922,9 @@
           <a:lstStyle/>
           <a:p>
             <a:r>
-              <a:rPr lang="ko-KR" altLang="en-US" smtClean="0"/>
+              <a:rPr lang="ko-KR" altLang="en-US"/>
               <a:t>마스터 제목 스타일 편집</a:t>
             </a:r>
-            <a:endParaRPr lang="ko-KR" altLang="en-US"/>
           </a:p>
         </p:txBody>
       </p:sp>
@@ -733,10 +1040,9 @@
           </a:lstStyle>
           <a:p>
             <a:r>
-              <a:rPr lang="ko-KR" altLang="en-US" smtClean="0"/>
+              <a:rPr lang="ko-KR" altLang="en-US"/>
               <a:t>마스터 부제목 스타일 편집</a:t>
             </a:r>
-            <a:endParaRPr lang="ko-KR" altLang="en-US"/>
           </a:p>
         </p:txBody>
       </p:sp>
@@ -757,7 +1063,7 @@
           <a:p>
             <a:fld id="{FB30EDBD-1C2D-4C1E-B459-B60219FAB484}" type="datetimeFigureOut">
               <a:rPr lang="ko-KR" altLang="en-US" smtClean="0"/>
-              <a:t>2018-01-03</a:t>
+              <a:t>2022-02-06</a:t>
             </a:fld>
             <a:endParaRPr lang="ko-KR" altLang="en-US"/>
           </a:p>
@@ -846,10 +1152,9 @@
           <a:lstStyle/>
           <a:p>
             <a:r>
-              <a:rPr lang="ko-KR" altLang="en-US" smtClean="0"/>
+              <a:rPr lang="ko-KR" altLang="en-US"/>
               <a:t>마스터 제목 스타일 편집</a:t>
             </a:r>
-            <a:endParaRPr lang="ko-KR" altLang="en-US"/>
           </a:p>
         </p:txBody>
       </p:sp>
@@ -870,38 +1175,37 @@
           <a:p>
             <a:pPr lvl="0"/>
             <a:r>
-              <a:rPr lang="ko-KR" altLang="en-US" smtClean="0"/>
+              <a:rPr lang="ko-KR" altLang="en-US"/>
               <a:t>마스터 텍스트 스타일을 편집합니다</a:t>
             </a:r>
           </a:p>
           <a:p>
             <a:pPr lvl="1"/>
             <a:r>
-              <a:rPr lang="ko-KR" altLang="en-US" smtClean="0"/>
+              <a:rPr lang="ko-KR" altLang="en-US"/>
               <a:t>둘째 수준</a:t>
             </a:r>
           </a:p>
           <a:p>
             <a:pPr lvl="2"/>
             <a:r>
-              <a:rPr lang="ko-KR" altLang="en-US" smtClean="0"/>
+              <a:rPr lang="ko-KR" altLang="en-US"/>
               <a:t>셋째 수준</a:t>
             </a:r>
           </a:p>
           <a:p>
             <a:pPr lvl="3"/>
             <a:r>
-              <a:rPr lang="ko-KR" altLang="en-US" smtClean="0"/>
+              <a:rPr lang="ko-KR" altLang="en-US"/>
               <a:t>넷째 수준</a:t>
             </a:r>
           </a:p>
           <a:p>
             <a:pPr lvl="4"/>
             <a:r>
-              <a:rPr lang="ko-KR" altLang="en-US" smtClean="0"/>
+              <a:rPr lang="ko-KR" altLang="en-US"/>
               <a:t>다섯째 수준</a:t>
             </a:r>
-            <a:endParaRPr lang="ko-KR" altLang="en-US"/>
           </a:p>
         </p:txBody>
       </p:sp>
@@ -922,7 +1226,7 @@
           <a:p>
             <a:fld id="{FB30EDBD-1C2D-4C1E-B459-B60219FAB484}" type="datetimeFigureOut">
               <a:rPr lang="ko-KR" altLang="en-US" smtClean="0"/>
-              <a:t>2018-01-03</a:t>
+              <a:t>2022-02-06</a:t>
             </a:fld>
             <a:endParaRPr lang="ko-KR" altLang="en-US"/>
           </a:p>
@@ -1016,10 +1320,9 @@
           <a:lstStyle/>
           <a:p>
             <a:r>
-              <a:rPr lang="ko-KR" altLang="en-US" smtClean="0"/>
+              <a:rPr lang="ko-KR" altLang="en-US"/>
               <a:t>마스터 제목 스타일 편집</a:t>
             </a:r>
-            <a:endParaRPr lang="ko-KR" altLang="en-US"/>
           </a:p>
         </p:txBody>
       </p:sp>
@@ -1045,38 +1348,37 @@
           <a:p>
             <a:pPr lvl="0"/>
             <a:r>
-              <a:rPr lang="ko-KR" altLang="en-US" smtClean="0"/>
+              <a:rPr lang="ko-KR" altLang="en-US"/>
               <a:t>마스터 텍스트 스타일을 편집합니다</a:t>
             </a:r>
           </a:p>
           <a:p>
             <a:pPr lvl="1"/>
             <a:r>
-              <a:rPr lang="ko-KR" altLang="en-US" smtClean="0"/>
+              <a:rPr lang="ko-KR" altLang="en-US"/>
               <a:t>둘째 수준</a:t>
             </a:r>
           </a:p>
           <a:p>
             <a:pPr lvl="2"/>
             <a:r>
-              <a:rPr lang="ko-KR" altLang="en-US" smtClean="0"/>
+              <a:rPr lang="ko-KR" altLang="en-US"/>
               <a:t>셋째 수준</a:t>
             </a:r>
           </a:p>
           <a:p>
             <a:pPr lvl="3"/>
             <a:r>
-              <a:rPr lang="ko-KR" altLang="en-US" smtClean="0"/>
+              <a:rPr lang="ko-KR" altLang="en-US"/>
               <a:t>넷째 수준</a:t>
             </a:r>
           </a:p>
           <a:p>
             <a:pPr lvl="4"/>
             <a:r>
-              <a:rPr lang="ko-KR" altLang="en-US" smtClean="0"/>
+              <a:rPr lang="ko-KR" altLang="en-US"/>
               <a:t>다섯째 수준</a:t>
             </a:r>
-            <a:endParaRPr lang="ko-KR" altLang="en-US"/>
           </a:p>
         </p:txBody>
       </p:sp>
@@ -1097,7 +1399,7 @@
           <a:p>
             <a:fld id="{FB30EDBD-1C2D-4C1E-B459-B60219FAB484}" type="datetimeFigureOut">
               <a:rPr lang="ko-KR" altLang="en-US" smtClean="0"/>
-              <a:t>2018-01-03</a:t>
+              <a:t>2022-02-06</a:t>
             </a:fld>
             <a:endParaRPr lang="ko-KR" altLang="en-US"/>
           </a:p>
@@ -1186,10 +1488,9 @@
           <a:lstStyle/>
           <a:p>
             <a:r>
-              <a:rPr lang="ko-KR" altLang="en-US" smtClean="0"/>
+              <a:rPr lang="ko-KR" altLang="en-US"/>
               <a:t>마스터 제목 스타일 편집</a:t>
             </a:r>
-            <a:endParaRPr lang="ko-KR" altLang="en-US"/>
           </a:p>
         </p:txBody>
       </p:sp>
@@ -1210,38 +1511,37 @@
           <a:p>
             <a:pPr lvl="0"/>
             <a:r>
-              <a:rPr lang="ko-KR" altLang="en-US" smtClean="0"/>
+              <a:rPr lang="ko-KR" altLang="en-US"/>
               <a:t>마스터 텍스트 스타일을 편집합니다</a:t>
             </a:r>
           </a:p>
           <a:p>
             <a:pPr lvl="1"/>
             <a:r>
-              <a:rPr lang="ko-KR" altLang="en-US" smtClean="0"/>
+              <a:rPr lang="ko-KR" altLang="en-US"/>
               <a:t>둘째 수준</a:t>
             </a:r>
           </a:p>
           <a:p>
             <a:pPr lvl="2"/>
             <a:r>
-              <a:rPr lang="ko-KR" altLang="en-US" smtClean="0"/>
+              <a:rPr lang="ko-KR" altLang="en-US"/>
               <a:t>셋째 수준</a:t>
             </a:r>
           </a:p>
           <a:p>
             <a:pPr lvl="3"/>
             <a:r>
-              <a:rPr lang="ko-KR" altLang="en-US" smtClean="0"/>
+              <a:rPr lang="ko-KR" altLang="en-US"/>
               <a:t>넷째 수준</a:t>
             </a:r>
           </a:p>
           <a:p>
             <a:pPr lvl="4"/>
             <a:r>
-              <a:rPr lang="ko-KR" altLang="en-US" smtClean="0"/>
+              <a:rPr lang="ko-KR" altLang="en-US"/>
               <a:t>다섯째 수준</a:t>
             </a:r>
-            <a:endParaRPr lang="ko-KR" altLang="en-US"/>
           </a:p>
         </p:txBody>
       </p:sp>
@@ -1262,7 +1562,7 @@
           <a:p>
             <a:fld id="{FB30EDBD-1C2D-4C1E-B459-B60219FAB484}" type="datetimeFigureOut">
               <a:rPr lang="ko-KR" altLang="en-US" smtClean="0"/>
-              <a:t>2018-01-03</a:t>
+              <a:t>2022-02-06</a:t>
             </a:fld>
             <a:endParaRPr lang="ko-KR" altLang="en-US"/>
           </a:p>
@@ -1315,13 +1615,6 @@
   <p:clrMapOvr>
     <a:masterClrMapping/>
   </p:clrMapOvr>
-  <p:timing>
-    <p:tnLst>
-      <p:par>
-        <p:cTn id="1" dur="indefinite" restart="never" nodeType="tmRoot"/>
-      </p:par>
-    </p:tnLst>
-  </p:timing>
 </p:sldLayout>
 </file>
 
@@ -1367,10 +1660,9 @@
           </a:lstStyle>
           <a:p>
             <a:r>
-              <a:rPr lang="ko-KR" altLang="en-US" smtClean="0"/>
+              <a:rPr lang="ko-KR" altLang="en-US"/>
               <a:t>마스터 제목 스타일 편집</a:t>
             </a:r>
-            <a:endParaRPr lang="ko-KR" altLang="en-US"/>
           </a:p>
         </p:txBody>
       </p:sp>
@@ -1487,7 +1779,7 @@
           <a:p>
             <a:pPr lvl="0"/>
             <a:r>
-              <a:rPr lang="ko-KR" altLang="en-US" smtClean="0"/>
+              <a:rPr lang="ko-KR" altLang="en-US"/>
               <a:t>마스터 텍스트 스타일을 편집합니다</a:t>
             </a:r>
           </a:p>
@@ -1510,7 +1802,7 @@
           <a:p>
             <a:fld id="{FB30EDBD-1C2D-4C1E-B459-B60219FAB484}" type="datetimeFigureOut">
               <a:rPr lang="ko-KR" altLang="en-US" smtClean="0"/>
-              <a:t>2018-01-03</a:t>
+              <a:t>2022-02-06</a:t>
             </a:fld>
             <a:endParaRPr lang="ko-KR" altLang="en-US"/>
           </a:p>
@@ -1599,10 +1891,9 @@
           <a:lstStyle/>
           <a:p>
             <a:r>
-              <a:rPr lang="ko-KR" altLang="en-US" smtClean="0"/>
+              <a:rPr lang="ko-KR" altLang="en-US"/>
               <a:t>마스터 제목 스타일 편집</a:t>
             </a:r>
-            <a:endParaRPr lang="ko-KR" altLang="en-US"/>
           </a:p>
         </p:txBody>
       </p:sp>
@@ -1656,38 +1947,37 @@
           <a:p>
             <a:pPr lvl="0"/>
             <a:r>
-              <a:rPr lang="ko-KR" altLang="en-US" smtClean="0"/>
+              <a:rPr lang="ko-KR" altLang="en-US"/>
               <a:t>마스터 텍스트 스타일을 편집합니다</a:t>
             </a:r>
           </a:p>
           <a:p>
             <a:pPr lvl="1"/>
             <a:r>
-              <a:rPr lang="ko-KR" altLang="en-US" smtClean="0"/>
+              <a:rPr lang="ko-KR" altLang="en-US"/>
               <a:t>둘째 수준</a:t>
             </a:r>
           </a:p>
           <a:p>
             <a:pPr lvl="2"/>
             <a:r>
-              <a:rPr lang="ko-KR" altLang="en-US" smtClean="0"/>
+              <a:rPr lang="ko-KR" altLang="en-US"/>
               <a:t>셋째 수준</a:t>
             </a:r>
           </a:p>
           <a:p>
             <a:pPr lvl="3"/>
             <a:r>
-              <a:rPr lang="ko-KR" altLang="en-US" smtClean="0"/>
+              <a:rPr lang="ko-KR" altLang="en-US"/>
               <a:t>넷째 수준</a:t>
             </a:r>
           </a:p>
           <a:p>
             <a:pPr lvl="4"/>
             <a:r>
-              <a:rPr lang="ko-KR" altLang="en-US" smtClean="0"/>
+              <a:rPr lang="ko-KR" altLang="en-US"/>
               <a:t>다섯째 수준</a:t>
             </a:r>
-            <a:endParaRPr lang="ko-KR" altLang="en-US"/>
           </a:p>
         </p:txBody>
       </p:sp>
@@ -1741,38 +2031,37 @@
           <a:p>
             <a:pPr lvl="0"/>
             <a:r>
-              <a:rPr lang="ko-KR" altLang="en-US" smtClean="0"/>
+              <a:rPr lang="ko-KR" altLang="en-US"/>
               <a:t>마스터 텍스트 스타일을 편집합니다</a:t>
             </a:r>
           </a:p>
           <a:p>
             <a:pPr lvl="1"/>
             <a:r>
-              <a:rPr lang="ko-KR" altLang="en-US" smtClean="0"/>
+              <a:rPr lang="ko-KR" altLang="en-US"/>
               <a:t>둘째 수준</a:t>
             </a:r>
           </a:p>
           <a:p>
             <a:pPr lvl="2"/>
             <a:r>
-              <a:rPr lang="ko-KR" altLang="en-US" smtClean="0"/>
+              <a:rPr lang="ko-KR" altLang="en-US"/>
               <a:t>셋째 수준</a:t>
             </a:r>
           </a:p>
           <a:p>
             <a:pPr lvl="3"/>
             <a:r>
-              <a:rPr lang="ko-KR" altLang="en-US" smtClean="0"/>
+              <a:rPr lang="ko-KR" altLang="en-US"/>
               <a:t>넷째 수준</a:t>
             </a:r>
           </a:p>
           <a:p>
             <a:pPr lvl="4"/>
             <a:r>
-              <a:rPr lang="ko-KR" altLang="en-US" smtClean="0"/>
+              <a:rPr lang="ko-KR" altLang="en-US"/>
               <a:t>다섯째 수준</a:t>
             </a:r>
-            <a:endParaRPr lang="ko-KR" altLang="en-US"/>
           </a:p>
         </p:txBody>
       </p:sp>
@@ -1793,7 +2082,7 @@
           <a:p>
             <a:fld id="{FB30EDBD-1C2D-4C1E-B459-B60219FAB484}" type="datetimeFigureOut">
               <a:rPr lang="ko-KR" altLang="en-US" smtClean="0"/>
-              <a:t>2018-01-03</a:t>
+              <a:t>2022-02-06</a:t>
             </a:fld>
             <a:endParaRPr lang="ko-KR" altLang="en-US"/>
           </a:p>
@@ -1886,10 +2175,9 @@
           </a:lstStyle>
           <a:p>
             <a:r>
-              <a:rPr lang="ko-KR" altLang="en-US" smtClean="0"/>
+              <a:rPr lang="ko-KR" altLang="en-US"/>
               <a:t>마스터 제목 스타일 편집</a:t>
             </a:r>
-            <a:endParaRPr lang="ko-KR" altLang="en-US"/>
           </a:p>
         </p:txBody>
       </p:sp>
@@ -1952,7 +2240,7 @@
           <a:p>
             <a:pPr lvl="0"/>
             <a:r>
-              <a:rPr lang="ko-KR" altLang="en-US" smtClean="0"/>
+              <a:rPr lang="ko-KR" altLang="en-US"/>
               <a:t>마스터 텍스트 스타일을 편집합니다</a:t>
             </a:r>
           </a:p>
@@ -2008,38 +2296,37 @@
           <a:p>
             <a:pPr lvl="0"/>
             <a:r>
-              <a:rPr lang="ko-KR" altLang="en-US" smtClean="0"/>
+              <a:rPr lang="ko-KR" altLang="en-US"/>
               <a:t>마스터 텍스트 스타일을 편집합니다</a:t>
             </a:r>
           </a:p>
           <a:p>
             <a:pPr lvl="1"/>
             <a:r>
-              <a:rPr lang="ko-KR" altLang="en-US" smtClean="0"/>
+              <a:rPr lang="ko-KR" altLang="en-US"/>
               <a:t>둘째 수준</a:t>
             </a:r>
           </a:p>
           <a:p>
             <a:pPr lvl="2"/>
             <a:r>
-              <a:rPr lang="ko-KR" altLang="en-US" smtClean="0"/>
+              <a:rPr lang="ko-KR" altLang="en-US"/>
               <a:t>셋째 수준</a:t>
             </a:r>
           </a:p>
           <a:p>
             <a:pPr lvl="3"/>
             <a:r>
-              <a:rPr lang="ko-KR" altLang="en-US" smtClean="0"/>
+              <a:rPr lang="ko-KR" altLang="en-US"/>
               <a:t>넷째 수준</a:t>
             </a:r>
           </a:p>
           <a:p>
             <a:pPr lvl="4"/>
             <a:r>
-              <a:rPr lang="ko-KR" altLang="en-US" smtClean="0"/>
+              <a:rPr lang="ko-KR" altLang="en-US"/>
               <a:t>다섯째 수준</a:t>
             </a:r>
-            <a:endParaRPr lang="ko-KR" altLang="en-US"/>
           </a:p>
         </p:txBody>
       </p:sp>
@@ -2102,7 +2389,7 @@
           <a:p>
             <a:pPr lvl="0"/>
             <a:r>
-              <a:rPr lang="ko-KR" altLang="en-US" smtClean="0"/>
+              <a:rPr lang="ko-KR" altLang="en-US"/>
               <a:t>마스터 텍스트 스타일을 편집합니다</a:t>
             </a:r>
           </a:p>
@@ -2158,38 +2445,37 @@
           <a:p>
             <a:pPr lvl="0"/>
             <a:r>
-              <a:rPr lang="ko-KR" altLang="en-US" smtClean="0"/>
+              <a:rPr lang="ko-KR" altLang="en-US"/>
               <a:t>마스터 텍스트 스타일을 편집합니다</a:t>
             </a:r>
           </a:p>
           <a:p>
             <a:pPr lvl="1"/>
             <a:r>
-              <a:rPr lang="ko-KR" altLang="en-US" smtClean="0"/>
+              <a:rPr lang="ko-KR" altLang="en-US"/>
               <a:t>둘째 수준</a:t>
             </a:r>
           </a:p>
           <a:p>
             <a:pPr lvl="2"/>
             <a:r>
-              <a:rPr lang="ko-KR" altLang="en-US" smtClean="0"/>
+              <a:rPr lang="ko-KR" altLang="en-US"/>
               <a:t>셋째 수준</a:t>
             </a:r>
           </a:p>
           <a:p>
             <a:pPr lvl="3"/>
             <a:r>
-              <a:rPr lang="ko-KR" altLang="en-US" smtClean="0"/>
+              <a:rPr lang="ko-KR" altLang="en-US"/>
               <a:t>넷째 수준</a:t>
             </a:r>
           </a:p>
           <a:p>
             <a:pPr lvl="4"/>
             <a:r>
-              <a:rPr lang="ko-KR" altLang="en-US" smtClean="0"/>
+              <a:rPr lang="ko-KR" altLang="en-US"/>
               <a:t>다섯째 수준</a:t>
             </a:r>
-            <a:endParaRPr lang="ko-KR" altLang="en-US"/>
           </a:p>
         </p:txBody>
       </p:sp>
@@ -2210,7 +2496,7 @@
           <a:p>
             <a:fld id="{FB30EDBD-1C2D-4C1E-B459-B60219FAB484}" type="datetimeFigureOut">
               <a:rPr lang="ko-KR" altLang="en-US" smtClean="0"/>
-              <a:t>2018-01-03</a:t>
+              <a:t>2022-02-06</a:t>
             </a:fld>
             <a:endParaRPr lang="ko-KR" altLang="en-US"/>
           </a:p>
@@ -2299,10 +2585,9 @@
           <a:lstStyle/>
           <a:p>
             <a:r>
-              <a:rPr lang="ko-KR" altLang="en-US" smtClean="0"/>
+              <a:rPr lang="ko-KR" altLang="en-US"/>
               <a:t>마스터 제목 스타일 편집</a:t>
             </a:r>
-            <a:endParaRPr lang="ko-KR" altLang="en-US"/>
           </a:p>
         </p:txBody>
       </p:sp>
@@ -2323,7 +2608,7 @@
           <a:p>
             <a:fld id="{FB30EDBD-1C2D-4C1E-B459-B60219FAB484}" type="datetimeFigureOut">
               <a:rPr lang="ko-KR" altLang="en-US" smtClean="0"/>
-              <a:t>2018-01-03</a:t>
+              <a:t>2022-02-06</a:t>
             </a:fld>
             <a:endParaRPr lang="ko-KR" altLang="en-US"/>
           </a:p>
@@ -2413,7 +2698,7 @@
           <a:p>
             <a:fld id="{FB30EDBD-1C2D-4C1E-B459-B60219FAB484}" type="datetimeFigureOut">
               <a:rPr lang="ko-KR" altLang="en-US" smtClean="0"/>
-              <a:t>2018-01-03</a:t>
+              <a:t>2022-02-06</a:t>
             </a:fld>
             <a:endParaRPr lang="ko-KR" altLang="en-US"/>
           </a:p>
@@ -2511,10 +2796,9 @@
           </a:lstStyle>
           <a:p>
             <a:r>
-              <a:rPr lang="ko-KR" altLang="en-US" smtClean="0"/>
+              <a:rPr lang="ko-KR" altLang="en-US"/>
               <a:t>마스터 제목 스타일 편집</a:t>
             </a:r>
-            <a:endParaRPr lang="ko-KR" altLang="en-US"/>
           </a:p>
         </p:txBody>
       </p:sp>
@@ -2568,38 +2852,37 @@
           <a:p>
             <a:pPr lvl="0"/>
             <a:r>
-              <a:rPr lang="ko-KR" altLang="en-US" smtClean="0"/>
+              <a:rPr lang="ko-KR" altLang="en-US"/>
               <a:t>마스터 텍스트 스타일을 편집합니다</a:t>
             </a:r>
           </a:p>
           <a:p>
             <a:pPr lvl="1"/>
             <a:r>
-              <a:rPr lang="ko-KR" altLang="en-US" smtClean="0"/>
+              <a:rPr lang="ko-KR" altLang="en-US"/>
               <a:t>둘째 수준</a:t>
             </a:r>
           </a:p>
           <a:p>
             <a:pPr lvl="2"/>
             <a:r>
-              <a:rPr lang="ko-KR" altLang="en-US" smtClean="0"/>
+              <a:rPr lang="ko-KR" altLang="en-US"/>
               <a:t>셋째 수준</a:t>
             </a:r>
           </a:p>
           <a:p>
             <a:pPr lvl="3"/>
             <a:r>
-              <a:rPr lang="ko-KR" altLang="en-US" smtClean="0"/>
+              <a:rPr lang="ko-KR" altLang="en-US"/>
               <a:t>넷째 수준</a:t>
             </a:r>
           </a:p>
           <a:p>
             <a:pPr lvl="4"/>
             <a:r>
-              <a:rPr lang="ko-KR" altLang="en-US" smtClean="0"/>
+              <a:rPr lang="ko-KR" altLang="en-US"/>
               <a:t>다섯째 수준</a:t>
             </a:r>
-            <a:endParaRPr lang="ko-KR" altLang="en-US"/>
           </a:p>
         </p:txBody>
       </p:sp>
@@ -2662,7 +2945,7 @@
           <a:p>
             <a:pPr lvl="0"/>
             <a:r>
-              <a:rPr lang="ko-KR" altLang="en-US" smtClean="0"/>
+              <a:rPr lang="ko-KR" altLang="en-US"/>
               <a:t>마스터 텍스트 스타일을 편집합니다</a:t>
             </a:r>
           </a:p>
@@ -2685,7 +2968,7 @@
           <a:p>
             <a:fld id="{FB30EDBD-1C2D-4C1E-B459-B60219FAB484}" type="datetimeFigureOut">
               <a:rPr lang="ko-KR" altLang="en-US" smtClean="0"/>
-              <a:t>2018-01-03</a:t>
+              <a:t>2022-02-06</a:t>
             </a:fld>
             <a:endParaRPr lang="ko-KR" altLang="en-US"/>
           </a:p>
@@ -2783,10 +3066,9 @@
           </a:lstStyle>
           <a:p>
             <a:r>
-              <a:rPr lang="ko-KR" altLang="en-US" smtClean="0"/>
+              <a:rPr lang="ko-KR" altLang="en-US"/>
               <a:t>마스터 제목 스타일 편집</a:t>
             </a:r>
-            <a:endParaRPr lang="ko-KR" altLang="en-US"/>
           </a:p>
         </p:txBody>
       </p:sp>
@@ -2910,7 +3192,7 @@
           <a:p>
             <a:pPr lvl="0"/>
             <a:r>
-              <a:rPr lang="ko-KR" altLang="en-US" smtClean="0"/>
+              <a:rPr lang="ko-KR" altLang="en-US"/>
               <a:t>마스터 텍스트 스타일을 편집합니다</a:t>
             </a:r>
           </a:p>
@@ -2933,7 +3215,7 @@
           <a:p>
             <a:fld id="{FB30EDBD-1C2D-4C1E-B459-B60219FAB484}" type="datetimeFigureOut">
               <a:rPr lang="ko-KR" altLang="en-US" smtClean="0"/>
-              <a:t>2018-01-03</a:t>
+              <a:t>2022-02-06</a:t>
             </a:fld>
             <a:endParaRPr lang="ko-KR" altLang="en-US"/>
           </a:p>
@@ -3037,10 +3319,9 @@
           <a:lstStyle/>
           <a:p>
             <a:r>
-              <a:rPr lang="ko-KR" altLang="en-US" smtClean="0"/>
+              <a:rPr lang="ko-KR" altLang="en-US"/>
               <a:t>마스터 제목 스타일 편집</a:t>
             </a:r>
-            <a:endParaRPr lang="ko-KR" altLang="en-US"/>
           </a:p>
         </p:txBody>
       </p:sp>
@@ -3071,38 +3352,37 @@
           <a:p>
             <a:pPr lvl="0"/>
             <a:r>
-              <a:rPr lang="ko-KR" altLang="en-US" smtClean="0"/>
+              <a:rPr lang="ko-KR" altLang="en-US"/>
               <a:t>마스터 텍스트 스타일을 편집합니다</a:t>
             </a:r>
           </a:p>
           <a:p>
             <a:pPr lvl="1"/>
             <a:r>
-              <a:rPr lang="ko-KR" altLang="en-US" smtClean="0"/>
+              <a:rPr lang="ko-KR" altLang="en-US"/>
               <a:t>둘째 수준</a:t>
             </a:r>
           </a:p>
           <a:p>
             <a:pPr lvl="2"/>
             <a:r>
-              <a:rPr lang="ko-KR" altLang="en-US" smtClean="0"/>
+              <a:rPr lang="ko-KR" altLang="en-US"/>
               <a:t>셋째 수준</a:t>
             </a:r>
           </a:p>
           <a:p>
             <a:pPr lvl="3"/>
             <a:r>
-              <a:rPr lang="ko-KR" altLang="en-US" smtClean="0"/>
+              <a:rPr lang="ko-KR" altLang="en-US"/>
               <a:t>넷째 수준</a:t>
             </a:r>
           </a:p>
           <a:p>
             <a:pPr lvl="4"/>
             <a:r>
-              <a:rPr lang="ko-KR" altLang="en-US" smtClean="0"/>
+              <a:rPr lang="ko-KR" altLang="en-US"/>
               <a:t>다섯째 수준</a:t>
             </a:r>
-            <a:endParaRPr lang="ko-KR" altLang="en-US"/>
           </a:p>
         </p:txBody>
       </p:sp>
@@ -3141,7 +3421,7 @@
           <a:p>
             <a:fld id="{FB30EDBD-1C2D-4C1E-B459-B60219FAB484}" type="datetimeFigureOut">
               <a:rPr lang="ko-KR" altLang="en-US" smtClean="0"/>
-              <a:t>2018-01-03</a:t>
+              <a:t>2022-02-06</a:t>
             </a:fld>
             <a:endParaRPr lang="ko-KR" altLang="en-US"/>
           </a:p>
@@ -3534,7 +3814,7 @@
           <a:lstStyle/>
           <a:p>
             <a:r>
-              <a:rPr lang="en-US" altLang="ko-KR" dirty="0" smtClean="0"/>
+              <a:rPr lang="en-US" altLang="ko-KR" dirty="0"/>
               <a:t>Database Indexing</a:t>
             </a:r>
             <a:endParaRPr lang="ko-KR" altLang="en-US" dirty="0"/>
@@ -3550,7 +3830,7 @@
           <p:nvPr>
             <p:extLst>
               <p:ext uri="{D42A27DB-BD31-4B8C-83A1-F6EECF244321}">
-                <p14:modId xmlns:p14="http://schemas.microsoft.com/office/powerpoint/2010/main" val="2652617355"/>
+                <p14:modId xmlns:p14="http://schemas.microsoft.com/office/powerpoint/2010/main" val="2796950130"/>
               </p:ext>
             </p:extLst>
           </p:nvPr>
@@ -3566,8 +3846,20 @@
                 <a:tableStyleId>{5940675A-B579-460E-94D1-54222C63F5DA}</a:tableStyleId>
               </a:tblPr>
               <a:tblGrid>
-                <a:gridCol w="972108"/>
-                <a:gridCol w="972108"/>
+                <a:gridCol w="972108">
+                  <a:extLst>
+                    <a:ext uri="{9D8B030D-6E8A-4147-A177-3AD203B41FA5}">
+                      <a16:colId xmlns:a16="http://schemas.microsoft.com/office/drawing/2014/main" val="20000"/>
+                    </a:ext>
+                  </a:extLst>
+                </a:gridCol>
+                <a:gridCol w="972108">
+                  <a:extLst>
+                    <a:ext uri="{9D8B030D-6E8A-4147-A177-3AD203B41FA5}">
+                      <a16:colId xmlns:a16="http://schemas.microsoft.com/office/drawing/2014/main" val="20001"/>
+                    </a:ext>
+                  </a:extLst>
+                </a:gridCol>
               </a:tblGrid>
               <a:tr h="228025">
                 <a:tc>
@@ -3577,7 +3869,7 @@
                     <a:p>
                       <a:pPr algn="ctr" latinLnBrk="1"/>
                       <a:r>
-                        <a:rPr lang="en-US" altLang="ko-KR" sz="1400" dirty="0" smtClean="0"/>
+                        <a:rPr lang="en-US" altLang="ko-KR" sz="1400" dirty="0"/>
                         <a:t>State</a:t>
                       </a:r>
                       <a:endParaRPr lang="ko-KR" altLang="en-US" sz="1400" dirty="0"/>
@@ -3598,8 +3890,8 @@
                     <a:p>
                       <a:pPr algn="ctr" latinLnBrk="1"/>
                       <a:r>
-                        <a:rPr lang="en-US" altLang="ko-KR" sz="1400" dirty="0" smtClean="0"/>
-                        <a:t>Row</a:t>
+                        <a:rPr lang="en-US" altLang="ko-KR" sz="1400"/>
+                        <a:t>Fruit ID</a:t>
                       </a:r>
                       <a:endParaRPr lang="ko-KR" altLang="en-US" sz="1400" dirty="0"/>
                     </a:p>
@@ -3612,6 +3904,11 @@
                     </a:solidFill>
                   </a:tcPr>
                 </a:tc>
+                <a:extLst>
+                  <a:ext uri="{0D108BD9-81ED-4DB2-BD59-A6C34878D82A}">
+                    <a16:rowId xmlns:a16="http://schemas.microsoft.com/office/drawing/2014/main" val="10000"/>
+                  </a:ext>
+                </a:extLst>
               </a:tr>
               <a:tr h="228025">
                 <a:tc>
@@ -3621,7 +3918,7 @@
                     <a:p>
                       <a:pPr algn="ctr" latinLnBrk="1"/>
                       <a:r>
-                        <a:rPr lang="en-US" altLang="ko-KR" sz="1400" dirty="0" smtClean="0"/>
+                        <a:rPr lang="en-US" altLang="ko-KR" sz="1400" dirty="0"/>
                         <a:t>CA</a:t>
                       </a:r>
                       <a:endParaRPr lang="ko-KR" altLang="en-US" sz="1400" dirty="0"/>
@@ -3636,7 +3933,7 @@
                     <a:p>
                       <a:pPr algn="ctr" latinLnBrk="1"/>
                       <a:r>
-                        <a:rPr lang="en-US" altLang="ko-KR" sz="1400" dirty="0" smtClean="0"/>
+                        <a:rPr lang="en-US" altLang="ko-KR" sz="1400" dirty="0"/>
                         <a:t>4</a:t>
                       </a:r>
                       <a:endParaRPr lang="ko-KR" altLang="en-US" sz="1400" dirty="0"/>
@@ -3650,6 +3947,11 @@
                     </a:solidFill>
                   </a:tcPr>
                 </a:tc>
+                <a:extLst>
+                  <a:ext uri="{0D108BD9-81ED-4DB2-BD59-A6C34878D82A}">
+                    <a16:rowId xmlns:a16="http://schemas.microsoft.com/office/drawing/2014/main" val="10001"/>
+                  </a:ext>
+                </a:extLst>
               </a:tr>
               <a:tr h="228025">
                 <a:tc>
@@ -3659,7 +3961,7 @@
                     <a:p>
                       <a:pPr algn="ctr" latinLnBrk="1"/>
                       <a:r>
-                        <a:rPr lang="en-US" altLang="ko-KR" sz="1400" dirty="0" smtClean="0"/>
+                        <a:rPr lang="en-US" altLang="ko-KR" sz="1400" dirty="0"/>
                         <a:t>CA</a:t>
                       </a:r>
                       <a:endParaRPr lang="ko-KR" altLang="en-US" sz="1400" dirty="0"/>
@@ -3674,7 +3976,7 @@
                     <a:p>
                       <a:pPr algn="ctr" latinLnBrk="1"/>
                       <a:r>
-                        <a:rPr lang="en-US" altLang="ko-KR" sz="1400" dirty="0" smtClean="0"/>
+                        <a:rPr lang="en-US" altLang="ko-KR" sz="1400" dirty="0"/>
                         <a:t>7</a:t>
                       </a:r>
                       <a:endParaRPr lang="ko-KR" altLang="en-US" sz="1400" dirty="0"/>
@@ -3688,6 +3990,11 @@
                     </a:solidFill>
                   </a:tcPr>
                 </a:tc>
+                <a:extLst>
+                  <a:ext uri="{0D108BD9-81ED-4DB2-BD59-A6C34878D82A}">
+                    <a16:rowId xmlns:a16="http://schemas.microsoft.com/office/drawing/2014/main" val="10002"/>
+                  </a:ext>
+                </a:extLst>
               </a:tr>
               <a:tr h="228025">
                 <a:tc>
@@ -3697,7 +4004,7 @@
                     <a:p>
                       <a:pPr algn="ctr" latinLnBrk="1"/>
                       <a:r>
-                        <a:rPr lang="en-US" altLang="ko-KR" sz="1400" dirty="0" smtClean="0"/>
+                        <a:rPr lang="en-US" altLang="ko-KR" sz="1400" dirty="0"/>
                         <a:t>FL</a:t>
                       </a:r>
                       <a:endParaRPr lang="ko-KR" altLang="en-US" sz="1400" dirty="0"/>
@@ -3712,7 +4019,7 @@
                     <a:p>
                       <a:pPr algn="ctr" latinLnBrk="1"/>
                       <a:r>
-                        <a:rPr lang="en-US" altLang="ko-KR" sz="1400" dirty="0" smtClean="0"/>
+                        <a:rPr lang="en-US" altLang="ko-KR" sz="1400" dirty="0"/>
                         <a:t>1</a:t>
                       </a:r>
                       <a:endParaRPr lang="ko-KR" altLang="en-US" sz="1400" dirty="0"/>
@@ -3726,6 +4033,11 @@
                     </a:solidFill>
                   </a:tcPr>
                 </a:tc>
+                <a:extLst>
+                  <a:ext uri="{0D108BD9-81ED-4DB2-BD59-A6C34878D82A}">
+                    <a16:rowId xmlns:a16="http://schemas.microsoft.com/office/drawing/2014/main" val="10003"/>
+                  </a:ext>
+                </a:extLst>
               </a:tr>
               <a:tr h="228025">
                 <a:tc>
@@ -3735,7 +4047,7 @@
                     <a:p>
                       <a:pPr algn="ctr" latinLnBrk="1"/>
                       <a:r>
-                        <a:rPr lang="en-US" altLang="ko-KR" sz="1400" dirty="0" smtClean="0"/>
+                        <a:rPr lang="en-US" altLang="ko-KR" sz="1400" dirty="0"/>
                         <a:t>FL</a:t>
                       </a:r>
                       <a:endParaRPr lang="ko-KR" altLang="en-US" sz="1400" dirty="0"/>
@@ -3750,7 +4062,7 @@
                     <a:p>
                       <a:pPr algn="ctr" latinLnBrk="1"/>
                       <a:r>
-                        <a:rPr lang="en-US" altLang="ko-KR" sz="1400" dirty="0" smtClean="0"/>
+                        <a:rPr lang="en-US" altLang="ko-KR" sz="1400" dirty="0"/>
                         <a:t>5</a:t>
                       </a:r>
                       <a:endParaRPr lang="ko-KR" altLang="en-US" sz="1400" dirty="0"/>
@@ -3764,6 +4076,11 @@
                     </a:solidFill>
                   </a:tcPr>
                 </a:tc>
+                <a:extLst>
+                  <a:ext uri="{0D108BD9-81ED-4DB2-BD59-A6C34878D82A}">
+                    <a16:rowId xmlns:a16="http://schemas.microsoft.com/office/drawing/2014/main" val="10004"/>
+                  </a:ext>
+                </a:extLst>
               </a:tr>
               <a:tr h="228025">
                 <a:tc>
@@ -3773,7 +4090,7 @@
                     <a:p>
                       <a:pPr algn="ctr" latinLnBrk="1"/>
                       <a:r>
-                        <a:rPr lang="en-US" altLang="ko-KR" sz="1400" dirty="0" smtClean="0"/>
+                        <a:rPr lang="en-US" altLang="ko-KR" sz="1400" dirty="0"/>
                         <a:t>NC</a:t>
                       </a:r>
                       <a:endParaRPr lang="ko-KR" altLang="en-US" sz="1400" dirty="0"/>
@@ -3788,7 +4105,7 @@
                     <a:p>
                       <a:pPr algn="ctr" latinLnBrk="1"/>
                       <a:r>
-                        <a:rPr lang="en-US" altLang="ko-KR" sz="1400" dirty="0" smtClean="0"/>
+                        <a:rPr lang="en-US" altLang="ko-KR" sz="1400" dirty="0"/>
                         <a:t>2</a:t>
                       </a:r>
                       <a:endParaRPr lang="ko-KR" altLang="en-US" sz="1400" dirty="0"/>
@@ -3802,6 +4119,11 @@
                     </a:solidFill>
                   </a:tcPr>
                 </a:tc>
+                <a:extLst>
+                  <a:ext uri="{0D108BD9-81ED-4DB2-BD59-A6C34878D82A}">
+                    <a16:rowId xmlns:a16="http://schemas.microsoft.com/office/drawing/2014/main" val="10005"/>
+                  </a:ext>
+                </a:extLst>
               </a:tr>
               <a:tr h="228025">
                 <a:tc>
@@ -3811,7 +4133,7 @@
                     <a:p>
                       <a:pPr algn="ctr" latinLnBrk="1"/>
                       <a:r>
-                        <a:rPr lang="en-US" altLang="ko-KR" sz="1400" dirty="0" smtClean="0"/>
+                        <a:rPr lang="en-US" altLang="ko-KR" sz="1400" dirty="0"/>
                         <a:t>NC</a:t>
                       </a:r>
                       <a:endParaRPr lang="ko-KR" altLang="en-US" sz="1400" dirty="0"/>
@@ -3826,7 +4148,7 @@
                     <a:p>
                       <a:pPr algn="ctr" latinLnBrk="1"/>
                       <a:r>
-                        <a:rPr lang="en-US" altLang="ko-KR" sz="1400" dirty="0" smtClean="0"/>
+                        <a:rPr lang="en-US" altLang="ko-KR" sz="1400" dirty="0"/>
                         <a:t>6</a:t>
                       </a:r>
                       <a:endParaRPr lang="ko-KR" altLang="en-US" sz="1400" dirty="0"/>
@@ -3840,6 +4162,11 @@
                     </a:solidFill>
                   </a:tcPr>
                 </a:tc>
+                <a:extLst>
+                  <a:ext uri="{0D108BD9-81ED-4DB2-BD59-A6C34878D82A}">
+                    <a16:rowId xmlns:a16="http://schemas.microsoft.com/office/drawing/2014/main" val="10006"/>
+                  </a:ext>
+                </a:extLst>
               </a:tr>
               <a:tr h="228025">
                 <a:tc>
@@ -3849,7 +4176,7 @@
                     <a:p>
                       <a:pPr algn="ctr" latinLnBrk="1"/>
                       <a:r>
-                        <a:rPr lang="en-US" altLang="ko-KR" sz="1400" dirty="0" smtClean="0"/>
+                        <a:rPr lang="en-US" altLang="ko-KR" sz="1400" dirty="0"/>
                         <a:t>SC</a:t>
                       </a:r>
                       <a:endParaRPr lang="ko-KR" altLang="en-US" sz="1400" dirty="0"/>
@@ -3864,7 +4191,7 @@
                     <a:p>
                       <a:pPr algn="ctr" latinLnBrk="1"/>
                       <a:r>
-                        <a:rPr lang="en-US" altLang="ko-KR" sz="1400" dirty="0" smtClean="0"/>
+                        <a:rPr lang="en-US" altLang="ko-KR" sz="1400" dirty="0"/>
                         <a:t>3</a:t>
                       </a:r>
                       <a:endParaRPr lang="ko-KR" altLang="en-US" sz="1400" dirty="0"/>
@@ -3878,6 +4205,11 @@
                     </a:solidFill>
                   </a:tcPr>
                 </a:tc>
+                <a:extLst>
+                  <a:ext uri="{0D108BD9-81ED-4DB2-BD59-A6C34878D82A}">
+                    <a16:rowId xmlns:a16="http://schemas.microsoft.com/office/drawing/2014/main" val="10007"/>
+                  </a:ext>
+                </a:extLst>
               </a:tr>
             </a:tbl>
           </a:graphicData>
@@ -3892,7 +4224,7 @@
           <p:nvPr>
             <p:extLst>
               <p:ext uri="{D42A27DB-BD31-4B8C-83A1-F6EECF244321}">
-                <p14:modId xmlns:p14="http://schemas.microsoft.com/office/powerpoint/2010/main" val="1656784526"/>
+                <p14:modId xmlns:p14="http://schemas.microsoft.com/office/powerpoint/2010/main" val="2629296451"/>
               </p:ext>
             </p:extLst>
           </p:nvPr>
@@ -3908,9 +4240,27 @@
                 <a:tableStyleId>{5940675A-B579-460E-94D1-54222C63F5DA}</a:tableStyleId>
               </a:tblPr>
               <a:tblGrid>
-                <a:gridCol w="984109"/>
-                <a:gridCol w="984109"/>
-                <a:gridCol w="984109"/>
+                <a:gridCol w="984109">
+                  <a:extLst>
+                    <a:ext uri="{9D8B030D-6E8A-4147-A177-3AD203B41FA5}">
+                      <a16:colId xmlns:a16="http://schemas.microsoft.com/office/drawing/2014/main" val="20000"/>
+                    </a:ext>
+                  </a:extLst>
+                </a:gridCol>
+                <a:gridCol w="984109">
+                  <a:extLst>
+                    <a:ext uri="{9D8B030D-6E8A-4147-A177-3AD203B41FA5}">
+                      <a16:colId xmlns:a16="http://schemas.microsoft.com/office/drawing/2014/main" val="20001"/>
+                    </a:ext>
+                  </a:extLst>
+                </a:gridCol>
+                <a:gridCol w="984109">
+                  <a:extLst>
+                    <a:ext uri="{9D8B030D-6E8A-4147-A177-3AD203B41FA5}">
+                      <a16:colId xmlns:a16="http://schemas.microsoft.com/office/drawing/2014/main" val="20002"/>
+                    </a:ext>
+                  </a:extLst>
+                </a:gridCol>
               </a:tblGrid>
               <a:tr h="228025">
                 <a:tc>
@@ -3920,8 +4270,8 @@
                     <a:p>
                       <a:pPr algn="ctr" latinLnBrk="1"/>
                       <a:r>
-                        <a:rPr lang="en-US" altLang="ko-KR" sz="1400" dirty="0" smtClean="0"/>
-                        <a:t>Row</a:t>
+                        <a:rPr lang="en-US" altLang="ko-KR" sz="1400"/>
+                        <a:t>Fruit ID</a:t>
                       </a:r>
                       <a:endParaRPr lang="ko-KR" altLang="en-US" sz="1400" dirty="0"/>
                     </a:p>
@@ -3941,7 +4291,7 @@
                     <a:p>
                       <a:pPr algn="ctr" latinLnBrk="1"/>
                       <a:r>
-                        <a:rPr lang="en-US" altLang="ko-KR" sz="1400" dirty="0" smtClean="0"/>
+                        <a:rPr lang="en-US" altLang="ko-KR" sz="1400" dirty="0"/>
                         <a:t>Fruit</a:t>
                       </a:r>
                       <a:endParaRPr lang="ko-KR" altLang="en-US" sz="1400" dirty="0"/>
@@ -3962,7 +4312,7 @@
                     <a:p>
                       <a:pPr algn="ctr" latinLnBrk="1"/>
                       <a:r>
-                        <a:rPr lang="en-US" altLang="ko-KR" sz="1400" dirty="0" smtClean="0"/>
+                        <a:rPr lang="en-US" altLang="ko-KR" sz="1400" dirty="0"/>
                         <a:t>State</a:t>
                       </a:r>
                       <a:endParaRPr lang="ko-KR" altLang="en-US" sz="1400" dirty="0"/>
@@ -3976,6 +4326,11 @@
                     </a:solidFill>
                   </a:tcPr>
                 </a:tc>
+                <a:extLst>
+                  <a:ext uri="{0D108BD9-81ED-4DB2-BD59-A6C34878D82A}">
+                    <a16:rowId xmlns:a16="http://schemas.microsoft.com/office/drawing/2014/main" val="10000"/>
+                  </a:ext>
+                </a:extLst>
               </a:tr>
               <a:tr h="228025">
                 <a:tc>
@@ -3985,7 +4340,7 @@
                     <a:p>
                       <a:pPr algn="ctr" latinLnBrk="1"/>
                       <a:r>
-                        <a:rPr lang="en-US" altLang="ko-KR" sz="1400" dirty="0" smtClean="0"/>
+                        <a:rPr lang="en-US" altLang="ko-KR" sz="1400" dirty="0"/>
                         <a:t>1</a:t>
                       </a:r>
                       <a:endParaRPr lang="ko-KR" altLang="en-US" sz="1400" dirty="0"/>
@@ -4006,7 +4361,7 @@
                     <a:p>
                       <a:pPr algn="ctr" latinLnBrk="1"/>
                       <a:r>
-                        <a:rPr lang="en-US" altLang="ko-KR" sz="1400" dirty="0" smtClean="0"/>
+                        <a:rPr lang="en-US" altLang="ko-KR" sz="1400" dirty="0"/>
                         <a:t>Orange</a:t>
                       </a:r>
                       <a:endParaRPr lang="ko-KR" altLang="en-US" sz="1400" dirty="0"/>
@@ -4021,7 +4376,7 @@
                     <a:p>
                       <a:pPr algn="ctr" latinLnBrk="1"/>
                       <a:r>
-                        <a:rPr lang="en-US" altLang="ko-KR" sz="1400" dirty="0" smtClean="0"/>
+                        <a:rPr lang="en-US" altLang="ko-KR" sz="1400" dirty="0"/>
                         <a:t>FL</a:t>
                       </a:r>
                       <a:endParaRPr lang="ko-KR" altLang="en-US" sz="1400" dirty="0"/>
@@ -4029,6 +4384,11 @@
                   </a:txBody>
                   <a:tcPr/>
                 </a:tc>
+                <a:extLst>
+                  <a:ext uri="{0D108BD9-81ED-4DB2-BD59-A6C34878D82A}">
+                    <a16:rowId xmlns:a16="http://schemas.microsoft.com/office/drawing/2014/main" val="10001"/>
+                  </a:ext>
+                </a:extLst>
               </a:tr>
               <a:tr h="228025">
                 <a:tc>
@@ -4038,7 +4398,7 @@
                     <a:p>
                       <a:pPr algn="ctr" latinLnBrk="1"/>
                       <a:r>
-                        <a:rPr lang="en-US" altLang="ko-KR" sz="1400" dirty="0" smtClean="0"/>
+                        <a:rPr lang="en-US" altLang="ko-KR" sz="1400" dirty="0"/>
                         <a:t>2</a:t>
                       </a:r>
                       <a:endParaRPr lang="ko-KR" altLang="en-US" sz="1400" dirty="0"/>
@@ -4059,7 +4419,7 @@
                     <a:p>
                       <a:pPr algn="ctr" latinLnBrk="1"/>
                       <a:r>
-                        <a:rPr lang="en-US" altLang="ko-KR" sz="1400" dirty="0" smtClean="0"/>
+                        <a:rPr lang="en-US" altLang="ko-KR" sz="1400" dirty="0"/>
                         <a:t>Apple</a:t>
                       </a:r>
                       <a:endParaRPr lang="ko-KR" altLang="en-US" sz="1400" dirty="0"/>
@@ -4074,7 +4434,7 @@
                     <a:p>
                       <a:pPr algn="ctr" latinLnBrk="1"/>
                       <a:r>
-                        <a:rPr lang="en-US" altLang="ko-KR" sz="1400" dirty="0" smtClean="0"/>
+                        <a:rPr lang="en-US" altLang="ko-KR" sz="1400" dirty="0"/>
                         <a:t>NC</a:t>
                       </a:r>
                       <a:endParaRPr lang="ko-KR" altLang="en-US" sz="1400" dirty="0"/>
@@ -4082,6 +4442,11 @@
                   </a:txBody>
                   <a:tcPr/>
                 </a:tc>
+                <a:extLst>
+                  <a:ext uri="{0D108BD9-81ED-4DB2-BD59-A6C34878D82A}">
+                    <a16:rowId xmlns:a16="http://schemas.microsoft.com/office/drawing/2014/main" val="10002"/>
+                  </a:ext>
+                </a:extLst>
               </a:tr>
               <a:tr h="228025">
                 <a:tc>
@@ -4091,7 +4456,7 @@
                     <a:p>
                       <a:pPr algn="ctr" latinLnBrk="1"/>
                       <a:r>
-                        <a:rPr lang="en-US" altLang="ko-KR" sz="1400" dirty="0" smtClean="0"/>
+                        <a:rPr lang="en-US" altLang="ko-KR" sz="1400" dirty="0"/>
                         <a:t>3</a:t>
                       </a:r>
                       <a:endParaRPr lang="ko-KR" altLang="en-US" sz="1400" dirty="0"/>
@@ -4112,7 +4477,7 @@
                     <a:p>
                       <a:pPr algn="ctr" latinLnBrk="1"/>
                       <a:r>
-                        <a:rPr lang="en-US" altLang="ko-KR" sz="1400" dirty="0" smtClean="0"/>
+                        <a:rPr lang="en-US" altLang="ko-KR" sz="1400" dirty="0"/>
                         <a:t>Peach</a:t>
                       </a:r>
                       <a:endParaRPr lang="ko-KR" altLang="en-US" sz="1400" dirty="0"/>
@@ -4127,7 +4492,7 @@
                     <a:p>
                       <a:pPr algn="ctr" latinLnBrk="1"/>
                       <a:r>
-                        <a:rPr lang="en-US" altLang="ko-KR" sz="1400" dirty="0" smtClean="0"/>
+                        <a:rPr lang="en-US" altLang="ko-KR" sz="1400" dirty="0"/>
                         <a:t>SC</a:t>
                       </a:r>
                       <a:endParaRPr lang="ko-KR" altLang="en-US" sz="1400" dirty="0"/>
@@ -4135,6 +4500,11 @@
                   </a:txBody>
                   <a:tcPr/>
                 </a:tc>
+                <a:extLst>
+                  <a:ext uri="{0D108BD9-81ED-4DB2-BD59-A6C34878D82A}">
+                    <a16:rowId xmlns:a16="http://schemas.microsoft.com/office/drawing/2014/main" val="10003"/>
+                  </a:ext>
+                </a:extLst>
               </a:tr>
               <a:tr h="228025">
                 <a:tc>
@@ -4144,7 +4514,7 @@
                     <a:p>
                       <a:pPr algn="ctr" latinLnBrk="1"/>
                       <a:r>
-                        <a:rPr lang="en-US" altLang="ko-KR" sz="1400" dirty="0" smtClean="0"/>
+                        <a:rPr lang="en-US" altLang="ko-KR" sz="1400" dirty="0"/>
                         <a:t>4</a:t>
                       </a:r>
                       <a:endParaRPr lang="ko-KR" altLang="en-US" sz="1400" dirty="0"/>
@@ -4165,7 +4535,7 @@
                     <a:p>
                       <a:pPr algn="ctr" latinLnBrk="1"/>
                       <a:r>
-                        <a:rPr lang="en-US" altLang="ko-KR" sz="1400" dirty="0" smtClean="0"/>
+                        <a:rPr lang="en-US" altLang="ko-KR" sz="1400" dirty="0"/>
                         <a:t>Grape</a:t>
                       </a:r>
                       <a:endParaRPr lang="ko-KR" altLang="en-US" sz="1400" dirty="0"/>
@@ -4180,7 +4550,7 @@
                     <a:p>
                       <a:pPr algn="ctr" latinLnBrk="1"/>
                       <a:r>
-                        <a:rPr lang="en-US" altLang="ko-KR" sz="1400" dirty="0" smtClean="0"/>
+                        <a:rPr lang="en-US" altLang="ko-KR" sz="1400" dirty="0"/>
                         <a:t>CA</a:t>
                       </a:r>
                       <a:endParaRPr lang="ko-KR" altLang="en-US" sz="1400" dirty="0"/>
@@ -4188,6 +4558,11 @@
                   </a:txBody>
                   <a:tcPr/>
                 </a:tc>
+                <a:extLst>
+                  <a:ext uri="{0D108BD9-81ED-4DB2-BD59-A6C34878D82A}">
+                    <a16:rowId xmlns:a16="http://schemas.microsoft.com/office/drawing/2014/main" val="10004"/>
+                  </a:ext>
+                </a:extLst>
               </a:tr>
               <a:tr h="228025">
                 <a:tc>
@@ -4197,7 +4572,7 @@
                     <a:p>
                       <a:pPr algn="ctr" latinLnBrk="1"/>
                       <a:r>
-                        <a:rPr lang="en-US" altLang="ko-KR" sz="1400" dirty="0" smtClean="0"/>
+                        <a:rPr lang="en-US" altLang="ko-KR" sz="1400" dirty="0"/>
                         <a:t>5</a:t>
                       </a:r>
                       <a:endParaRPr lang="ko-KR" altLang="en-US" sz="1400" dirty="0"/>
@@ -4218,7 +4593,7 @@
                     <a:p>
                       <a:pPr algn="ctr" latinLnBrk="1"/>
                       <a:r>
-                        <a:rPr lang="en-US" altLang="ko-KR" sz="1400" dirty="0" smtClean="0"/>
+                        <a:rPr lang="en-US" altLang="ko-KR" sz="1400" dirty="0"/>
                         <a:t>Lemon</a:t>
                       </a:r>
                       <a:endParaRPr lang="ko-KR" altLang="en-US" sz="1400" dirty="0"/>
@@ -4233,7 +4608,7 @@
                     <a:p>
                       <a:pPr algn="ctr" latinLnBrk="1"/>
                       <a:r>
-                        <a:rPr lang="en-US" altLang="ko-KR" sz="1400" dirty="0" smtClean="0"/>
+                        <a:rPr lang="en-US" altLang="ko-KR" sz="1400" dirty="0"/>
                         <a:t>FL</a:t>
                       </a:r>
                       <a:endParaRPr lang="ko-KR" altLang="en-US" sz="1400" dirty="0"/>
@@ -4241,6 +4616,11 @@
                   </a:txBody>
                   <a:tcPr/>
                 </a:tc>
+                <a:extLst>
+                  <a:ext uri="{0D108BD9-81ED-4DB2-BD59-A6C34878D82A}">
+                    <a16:rowId xmlns:a16="http://schemas.microsoft.com/office/drawing/2014/main" val="10005"/>
+                  </a:ext>
+                </a:extLst>
               </a:tr>
               <a:tr h="228025">
                 <a:tc>
@@ -4250,7 +4630,7 @@
                     <a:p>
                       <a:pPr algn="ctr" latinLnBrk="1"/>
                       <a:r>
-                        <a:rPr lang="en-US" altLang="ko-KR" sz="1400" dirty="0" smtClean="0"/>
+                        <a:rPr lang="en-US" altLang="ko-KR" sz="1400" dirty="0"/>
                         <a:t>6</a:t>
                       </a:r>
                       <a:endParaRPr lang="ko-KR" altLang="en-US" sz="1400" dirty="0"/>
@@ -4271,8 +4651,8 @@
                     <a:p>
                       <a:pPr algn="ctr" latinLnBrk="1"/>
                       <a:r>
-                        <a:rPr lang="en-US" altLang="ko-KR" sz="1400" dirty="0" smtClean="0"/>
-                        <a:t>Apple</a:t>
+                        <a:rPr lang="en-US" altLang="ko-KR" sz="1400"/>
+                        <a:t>Cherry</a:t>
                       </a:r>
                       <a:endParaRPr lang="ko-KR" altLang="en-US" sz="1400" dirty="0"/>
                     </a:p>
@@ -4286,7 +4666,7 @@
                     <a:p>
                       <a:pPr algn="ctr" latinLnBrk="1"/>
                       <a:r>
-                        <a:rPr lang="en-US" altLang="ko-KR" sz="1400" dirty="0" smtClean="0"/>
+                        <a:rPr lang="en-US" altLang="ko-KR" sz="1400" dirty="0"/>
                         <a:t>NC</a:t>
                       </a:r>
                       <a:endParaRPr lang="ko-KR" altLang="en-US" sz="1400" dirty="0"/>
@@ -4294,6 +4674,11 @@
                   </a:txBody>
                   <a:tcPr/>
                 </a:tc>
+                <a:extLst>
+                  <a:ext uri="{0D108BD9-81ED-4DB2-BD59-A6C34878D82A}">
+                    <a16:rowId xmlns:a16="http://schemas.microsoft.com/office/drawing/2014/main" val="10006"/>
+                  </a:ext>
+                </a:extLst>
               </a:tr>
               <a:tr h="228025">
                 <a:tc>
@@ -4303,7 +4688,7 @@
                     <a:p>
                       <a:pPr algn="ctr" latinLnBrk="1"/>
                       <a:r>
-                        <a:rPr lang="en-US" altLang="ko-KR" sz="1400" dirty="0" smtClean="0"/>
+                        <a:rPr lang="en-US" altLang="ko-KR" sz="1400" dirty="0"/>
                         <a:t>7</a:t>
                       </a:r>
                       <a:endParaRPr lang="ko-KR" altLang="en-US" sz="1400" dirty="0"/>
@@ -4324,7 +4709,6962 @@
                     <a:p>
                       <a:pPr algn="ctr" latinLnBrk="1"/>
                       <a:r>
-                        <a:rPr lang="en-US" altLang="ko-KR" sz="1400" dirty="0" err="1" smtClean="0"/>
+                        <a:rPr lang="en-US" altLang="ko-KR" sz="1400"/>
+                        <a:t>Orange</a:t>
+                      </a:r>
+                      <a:endParaRPr lang="ko-KR" altLang="en-US" sz="1400" dirty="0"/>
+                    </a:p>
+                  </a:txBody>
+                  <a:tcPr/>
+                </a:tc>
+                <a:tc>
+                  <a:txBody>
+                    <a:bodyPr/>
+                    <a:lstStyle/>
+                    <a:p>
+                      <a:pPr algn="ctr" latinLnBrk="1"/>
+                      <a:r>
+                        <a:rPr lang="en-US" altLang="ko-KR" sz="1400" dirty="0"/>
+                        <a:t>CA</a:t>
+                      </a:r>
+                      <a:endParaRPr lang="ko-KR" altLang="en-US" sz="1400" dirty="0"/>
+                    </a:p>
+                  </a:txBody>
+                  <a:tcPr/>
+                </a:tc>
+                <a:extLst>
+                  <a:ext uri="{0D108BD9-81ED-4DB2-BD59-A6C34878D82A}">
+                    <a16:rowId xmlns:a16="http://schemas.microsoft.com/office/drawing/2014/main" val="10007"/>
+                  </a:ext>
+                </a:extLst>
+              </a:tr>
+            </a:tbl>
+          </a:graphicData>
+        </a:graphic>
+      </p:graphicFrame>
+      <p:cxnSp>
+        <p:nvCxnSpPr>
+          <p:cNvPr id="5" name="직선 화살표 연결선 4"/>
+          <p:cNvCxnSpPr/>
+          <p:nvPr/>
+        </p:nvCxnSpPr>
+        <p:spPr>
+          <a:xfrm>
+            <a:off x="3635896" y="1995686"/>
+            <a:ext cx="1008112" cy="936104"/>
+          </a:xfrm>
+          <a:prstGeom prst="straightConnector1">
+            <a:avLst/>
+          </a:prstGeom>
+          <a:ln w="19050">
+            <a:solidFill>
+              <a:schemeClr val="tx1"/>
+            </a:solidFill>
+            <a:tailEnd type="arrow"/>
+          </a:ln>
+        </p:spPr>
+        <p:style>
+          <a:lnRef idx="1">
+            <a:schemeClr val="accent1"/>
+          </a:lnRef>
+          <a:fillRef idx="0">
+            <a:schemeClr val="accent1"/>
+          </a:fillRef>
+          <a:effectRef idx="0">
+            <a:schemeClr val="accent1"/>
+          </a:effectRef>
+          <a:fontRef idx="minor">
+            <a:schemeClr val="tx1"/>
+          </a:fontRef>
+        </p:style>
+      </p:cxnSp>
+      <p:cxnSp>
+        <p:nvCxnSpPr>
+          <p:cNvPr id="28" name="직선 화살표 연결선 27"/>
+          <p:cNvCxnSpPr/>
+          <p:nvPr/>
+        </p:nvCxnSpPr>
+        <p:spPr>
+          <a:xfrm>
+            <a:off x="3637533" y="2317750"/>
+            <a:ext cx="1006475" cy="1550144"/>
+          </a:xfrm>
+          <a:prstGeom prst="straightConnector1">
+            <a:avLst/>
+          </a:prstGeom>
+          <a:ln w="19050">
+            <a:solidFill>
+              <a:schemeClr val="tx1"/>
+            </a:solidFill>
+            <a:tailEnd type="arrow"/>
+          </a:ln>
+        </p:spPr>
+        <p:style>
+          <a:lnRef idx="1">
+            <a:schemeClr val="accent1"/>
+          </a:lnRef>
+          <a:fillRef idx="0">
+            <a:schemeClr val="accent1"/>
+          </a:fillRef>
+          <a:effectRef idx="0">
+            <a:schemeClr val="accent1"/>
+          </a:effectRef>
+          <a:fontRef idx="minor">
+            <a:schemeClr val="tx1"/>
+          </a:fontRef>
+        </p:style>
+      </p:cxnSp>
+      <p:cxnSp>
+        <p:nvCxnSpPr>
+          <p:cNvPr id="38" name="직선 화살표 연결선 37"/>
+          <p:cNvCxnSpPr/>
+          <p:nvPr/>
+        </p:nvCxnSpPr>
+        <p:spPr>
+          <a:xfrm flipV="1">
+            <a:off x="3637533" y="1995686"/>
+            <a:ext cx="1006475" cy="648072"/>
+          </a:xfrm>
+          <a:prstGeom prst="straightConnector1">
+            <a:avLst/>
+          </a:prstGeom>
+          <a:ln w="19050">
+            <a:solidFill>
+              <a:schemeClr val="tx1"/>
+            </a:solidFill>
+            <a:tailEnd type="arrow"/>
+          </a:ln>
+        </p:spPr>
+        <p:style>
+          <a:lnRef idx="1">
+            <a:schemeClr val="accent1"/>
+          </a:lnRef>
+          <a:fillRef idx="0">
+            <a:schemeClr val="accent1"/>
+          </a:fillRef>
+          <a:effectRef idx="0">
+            <a:schemeClr val="accent1"/>
+          </a:effectRef>
+          <a:fontRef idx="minor">
+            <a:schemeClr val="tx1"/>
+          </a:fontRef>
+        </p:style>
+      </p:cxnSp>
+      <p:cxnSp>
+        <p:nvCxnSpPr>
+          <p:cNvPr id="41" name="직선 화살표 연결선 40"/>
+          <p:cNvCxnSpPr/>
+          <p:nvPr/>
+        </p:nvCxnSpPr>
+        <p:spPr>
+          <a:xfrm>
+            <a:off x="3637533" y="2931790"/>
+            <a:ext cx="1006475" cy="316235"/>
+          </a:xfrm>
+          <a:prstGeom prst="straightConnector1">
+            <a:avLst/>
+          </a:prstGeom>
+          <a:ln w="19050">
+            <a:solidFill>
+              <a:schemeClr val="tx1"/>
+            </a:solidFill>
+            <a:tailEnd type="arrow"/>
+          </a:ln>
+        </p:spPr>
+        <p:style>
+          <a:lnRef idx="1">
+            <a:schemeClr val="accent1"/>
+          </a:lnRef>
+          <a:fillRef idx="0">
+            <a:schemeClr val="accent1"/>
+          </a:fillRef>
+          <a:effectRef idx="0">
+            <a:schemeClr val="accent1"/>
+          </a:effectRef>
+          <a:fontRef idx="minor">
+            <a:schemeClr val="tx1"/>
+          </a:fontRef>
+        </p:style>
+      </p:cxnSp>
+      <p:cxnSp>
+        <p:nvCxnSpPr>
+          <p:cNvPr id="46" name="직선 화살표 연결선 45"/>
+          <p:cNvCxnSpPr/>
+          <p:nvPr/>
+        </p:nvCxnSpPr>
+        <p:spPr>
+          <a:xfrm flipV="1">
+            <a:off x="3635896" y="2319722"/>
+            <a:ext cx="1008112" cy="928303"/>
+          </a:xfrm>
+          <a:prstGeom prst="straightConnector1">
+            <a:avLst/>
+          </a:prstGeom>
+          <a:ln w="19050">
+            <a:solidFill>
+              <a:schemeClr val="tx1"/>
+            </a:solidFill>
+            <a:tailEnd type="arrow"/>
+          </a:ln>
+        </p:spPr>
+        <p:style>
+          <a:lnRef idx="1">
+            <a:schemeClr val="accent1"/>
+          </a:lnRef>
+          <a:fillRef idx="0">
+            <a:schemeClr val="accent1"/>
+          </a:fillRef>
+          <a:effectRef idx="0">
+            <a:schemeClr val="accent1"/>
+          </a:effectRef>
+          <a:fontRef idx="minor">
+            <a:schemeClr val="tx1"/>
+          </a:fontRef>
+        </p:style>
+      </p:cxnSp>
+      <p:cxnSp>
+        <p:nvCxnSpPr>
+          <p:cNvPr id="49" name="직선 화살표 연결선 48"/>
+          <p:cNvCxnSpPr/>
+          <p:nvPr/>
+        </p:nvCxnSpPr>
+        <p:spPr>
+          <a:xfrm flipV="1">
+            <a:off x="3635896" y="3555484"/>
+            <a:ext cx="1008112" cy="1"/>
+          </a:xfrm>
+          <a:prstGeom prst="straightConnector1">
+            <a:avLst/>
+          </a:prstGeom>
+          <a:ln w="19050">
+            <a:solidFill>
+              <a:schemeClr val="tx1"/>
+            </a:solidFill>
+            <a:tailEnd type="arrow"/>
+          </a:ln>
+        </p:spPr>
+        <p:style>
+          <a:lnRef idx="1">
+            <a:schemeClr val="accent1"/>
+          </a:lnRef>
+          <a:fillRef idx="0">
+            <a:schemeClr val="accent1"/>
+          </a:fillRef>
+          <a:effectRef idx="0">
+            <a:schemeClr val="accent1"/>
+          </a:effectRef>
+          <a:fontRef idx="minor">
+            <a:schemeClr val="tx1"/>
+          </a:fontRef>
+        </p:style>
+      </p:cxnSp>
+      <p:cxnSp>
+        <p:nvCxnSpPr>
+          <p:cNvPr id="52" name="직선 화살표 연결선 51"/>
+          <p:cNvCxnSpPr/>
+          <p:nvPr/>
+        </p:nvCxnSpPr>
+        <p:spPr>
+          <a:xfrm flipV="1">
+            <a:off x="3635896" y="2643758"/>
+            <a:ext cx="1008112" cy="1217272"/>
+          </a:xfrm>
+          <a:prstGeom prst="straightConnector1">
+            <a:avLst/>
+          </a:prstGeom>
+          <a:ln w="19050">
+            <a:solidFill>
+              <a:schemeClr val="tx1"/>
+            </a:solidFill>
+            <a:tailEnd type="arrow"/>
+          </a:ln>
+        </p:spPr>
+        <p:style>
+          <a:lnRef idx="1">
+            <a:schemeClr val="accent1"/>
+          </a:lnRef>
+          <a:fillRef idx="0">
+            <a:schemeClr val="accent1"/>
+          </a:fillRef>
+          <a:effectRef idx="0">
+            <a:schemeClr val="accent1"/>
+          </a:effectRef>
+          <a:fontRef idx="minor">
+            <a:schemeClr val="tx1"/>
+          </a:fontRef>
+        </p:style>
+      </p:cxnSp>
+      <p:sp>
+        <p:nvSpPr>
+          <p:cNvPr id="3" name="TextBox 2"/>
+          <p:cNvSpPr txBox="1"/>
+          <p:nvPr/>
+        </p:nvSpPr>
+        <p:spPr>
+          <a:xfrm>
+            <a:off x="1948136" y="1203598"/>
+            <a:ext cx="1399728" cy="338554"/>
+          </a:xfrm>
+          <a:prstGeom prst="rect">
+            <a:avLst/>
+          </a:prstGeom>
+          <a:noFill/>
+        </p:spPr>
+        <p:txBody>
+          <a:bodyPr wrap="square" rtlCol="0">
+            <a:spAutoFit/>
+          </a:bodyPr>
+          <a:lstStyle/>
+          <a:p>
+            <a:pPr algn="ctr"/>
+            <a:r>
+              <a:rPr lang="en-US" altLang="ko-KR" sz="1600" dirty="0"/>
+              <a:t>State Index</a:t>
+            </a:r>
+            <a:endParaRPr lang="ko-KR" altLang="en-US" sz="1600" dirty="0"/>
+          </a:p>
+        </p:txBody>
+      </p:sp>
+      <p:sp>
+        <p:nvSpPr>
+          <p:cNvPr id="13" name="TextBox 12"/>
+          <p:cNvSpPr txBox="1"/>
+          <p:nvPr/>
+        </p:nvSpPr>
+        <p:spPr>
+          <a:xfrm>
+            <a:off x="5179640" y="1203598"/>
+            <a:ext cx="1912640" cy="338554"/>
+          </a:xfrm>
+          <a:prstGeom prst="rect">
+            <a:avLst/>
+          </a:prstGeom>
+          <a:noFill/>
+        </p:spPr>
+        <p:txBody>
+          <a:bodyPr wrap="square" rtlCol="0">
+            <a:spAutoFit/>
+          </a:bodyPr>
+          <a:lstStyle/>
+          <a:p>
+            <a:pPr algn="ctr"/>
+            <a:r>
+              <a:rPr lang="en-US" altLang="ko-KR" sz="1600" dirty="0" err="1"/>
+              <a:t>Fruit_Info</a:t>
+            </a:r>
+            <a:r>
+              <a:rPr lang="en-US" altLang="ko-KR" sz="1600" dirty="0"/>
+              <a:t> Table</a:t>
+            </a:r>
+            <a:endParaRPr lang="ko-KR" altLang="en-US" sz="1600" dirty="0"/>
+          </a:p>
+        </p:txBody>
+      </p:sp>
+    </p:spTree>
+    <p:extLst>
+      <p:ext uri="{BB962C8B-B14F-4D97-AF65-F5344CB8AC3E}">
+        <p14:creationId xmlns:p14="http://schemas.microsoft.com/office/powerpoint/2010/main" val="2699234921"/>
+      </p:ext>
+    </p:extLst>
+  </p:cSld>
+  <p:clrMapOvr>
+    <a:masterClrMapping/>
+  </p:clrMapOvr>
+</p:sld>
+</file>
+
+<file path=ppt/slides/slide2.xml><?xml version="1.0" encoding="utf-8"?>
+<p:sld xmlns:a="http://schemas.openxmlformats.org/drawingml/2006/main" xmlns:r="http://schemas.openxmlformats.org/officeDocument/2006/relationships" xmlns:p="http://schemas.openxmlformats.org/presentationml/2006/main">
+  <p:cSld>
+    <p:spTree>
+      <p:nvGrpSpPr>
+        <p:cNvPr id="1" name=""/>
+        <p:cNvGrpSpPr/>
+        <p:nvPr/>
+      </p:nvGrpSpPr>
+      <p:grpSpPr>
+        <a:xfrm>
+          <a:off x="0" y="0"/>
+          <a:ext cx="0" cy="0"/>
+          <a:chOff x="0" y="0"/>
+          <a:chExt cx="0" cy="0"/>
+        </a:xfrm>
+      </p:grpSpPr>
+      <p:sp>
+        <p:nvSpPr>
+          <p:cNvPr id="6" name="제목 1"/>
+          <p:cNvSpPr>
+            <a:spLocks noGrp="1"/>
+          </p:cNvSpPr>
+          <p:nvPr>
+            <p:ph type="title"/>
+          </p:nvPr>
+        </p:nvSpPr>
+        <p:spPr>
+          <a:xfrm>
+            <a:off x="457200" y="-524594"/>
+            <a:ext cx="8229600" cy="857250"/>
+          </a:xfrm>
+        </p:spPr>
+        <p:txBody>
+          <a:bodyPr>
+            <a:noAutofit/>
+          </a:bodyPr>
+          <a:lstStyle/>
+          <a:p>
+            <a:r>
+              <a:rPr lang="en-US" altLang="ko-KR" sz="3600"/>
+              <a:t>Clustered Index, Non-clustered Index</a:t>
+            </a:r>
+            <a:endParaRPr lang="ko-KR" altLang="en-US" sz="3600" dirty="0"/>
+          </a:p>
+        </p:txBody>
+      </p:sp>
+      <p:graphicFrame>
+        <p:nvGraphicFramePr>
+          <p:cNvPr id="24" name="표 23"/>
+          <p:cNvGraphicFramePr>
+            <a:graphicFrameLocks noGrp="1"/>
+          </p:cNvGraphicFramePr>
+          <p:nvPr>
+            <p:extLst>
+              <p:ext uri="{D42A27DB-BD31-4B8C-83A1-F6EECF244321}">
+                <p14:modId xmlns:p14="http://schemas.microsoft.com/office/powerpoint/2010/main" val="3715607795"/>
+              </p:ext>
+            </p:extLst>
+          </p:nvPr>
+        </p:nvGraphicFramePr>
+        <p:xfrm>
+          <a:off x="117846" y="3929247"/>
+          <a:ext cx="1810542" cy="853440"/>
+        </p:xfrm>
+        <a:graphic>
+          <a:graphicData uri="http://schemas.openxmlformats.org/drawingml/2006/table">
+            <a:tbl>
+              <a:tblPr firstRow="1" bandRow="1">
+                <a:tableStyleId>{5940675A-B579-460E-94D1-54222C63F5DA}</a:tableStyleId>
+              </a:tblPr>
+              <a:tblGrid>
+                <a:gridCol w="603514">
+                  <a:extLst>
+                    <a:ext uri="{9D8B030D-6E8A-4147-A177-3AD203B41FA5}">
+                      <a16:colId xmlns:a16="http://schemas.microsoft.com/office/drawing/2014/main" val="20000"/>
+                    </a:ext>
+                  </a:extLst>
+                </a:gridCol>
+                <a:gridCol w="603514">
+                  <a:extLst>
+                    <a:ext uri="{9D8B030D-6E8A-4147-A177-3AD203B41FA5}">
+                      <a16:colId xmlns:a16="http://schemas.microsoft.com/office/drawing/2014/main" val="20001"/>
+                    </a:ext>
+                  </a:extLst>
+                </a:gridCol>
+                <a:gridCol w="603514">
+                  <a:extLst>
+                    <a:ext uri="{9D8B030D-6E8A-4147-A177-3AD203B41FA5}">
+                      <a16:colId xmlns:a16="http://schemas.microsoft.com/office/drawing/2014/main" val="20002"/>
+                    </a:ext>
+                  </a:extLst>
+                </a:gridCol>
+              </a:tblGrid>
+              <a:tr h="168355">
+                <a:tc>
+                  <a:txBody>
+                    <a:bodyPr/>
+                    <a:lstStyle/>
+                    <a:p>
+                      <a:pPr algn="ctr" latinLnBrk="1"/>
+                      <a:r>
+                        <a:rPr lang="en-US" altLang="ko-KR" sz="800"/>
+                        <a:t>Fruit ID</a:t>
+                      </a:r>
+                      <a:endParaRPr lang="ko-KR" altLang="en-US" sz="800" dirty="0"/>
+                    </a:p>
+                  </a:txBody>
+                  <a:tcPr>
+                    <a:solidFill>
+                      <a:schemeClr val="bg1">
+                        <a:lumMod val="85000"/>
+                      </a:schemeClr>
+                    </a:solidFill>
+                  </a:tcPr>
+                </a:tc>
+                <a:tc>
+                  <a:txBody>
+                    <a:bodyPr/>
+                    <a:lstStyle/>
+                    <a:p>
+                      <a:pPr algn="ctr" latinLnBrk="1"/>
+                      <a:r>
+                        <a:rPr lang="en-US" altLang="ko-KR" sz="800" dirty="0"/>
+                        <a:t>Fruit</a:t>
+                      </a:r>
+                      <a:endParaRPr lang="ko-KR" altLang="en-US" sz="800" dirty="0"/>
+                    </a:p>
+                  </a:txBody>
+                  <a:tcPr>
+                    <a:solidFill>
+                      <a:schemeClr val="bg1">
+                        <a:lumMod val="85000"/>
+                      </a:schemeClr>
+                    </a:solidFill>
+                  </a:tcPr>
+                </a:tc>
+                <a:tc>
+                  <a:txBody>
+                    <a:bodyPr/>
+                    <a:lstStyle/>
+                    <a:p>
+                      <a:pPr algn="ctr" latinLnBrk="1"/>
+                      <a:r>
+                        <a:rPr lang="en-US" altLang="ko-KR" sz="800" dirty="0"/>
+                        <a:t>State</a:t>
+                      </a:r>
+                      <a:endParaRPr lang="ko-KR" altLang="en-US" sz="800" dirty="0"/>
+                    </a:p>
+                  </a:txBody>
+                  <a:tcPr>
+                    <a:solidFill>
+                      <a:schemeClr val="bg1">
+                        <a:lumMod val="85000"/>
+                      </a:schemeClr>
+                    </a:solidFill>
+                  </a:tcPr>
+                </a:tc>
+                <a:extLst>
+                  <a:ext uri="{0D108BD9-81ED-4DB2-BD59-A6C34878D82A}">
+                    <a16:rowId xmlns:a16="http://schemas.microsoft.com/office/drawing/2014/main" val="10000"/>
+                  </a:ext>
+                </a:extLst>
+              </a:tr>
+              <a:tr h="168355">
+                <a:tc>
+                  <a:txBody>
+                    <a:bodyPr/>
+                    <a:lstStyle/>
+                    <a:p>
+                      <a:pPr algn="ctr" latinLnBrk="1"/>
+                      <a:r>
+                        <a:rPr lang="en-US" altLang="ko-KR" sz="800" dirty="0"/>
+                        <a:t>1</a:t>
+                      </a:r>
+                      <a:endParaRPr lang="ko-KR" altLang="en-US" sz="800" dirty="0"/>
+                    </a:p>
+                  </a:txBody>
+                  <a:tcPr>
+                    <a:solidFill>
+                      <a:schemeClr val="bg1">
+                        <a:lumMod val="85000"/>
+                      </a:schemeClr>
+                    </a:solidFill>
+                  </a:tcPr>
+                </a:tc>
+                <a:tc>
+                  <a:txBody>
+                    <a:bodyPr/>
+                    <a:lstStyle/>
+                    <a:p>
+                      <a:pPr algn="ctr" latinLnBrk="1"/>
+                      <a:r>
+                        <a:rPr lang="en-US" altLang="ko-KR" sz="800" dirty="0"/>
+                        <a:t>Orange</a:t>
+                      </a:r>
+                      <a:endParaRPr lang="ko-KR" altLang="en-US" sz="800" dirty="0"/>
+                    </a:p>
+                  </a:txBody>
+                  <a:tcPr/>
+                </a:tc>
+                <a:tc>
+                  <a:txBody>
+                    <a:bodyPr/>
+                    <a:lstStyle/>
+                    <a:p>
+                      <a:pPr algn="ctr" latinLnBrk="1"/>
+                      <a:r>
+                        <a:rPr lang="en-US" altLang="ko-KR" sz="800" dirty="0"/>
+                        <a:t>FL</a:t>
+                      </a:r>
+                      <a:endParaRPr lang="ko-KR" altLang="en-US" sz="800" dirty="0"/>
+                    </a:p>
+                  </a:txBody>
+                  <a:tcPr/>
+                </a:tc>
+                <a:extLst>
+                  <a:ext uri="{0D108BD9-81ED-4DB2-BD59-A6C34878D82A}">
+                    <a16:rowId xmlns:a16="http://schemas.microsoft.com/office/drawing/2014/main" val="10001"/>
+                  </a:ext>
+                </a:extLst>
+              </a:tr>
+              <a:tr h="168355">
+                <a:tc>
+                  <a:txBody>
+                    <a:bodyPr/>
+                    <a:lstStyle/>
+                    <a:p>
+                      <a:pPr algn="ctr" latinLnBrk="1"/>
+                      <a:r>
+                        <a:rPr lang="en-US" altLang="ko-KR" sz="800" dirty="0"/>
+                        <a:t>2</a:t>
+                      </a:r>
+                      <a:endParaRPr lang="ko-KR" altLang="en-US" sz="800" dirty="0"/>
+                    </a:p>
+                  </a:txBody>
+                  <a:tcPr>
+                    <a:solidFill>
+                      <a:schemeClr val="bg1">
+                        <a:lumMod val="85000"/>
+                      </a:schemeClr>
+                    </a:solidFill>
+                  </a:tcPr>
+                </a:tc>
+                <a:tc>
+                  <a:txBody>
+                    <a:bodyPr/>
+                    <a:lstStyle/>
+                    <a:p>
+                      <a:pPr algn="ctr" latinLnBrk="1"/>
+                      <a:r>
+                        <a:rPr lang="en-US" altLang="ko-KR" sz="800" dirty="0"/>
+                        <a:t>Apple</a:t>
+                      </a:r>
+                      <a:endParaRPr lang="ko-KR" altLang="en-US" sz="800" dirty="0"/>
+                    </a:p>
+                  </a:txBody>
+                  <a:tcPr/>
+                </a:tc>
+                <a:tc>
+                  <a:txBody>
+                    <a:bodyPr/>
+                    <a:lstStyle/>
+                    <a:p>
+                      <a:pPr algn="ctr" latinLnBrk="1"/>
+                      <a:r>
+                        <a:rPr lang="en-US" altLang="ko-KR" sz="800" dirty="0"/>
+                        <a:t>NC</a:t>
+                      </a:r>
+                      <a:endParaRPr lang="ko-KR" altLang="en-US" sz="800" dirty="0"/>
+                    </a:p>
+                  </a:txBody>
+                  <a:tcPr/>
+                </a:tc>
+                <a:extLst>
+                  <a:ext uri="{0D108BD9-81ED-4DB2-BD59-A6C34878D82A}">
+                    <a16:rowId xmlns:a16="http://schemas.microsoft.com/office/drawing/2014/main" val="10002"/>
+                  </a:ext>
+                </a:extLst>
+              </a:tr>
+              <a:tr h="168355">
+                <a:tc>
+                  <a:txBody>
+                    <a:bodyPr/>
+                    <a:lstStyle/>
+                    <a:p>
+                      <a:pPr algn="ctr" latinLnBrk="1"/>
+                      <a:r>
+                        <a:rPr lang="en-US" altLang="ko-KR" sz="800" dirty="0"/>
+                        <a:t>3</a:t>
+                      </a:r>
+                      <a:endParaRPr lang="ko-KR" altLang="en-US" sz="800" dirty="0"/>
+                    </a:p>
+                  </a:txBody>
+                  <a:tcPr>
+                    <a:solidFill>
+                      <a:schemeClr val="bg1">
+                        <a:lumMod val="85000"/>
+                      </a:schemeClr>
+                    </a:solidFill>
+                  </a:tcPr>
+                </a:tc>
+                <a:tc>
+                  <a:txBody>
+                    <a:bodyPr/>
+                    <a:lstStyle/>
+                    <a:p>
+                      <a:pPr algn="ctr" latinLnBrk="1"/>
+                      <a:r>
+                        <a:rPr lang="en-US" altLang="ko-KR" sz="800" dirty="0"/>
+                        <a:t>Peach</a:t>
+                      </a:r>
+                      <a:endParaRPr lang="ko-KR" altLang="en-US" sz="800" dirty="0"/>
+                    </a:p>
+                  </a:txBody>
+                  <a:tcPr/>
+                </a:tc>
+                <a:tc>
+                  <a:txBody>
+                    <a:bodyPr/>
+                    <a:lstStyle/>
+                    <a:p>
+                      <a:pPr algn="ctr" latinLnBrk="1"/>
+                      <a:r>
+                        <a:rPr lang="en-US" altLang="ko-KR" sz="800" dirty="0"/>
+                        <a:t>SC</a:t>
+                      </a:r>
+                      <a:endParaRPr lang="ko-KR" altLang="en-US" sz="800" dirty="0"/>
+                    </a:p>
+                  </a:txBody>
+                  <a:tcPr/>
+                </a:tc>
+                <a:extLst>
+                  <a:ext uri="{0D108BD9-81ED-4DB2-BD59-A6C34878D82A}">
+                    <a16:rowId xmlns:a16="http://schemas.microsoft.com/office/drawing/2014/main" val="10003"/>
+                  </a:ext>
+                </a:extLst>
+              </a:tr>
+            </a:tbl>
+          </a:graphicData>
+        </a:graphic>
+      </p:graphicFrame>
+      <p:graphicFrame>
+        <p:nvGraphicFramePr>
+          <p:cNvPr id="14" name="표 13">
+            <a:extLst>
+              <a:ext uri="{FF2B5EF4-FFF2-40B4-BE49-F238E27FC236}">
+                <a16:creationId xmlns:a16="http://schemas.microsoft.com/office/drawing/2014/main" id="{9BC6D908-75E2-4B4F-923F-095E050B4268}"/>
+              </a:ext>
+            </a:extLst>
+          </p:cNvPr>
+          <p:cNvGraphicFramePr>
+            <a:graphicFrameLocks noGrp="1"/>
+          </p:cNvGraphicFramePr>
+          <p:nvPr>
+            <p:extLst>
+              <p:ext uri="{D42A27DB-BD31-4B8C-83A1-F6EECF244321}">
+                <p14:modId xmlns:p14="http://schemas.microsoft.com/office/powerpoint/2010/main" val="688063177"/>
+              </p:ext>
+            </p:extLst>
+          </p:nvPr>
+        </p:nvGraphicFramePr>
+        <p:xfrm>
+          <a:off x="2627784" y="3929247"/>
+          <a:ext cx="1810542" cy="640080"/>
+        </p:xfrm>
+        <a:graphic>
+          <a:graphicData uri="http://schemas.openxmlformats.org/drawingml/2006/table">
+            <a:tbl>
+              <a:tblPr firstRow="1" bandRow="1">
+                <a:tableStyleId>{5940675A-B579-460E-94D1-54222C63F5DA}</a:tableStyleId>
+              </a:tblPr>
+              <a:tblGrid>
+                <a:gridCol w="603514">
+                  <a:extLst>
+                    <a:ext uri="{9D8B030D-6E8A-4147-A177-3AD203B41FA5}">
+                      <a16:colId xmlns:a16="http://schemas.microsoft.com/office/drawing/2014/main" val="20000"/>
+                    </a:ext>
+                  </a:extLst>
+                </a:gridCol>
+                <a:gridCol w="603514">
+                  <a:extLst>
+                    <a:ext uri="{9D8B030D-6E8A-4147-A177-3AD203B41FA5}">
+                      <a16:colId xmlns:a16="http://schemas.microsoft.com/office/drawing/2014/main" val="20001"/>
+                    </a:ext>
+                  </a:extLst>
+                </a:gridCol>
+                <a:gridCol w="603514">
+                  <a:extLst>
+                    <a:ext uri="{9D8B030D-6E8A-4147-A177-3AD203B41FA5}">
+                      <a16:colId xmlns:a16="http://schemas.microsoft.com/office/drawing/2014/main" val="20002"/>
+                    </a:ext>
+                  </a:extLst>
+                </a:gridCol>
+              </a:tblGrid>
+              <a:tr h="168355">
+                <a:tc>
+                  <a:txBody>
+                    <a:bodyPr/>
+                    <a:lstStyle/>
+                    <a:p>
+                      <a:pPr algn="ctr" latinLnBrk="1"/>
+                      <a:r>
+                        <a:rPr lang="en-US" altLang="ko-KR" sz="800"/>
+                        <a:t>Fruit ID</a:t>
+                      </a:r>
+                      <a:endParaRPr lang="ko-KR" altLang="en-US" sz="800" dirty="0"/>
+                    </a:p>
+                  </a:txBody>
+                  <a:tcPr>
+                    <a:solidFill>
+                      <a:schemeClr val="bg1">
+                        <a:lumMod val="85000"/>
+                      </a:schemeClr>
+                    </a:solidFill>
+                  </a:tcPr>
+                </a:tc>
+                <a:tc>
+                  <a:txBody>
+                    <a:bodyPr/>
+                    <a:lstStyle/>
+                    <a:p>
+                      <a:pPr algn="ctr" latinLnBrk="1"/>
+                      <a:r>
+                        <a:rPr lang="en-US" altLang="ko-KR" sz="800" dirty="0"/>
+                        <a:t>Fruit</a:t>
+                      </a:r>
+                      <a:endParaRPr lang="ko-KR" altLang="en-US" sz="800" dirty="0"/>
+                    </a:p>
+                  </a:txBody>
+                  <a:tcPr>
+                    <a:solidFill>
+                      <a:schemeClr val="bg1">
+                        <a:lumMod val="85000"/>
+                      </a:schemeClr>
+                    </a:solidFill>
+                  </a:tcPr>
+                </a:tc>
+                <a:tc>
+                  <a:txBody>
+                    <a:bodyPr/>
+                    <a:lstStyle/>
+                    <a:p>
+                      <a:pPr algn="ctr" latinLnBrk="1"/>
+                      <a:r>
+                        <a:rPr lang="en-US" altLang="ko-KR" sz="800" dirty="0"/>
+                        <a:t>State</a:t>
+                      </a:r>
+                      <a:endParaRPr lang="ko-KR" altLang="en-US" sz="800" dirty="0"/>
+                    </a:p>
+                  </a:txBody>
+                  <a:tcPr>
+                    <a:solidFill>
+                      <a:schemeClr val="bg1">
+                        <a:lumMod val="85000"/>
+                      </a:schemeClr>
+                    </a:solidFill>
+                  </a:tcPr>
+                </a:tc>
+                <a:extLst>
+                  <a:ext uri="{0D108BD9-81ED-4DB2-BD59-A6C34878D82A}">
+                    <a16:rowId xmlns:a16="http://schemas.microsoft.com/office/drawing/2014/main" val="10000"/>
+                  </a:ext>
+                </a:extLst>
+              </a:tr>
+              <a:tr h="168355">
+                <a:tc>
+                  <a:txBody>
+                    <a:bodyPr/>
+                    <a:lstStyle/>
+                    <a:p>
+                      <a:pPr algn="ctr" latinLnBrk="1"/>
+                      <a:r>
+                        <a:rPr lang="en-US" altLang="ko-KR" sz="800" dirty="0"/>
+                        <a:t>4</a:t>
+                      </a:r>
+                      <a:endParaRPr lang="ko-KR" altLang="en-US" sz="800" dirty="0"/>
+                    </a:p>
+                  </a:txBody>
+                  <a:tcPr>
+                    <a:solidFill>
+                      <a:schemeClr val="bg1">
+                        <a:lumMod val="85000"/>
+                      </a:schemeClr>
+                    </a:solidFill>
+                  </a:tcPr>
+                </a:tc>
+                <a:tc>
+                  <a:txBody>
+                    <a:bodyPr/>
+                    <a:lstStyle/>
+                    <a:p>
+                      <a:pPr algn="ctr" latinLnBrk="1"/>
+                      <a:r>
+                        <a:rPr lang="en-US" altLang="ko-KR" sz="800" dirty="0"/>
+                        <a:t>Grape</a:t>
+                      </a:r>
+                      <a:endParaRPr lang="ko-KR" altLang="en-US" sz="800" dirty="0"/>
+                    </a:p>
+                  </a:txBody>
+                  <a:tcPr/>
+                </a:tc>
+                <a:tc>
+                  <a:txBody>
+                    <a:bodyPr/>
+                    <a:lstStyle/>
+                    <a:p>
+                      <a:pPr algn="ctr" latinLnBrk="1"/>
+                      <a:r>
+                        <a:rPr lang="en-US" altLang="ko-KR" sz="800" dirty="0"/>
+                        <a:t>CA</a:t>
+                      </a:r>
+                      <a:endParaRPr lang="ko-KR" altLang="en-US" sz="800" dirty="0"/>
+                    </a:p>
+                  </a:txBody>
+                  <a:tcPr/>
+                </a:tc>
+                <a:extLst>
+                  <a:ext uri="{0D108BD9-81ED-4DB2-BD59-A6C34878D82A}">
+                    <a16:rowId xmlns:a16="http://schemas.microsoft.com/office/drawing/2014/main" val="10001"/>
+                  </a:ext>
+                </a:extLst>
+              </a:tr>
+              <a:tr h="168355">
+                <a:tc>
+                  <a:txBody>
+                    <a:bodyPr/>
+                    <a:lstStyle/>
+                    <a:p>
+                      <a:pPr algn="ctr" latinLnBrk="1"/>
+                      <a:r>
+                        <a:rPr lang="en-US" altLang="ko-KR" sz="800" dirty="0"/>
+                        <a:t>5</a:t>
+                      </a:r>
+                      <a:endParaRPr lang="ko-KR" altLang="en-US" sz="800" dirty="0"/>
+                    </a:p>
+                  </a:txBody>
+                  <a:tcPr>
+                    <a:solidFill>
+                      <a:schemeClr val="bg1">
+                        <a:lumMod val="85000"/>
+                      </a:schemeClr>
+                    </a:solidFill>
+                  </a:tcPr>
+                </a:tc>
+                <a:tc>
+                  <a:txBody>
+                    <a:bodyPr/>
+                    <a:lstStyle/>
+                    <a:p>
+                      <a:pPr algn="ctr" latinLnBrk="1"/>
+                      <a:r>
+                        <a:rPr lang="en-US" altLang="ko-KR" sz="800" dirty="0"/>
+                        <a:t>Lemon</a:t>
+                      </a:r>
+                      <a:endParaRPr lang="ko-KR" altLang="en-US" sz="800" dirty="0"/>
+                    </a:p>
+                  </a:txBody>
+                  <a:tcPr/>
+                </a:tc>
+                <a:tc>
+                  <a:txBody>
+                    <a:bodyPr/>
+                    <a:lstStyle/>
+                    <a:p>
+                      <a:pPr algn="ctr" latinLnBrk="1"/>
+                      <a:r>
+                        <a:rPr lang="en-US" altLang="ko-KR" sz="800" dirty="0"/>
+                        <a:t>FL</a:t>
+                      </a:r>
+                      <a:endParaRPr lang="ko-KR" altLang="en-US" sz="800" dirty="0"/>
+                    </a:p>
+                  </a:txBody>
+                  <a:tcPr/>
+                </a:tc>
+                <a:extLst>
+                  <a:ext uri="{0D108BD9-81ED-4DB2-BD59-A6C34878D82A}">
+                    <a16:rowId xmlns:a16="http://schemas.microsoft.com/office/drawing/2014/main" val="10002"/>
+                  </a:ext>
+                </a:extLst>
+              </a:tr>
+            </a:tbl>
+          </a:graphicData>
+        </a:graphic>
+      </p:graphicFrame>
+      <p:graphicFrame>
+        <p:nvGraphicFramePr>
+          <p:cNvPr id="15" name="표 14">
+            <a:extLst>
+              <a:ext uri="{FF2B5EF4-FFF2-40B4-BE49-F238E27FC236}">
+                <a16:creationId xmlns:a16="http://schemas.microsoft.com/office/drawing/2014/main" id="{9075518D-1AFA-4D44-BEA7-C7A78007DF92}"/>
+              </a:ext>
+            </a:extLst>
+          </p:cNvPr>
+          <p:cNvGraphicFramePr>
+            <a:graphicFrameLocks noGrp="1"/>
+          </p:cNvGraphicFramePr>
+          <p:nvPr>
+            <p:extLst>
+              <p:ext uri="{D42A27DB-BD31-4B8C-83A1-F6EECF244321}">
+                <p14:modId xmlns:p14="http://schemas.microsoft.com/office/powerpoint/2010/main" val="3296854986"/>
+              </p:ext>
+            </p:extLst>
+          </p:nvPr>
+        </p:nvGraphicFramePr>
+        <p:xfrm>
+          <a:off x="5137722" y="3929247"/>
+          <a:ext cx="1810542" cy="640080"/>
+        </p:xfrm>
+        <a:graphic>
+          <a:graphicData uri="http://schemas.openxmlformats.org/drawingml/2006/table">
+            <a:tbl>
+              <a:tblPr firstRow="1" bandRow="1">
+                <a:tableStyleId>{5940675A-B579-460E-94D1-54222C63F5DA}</a:tableStyleId>
+              </a:tblPr>
+              <a:tblGrid>
+                <a:gridCol w="603514">
+                  <a:extLst>
+                    <a:ext uri="{9D8B030D-6E8A-4147-A177-3AD203B41FA5}">
+                      <a16:colId xmlns:a16="http://schemas.microsoft.com/office/drawing/2014/main" val="20000"/>
+                    </a:ext>
+                  </a:extLst>
+                </a:gridCol>
+                <a:gridCol w="603514">
+                  <a:extLst>
+                    <a:ext uri="{9D8B030D-6E8A-4147-A177-3AD203B41FA5}">
+                      <a16:colId xmlns:a16="http://schemas.microsoft.com/office/drawing/2014/main" val="20001"/>
+                    </a:ext>
+                  </a:extLst>
+                </a:gridCol>
+                <a:gridCol w="603514">
+                  <a:extLst>
+                    <a:ext uri="{9D8B030D-6E8A-4147-A177-3AD203B41FA5}">
+                      <a16:colId xmlns:a16="http://schemas.microsoft.com/office/drawing/2014/main" val="20002"/>
+                    </a:ext>
+                  </a:extLst>
+                </a:gridCol>
+              </a:tblGrid>
+              <a:tr h="168355">
+                <a:tc>
+                  <a:txBody>
+                    <a:bodyPr/>
+                    <a:lstStyle/>
+                    <a:p>
+                      <a:pPr algn="ctr" latinLnBrk="1"/>
+                      <a:r>
+                        <a:rPr lang="en-US" altLang="ko-KR" sz="800"/>
+                        <a:t>Fruit ID</a:t>
+                      </a:r>
+                      <a:endParaRPr lang="ko-KR" altLang="en-US" sz="800" dirty="0"/>
+                    </a:p>
+                  </a:txBody>
+                  <a:tcPr>
+                    <a:solidFill>
+                      <a:schemeClr val="bg1">
+                        <a:lumMod val="85000"/>
+                      </a:schemeClr>
+                    </a:solidFill>
+                  </a:tcPr>
+                </a:tc>
+                <a:tc>
+                  <a:txBody>
+                    <a:bodyPr/>
+                    <a:lstStyle/>
+                    <a:p>
+                      <a:pPr algn="ctr" latinLnBrk="1"/>
+                      <a:r>
+                        <a:rPr lang="en-US" altLang="ko-KR" sz="800" dirty="0"/>
+                        <a:t>Fruit</a:t>
+                      </a:r>
+                      <a:endParaRPr lang="ko-KR" altLang="en-US" sz="800" dirty="0"/>
+                    </a:p>
+                  </a:txBody>
+                  <a:tcPr>
+                    <a:solidFill>
+                      <a:schemeClr val="bg1">
+                        <a:lumMod val="85000"/>
+                      </a:schemeClr>
+                    </a:solidFill>
+                  </a:tcPr>
+                </a:tc>
+                <a:tc>
+                  <a:txBody>
+                    <a:bodyPr/>
+                    <a:lstStyle/>
+                    <a:p>
+                      <a:pPr algn="ctr" latinLnBrk="1"/>
+                      <a:r>
+                        <a:rPr lang="en-US" altLang="ko-KR" sz="800" dirty="0"/>
+                        <a:t>State</a:t>
+                      </a:r>
+                      <a:endParaRPr lang="ko-KR" altLang="en-US" sz="800" dirty="0"/>
+                    </a:p>
+                  </a:txBody>
+                  <a:tcPr>
+                    <a:solidFill>
+                      <a:schemeClr val="bg1">
+                        <a:lumMod val="85000"/>
+                      </a:schemeClr>
+                    </a:solidFill>
+                  </a:tcPr>
+                </a:tc>
+                <a:extLst>
+                  <a:ext uri="{0D108BD9-81ED-4DB2-BD59-A6C34878D82A}">
+                    <a16:rowId xmlns:a16="http://schemas.microsoft.com/office/drawing/2014/main" val="10000"/>
+                  </a:ext>
+                </a:extLst>
+              </a:tr>
+              <a:tr h="168355">
+                <a:tc>
+                  <a:txBody>
+                    <a:bodyPr/>
+                    <a:lstStyle/>
+                    <a:p>
+                      <a:pPr algn="ctr" latinLnBrk="1"/>
+                      <a:r>
+                        <a:rPr lang="en-US" altLang="ko-KR" sz="800"/>
+                        <a:t>6</a:t>
+                      </a:r>
+                      <a:endParaRPr lang="ko-KR" altLang="en-US" sz="800" dirty="0"/>
+                    </a:p>
+                  </a:txBody>
+                  <a:tcPr>
+                    <a:solidFill>
+                      <a:schemeClr val="bg1">
+                        <a:lumMod val="85000"/>
+                      </a:schemeClr>
+                    </a:solidFill>
+                  </a:tcPr>
+                </a:tc>
+                <a:tc>
+                  <a:txBody>
+                    <a:bodyPr/>
+                    <a:lstStyle/>
+                    <a:p>
+                      <a:pPr algn="ctr" latinLnBrk="1"/>
+                      <a:r>
+                        <a:rPr lang="en-US" altLang="ko-KR" sz="800"/>
+                        <a:t>Cherry</a:t>
+                      </a:r>
+                      <a:endParaRPr lang="ko-KR" altLang="en-US" sz="800" dirty="0"/>
+                    </a:p>
+                  </a:txBody>
+                  <a:tcPr/>
+                </a:tc>
+                <a:tc>
+                  <a:txBody>
+                    <a:bodyPr/>
+                    <a:lstStyle/>
+                    <a:p>
+                      <a:pPr algn="ctr" latinLnBrk="1"/>
+                      <a:r>
+                        <a:rPr lang="en-US" altLang="ko-KR" sz="800"/>
+                        <a:t>NC</a:t>
+                      </a:r>
+                      <a:endParaRPr lang="ko-KR" altLang="en-US" sz="800" dirty="0"/>
+                    </a:p>
+                  </a:txBody>
+                  <a:tcPr/>
+                </a:tc>
+                <a:extLst>
+                  <a:ext uri="{0D108BD9-81ED-4DB2-BD59-A6C34878D82A}">
+                    <a16:rowId xmlns:a16="http://schemas.microsoft.com/office/drawing/2014/main" val="10001"/>
+                  </a:ext>
+                </a:extLst>
+              </a:tr>
+              <a:tr h="168355">
+                <a:tc>
+                  <a:txBody>
+                    <a:bodyPr/>
+                    <a:lstStyle/>
+                    <a:p>
+                      <a:pPr algn="ctr" latinLnBrk="1"/>
+                      <a:r>
+                        <a:rPr lang="en-US" altLang="ko-KR" sz="800"/>
+                        <a:t>7</a:t>
+                      </a:r>
+                      <a:endParaRPr lang="ko-KR" altLang="en-US" sz="800" dirty="0"/>
+                    </a:p>
+                  </a:txBody>
+                  <a:tcPr>
+                    <a:solidFill>
+                      <a:schemeClr val="bg1">
+                        <a:lumMod val="85000"/>
+                      </a:schemeClr>
+                    </a:solidFill>
+                  </a:tcPr>
+                </a:tc>
+                <a:tc>
+                  <a:txBody>
+                    <a:bodyPr/>
+                    <a:lstStyle/>
+                    <a:p>
+                      <a:pPr algn="ctr" latinLnBrk="1"/>
+                      <a:r>
+                        <a:rPr lang="en-US" altLang="ko-KR" sz="800"/>
+                        <a:t>Orange</a:t>
+                      </a:r>
+                      <a:endParaRPr lang="ko-KR" altLang="en-US" sz="800" dirty="0"/>
+                    </a:p>
+                  </a:txBody>
+                  <a:tcPr/>
+                </a:tc>
+                <a:tc>
+                  <a:txBody>
+                    <a:bodyPr/>
+                    <a:lstStyle/>
+                    <a:p>
+                      <a:pPr algn="ctr" latinLnBrk="1"/>
+                      <a:r>
+                        <a:rPr lang="en-US" altLang="ko-KR" sz="800"/>
+                        <a:t>CA</a:t>
+                      </a:r>
+                      <a:endParaRPr lang="ko-KR" altLang="en-US" sz="800" dirty="0"/>
+                    </a:p>
+                  </a:txBody>
+                  <a:tcPr/>
+                </a:tc>
+                <a:extLst>
+                  <a:ext uri="{0D108BD9-81ED-4DB2-BD59-A6C34878D82A}">
+                    <a16:rowId xmlns:a16="http://schemas.microsoft.com/office/drawing/2014/main" val="10002"/>
+                  </a:ext>
+                </a:extLst>
+              </a:tr>
+            </a:tbl>
+          </a:graphicData>
+        </a:graphic>
+      </p:graphicFrame>
+      <p:graphicFrame>
+        <p:nvGraphicFramePr>
+          <p:cNvPr id="16" name="표 15">
+            <a:extLst>
+              <a:ext uri="{FF2B5EF4-FFF2-40B4-BE49-F238E27FC236}">
+                <a16:creationId xmlns:a16="http://schemas.microsoft.com/office/drawing/2014/main" id="{5BFEAF8F-2F2A-4804-98BE-47FB8D75287D}"/>
+              </a:ext>
+            </a:extLst>
+          </p:cNvPr>
+          <p:cNvGraphicFramePr>
+            <a:graphicFrameLocks noGrp="1"/>
+          </p:cNvGraphicFramePr>
+          <p:nvPr>
+            <p:extLst>
+              <p:ext uri="{D42A27DB-BD31-4B8C-83A1-F6EECF244321}">
+                <p14:modId xmlns:p14="http://schemas.microsoft.com/office/powerpoint/2010/main" val="13368366"/>
+              </p:ext>
+            </p:extLst>
+          </p:nvPr>
+        </p:nvGraphicFramePr>
+        <p:xfrm>
+          <a:off x="2929541" y="2849127"/>
+          <a:ext cx="1207028" cy="853440"/>
+        </p:xfrm>
+        <a:graphic>
+          <a:graphicData uri="http://schemas.openxmlformats.org/drawingml/2006/table">
+            <a:tbl>
+              <a:tblPr firstRow="1" bandRow="1">
+                <a:tableStyleId>{5940675A-B579-460E-94D1-54222C63F5DA}</a:tableStyleId>
+              </a:tblPr>
+              <a:tblGrid>
+                <a:gridCol w="603514">
+                  <a:extLst>
+                    <a:ext uri="{9D8B030D-6E8A-4147-A177-3AD203B41FA5}">
+                      <a16:colId xmlns:a16="http://schemas.microsoft.com/office/drawing/2014/main" val="20000"/>
+                    </a:ext>
+                  </a:extLst>
+                </a:gridCol>
+                <a:gridCol w="603514">
+                  <a:extLst>
+                    <a:ext uri="{9D8B030D-6E8A-4147-A177-3AD203B41FA5}">
+                      <a16:colId xmlns:a16="http://schemas.microsoft.com/office/drawing/2014/main" val="20001"/>
+                    </a:ext>
+                  </a:extLst>
+                </a:gridCol>
+              </a:tblGrid>
+              <a:tr h="168355">
+                <a:tc>
+                  <a:txBody>
+                    <a:bodyPr/>
+                    <a:lstStyle/>
+                    <a:p>
+                      <a:pPr algn="ctr" latinLnBrk="1"/>
+                      <a:r>
+                        <a:rPr lang="en-US" altLang="ko-KR" sz="800"/>
+                        <a:t>Fruit ID</a:t>
+                      </a:r>
+                      <a:endParaRPr lang="ko-KR" altLang="en-US" sz="800" dirty="0"/>
+                    </a:p>
+                  </a:txBody>
+                  <a:tcPr>
+                    <a:solidFill>
+                      <a:schemeClr val="bg1">
+                        <a:lumMod val="85000"/>
+                      </a:schemeClr>
+                    </a:solidFill>
+                  </a:tcPr>
+                </a:tc>
+                <a:tc>
+                  <a:txBody>
+                    <a:bodyPr/>
+                    <a:lstStyle/>
+                    <a:p>
+                      <a:pPr algn="ctr" latinLnBrk="1"/>
+                      <a:r>
+                        <a:rPr lang="en-US" altLang="ko-KR" sz="800"/>
+                        <a:t>Page ID</a:t>
+                      </a:r>
+                      <a:endParaRPr lang="ko-KR" altLang="en-US" sz="800" dirty="0"/>
+                    </a:p>
+                  </a:txBody>
+                  <a:tcPr>
+                    <a:solidFill>
+                      <a:schemeClr val="bg1">
+                        <a:lumMod val="85000"/>
+                      </a:schemeClr>
+                    </a:solidFill>
+                  </a:tcPr>
+                </a:tc>
+                <a:extLst>
+                  <a:ext uri="{0D108BD9-81ED-4DB2-BD59-A6C34878D82A}">
+                    <a16:rowId xmlns:a16="http://schemas.microsoft.com/office/drawing/2014/main" val="10000"/>
+                  </a:ext>
+                </a:extLst>
+              </a:tr>
+              <a:tr h="168355">
+                <a:tc>
+                  <a:txBody>
+                    <a:bodyPr/>
+                    <a:lstStyle/>
+                    <a:p>
+                      <a:pPr algn="ctr" latinLnBrk="1"/>
+                      <a:r>
+                        <a:rPr lang="en-US" altLang="ko-KR" sz="800"/>
+                        <a:t>1</a:t>
+                      </a:r>
+                      <a:endParaRPr lang="ko-KR" altLang="en-US" sz="800" dirty="0"/>
+                    </a:p>
+                  </a:txBody>
+                  <a:tcPr>
+                    <a:solidFill>
+                      <a:schemeClr val="bg1">
+                        <a:lumMod val="85000"/>
+                      </a:schemeClr>
+                    </a:solidFill>
+                  </a:tcPr>
+                </a:tc>
+                <a:tc>
+                  <a:txBody>
+                    <a:bodyPr/>
+                    <a:lstStyle/>
+                    <a:p>
+                      <a:pPr algn="ctr" latinLnBrk="1"/>
+                      <a:r>
+                        <a:rPr lang="en-US" altLang="ko-KR" sz="800"/>
+                        <a:t>11</a:t>
+                      </a:r>
+                      <a:endParaRPr lang="ko-KR" altLang="en-US" sz="800" dirty="0"/>
+                    </a:p>
+                  </a:txBody>
+                  <a:tcPr/>
+                </a:tc>
+                <a:extLst>
+                  <a:ext uri="{0D108BD9-81ED-4DB2-BD59-A6C34878D82A}">
+                    <a16:rowId xmlns:a16="http://schemas.microsoft.com/office/drawing/2014/main" val="10001"/>
+                  </a:ext>
+                </a:extLst>
+              </a:tr>
+              <a:tr h="168355">
+                <a:tc>
+                  <a:txBody>
+                    <a:bodyPr/>
+                    <a:lstStyle/>
+                    <a:p>
+                      <a:pPr algn="ctr" latinLnBrk="1"/>
+                      <a:r>
+                        <a:rPr lang="en-US" altLang="ko-KR" sz="800"/>
+                        <a:t>4</a:t>
+                      </a:r>
+                      <a:endParaRPr lang="ko-KR" altLang="en-US" sz="800" dirty="0"/>
+                    </a:p>
+                  </a:txBody>
+                  <a:tcPr>
+                    <a:solidFill>
+                      <a:schemeClr val="bg1">
+                        <a:lumMod val="85000"/>
+                      </a:schemeClr>
+                    </a:solidFill>
+                  </a:tcPr>
+                </a:tc>
+                <a:tc>
+                  <a:txBody>
+                    <a:bodyPr/>
+                    <a:lstStyle/>
+                    <a:p>
+                      <a:pPr algn="ctr" latinLnBrk="1"/>
+                      <a:r>
+                        <a:rPr lang="en-US" altLang="ko-KR" sz="800"/>
+                        <a:t>12</a:t>
+                      </a:r>
+                      <a:endParaRPr lang="ko-KR" altLang="en-US" sz="800" dirty="0"/>
+                    </a:p>
+                  </a:txBody>
+                  <a:tcPr/>
+                </a:tc>
+                <a:extLst>
+                  <a:ext uri="{0D108BD9-81ED-4DB2-BD59-A6C34878D82A}">
+                    <a16:rowId xmlns:a16="http://schemas.microsoft.com/office/drawing/2014/main" val="10002"/>
+                  </a:ext>
+                </a:extLst>
+              </a:tr>
+              <a:tr h="168355">
+                <a:tc>
+                  <a:txBody>
+                    <a:bodyPr/>
+                    <a:lstStyle/>
+                    <a:p>
+                      <a:pPr algn="ctr" latinLnBrk="1"/>
+                      <a:r>
+                        <a:rPr lang="en-US" altLang="ko-KR" sz="800"/>
+                        <a:t>6</a:t>
+                      </a:r>
+                      <a:endParaRPr lang="ko-KR" altLang="en-US" sz="800" dirty="0"/>
+                    </a:p>
+                  </a:txBody>
+                  <a:tcPr>
+                    <a:solidFill>
+                      <a:schemeClr val="bg1">
+                        <a:lumMod val="85000"/>
+                      </a:schemeClr>
+                    </a:solidFill>
+                  </a:tcPr>
+                </a:tc>
+                <a:tc>
+                  <a:txBody>
+                    <a:bodyPr/>
+                    <a:lstStyle/>
+                    <a:p>
+                      <a:pPr algn="ctr" latinLnBrk="1"/>
+                      <a:r>
+                        <a:rPr lang="en-US" altLang="ko-KR" sz="800"/>
+                        <a:t>13</a:t>
+                      </a:r>
+                      <a:endParaRPr lang="ko-KR" altLang="en-US" sz="800" dirty="0"/>
+                    </a:p>
+                  </a:txBody>
+                  <a:tcPr/>
+                </a:tc>
+                <a:extLst>
+                  <a:ext uri="{0D108BD9-81ED-4DB2-BD59-A6C34878D82A}">
+                    <a16:rowId xmlns:a16="http://schemas.microsoft.com/office/drawing/2014/main" val="1307968552"/>
+                  </a:ext>
+                </a:extLst>
+              </a:tr>
+            </a:tbl>
+          </a:graphicData>
+        </a:graphic>
+      </p:graphicFrame>
+      <p:sp>
+        <p:nvSpPr>
+          <p:cNvPr id="17" name="TextBox 16">
+            <a:extLst>
+              <a:ext uri="{FF2B5EF4-FFF2-40B4-BE49-F238E27FC236}">
+                <a16:creationId xmlns:a16="http://schemas.microsoft.com/office/drawing/2014/main" id="{74323429-660F-422E-B663-F232922592EC}"/>
+              </a:ext>
+            </a:extLst>
+          </p:cNvPr>
+          <p:cNvSpPr txBox="1"/>
+          <p:nvPr/>
+        </p:nvSpPr>
+        <p:spPr>
+          <a:xfrm>
+            <a:off x="323253" y="4782687"/>
+            <a:ext cx="1399728" cy="261610"/>
+          </a:xfrm>
+          <a:prstGeom prst="rect">
+            <a:avLst/>
+          </a:prstGeom>
+          <a:noFill/>
+        </p:spPr>
+        <p:txBody>
+          <a:bodyPr wrap="square" rtlCol="0">
+            <a:spAutoFit/>
+          </a:bodyPr>
+          <a:lstStyle/>
+          <a:p>
+            <a:pPr algn="ctr"/>
+            <a:r>
+              <a:rPr lang="en-US" altLang="ko-KR" sz="1100"/>
+              <a:t>Page ID 11</a:t>
+            </a:r>
+            <a:endParaRPr lang="ko-KR" altLang="en-US" sz="1100" dirty="0"/>
+          </a:p>
+        </p:txBody>
+      </p:sp>
+      <p:sp>
+        <p:nvSpPr>
+          <p:cNvPr id="18" name="TextBox 17">
+            <a:extLst>
+              <a:ext uri="{FF2B5EF4-FFF2-40B4-BE49-F238E27FC236}">
+                <a16:creationId xmlns:a16="http://schemas.microsoft.com/office/drawing/2014/main" id="{6DC38BE3-D682-4EFA-B1A2-C15C7A654A2C}"/>
+              </a:ext>
+            </a:extLst>
+          </p:cNvPr>
+          <p:cNvSpPr txBox="1"/>
+          <p:nvPr/>
+        </p:nvSpPr>
+        <p:spPr>
+          <a:xfrm>
+            <a:off x="2833191" y="4569327"/>
+            <a:ext cx="1399728" cy="261610"/>
+          </a:xfrm>
+          <a:prstGeom prst="rect">
+            <a:avLst/>
+          </a:prstGeom>
+          <a:noFill/>
+        </p:spPr>
+        <p:txBody>
+          <a:bodyPr wrap="square" rtlCol="0">
+            <a:spAutoFit/>
+          </a:bodyPr>
+          <a:lstStyle/>
+          <a:p>
+            <a:pPr algn="ctr"/>
+            <a:r>
+              <a:rPr lang="en-US" altLang="ko-KR" sz="1100"/>
+              <a:t>Page ID 12</a:t>
+            </a:r>
+            <a:endParaRPr lang="ko-KR" altLang="en-US" sz="1100" dirty="0"/>
+          </a:p>
+        </p:txBody>
+      </p:sp>
+      <p:sp>
+        <p:nvSpPr>
+          <p:cNvPr id="19" name="TextBox 18">
+            <a:extLst>
+              <a:ext uri="{FF2B5EF4-FFF2-40B4-BE49-F238E27FC236}">
+                <a16:creationId xmlns:a16="http://schemas.microsoft.com/office/drawing/2014/main" id="{1DBDEED7-A43A-4576-B57A-154DEEE85752}"/>
+              </a:ext>
+            </a:extLst>
+          </p:cNvPr>
+          <p:cNvSpPr txBox="1"/>
+          <p:nvPr/>
+        </p:nvSpPr>
+        <p:spPr>
+          <a:xfrm>
+            <a:off x="5343129" y="4569327"/>
+            <a:ext cx="1399728" cy="261610"/>
+          </a:xfrm>
+          <a:prstGeom prst="rect">
+            <a:avLst/>
+          </a:prstGeom>
+          <a:noFill/>
+        </p:spPr>
+        <p:txBody>
+          <a:bodyPr wrap="square" rtlCol="0">
+            <a:spAutoFit/>
+          </a:bodyPr>
+          <a:lstStyle/>
+          <a:p>
+            <a:pPr algn="ctr"/>
+            <a:r>
+              <a:rPr lang="en-US" altLang="ko-KR" sz="1100"/>
+              <a:t>Page ID 13</a:t>
+            </a:r>
+            <a:endParaRPr lang="ko-KR" altLang="en-US" sz="1100" dirty="0"/>
+          </a:p>
+        </p:txBody>
+      </p:sp>
+      <p:cxnSp>
+        <p:nvCxnSpPr>
+          <p:cNvPr id="20" name="직선 화살표 연결선 19">
+            <a:extLst>
+              <a:ext uri="{FF2B5EF4-FFF2-40B4-BE49-F238E27FC236}">
+                <a16:creationId xmlns:a16="http://schemas.microsoft.com/office/drawing/2014/main" id="{F58B1D5C-2AC6-450D-A076-3DF2E427DDF2}"/>
+              </a:ext>
+            </a:extLst>
+          </p:cNvPr>
+          <p:cNvCxnSpPr>
+            <a:cxnSpLocks/>
+            <a:stCxn id="16" idx="2"/>
+            <a:endCxn id="24" idx="0"/>
+          </p:cNvCxnSpPr>
+          <p:nvPr/>
+        </p:nvCxnSpPr>
+        <p:spPr>
+          <a:xfrm flipH="1">
+            <a:off x="1023117" y="3702567"/>
+            <a:ext cx="2509938" cy="226680"/>
+          </a:xfrm>
+          <a:prstGeom prst="straightConnector1">
+            <a:avLst/>
+          </a:prstGeom>
+          <a:ln w="19050">
+            <a:solidFill>
+              <a:schemeClr val="tx1"/>
+            </a:solidFill>
+            <a:tailEnd type="arrow"/>
+          </a:ln>
+        </p:spPr>
+        <p:style>
+          <a:lnRef idx="1">
+            <a:schemeClr val="accent1"/>
+          </a:lnRef>
+          <a:fillRef idx="0">
+            <a:schemeClr val="accent1"/>
+          </a:fillRef>
+          <a:effectRef idx="0">
+            <a:schemeClr val="accent1"/>
+          </a:effectRef>
+          <a:fontRef idx="minor">
+            <a:schemeClr val="tx1"/>
+          </a:fontRef>
+        </p:style>
+      </p:cxnSp>
+      <p:cxnSp>
+        <p:nvCxnSpPr>
+          <p:cNvPr id="23" name="직선 화살표 연결선 22">
+            <a:extLst>
+              <a:ext uri="{FF2B5EF4-FFF2-40B4-BE49-F238E27FC236}">
+                <a16:creationId xmlns:a16="http://schemas.microsoft.com/office/drawing/2014/main" id="{DA21491E-BBFD-4DA4-9315-A8D0556FA761}"/>
+              </a:ext>
+            </a:extLst>
+          </p:cNvPr>
+          <p:cNvCxnSpPr>
+            <a:cxnSpLocks/>
+            <a:stCxn id="16" idx="2"/>
+            <a:endCxn id="14" idx="0"/>
+          </p:cNvCxnSpPr>
+          <p:nvPr/>
+        </p:nvCxnSpPr>
+        <p:spPr>
+          <a:xfrm>
+            <a:off x="3533055" y="3702567"/>
+            <a:ext cx="0" cy="226680"/>
+          </a:xfrm>
+          <a:prstGeom prst="straightConnector1">
+            <a:avLst/>
+          </a:prstGeom>
+          <a:ln w="19050">
+            <a:solidFill>
+              <a:schemeClr val="tx1"/>
+            </a:solidFill>
+            <a:tailEnd type="arrow"/>
+          </a:ln>
+        </p:spPr>
+        <p:style>
+          <a:lnRef idx="1">
+            <a:schemeClr val="accent1"/>
+          </a:lnRef>
+          <a:fillRef idx="0">
+            <a:schemeClr val="accent1"/>
+          </a:fillRef>
+          <a:effectRef idx="0">
+            <a:schemeClr val="accent1"/>
+          </a:effectRef>
+          <a:fontRef idx="minor">
+            <a:schemeClr val="tx1"/>
+          </a:fontRef>
+        </p:style>
+      </p:cxnSp>
+      <p:cxnSp>
+        <p:nvCxnSpPr>
+          <p:cNvPr id="29" name="직선 화살표 연결선 28">
+            <a:extLst>
+              <a:ext uri="{FF2B5EF4-FFF2-40B4-BE49-F238E27FC236}">
+                <a16:creationId xmlns:a16="http://schemas.microsoft.com/office/drawing/2014/main" id="{6A287F4F-BF9E-4A17-82BE-08F4F48E1AF9}"/>
+              </a:ext>
+            </a:extLst>
+          </p:cNvPr>
+          <p:cNvCxnSpPr>
+            <a:cxnSpLocks/>
+            <a:stCxn id="16" idx="2"/>
+            <a:endCxn id="15" idx="0"/>
+          </p:cNvCxnSpPr>
+          <p:nvPr/>
+        </p:nvCxnSpPr>
+        <p:spPr>
+          <a:xfrm>
+            <a:off x="3533055" y="3702567"/>
+            <a:ext cx="2509938" cy="226680"/>
+          </a:xfrm>
+          <a:prstGeom prst="straightConnector1">
+            <a:avLst/>
+          </a:prstGeom>
+          <a:ln w="19050">
+            <a:solidFill>
+              <a:schemeClr val="tx1"/>
+            </a:solidFill>
+            <a:tailEnd type="arrow"/>
+          </a:ln>
+        </p:spPr>
+        <p:style>
+          <a:lnRef idx="1">
+            <a:schemeClr val="accent1"/>
+          </a:lnRef>
+          <a:fillRef idx="0">
+            <a:schemeClr val="accent1"/>
+          </a:fillRef>
+          <a:effectRef idx="0">
+            <a:schemeClr val="accent1"/>
+          </a:effectRef>
+          <a:fontRef idx="minor">
+            <a:schemeClr val="tx1"/>
+          </a:fontRef>
+        </p:style>
+      </p:cxnSp>
+      <p:graphicFrame>
+        <p:nvGraphicFramePr>
+          <p:cNvPr id="37" name="표 36">
+            <a:extLst>
+              <a:ext uri="{FF2B5EF4-FFF2-40B4-BE49-F238E27FC236}">
+                <a16:creationId xmlns:a16="http://schemas.microsoft.com/office/drawing/2014/main" id="{D0A8735A-21F4-4EC2-ACDE-00F94ED86AD0}"/>
+              </a:ext>
+            </a:extLst>
+          </p:cNvPr>
+          <p:cNvGraphicFramePr>
+            <a:graphicFrameLocks noGrp="1"/>
+          </p:cNvGraphicFramePr>
+          <p:nvPr>
+            <p:extLst>
+              <p:ext uri="{D42A27DB-BD31-4B8C-83A1-F6EECF244321}">
+                <p14:modId xmlns:p14="http://schemas.microsoft.com/office/powerpoint/2010/main" val="2147919537"/>
+              </p:ext>
+            </p:extLst>
+          </p:nvPr>
+        </p:nvGraphicFramePr>
+        <p:xfrm>
+          <a:off x="2929541" y="1565157"/>
+          <a:ext cx="1207028" cy="640080"/>
+        </p:xfrm>
+        <a:graphic>
+          <a:graphicData uri="http://schemas.openxmlformats.org/drawingml/2006/table">
+            <a:tbl>
+              <a:tblPr firstRow="1" bandRow="1">
+                <a:tableStyleId>{5940675A-B579-460E-94D1-54222C63F5DA}</a:tableStyleId>
+              </a:tblPr>
+              <a:tblGrid>
+                <a:gridCol w="603514">
+                  <a:extLst>
+                    <a:ext uri="{9D8B030D-6E8A-4147-A177-3AD203B41FA5}">
+                      <a16:colId xmlns:a16="http://schemas.microsoft.com/office/drawing/2014/main" val="20000"/>
+                    </a:ext>
+                  </a:extLst>
+                </a:gridCol>
+                <a:gridCol w="603514">
+                  <a:extLst>
+                    <a:ext uri="{9D8B030D-6E8A-4147-A177-3AD203B41FA5}">
+                      <a16:colId xmlns:a16="http://schemas.microsoft.com/office/drawing/2014/main" val="20001"/>
+                    </a:ext>
+                  </a:extLst>
+                </a:gridCol>
+              </a:tblGrid>
+              <a:tr h="168355">
+                <a:tc>
+                  <a:txBody>
+                    <a:bodyPr/>
+                    <a:lstStyle/>
+                    <a:p>
+                      <a:pPr algn="ctr" latinLnBrk="1"/>
+                      <a:r>
+                        <a:rPr lang="en-US" altLang="ko-KR" sz="800"/>
+                        <a:t>State</a:t>
+                      </a:r>
+                      <a:endParaRPr lang="ko-KR" altLang="en-US" sz="800" dirty="0"/>
+                    </a:p>
+                  </a:txBody>
+                  <a:tcPr>
+                    <a:solidFill>
+                      <a:schemeClr val="bg1">
+                        <a:lumMod val="85000"/>
+                      </a:schemeClr>
+                    </a:solidFill>
+                  </a:tcPr>
+                </a:tc>
+                <a:tc>
+                  <a:txBody>
+                    <a:bodyPr/>
+                    <a:lstStyle/>
+                    <a:p>
+                      <a:pPr algn="ctr" latinLnBrk="1"/>
+                      <a:r>
+                        <a:rPr lang="en-US" altLang="ko-KR" sz="800"/>
+                        <a:t>Fruit ID</a:t>
+                      </a:r>
+                      <a:endParaRPr lang="ko-KR" altLang="en-US" sz="800" dirty="0"/>
+                    </a:p>
+                  </a:txBody>
+                  <a:tcPr>
+                    <a:solidFill>
+                      <a:schemeClr val="bg1">
+                        <a:lumMod val="85000"/>
+                      </a:schemeClr>
+                    </a:solidFill>
+                  </a:tcPr>
+                </a:tc>
+                <a:extLst>
+                  <a:ext uri="{0D108BD9-81ED-4DB2-BD59-A6C34878D82A}">
+                    <a16:rowId xmlns:a16="http://schemas.microsoft.com/office/drawing/2014/main" val="10000"/>
+                  </a:ext>
+                </a:extLst>
+              </a:tr>
+              <a:tr h="168355">
+                <a:tc>
+                  <a:txBody>
+                    <a:bodyPr/>
+                    <a:lstStyle/>
+                    <a:p>
+                      <a:pPr algn="ctr" latinLnBrk="1"/>
+                      <a:r>
+                        <a:rPr lang="en-US" altLang="ko-KR" sz="800"/>
+                        <a:t>FL</a:t>
+                      </a:r>
+                      <a:endParaRPr lang="ko-KR" altLang="en-US" sz="800" dirty="0"/>
+                    </a:p>
+                  </a:txBody>
+                  <a:tcPr>
+                    <a:solidFill>
+                      <a:schemeClr val="bg1"/>
+                    </a:solidFill>
+                  </a:tcPr>
+                </a:tc>
+                <a:tc>
+                  <a:txBody>
+                    <a:bodyPr/>
+                    <a:lstStyle/>
+                    <a:p>
+                      <a:pPr algn="ctr" latinLnBrk="1"/>
+                      <a:r>
+                        <a:rPr lang="en-US" altLang="ko-KR" sz="800"/>
+                        <a:t>1</a:t>
+                      </a:r>
+                      <a:endParaRPr lang="ko-KR" altLang="en-US" sz="800" dirty="0"/>
+                    </a:p>
+                  </a:txBody>
+                  <a:tcPr/>
+                </a:tc>
+                <a:extLst>
+                  <a:ext uri="{0D108BD9-81ED-4DB2-BD59-A6C34878D82A}">
+                    <a16:rowId xmlns:a16="http://schemas.microsoft.com/office/drawing/2014/main" val="10001"/>
+                  </a:ext>
+                </a:extLst>
+              </a:tr>
+              <a:tr h="168355">
+                <a:tc>
+                  <a:txBody>
+                    <a:bodyPr/>
+                    <a:lstStyle/>
+                    <a:p>
+                      <a:pPr algn="ctr" latinLnBrk="1"/>
+                      <a:r>
+                        <a:rPr lang="en-US" altLang="ko-KR" sz="800"/>
+                        <a:t>FL</a:t>
+                      </a:r>
+                      <a:endParaRPr lang="ko-KR" altLang="en-US" sz="800" dirty="0"/>
+                    </a:p>
+                  </a:txBody>
+                  <a:tcPr>
+                    <a:solidFill>
+                      <a:schemeClr val="bg1"/>
+                    </a:solidFill>
+                  </a:tcPr>
+                </a:tc>
+                <a:tc>
+                  <a:txBody>
+                    <a:bodyPr/>
+                    <a:lstStyle/>
+                    <a:p>
+                      <a:pPr algn="ctr" latinLnBrk="1"/>
+                      <a:r>
+                        <a:rPr lang="en-US" altLang="ko-KR" sz="800"/>
+                        <a:t>5</a:t>
+                      </a:r>
+                      <a:endParaRPr lang="ko-KR" altLang="en-US" sz="800" dirty="0"/>
+                    </a:p>
+                  </a:txBody>
+                  <a:tcPr/>
+                </a:tc>
+                <a:extLst>
+                  <a:ext uri="{0D108BD9-81ED-4DB2-BD59-A6C34878D82A}">
+                    <a16:rowId xmlns:a16="http://schemas.microsoft.com/office/drawing/2014/main" val="10002"/>
+                  </a:ext>
+                </a:extLst>
+              </a:tr>
+            </a:tbl>
+          </a:graphicData>
+        </a:graphic>
+      </p:graphicFrame>
+      <p:graphicFrame>
+        <p:nvGraphicFramePr>
+          <p:cNvPr id="39" name="표 38">
+            <a:extLst>
+              <a:ext uri="{FF2B5EF4-FFF2-40B4-BE49-F238E27FC236}">
+                <a16:creationId xmlns:a16="http://schemas.microsoft.com/office/drawing/2014/main" id="{3CF01C31-95AF-4E9B-8D58-BD2996D9F57D}"/>
+              </a:ext>
+            </a:extLst>
+          </p:cNvPr>
+          <p:cNvGraphicFramePr>
+            <a:graphicFrameLocks noGrp="1"/>
+          </p:cNvGraphicFramePr>
+          <p:nvPr>
+            <p:extLst>
+              <p:ext uri="{D42A27DB-BD31-4B8C-83A1-F6EECF244321}">
+                <p14:modId xmlns:p14="http://schemas.microsoft.com/office/powerpoint/2010/main" val="1494852436"/>
+              </p:ext>
+            </p:extLst>
+          </p:nvPr>
+        </p:nvGraphicFramePr>
+        <p:xfrm>
+          <a:off x="419603" y="1563421"/>
+          <a:ext cx="1207028" cy="640080"/>
+        </p:xfrm>
+        <a:graphic>
+          <a:graphicData uri="http://schemas.openxmlformats.org/drawingml/2006/table">
+            <a:tbl>
+              <a:tblPr firstRow="1" bandRow="1">
+                <a:tableStyleId>{5940675A-B579-460E-94D1-54222C63F5DA}</a:tableStyleId>
+              </a:tblPr>
+              <a:tblGrid>
+                <a:gridCol w="603514">
+                  <a:extLst>
+                    <a:ext uri="{9D8B030D-6E8A-4147-A177-3AD203B41FA5}">
+                      <a16:colId xmlns:a16="http://schemas.microsoft.com/office/drawing/2014/main" val="20000"/>
+                    </a:ext>
+                  </a:extLst>
+                </a:gridCol>
+                <a:gridCol w="603514">
+                  <a:extLst>
+                    <a:ext uri="{9D8B030D-6E8A-4147-A177-3AD203B41FA5}">
+                      <a16:colId xmlns:a16="http://schemas.microsoft.com/office/drawing/2014/main" val="20001"/>
+                    </a:ext>
+                  </a:extLst>
+                </a:gridCol>
+              </a:tblGrid>
+              <a:tr h="168355">
+                <a:tc>
+                  <a:txBody>
+                    <a:bodyPr/>
+                    <a:lstStyle/>
+                    <a:p>
+                      <a:pPr algn="ctr" latinLnBrk="1"/>
+                      <a:r>
+                        <a:rPr lang="en-US" altLang="ko-KR" sz="800"/>
+                        <a:t>State</a:t>
+                      </a:r>
+                      <a:endParaRPr lang="ko-KR" altLang="en-US" sz="800" dirty="0"/>
+                    </a:p>
+                  </a:txBody>
+                  <a:tcPr>
+                    <a:solidFill>
+                      <a:schemeClr val="bg1">
+                        <a:lumMod val="85000"/>
+                      </a:schemeClr>
+                    </a:solidFill>
+                  </a:tcPr>
+                </a:tc>
+                <a:tc>
+                  <a:txBody>
+                    <a:bodyPr/>
+                    <a:lstStyle/>
+                    <a:p>
+                      <a:pPr algn="ctr" latinLnBrk="1"/>
+                      <a:r>
+                        <a:rPr lang="en-US" altLang="ko-KR" sz="800"/>
+                        <a:t>Fruit ID</a:t>
+                      </a:r>
+                      <a:endParaRPr lang="ko-KR" altLang="en-US" sz="800" dirty="0"/>
+                    </a:p>
+                  </a:txBody>
+                  <a:tcPr>
+                    <a:solidFill>
+                      <a:schemeClr val="bg1">
+                        <a:lumMod val="85000"/>
+                      </a:schemeClr>
+                    </a:solidFill>
+                  </a:tcPr>
+                </a:tc>
+                <a:extLst>
+                  <a:ext uri="{0D108BD9-81ED-4DB2-BD59-A6C34878D82A}">
+                    <a16:rowId xmlns:a16="http://schemas.microsoft.com/office/drawing/2014/main" val="10000"/>
+                  </a:ext>
+                </a:extLst>
+              </a:tr>
+              <a:tr h="168355">
+                <a:tc>
+                  <a:txBody>
+                    <a:bodyPr/>
+                    <a:lstStyle/>
+                    <a:p>
+                      <a:pPr algn="ctr" latinLnBrk="1"/>
+                      <a:r>
+                        <a:rPr lang="en-US" altLang="ko-KR" sz="800"/>
+                        <a:t>CA</a:t>
+                      </a:r>
+                      <a:endParaRPr lang="ko-KR" altLang="en-US" sz="800" dirty="0"/>
+                    </a:p>
+                  </a:txBody>
+                  <a:tcPr>
+                    <a:solidFill>
+                      <a:schemeClr val="bg1"/>
+                    </a:solidFill>
+                  </a:tcPr>
+                </a:tc>
+                <a:tc>
+                  <a:txBody>
+                    <a:bodyPr/>
+                    <a:lstStyle/>
+                    <a:p>
+                      <a:pPr algn="ctr" latinLnBrk="1"/>
+                      <a:r>
+                        <a:rPr lang="en-US" altLang="ko-KR" sz="800"/>
+                        <a:t>4</a:t>
+                      </a:r>
+                      <a:endParaRPr lang="ko-KR" altLang="en-US" sz="800" dirty="0"/>
+                    </a:p>
+                  </a:txBody>
+                  <a:tcPr/>
+                </a:tc>
+                <a:extLst>
+                  <a:ext uri="{0D108BD9-81ED-4DB2-BD59-A6C34878D82A}">
+                    <a16:rowId xmlns:a16="http://schemas.microsoft.com/office/drawing/2014/main" val="10001"/>
+                  </a:ext>
+                </a:extLst>
+              </a:tr>
+              <a:tr h="168355">
+                <a:tc>
+                  <a:txBody>
+                    <a:bodyPr/>
+                    <a:lstStyle/>
+                    <a:p>
+                      <a:pPr algn="ctr" latinLnBrk="1"/>
+                      <a:r>
+                        <a:rPr lang="en-US" altLang="ko-KR" sz="800"/>
+                        <a:t>CA</a:t>
+                      </a:r>
+                      <a:endParaRPr lang="ko-KR" altLang="en-US" sz="800" dirty="0"/>
+                    </a:p>
+                  </a:txBody>
+                  <a:tcPr>
+                    <a:solidFill>
+                      <a:schemeClr val="bg1"/>
+                    </a:solidFill>
+                  </a:tcPr>
+                </a:tc>
+                <a:tc>
+                  <a:txBody>
+                    <a:bodyPr/>
+                    <a:lstStyle/>
+                    <a:p>
+                      <a:pPr algn="ctr" latinLnBrk="1"/>
+                      <a:r>
+                        <a:rPr lang="en-US" altLang="ko-KR" sz="800"/>
+                        <a:t>7</a:t>
+                      </a:r>
+                      <a:endParaRPr lang="ko-KR" altLang="en-US" sz="800" dirty="0"/>
+                    </a:p>
+                  </a:txBody>
+                  <a:tcPr/>
+                </a:tc>
+                <a:extLst>
+                  <a:ext uri="{0D108BD9-81ED-4DB2-BD59-A6C34878D82A}">
+                    <a16:rowId xmlns:a16="http://schemas.microsoft.com/office/drawing/2014/main" val="10002"/>
+                  </a:ext>
+                </a:extLst>
+              </a:tr>
+            </a:tbl>
+          </a:graphicData>
+        </a:graphic>
+      </p:graphicFrame>
+      <p:graphicFrame>
+        <p:nvGraphicFramePr>
+          <p:cNvPr id="40" name="표 39">
+            <a:extLst>
+              <a:ext uri="{FF2B5EF4-FFF2-40B4-BE49-F238E27FC236}">
+                <a16:creationId xmlns:a16="http://schemas.microsoft.com/office/drawing/2014/main" id="{44EEB92E-536A-4C48-A783-30D7464F2FCF}"/>
+              </a:ext>
+            </a:extLst>
+          </p:cNvPr>
+          <p:cNvGraphicFramePr>
+            <a:graphicFrameLocks noGrp="1"/>
+          </p:cNvGraphicFramePr>
+          <p:nvPr>
+            <p:extLst>
+              <p:ext uri="{D42A27DB-BD31-4B8C-83A1-F6EECF244321}">
+                <p14:modId xmlns:p14="http://schemas.microsoft.com/office/powerpoint/2010/main" val="2038113332"/>
+              </p:ext>
+            </p:extLst>
+          </p:nvPr>
+        </p:nvGraphicFramePr>
+        <p:xfrm>
+          <a:off x="5439479" y="1565638"/>
+          <a:ext cx="1207028" cy="853440"/>
+        </p:xfrm>
+        <a:graphic>
+          <a:graphicData uri="http://schemas.openxmlformats.org/drawingml/2006/table">
+            <a:tbl>
+              <a:tblPr firstRow="1" bandRow="1">
+                <a:tableStyleId>{5940675A-B579-460E-94D1-54222C63F5DA}</a:tableStyleId>
+              </a:tblPr>
+              <a:tblGrid>
+                <a:gridCol w="603514">
+                  <a:extLst>
+                    <a:ext uri="{9D8B030D-6E8A-4147-A177-3AD203B41FA5}">
+                      <a16:colId xmlns:a16="http://schemas.microsoft.com/office/drawing/2014/main" val="20000"/>
+                    </a:ext>
+                  </a:extLst>
+                </a:gridCol>
+                <a:gridCol w="603514">
+                  <a:extLst>
+                    <a:ext uri="{9D8B030D-6E8A-4147-A177-3AD203B41FA5}">
+                      <a16:colId xmlns:a16="http://schemas.microsoft.com/office/drawing/2014/main" val="20001"/>
+                    </a:ext>
+                  </a:extLst>
+                </a:gridCol>
+              </a:tblGrid>
+              <a:tr h="168355">
+                <a:tc>
+                  <a:txBody>
+                    <a:bodyPr/>
+                    <a:lstStyle/>
+                    <a:p>
+                      <a:pPr algn="ctr" latinLnBrk="1"/>
+                      <a:r>
+                        <a:rPr lang="en-US" altLang="ko-KR" sz="800"/>
+                        <a:t>State</a:t>
+                      </a:r>
+                      <a:endParaRPr lang="ko-KR" altLang="en-US" sz="800" dirty="0"/>
+                    </a:p>
+                  </a:txBody>
+                  <a:tcPr>
+                    <a:solidFill>
+                      <a:schemeClr val="bg1">
+                        <a:lumMod val="85000"/>
+                      </a:schemeClr>
+                    </a:solidFill>
+                  </a:tcPr>
+                </a:tc>
+                <a:tc>
+                  <a:txBody>
+                    <a:bodyPr/>
+                    <a:lstStyle/>
+                    <a:p>
+                      <a:pPr algn="ctr" latinLnBrk="1"/>
+                      <a:r>
+                        <a:rPr lang="en-US" altLang="ko-KR" sz="800"/>
+                        <a:t>Fruit ID</a:t>
+                      </a:r>
+                      <a:endParaRPr lang="ko-KR" altLang="en-US" sz="800" dirty="0"/>
+                    </a:p>
+                  </a:txBody>
+                  <a:tcPr>
+                    <a:solidFill>
+                      <a:schemeClr val="bg1">
+                        <a:lumMod val="85000"/>
+                      </a:schemeClr>
+                    </a:solidFill>
+                  </a:tcPr>
+                </a:tc>
+                <a:extLst>
+                  <a:ext uri="{0D108BD9-81ED-4DB2-BD59-A6C34878D82A}">
+                    <a16:rowId xmlns:a16="http://schemas.microsoft.com/office/drawing/2014/main" val="10000"/>
+                  </a:ext>
+                </a:extLst>
+              </a:tr>
+              <a:tr h="168355">
+                <a:tc>
+                  <a:txBody>
+                    <a:bodyPr/>
+                    <a:lstStyle/>
+                    <a:p>
+                      <a:pPr algn="ctr" latinLnBrk="1"/>
+                      <a:r>
+                        <a:rPr lang="en-US" altLang="ko-KR" sz="800"/>
+                        <a:t>NC</a:t>
+                      </a:r>
+                      <a:endParaRPr lang="ko-KR" altLang="en-US" sz="800" dirty="0"/>
+                    </a:p>
+                  </a:txBody>
+                  <a:tcPr>
+                    <a:solidFill>
+                      <a:schemeClr val="bg1"/>
+                    </a:solidFill>
+                  </a:tcPr>
+                </a:tc>
+                <a:tc>
+                  <a:txBody>
+                    <a:bodyPr/>
+                    <a:lstStyle/>
+                    <a:p>
+                      <a:pPr algn="ctr" latinLnBrk="1"/>
+                      <a:r>
+                        <a:rPr lang="en-US" altLang="ko-KR" sz="800"/>
+                        <a:t>2</a:t>
+                      </a:r>
+                      <a:endParaRPr lang="ko-KR" altLang="en-US" sz="800" dirty="0"/>
+                    </a:p>
+                  </a:txBody>
+                  <a:tcPr/>
+                </a:tc>
+                <a:extLst>
+                  <a:ext uri="{0D108BD9-81ED-4DB2-BD59-A6C34878D82A}">
+                    <a16:rowId xmlns:a16="http://schemas.microsoft.com/office/drawing/2014/main" val="10001"/>
+                  </a:ext>
+                </a:extLst>
+              </a:tr>
+              <a:tr h="168355">
+                <a:tc>
+                  <a:txBody>
+                    <a:bodyPr/>
+                    <a:lstStyle/>
+                    <a:p>
+                      <a:pPr algn="ctr" latinLnBrk="1"/>
+                      <a:r>
+                        <a:rPr lang="en-US" altLang="ko-KR" sz="800"/>
+                        <a:t>NC</a:t>
+                      </a:r>
+                      <a:endParaRPr lang="ko-KR" altLang="en-US" sz="800" dirty="0"/>
+                    </a:p>
+                  </a:txBody>
+                  <a:tcPr>
+                    <a:solidFill>
+                      <a:schemeClr val="bg1"/>
+                    </a:solidFill>
+                  </a:tcPr>
+                </a:tc>
+                <a:tc>
+                  <a:txBody>
+                    <a:bodyPr/>
+                    <a:lstStyle/>
+                    <a:p>
+                      <a:pPr algn="ctr" latinLnBrk="1"/>
+                      <a:r>
+                        <a:rPr lang="en-US" altLang="ko-KR" sz="800"/>
+                        <a:t>6</a:t>
+                      </a:r>
+                      <a:endParaRPr lang="ko-KR" altLang="en-US" sz="800" dirty="0"/>
+                    </a:p>
+                  </a:txBody>
+                  <a:tcPr/>
+                </a:tc>
+                <a:extLst>
+                  <a:ext uri="{0D108BD9-81ED-4DB2-BD59-A6C34878D82A}">
+                    <a16:rowId xmlns:a16="http://schemas.microsoft.com/office/drawing/2014/main" val="10002"/>
+                  </a:ext>
+                </a:extLst>
+              </a:tr>
+              <a:tr h="168355">
+                <a:tc>
+                  <a:txBody>
+                    <a:bodyPr/>
+                    <a:lstStyle/>
+                    <a:p>
+                      <a:pPr algn="ctr" latinLnBrk="1"/>
+                      <a:r>
+                        <a:rPr lang="en-US" altLang="ko-KR" sz="800"/>
+                        <a:t>6</a:t>
+                      </a:r>
+                      <a:endParaRPr lang="ko-KR" altLang="en-US" sz="800" dirty="0"/>
+                    </a:p>
+                  </a:txBody>
+                  <a:tcPr>
+                    <a:solidFill>
+                      <a:schemeClr val="bg1"/>
+                    </a:solidFill>
+                  </a:tcPr>
+                </a:tc>
+                <a:tc>
+                  <a:txBody>
+                    <a:bodyPr/>
+                    <a:lstStyle/>
+                    <a:p>
+                      <a:pPr algn="ctr" latinLnBrk="1"/>
+                      <a:r>
+                        <a:rPr lang="en-US" altLang="ko-KR" sz="800"/>
+                        <a:t>3</a:t>
+                      </a:r>
+                      <a:endParaRPr lang="ko-KR" altLang="en-US" sz="800" dirty="0"/>
+                    </a:p>
+                  </a:txBody>
+                  <a:tcPr/>
+                </a:tc>
+                <a:extLst>
+                  <a:ext uri="{0D108BD9-81ED-4DB2-BD59-A6C34878D82A}">
+                    <a16:rowId xmlns:a16="http://schemas.microsoft.com/office/drawing/2014/main" val="1307968552"/>
+                  </a:ext>
+                </a:extLst>
+              </a:tr>
+            </a:tbl>
+          </a:graphicData>
+        </a:graphic>
+      </p:graphicFrame>
+      <p:graphicFrame>
+        <p:nvGraphicFramePr>
+          <p:cNvPr id="43" name="표 42">
+            <a:extLst>
+              <a:ext uri="{FF2B5EF4-FFF2-40B4-BE49-F238E27FC236}">
+                <a16:creationId xmlns:a16="http://schemas.microsoft.com/office/drawing/2014/main" id="{B40296A2-3DAE-41E3-A20E-B7E2D5D3A58F}"/>
+              </a:ext>
+            </a:extLst>
+          </p:cNvPr>
+          <p:cNvGraphicFramePr>
+            <a:graphicFrameLocks noGrp="1"/>
+          </p:cNvGraphicFramePr>
+          <p:nvPr>
+            <p:extLst>
+              <p:ext uri="{D42A27DB-BD31-4B8C-83A1-F6EECF244321}">
+                <p14:modId xmlns:p14="http://schemas.microsoft.com/office/powerpoint/2010/main" val="2653046433"/>
+              </p:ext>
+            </p:extLst>
+          </p:nvPr>
+        </p:nvGraphicFramePr>
+        <p:xfrm>
+          <a:off x="2929541" y="483519"/>
+          <a:ext cx="1207028" cy="853440"/>
+        </p:xfrm>
+        <a:graphic>
+          <a:graphicData uri="http://schemas.openxmlformats.org/drawingml/2006/table">
+            <a:tbl>
+              <a:tblPr firstRow="1" bandRow="1">
+                <a:tableStyleId>{5940675A-B579-460E-94D1-54222C63F5DA}</a:tableStyleId>
+              </a:tblPr>
+              <a:tblGrid>
+                <a:gridCol w="603514">
+                  <a:extLst>
+                    <a:ext uri="{9D8B030D-6E8A-4147-A177-3AD203B41FA5}">
+                      <a16:colId xmlns:a16="http://schemas.microsoft.com/office/drawing/2014/main" val="20000"/>
+                    </a:ext>
+                  </a:extLst>
+                </a:gridCol>
+                <a:gridCol w="603514">
+                  <a:extLst>
+                    <a:ext uri="{9D8B030D-6E8A-4147-A177-3AD203B41FA5}">
+                      <a16:colId xmlns:a16="http://schemas.microsoft.com/office/drawing/2014/main" val="20001"/>
+                    </a:ext>
+                  </a:extLst>
+                </a:gridCol>
+              </a:tblGrid>
+              <a:tr h="168355">
+                <a:tc>
+                  <a:txBody>
+                    <a:bodyPr/>
+                    <a:lstStyle/>
+                    <a:p>
+                      <a:pPr algn="ctr" latinLnBrk="1"/>
+                      <a:r>
+                        <a:rPr lang="en-US" altLang="ko-KR" sz="800"/>
+                        <a:t>State</a:t>
+                      </a:r>
+                      <a:endParaRPr lang="ko-KR" altLang="en-US" sz="800" dirty="0"/>
+                    </a:p>
+                  </a:txBody>
+                  <a:tcPr>
+                    <a:solidFill>
+                      <a:schemeClr val="bg1">
+                        <a:lumMod val="85000"/>
+                      </a:schemeClr>
+                    </a:solidFill>
+                  </a:tcPr>
+                </a:tc>
+                <a:tc>
+                  <a:txBody>
+                    <a:bodyPr/>
+                    <a:lstStyle/>
+                    <a:p>
+                      <a:pPr algn="ctr" latinLnBrk="1"/>
+                      <a:r>
+                        <a:rPr lang="en-US" altLang="ko-KR" sz="800"/>
+                        <a:t>Page ID</a:t>
+                      </a:r>
+                      <a:endParaRPr lang="ko-KR" altLang="en-US" sz="800" dirty="0"/>
+                    </a:p>
+                  </a:txBody>
+                  <a:tcPr>
+                    <a:solidFill>
+                      <a:schemeClr val="bg1">
+                        <a:lumMod val="85000"/>
+                      </a:schemeClr>
+                    </a:solidFill>
+                  </a:tcPr>
+                </a:tc>
+                <a:extLst>
+                  <a:ext uri="{0D108BD9-81ED-4DB2-BD59-A6C34878D82A}">
+                    <a16:rowId xmlns:a16="http://schemas.microsoft.com/office/drawing/2014/main" val="10000"/>
+                  </a:ext>
+                </a:extLst>
+              </a:tr>
+              <a:tr h="168355">
+                <a:tc>
+                  <a:txBody>
+                    <a:bodyPr/>
+                    <a:lstStyle/>
+                    <a:p>
+                      <a:pPr algn="ctr" latinLnBrk="1"/>
+                      <a:r>
+                        <a:rPr lang="en-US" altLang="ko-KR" sz="800"/>
+                        <a:t>CA</a:t>
+                      </a:r>
+                      <a:endParaRPr lang="ko-KR" altLang="en-US" sz="800" dirty="0"/>
+                    </a:p>
+                  </a:txBody>
+                  <a:tcPr>
+                    <a:noFill/>
+                  </a:tcPr>
+                </a:tc>
+                <a:tc>
+                  <a:txBody>
+                    <a:bodyPr/>
+                    <a:lstStyle/>
+                    <a:p>
+                      <a:pPr algn="ctr" latinLnBrk="1"/>
+                      <a:r>
+                        <a:rPr lang="en-US" altLang="ko-KR" sz="800"/>
+                        <a:t>1</a:t>
+                      </a:r>
+                      <a:endParaRPr lang="ko-KR" altLang="en-US" sz="800" dirty="0"/>
+                    </a:p>
+                  </a:txBody>
+                  <a:tcPr/>
+                </a:tc>
+                <a:extLst>
+                  <a:ext uri="{0D108BD9-81ED-4DB2-BD59-A6C34878D82A}">
+                    <a16:rowId xmlns:a16="http://schemas.microsoft.com/office/drawing/2014/main" val="10001"/>
+                  </a:ext>
+                </a:extLst>
+              </a:tr>
+              <a:tr h="168355">
+                <a:tc>
+                  <a:txBody>
+                    <a:bodyPr/>
+                    <a:lstStyle/>
+                    <a:p>
+                      <a:pPr algn="ctr" latinLnBrk="1"/>
+                      <a:r>
+                        <a:rPr lang="en-US" altLang="ko-KR" sz="800"/>
+                        <a:t>FL</a:t>
+                      </a:r>
+                      <a:endParaRPr lang="ko-KR" altLang="en-US" sz="800" dirty="0"/>
+                    </a:p>
+                  </a:txBody>
+                  <a:tcPr>
+                    <a:noFill/>
+                  </a:tcPr>
+                </a:tc>
+                <a:tc>
+                  <a:txBody>
+                    <a:bodyPr/>
+                    <a:lstStyle/>
+                    <a:p>
+                      <a:pPr algn="ctr" latinLnBrk="1"/>
+                      <a:r>
+                        <a:rPr lang="en-US" altLang="ko-KR" sz="800"/>
+                        <a:t>2</a:t>
+                      </a:r>
+                      <a:endParaRPr lang="ko-KR" altLang="en-US" sz="800" dirty="0"/>
+                    </a:p>
+                  </a:txBody>
+                  <a:tcPr/>
+                </a:tc>
+                <a:extLst>
+                  <a:ext uri="{0D108BD9-81ED-4DB2-BD59-A6C34878D82A}">
+                    <a16:rowId xmlns:a16="http://schemas.microsoft.com/office/drawing/2014/main" val="10002"/>
+                  </a:ext>
+                </a:extLst>
+              </a:tr>
+              <a:tr h="168355">
+                <a:tc>
+                  <a:txBody>
+                    <a:bodyPr/>
+                    <a:lstStyle/>
+                    <a:p>
+                      <a:pPr algn="ctr" latinLnBrk="1"/>
+                      <a:r>
+                        <a:rPr lang="en-US" altLang="ko-KR" sz="800"/>
+                        <a:t>NC</a:t>
+                      </a:r>
+                      <a:endParaRPr lang="ko-KR" altLang="en-US" sz="800" dirty="0"/>
+                    </a:p>
+                  </a:txBody>
+                  <a:tcPr>
+                    <a:noFill/>
+                  </a:tcPr>
+                </a:tc>
+                <a:tc>
+                  <a:txBody>
+                    <a:bodyPr/>
+                    <a:lstStyle/>
+                    <a:p>
+                      <a:pPr algn="ctr" latinLnBrk="1"/>
+                      <a:r>
+                        <a:rPr lang="en-US" altLang="ko-KR" sz="800"/>
+                        <a:t>3</a:t>
+                      </a:r>
+                      <a:endParaRPr lang="ko-KR" altLang="en-US" sz="800" dirty="0"/>
+                    </a:p>
+                  </a:txBody>
+                  <a:tcPr/>
+                </a:tc>
+                <a:extLst>
+                  <a:ext uri="{0D108BD9-81ED-4DB2-BD59-A6C34878D82A}">
+                    <a16:rowId xmlns:a16="http://schemas.microsoft.com/office/drawing/2014/main" val="1307968552"/>
+                  </a:ext>
+                </a:extLst>
+              </a:tr>
+            </a:tbl>
+          </a:graphicData>
+        </a:graphic>
+      </p:graphicFrame>
+      <p:cxnSp>
+        <p:nvCxnSpPr>
+          <p:cNvPr id="44" name="직선 화살표 연결선 43">
+            <a:extLst>
+              <a:ext uri="{FF2B5EF4-FFF2-40B4-BE49-F238E27FC236}">
+                <a16:creationId xmlns:a16="http://schemas.microsoft.com/office/drawing/2014/main" id="{D5C47709-6FB6-4161-A588-19C0604BB169}"/>
+              </a:ext>
+            </a:extLst>
+          </p:cNvPr>
+          <p:cNvCxnSpPr>
+            <a:cxnSpLocks/>
+            <a:stCxn id="43" idx="2"/>
+            <a:endCxn id="37" idx="0"/>
+          </p:cNvCxnSpPr>
+          <p:nvPr/>
+        </p:nvCxnSpPr>
+        <p:spPr>
+          <a:xfrm>
+            <a:off x="3533055" y="1336959"/>
+            <a:ext cx="0" cy="228198"/>
+          </a:xfrm>
+          <a:prstGeom prst="straightConnector1">
+            <a:avLst/>
+          </a:prstGeom>
+          <a:ln w="19050">
+            <a:solidFill>
+              <a:schemeClr val="tx1"/>
+            </a:solidFill>
+            <a:tailEnd type="arrow"/>
+          </a:ln>
+        </p:spPr>
+        <p:style>
+          <a:lnRef idx="1">
+            <a:schemeClr val="accent1"/>
+          </a:lnRef>
+          <a:fillRef idx="0">
+            <a:schemeClr val="accent1"/>
+          </a:fillRef>
+          <a:effectRef idx="0">
+            <a:schemeClr val="accent1"/>
+          </a:effectRef>
+          <a:fontRef idx="minor">
+            <a:schemeClr val="tx1"/>
+          </a:fontRef>
+        </p:style>
+      </p:cxnSp>
+      <p:cxnSp>
+        <p:nvCxnSpPr>
+          <p:cNvPr id="47" name="직선 화살표 연결선 46">
+            <a:extLst>
+              <a:ext uri="{FF2B5EF4-FFF2-40B4-BE49-F238E27FC236}">
+                <a16:creationId xmlns:a16="http://schemas.microsoft.com/office/drawing/2014/main" id="{B44B02A6-EF49-49CA-82AD-4F6312D206C0}"/>
+              </a:ext>
+            </a:extLst>
+          </p:cNvPr>
+          <p:cNvCxnSpPr>
+            <a:cxnSpLocks/>
+            <a:stCxn id="43" idx="2"/>
+            <a:endCxn id="39" idx="0"/>
+          </p:cNvCxnSpPr>
+          <p:nvPr/>
+        </p:nvCxnSpPr>
+        <p:spPr>
+          <a:xfrm flipH="1">
+            <a:off x="1023117" y="1336959"/>
+            <a:ext cx="2509938" cy="226462"/>
+          </a:xfrm>
+          <a:prstGeom prst="straightConnector1">
+            <a:avLst/>
+          </a:prstGeom>
+          <a:ln w="19050">
+            <a:solidFill>
+              <a:schemeClr val="tx1"/>
+            </a:solidFill>
+            <a:tailEnd type="arrow"/>
+          </a:ln>
+        </p:spPr>
+        <p:style>
+          <a:lnRef idx="1">
+            <a:schemeClr val="accent1"/>
+          </a:lnRef>
+          <a:fillRef idx="0">
+            <a:schemeClr val="accent1"/>
+          </a:fillRef>
+          <a:effectRef idx="0">
+            <a:schemeClr val="accent1"/>
+          </a:effectRef>
+          <a:fontRef idx="minor">
+            <a:schemeClr val="tx1"/>
+          </a:fontRef>
+        </p:style>
+      </p:cxnSp>
+      <p:cxnSp>
+        <p:nvCxnSpPr>
+          <p:cNvPr id="50" name="직선 화살표 연결선 49">
+            <a:extLst>
+              <a:ext uri="{FF2B5EF4-FFF2-40B4-BE49-F238E27FC236}">
+                <a16:creationId xmlns:a16="http://schemas.microsoft.com/office/drawing/2014/main" id="{DDBB8C6D-330D-4CC3-9ABA-B41919A27B9B}"/>
+              </a:ext>
+            </a:extLst>
+          </p:cNvPr>
+          <p:cNvCxnSpPr>
+            <a:cxnSpLocks/>
+            <a:stCxn id="43" idx="2"/>
+            <a:endCxn id="40" idx="0"/>
+          </p:cNvCxnSpPr>
+          <p:nvPr/>
+        </p:nvCxnSpPr>
+        <p:spPr>
+          <a:xfrm>
+            <a:off x="3533055" y="1336959"/>
+            <a:ext cx="2509938" cy="228679"/>
+          </a:xfrm>
+          <a:prstGeom prst="straightConnector1">
+            <a:avLst/>
+          </a:prstGeom>
+          <a:ln w="19050">
+            <a:solidFill>
+              <a:schemeClr val="tx1"/>
+            </a:solidFill>
+            <a:tailEnd type="arrow"/>
+          </a:ln>
+        </p:spPr>
+        <p:style>
+          <a:lnRef idx="1">
+            <a:schemeClr val="accent1"/>
+          </a:lnRef>
+          <a:fillRef idx="0">
+            <a:schemeClr val="accent1"/>
+          </a:fillRef>
+          <a:effectRef idx="0">
+            <a:schemeClr val="accent1"/>
+          </a:effectRef>
+          <a:fontRef idx="minor">
+            <a:schemeClr val="tx1"/>
+          </a:fontRef>
+        </p:style>
+      </p:cxnSp>
+      <p:sp>
+        <p:nvSpPr>
+          <p:cNvPr id="53" name="TextBox 52">
+            <a:extLst>
+              <a:ext uri="{FF2B5EF4-FFF2-40B4-BE49-F238E27FC236}">
+                <a16:creationId xmlns:a16="http://schemas.microsoft.com/office/drawing/2014/main" id="{F0E6467B-F017-40E5-812F-07264648895E}"/>
+              </a:ext>
+            </a:extLst>
+          </p:cNvPr>
+          <p:cNvSpPr txBox="1"/>
+          <p:nvPr/>
+        </p:nvSpPr>
+        <p:spPr>
+          <a:xfrm>
+            <a:off x="323253" y="2208213"/>
+            <a:ext cx="1399728" cy="261610"/>
+          </a:xfrm>
+          <a:prstGeom prst="rect">
+            <a:avLst/>
+          </a:prstGeom>
+          <a:noFill/>
+        </p:spPr>
+        <p:txBody>
+          <a:bodyPr wrap="square" rtlCol="0">
+            <a:spAutoFit/>
+          </a:bodyPr>
+          <a:lstStyle/>
+          <a:p>
+            <a:pPr algn="ctr"/>
+            <a:r>
+              <a:rPr lang="en-US" altLang="ko-KR" sz="1100"/>
+              <a:t>Page ID 1</a:t>
+            </a:r>
+            <a:endParaRPr lang="ko-KR" altLang="en-US" sz="1100" dirty="0"/>
+          </a:p>
+        </p:txBody>
+      </p:sp>
+      <p:sp>
+        <p:nvSpPr>
+          <p:cNvPr id="59" name="TextBox 58">
+            <a:extLst>
+              <a:ext uri="{FF2B5EF4-FFF2-40B4-BE49-F238E27FC236}">
+                <a16:creationId xmlns:a16="http://schemas.microsoft.com/office/drawing/2014/main" id="{D321219F-2616-441A-9030-13DFBCCAE1D0}"/>
+              </a:ext>
+            </a:extLst>
+          </p:cNvPr>
+          <p:cNvSpPr txBox="1"/>
+          <p:nvPr/>
+        </p:nvSpPr>
+        <p:spPr>
+          <a:xfrm>
+            <a:off x="5343129" y="2416861"/>
+            <a:ext cx="1399728" cy="261610"/>
+          </a:xfrm>
+          <a:prstGeom prst="rect">
+            <a:avLst/>
+          </a:prstGeom>
+          <a:noFill/>
+        </p:spPr>
+        <p:txBody>
+          <a:bodyPr wrap="square" rtlCol="0">
+            <a:spAutoFit/>
+          </a:bodyPr>
+          <a:lstStyle/>
+          <a:p>
+            <a:pPr algn="ctr"/>
+            <a:r>
+              <a:rPr lang="en-US" altLang="ko-KR" sz="1100"/>
+              <a:t>Page ID 3</a:t>
+            </a:r>
+            <a:endParaRPr lang="ko-KR" altLang="en-US" sz="1100" dirty="0"/>
+          </a:p>
+        </p:txBody>
+      </p:sp>
+      <p:sp>
+        <p:nvSpPr>
+          <p:cNvPr id="60" name="TextBox 59">
+            <a:extLst>
+              <a:ext uri="{FF2B5EF4-FFF2-40B4-BE49-F238E27FC236}">
+                <a16:creationId xmlns:a16="http://schemas.microsoft.com/office/drawing/2014/main" id="{8050834A-598E-4C21-AA52-23EA6FAA4E53}"/>
+              </a:ext>
+            </a:extLst>
+          </p:cNvPr>
+          <p:cNvSpPr txBox="1"/>
+          <p:nvPr/>
+        </p:nvSpPr>
+        <p:spPr>
+          <a:xfrm>
+            <a:off x="2833191" y="2203501"/>
+            <a:ext cx="1399728" cy="261610"/>
+          </a:xfrm>
+          <a:prstGeom prst="rect">
+            <a:avLst/>
+          </a:prstGeom>
+          <a:noFill/>
+        </p:spPr>
+        <p:txBody>
+          <a:bodyPr wrap="square" rtlCol="0">
+            <a:spAutoFit/>
+          </a:bodyPr>
+          <a:lstStyle/>
+          <a:p>
+            <a:pPr algn="ctr"/>
+            <a:r>
+              <a:rPr lang="en-US" altLang="ko-KR" sz="1100"/>
+              <a:t>Page ID 2</a:t>
+            </a:r>
+            <a:endParaRPr lang="ko-KR" altLang="en-US" sz="1100" dirty="0"/>
+          </a:p>
+        </p:txBody>
+      </p:sp>
+      <p:sp>
+        <p:nvSpPr>
+          <p:cNvPr id="61" name="오른쪽 중괄호 60">
+            <a:extLst>
+              <a:ext uri="{FF2B5EF4-FFF2-40B4-BE49-F238E27FC236}">
+                <a16:creationId xmlns:a16="http://schemas.microsoft.com/office/drawing/2014/main" id="{4FE64452-4A11-48A1-A60B-694B166EA6D0}"/>
+              </a:ext>
+            </a:extLst>
+          </p:cNvPr>
+          <p:cNvSpPr/>
+          <p:nvPr/>
+        </p:nvSpPr>
+        <p:spPr>
+          <a:xfrm>
+            <a:off x="7236296" y="2715767"/>
+            <a:ext cx="288032" cy="2328530"/>
+          </a:xfrm>
+          <a:prstGeom prst="rightBrace">
+            <a:avLst/>
+          </a:prstGeom>
+          <a:ln>
+            <a:solidFill>
+              <a:schemeClr val="tx1"/>
+            </a:solidFill>
+          </a:ln>
+        </p:spPr>
+        <p:style>
+          <a:lnRef idx="1">
+            <a:schemeClr val="accent1"/>
+          </a:lnRef>
+          <a:fillRef idx="0">
+            <a:schemeClr val="accent1"/>
+          </a:fillRef>
+          <a:effectRef idx="0">
+            <a:schemeClr val="accent1"/>
+          </a:effectRef>
+          <a:fontRef idx="minor">
+            <a:schemeClr val="tx1"/>
+          </a:fontRef>
+        </p:style>
+        <p:txBody>
+          <a:bodyPr rtlCol="0" anchor="ctr"/>
+          <a:lstStyle/>
+          <a:p>
+            <a:pPr algn="ctr"/>
+            <a:endParaRPr lang="ko-KR" altLang="en-US"/>
+          </a:p>
+        </p:txBody>
+      </p:sp>
+      <p:sp>
+        <p:nvSpPr>
+          <p:cNvPr id="62" name="TextBox 61">
+            <a:extLst>
+              <a:ext uri="{FF2B5EF4-FFF2-40B4-BE49-F238E27FC236}">
+                <a16:creationId xmlns:a16="http://schemas.microsoft.com/office/drawing/2014/main" id="{C00BECAB-1C6F-432C-8EAC-8868A9ABA238}"/>
+              </a:ext>
+            </a:extLst>
+          </p:cNvPr>
+          <p:cNvSpPr txBox="1"/>
+          <p:nvPr/>
+        </p:nvSpPr>
+        <p:spPr>
+          <a:xfrm>
+            <a:off x="7308304" y="3749227"/>
+            <a:ext cx="1543469" cy="261610"/>
+          </a:xfrm>
+          <a:prstGeom prst="rect">
+            <a:avLst/>
+          </a:prstGeom>
+          <a:noFill/>
+        </p:spPr>
+        <p:txBody>
+          <a:bodyPr wrap="square" rtlCol="0">
+            <a:spAutoFit/>
+          </a:bodyPr>
+          <a:lstStyle/>
+          <a:p>
+            <a:pPr algn="ctr"/>
+            <a:r>
+              <a:rPr lang="en-US" altLang="ko-KR" sz="1100"/>
+              <a:t>Clustered Index</a:t>
+            </a:r>
+            <a:endParaRPr lang="ko-KR" altLang="en-US" sz="1100" dirty="0"/>
+          </a:p>
+        </p:txBody>
+      </p:sp>
+      <p:sp>
+        <p:nvSpPr>
+          <p:cNvPr id="65" name="오른쪽 중괄호 64">
+            <a:extLst>
+              <a:ext uri="{FF2B5EF4-FFF2-40B4-BE49-F238E27FC236}">
+                <a16:creationId xmlns:a16="http://schemas.microsoft.com/office/drawing/2014/main" id="{6F48D161-EBCD-4E0C-839A-6921BC9DF282}"/>
+              </a:ext>
+            </a:extLst>
+          </p:cNvPr>
+          <p:cNvSpPr/>
+          <p:nvPr/>
+        </p:nvSpPr>
+        <p:spPr>
+          <a:xfrm>
+            <a:off x="7236296" y="411510"/>
+            <a:ext cx="288032" cy="2268073"/>
+          </a:xfrm>
+          <a:prstGeom prst="rightBrace">
+            <a:avLst/>
+          </a:prstGeom>
+          <a:ln>
+            <a:solidFill>
+              <a:schemeClr val="tx1"/>
+            </a:solidFill>
+          </a:ln>
+        </p:spPr>
+        <p:style>
+          <a:lnRef idx="1">
+            <a:schemeClr val="accent1"/>
+          </a:lnRef>
+          <a:fillRef idx="0">
+            <a:schemeClr val="accent1"/>
+          </a:fillRef>
+          <a:effectRef idx="0">
+            <a:schemeClr val="accent1"/>
+          </a:effectRef>
+          <a:fontRef idx="minor">
+            <a:schemeClr val="tx1"/>
+          </a:fontRef>
+        </p:style>
+        <p:txBody>
+          <a:bodyPr rtlCol="0" anchor="ctr"/>
+          <a:lstStyle/>
+          <a:p>
+            <a:pPr algn="ctr"/>
+            <a:endParaRPr lang="ko-KR" altLang="en-US"/>
+          </a:p>
+        </p:txBody>
+      </p:sp>
+      <p:sp>
+        <p:nvSpPr>
+          <p:cNvPr id="66" name="TextBox 65">
+            <a:extLst>
+              <a:ext uri="{FF2B5EF4-FFF2-40B4-BE49-F238E27FC236}">
+                <a16:creationId xmlns:a16="http://schemas.microsoft.com/office/drawing/2014/main" id="{1200A459-42D7-4CE7-AFA2-B7432A55E53F}"/>
+              </a:ext>
+            </a:extLst>
+          </p:cNvPr>
+          <p:cNvSpPr txBox="1"/>
+          <p:nvPr/>
+        </p:nvSpPr>
+        <p:spPr>
+          <a:xfrm>
+            <a:off x="7452320" y="1414741"/>
+            <a:ext cx="1543469" cy="261610"/>
+          </a:xfrm>
+          <a:prstGeom prst="rect">
+            <a:avLst/>
+          </a:prstGeom>
+          <a:noFill/>
+        </p:spPr>
+        <p:txBody>
+          <a:bodyPr wrap="square" rtlCol="0">
+            <a:spAutoFit/>
+          </a:bodyPr>
+          <a:lstStyle/>
+          <a:p>
+            <a:pPr algn="ctr"/>
+            <a:r>
+              <a:rPr lang="en-US" altLang="ko-KR" sz="1100"/>
+              <a:t>Non-clustered Index</a:t>
+            </a:r>
+            <a:endParaRPr lang="ko-KR" altLang="en-US" sz="1100" dirty="0"/>
+          </a:p>
+        </p:txBody>
+      </p:sp>
+      <p:cxnSp>
+        <p:nvCxnSpPr>
+          <p:cNvPr id="67" name="직선 화살표 연결선 66">
+            <a:extLst>
+              <a:ext uri="{FF2B5EF4-FFF2-40B4-BE49-F238E27FC236}">
+                <a16:creationId xmlns:a16="http://schemas.microsoft.com/office/drawing/2014/main" id="{A120AA52-03CE-4829-A76B-9833AB9B149F}"/>
+              </a:ext>
+            </a:extLst>
+          </p:cNvPr>
+          <p:cNvCxnSpPr>
+            <a:cxnSpLocks/>
+            <a:endCxn id="106" idx="2"/>
+          </p:cNvCxnSpPr>
+          <p:nvPr/>
+        </p:nvCxnSpPr>
+        <p:spPr>
+          <a:xfrm>
+            <a:off x="2627784" y="1010754"/>
+            <a:ext cx="414461" cy="219942"/>
+          </a:xfrm>
+          <a:prstGeom prst="straightConnector1">
+            <a:avLst/>
+          </a:prstGeom>
+          <a:ln w="19050">
+            <a:solidFill>
+              <a:schemeClr val="tx2"/>
+            </a:solidFill>
+            <a:tailEnd type="arrow"/>
+          </a:ln>
+        </p:spPr>
+        <p:style>
+          <a:lnRef idx="1">
+            <a:schemeClr val="accent1"/>
+          </a:lnRef>
+          <a:fillRef idx="0">
+            <a:schemeClr val="accent1"/>
+          </a:fillRef>
+          <a:effectRef idx="0">
+            <a:schemeClr val="accent1"/>
+          </a:effectRef>
+          <a:fontRef idx="minor">
+            <a:schemeClr val="tx1"/>
+          </a:fontRef>
+        </p:style>
+      </p:cxnSp>
+      <p:cxnSp>
+        <p:nvCxnSpPr>
+          <p:cNvPr id="72" name="직선 화살표 연결선 71">
+            <a:extLst>
+              <a:ext uri="{FF2B5EF4-FFF2-40B4-BE49-F238E27FC236}">
+                <a16:creationId xmlns:a16="http://schemas.microsoft.com/office/drawing/2014/main" id="{351EA37D-E181-4DAF-AF98-A7050FA68902}"/>
+              </a:ext>
+            </a:extLst>
+          </p:cNvPr>
+          <p:cNvCxnSpPr>
+            <a:cxnSpLocks/>
+            <a:stCxn id="106" idx="6"/>
+            <a:endCxn id="88" idx="2"/>
+          </p:cNvCxnSpPr>
+          <p:nvPr/>
+        </p:nvCxnSpPr>
+        <p:spPr>
+          <a:xfrm>
+            <a:off x="4012964" y="1230696"/>
+            <a:ext cx="1522865" cy="652114"/>
+          </a:xfrm>
+          <a:prstGeom prst="straightConnector1">
+            <a:avLst/>
+          </a:prstGeom>
+          <a:ln w="19050">
+            <a:solidFill>
+              <a:schemeClr val="tx2"/>
+            </a:solidFill>
+            <a:tailEnd type="arrow"/>
+          </a:ln>
+        </p:spPr>
+        <p:style>
+          <a:lnRef idx="1">
+            <a:schemeClr val="accent1"/>
+          </a:lnRef>
+          <a:fillRef idx="0">
+            <a:schemeClr val="accent1"/>
+          </a:fillRef>
+          <a:effectRef idx="0">
+            <a:schemeClr val="accent1"/>
+          </a:effectRef>
+          <a:fontRef idx="minor">
+            <a:schemeClr val="tx1"/>
+          </a:fontRef>
+        </p:style>
+      </p:cxnSp>
+      <p:sp>
+        <p:nvSpPr>
+          <p:cNvPr id="88" name="타원 87">
+            <a:extLst>
+              <a:ext uri="{FF2B5EF4-FFF2-40B4-BE49-F238E27FC236}">
+                <a16:creationId xmlns:a16="http://schemas.microsoft.com/office/drawing/2014/main" id="{CC2A25C7-0DAE-4501-BB42-B5C7E8C9D49E}"/>
+              </a:ext>
+            </a:extLst>
+          </p:cNvPr>
+          <p:cNvSpPr/>
+          <p:nvPr/>
+        </p:nvSpPr>
+        <p:spPr>
+          <a:xfrm>
+            <a:off x="5535829" y="1778334"/>
+            <a:ext cx="970719" cy="208952"/>
+          </a:xfrm>
+          <a:prstGeom prst="ellipse">
+            <a:avLst/>
+          </a:prstGeom>
+          <a:noFill/>
+          <a:ln w="19050"/>
+        </p:spPr>
+        <p:style>
+          <a:lnRef idx="2">
+            <a:schemeClr val="accent1">
+              <a:shade val="50000"/>
+            </a:schemeClr>
+          </a:lnRef>
+          <a:fillRef idx="1">
+            <a:schemeClr val="accent1"/>
+          </a:fillRef>
+          <a:effectRef idx="0">
+            <a:schemeClr val="accent1"/>
+          </a:effectRef>
+          <a:fontRef idx="minor">
+            <a:schemeClr val="lt1"/>
+          </a:fontRef>
+        </p:style>
+        <p:txBody>
+          <a:bodyPr rtlCol="0" anchor="ctr"/>
+          <a:lstStyle/>
+          <a:p>
+            <a:pPr algn="ctr"/>
+            <a:endParaRPr lang="ko-KR" altLang="en-US"/>
+          </a:p>
+        </p:txBody>
+      </p:sp>
+      <p:sp>
+        <p:nvSpPr>
+          <p:cNvPr id="104" name="타원 103">
+            <a:extLst>
+              <a:ext uri="{FF2B5EF4-FFF2-40B4-BE49-F238E27FC236}">
+                <a16:creationId xmlns:a16="http://schemas.microsoft.com/office/drawing/2014/main" id="{F9692EC2-7699-4D81-97CB-C477B362209C}"/>
+              </a:ext>
+            </a:extLst>
+          </p:cNvPr>
+          <p:cNvSpPr/>
+          <p:nvPr/>
+        </p:nvSpPr>
+        <p:spPr>
+          <a:xfrm>
+            <a:off x="5535829" y="1993247"/>
+            <a:ext cx="970719" cy="208952"/>
+          </a:xfrm>
+          <a:prstGeom prst="ellipse">
+            <a:avLst/>
+          </a:prstGeom>
+          <a:noFill/>
+          <a:ln w="19050"/>
+        </p:spPr>
+        <p:style>
+          <a:lnRef idx="2">
+            <a:schemeClr val="accent1">
+              <a:shade val="50000"/>
+            </a:schemeClr>
+          </a:lnRef>
+          <a:fillRef idx="1">
+            <a:schemeClr val="accent1"/>
+          </a:fillRef>
+          <a:effectRef idx="0">
+            <a:schemeClr val="accent1"/>
+          </a:effectRef>
+          <a:fontRef idx="minor">
+            <a:schemeClr val="lt1"/>
+          </a:fontRef>
+        </p:style>
+        <p:txBody>
+          <a:bodyPr rtlCol="0" anchor="ctr"/>
+          <a:lstStyle/>
+          <a:p>
+            <a:pPr algn="ctr"/>
+            <a:endParaRPr lang="ko-KR" altLang="en-US"/>
+          </a:p>
+        </p:txBody>
+      </p:sp>
+      <p:sp>
+        <p:nvSpPr>
+          <p:cNvPr id="106" name="타원 105">
+            <a:extLst>
+              <a:ext uri="{FF2B5EF4-FFF2-40B4-BE49-F238E27FC236}">
+                <a16:creationId xmlns:a16="http://schemas.microsoft.com/office/drawing/2014/main" id="{C457FC7A-B5EC-4C60-8402-38C4C5BCA0C8}"/>
+              </a:ext>
+            </a:extLst>
+          </p:cNvPr>
+          <p:cNvSpPr/>
+          <p:nvPr/>
+        </p:nvSpPr>
+        <p:spPr>
+          <a:xfrm>
+            <a:off x="3042245" y="1126220"/>
+            <a:ext cx="970719" cy="208952"/>
+          </a:xfrm>
+          <a:prstGeom prst="ellipse">
+            <a:avLst/>
+          </a:prstGeom>
+          <a:noFill/>
+          <a:ln w="19050"/>
+        </p:spPr>
+        <p:style>
+          <a:lnRef idx="2">
+            <a:schemeClr val="accent1">
+              <a:shade val="50000"/>
+            </a:schemeClr>
+          </a:lnRef>
+          <a:fillRef idx="1">
+            <a:schemeClr val="accent1"/>
+          </a:fillRef>
+          <a:effectRef idx="0">
+            <a:schemeClr val="accent1"/>
+          </a:effectRef>
+          <a:fontRef idx="minor">
+            <a:schemeClr val="lt1"/>
+          </a:fontRef>
+        </p:style>
+        <p:txBody>
+          <a:bodyPr rtlCol="0" anchor="ctr"/>
+          <a:lstStyle/>
+          <a:p>
+            <a:pPr algn="ctr"/>
+            <a:endParaRPr lang="ko-KR" altLang="en-US"/>
+          </a:p>
+        </p:txBody>
+      </p:sp>
+      <p:cxnSp>
+        <p:nvCxnSpPr>
+          <p:cNvPr id="115" name="직선 화살표 연결선 114">
+            <a:extLst>
+              <a:ext uri="{FF2B5EF4-FFF2-40B4-BE49-F238E27FC236}">
+                <a16:creationId xmlns:a16="http://schemas.microsoft.com/office/drawing/2014/main" id="{948EDA09-B547-4AD6-9FA6-314A1FCDA42F}"/>
+              </a:ext>
+            </a:extLst>
+          </p:cNvPr>
+          <p:cNvCxnSpPr>
+            <a:cxnSpLocks/>
+            <a:stCxn id="106" idx="6"/>
+            <a:endCxn id="104" idx="2"/>
+          </p:cNvCxnSpPr>
+          <p:nvPr/>
+        </p:nvCxnSpPr>
+        <p:spPr>
+          <a:xfrm>
+            <a:off x="4012964" y="1230696"/>
+            <a:ext cx="1522865" cy="867027"/>
+          </a:xfrm>
+          <a:prstGeom prst="straightConnector1">
+            <a:avLst/>
+          </a:prstGeom>
+          <a:ln w="19050">
+            <a:solidFill>
+              <a:schemeClr val="tx2"/>
+            </a:solidFill>
+            <a:tailEnd type="arrow"/>
+          </a:ln>
+        </p:spPr>
+        <p:style>
+          <a:lnRef idx="1">
+            <a:schemeClr val="accent1"/>
+          </a:lnRef>
+          <a:fillRef idx="0">
+            <a:schemeClr val="accent1"/>
+          </a:fillRef>
+          <a:effectRef idx="0">
+            <a:schemeClr val="accent1"/>
+          </a:effectRef>
+          <a:fontRef idx="minor">
+            <a:schemeClr val="tx1"/>
+          </a:fontRef>
+        </p:style>
+      </p:cxnSp>
+      <p:sp>
+        <p:nvSpPr>
+          <p:cNvPr id="123" name="타원 122">
+            <a:extLst>
+              <a:ext uri="{FF2B5EF4-FFF2-40B4-BE49-F238E27FC236}">
+                <a16:creationId xmlns:a16="http://schemas.microsoft.com/office/drawing/2014/main" id="{85F56CCA-376F-4AFB-9F77-39725490B0BC}"/>
+              </a:ext>
+            </a:extLst>
+          </p:cNvPr>
+          <p:cNvSpPr/>
+          <p:nvPr/>
+        </p:nvSpPr>
+        <p:spPr>
+          <a:xfrm>
+            <a:off x="3047220" y="3059275"/>
+            <a:ext cx="970719" cy="208952"/>
+          </a:xfrm>
+          <a:prstGeom prst="ellipse">
+            <a:avLst/>
+          </a:prstGeom>
+          <a:noFill/>
+          <a:ln w="19050"/>
+        </p:spPr>
+        <p:style>
+          <a:lnRef idx="2">
+            <a:schemeClr val="accent1">
+              <a:shade val="50000"/>
+            </a:schemeClr>
+          </a:lnRef>
+          <a:fillRef idx="1">
+            <a:schemeClr val="accent1"/>
+          </a:fillRef>
+          <a:effectRef idx="0">
+            <a:schemeClr val="accent1"/>
+          </a:effectRef>
+          <a:fontRef idx="minor">
+            <a:schemeClr val="lt1"/>
+          </a:fontRef>
+        </p:style>
+        <p:txBody>
+          <a:bodyPr rtlCol="0" anchor="ctr"/>
+          <a:lstStyle/>
+          <a:p>
+            <a:pPr algn="ctr"/>
+            <a:endParaRPr lang="ko-KR" altLang="en-US"/>
+          </a:p>
+        </p:txBody>
+      </p:sp>
+      <p:sp>
+        <p:nvSpPr>
+          <p:cNvPr id="124" name="타원 123">
+            <a:extLst>
+              <a:ext uri="{FF2B5EF4-FFF2-40B4-BE49-F238E27FC236}">
+                <a16:creationId xmlns:a16="http://schemas.microsoft.com/office/drawing/2014/main" id="{BB942323-C4ED-4977-A688-F4FDF8937626}"/>
+              </a:ext>
+            </a:extLst>
+          </p:cNvPr>
+          <p:cNvSpPr/>
+          <p:nvPr/>
+        </p:nvSpPr>
+        <p:spPr>
+          <a:xfrm>
+            <a:off x="3047220" y="3494907"/>
+            <a:ext cx="970719" cy="208952"/>
+          </a:xfrm>
+          <a:prstGeom prst="ellipse">
+            <a:avLst/>
+          </a:prstGeom>
+          <a:noFill/>
+          <a:ln w="19050"/>
+        </p:spPr>
+        <p:style>
+          <a:lnRef idx="2">
+            <a:schemeClr val="accent1">
+              <a:shade val="50000"/>
+            </a:schemeClr>
+          </a:lnRef>
+          <a:fillRef idx="1">
+            <a:schemeClr val="accent1"/>
+          </a:fillRef>
+          <a:effectRef idx="0">
+            <a:schemeClr val="accent1"/>
+          </a:effectRef>
+          <a:fontRef idx="minor">
+            <a:schemeClr val="lt1"/>
+          </a:fontRef>
+        </p:style>
+        <p:txBody>
+          <a:bodyPr rtlCol="0" anchor="ctr"/>
+          <a:lstStyle/>
+          <a:p>
+            <a:pPr algn="ctr"/>
+            <a:endParaRPr lang="ko-KR" altLang="en-US"/>
+          </a:p>
+        </p:txBody>
+      </p:sp>
+      <p:cxnSp>
+        <p:nvCxnSpPr>
+          <p:cNvPr id="38" name="직선 화살표 연결선 37">
+            <a:extLst>
+              <a:ext uri="{FF2B5EF4-FFF2-40B4-BE49-F238E27FC236}">
+                <a16:creationId xmlns:a16="http://schemas.microsoft.com/office/drawing/2014/main" id="{A7A9EE24-36E4-4528-8198-FF97E555FDE2}"/>
+              </a:ext>
+            </a:extLst>
+          </p:cNvPr>
+          <p:cNvCxnSpPr>
+            <a:cxnSpLocks/>
+            <a:stCxn id="88" idx="2"/>
+            <a:endCxn id="123" idx="6"/>
+          </p:cNvCxnSpPr>
+          <p:nvPr/>
+        </p:nvCxnSpPr>
+        <p:spPr>
+          <a:xfrm flipH="1">
+            <a:off x="4017939" y="1882810"/>
+            <a:ext cx="1517890" cy="1280941"/>
+          </a:xfrm>
+          <a:prstGeom prst="straightConnector1">
+            <a:avLst/>
+          </a:prstGeom>
+          <a:ln w="19050">
+            <a:solidFill>
+              <a:schemeClr val="tx2"/>
+            </a:solidFill>
+            <a:tailEnd type="arrow"/>
+          </a:ln>
+        </p:spPr>
+        <p:style>
+          <a:lnRef idx="1">
+            <a:schemeClr val="accent1"/>
+          </a:lnRef>
+          <a:fillRef idx="0">
+            <a:schemeClr val="accent1"/>
+          </a:fillRef>
+          <a:effectRef idx="0">
+            <a:schemeClr val="accent1"/>
+          </a:effectRef>
+          <a:fontRef idx="minor">
+            <a:schemeClr val="tx1"/>
+          </a:fontRef>
+        </p:style>
+      </p:cxnSp>
+      <p:cxnSp>
+        <p:nvCxnSpPr>
+          <p:cNvPr id="41" name="직선 화살표 연결선 40">
+            <a:extLst>
+              <a:ext uri="{FF2B5EF4-FFF2-40B4-BE49-F238E27FC236}">
+                <a16:creationId xmlns:a16="http://schemas.microsoft.com/office/drawing/2014/main" id="{D95F0C77-0A1D-47A4-90F2-AD6602B293C9}"/>
+              </a:ext>
+            </a:extLst>
+          </p:cNvPr>
+          <p:cNvCxnSpPr>
+            <a:cxnSpLocks/>
+            <a:endCxn id="124" idx="6"/>
+          </p:cNvCxnSpPr>
+          <p:nvPr/>
+        </p:nvCxnSpPr>
+        <p:spPr>
+          <a:xfrm flipH="1">
+            <a:off x="4017939" y="2103973"/>
+            <a:ext cx="1517890" cy="1495410"/>
+          </a:xfrm>
+          <a:prstGeom prst="straightConnector1">
+            <a:avLst/>
+          </a:prstGeom>
+          <a:ln w="19050">
+            <a:solidFill>
+              <a:schemeClr val="tx2"/>
+            </a:solidFill>
+            <a:tailEnd type="arrow"/>
+          </a:ln>
+        </p:spPr>
+        <p:style>
+          <a:lnRef idx="1">
+            <a:schemeClr val="accent1"/>
+          </a:lnRef>
+          <a:fillRef idx="0">
+            <a:schemeClr val="accent1"/>
+          </a:fillRef>
+          <a:effectRef idx="0">
+            <a:schemeClr val="accent1"/>
+          </a:effectRef>
+          <a:fontRef idx="minor">
+            <a:schemeClr val="tx1"/>
+          </a:fontRef>
+        </p:style>
+      </p:cxnSp>
+      <p:cxnSp>
+        <p:nvCxnSpPr>
+          <p:cNvPr id="45" name="직선 화살표 연결선 44">
+            <a:extLst>
+              <a:ext uri="{FF2B5EF4-FFF2-40B4-BE49-F238E27FC236}">
+                <a16:creationId xmlns:a16="http://schemas.microsoft.com/office/drawing/2014/main" id="{5AABB6DF-BC5F-4475-9F6F-579B090BF408}"/>
+              </a:ext>
+            </a:extLst>
+          </p:cNvPr>
+          <p:cNvCxnSpPr>
+            <a:cxnSpLocks/>
+            <a:stCxn id="123" idx="2"/>
+            <a:endCxn id="24" idx="0"/>
+          </p:cNvCxnSpPr>
+          <p:nvPr/>
+        </p:nvCxnSpPr>
+        <p:spPr>
+          <a:xfrm flipH="1">
+            <a:off x="1023117" y="3163751"/>
+            <a:ext cx="2024103" cy="765496"/>
+          </a:xfrm>
+          <a:prstGeom prst="straightConnector1">
+            <a:avLst/>
+          </a:prstGeom>
+          <a:ln w="19050">
+            <a:solidFill>
+              <a:schemeClr val="tx2"/>
+            </a:solidFill>
+            <a:tailEnd type="arrow"/>
+          </a:ln>
+        </p:spPr>
+        <p:style>
+          <a:lnRef idx="1">
+            <a:schemeClr val="accent1"/>
+          </a:lnRef>
+          <a:fillRef idx="0">
+            <a:schemeClr val="accent1"/>
+          </a:fillRef>
+          <a:effectRef idx="0">
+            <a:schemeClr val="accent1"/>
+          </a:effectRef>
+          <a:fontRef idx="minor">
+            <a:schemeClr val="tx1"/>
+          </a:fontRef>
+        </p:style>
+      </p:cxnSp>
+      <p:cxnSp>
+        <p:nvCxnSpPr>
+          <p:cNvPr id="48" name="직선 화살표 연결선 47">
+            <a:extLst>
+              <a:ext uri="{FF2B5EF4-FFF2-40B4-BE49-F238E27FC236}">
+                <a16:creationId xmlns:a16="http://schemas.microsoft.com/office/drawing/2014/main" id="{F1D9AF08-8437-4847-B61F-F40D570240F1}"/>
+              </a:ext>
+            </a:extLst>
+          </p:cNvPr>
+          <p:cNvCxnSpPr>
+            <a:cxnSpLocks/>
+            <a:stCxn id="124" idx="6"/>
+            <a:endCxn id="15" idx="0"/>
+          </p:cNvCxnSpPr>
+          <p:nvPr/>
+        </p:nvCxnSpPr>
+        <p:spPr>
+          <a:xfrm>
+            <a:off x="4017939" y="3599383"/>
+            <a:ext cx="2025054" cy="329864"/>
+          </a:xfrm>
+          <a:prstGeom prst="straightConnector1">
+            <a:avLst/>
+          </a:prstGeom>
+          <a:ln w="19050">
+            <a:solidFill>
+              <a:schemeClr val="tx2"/>
+            </a:solidFill>
+            <a:tailEnd type="arrow"/>
+          </a:ln>
+        </p:spPr>
+        <p:style>
+          <a:lnRef idx="1">
+            <a:schemeClr val="accent1"/>
+          </a:lnRef>
+          <a:fillRef idx="0">
+            <a:schemeClr val="accent1"/>
+          </a:fillRef>
+          <a:effectRef idx="0">
+            <a:schemeClr val="accent1"/>
+          </a:effectRef>
+          <a:fontRef idx="minor">
+            <a:schemeClr val="tx1"/>
+          </a:fontRef>
+        </p:style>
+      </p:cxnSp>
+    </p:spTree>
+    <p:extLst>
+      <p:ext uri="{BB962C8B-B14F-4D97-AF65-F5344CB8AC3E}">
+        <p14:creationId xmlns:p14="http://schemas.microsoft.com/office/powerpoint/2010/main" val="96049391"/>
+      </p:ext>
+    </p:extLst>
+  </p:cSld>
+  <p:clrMapOvr>
+    <a:masterClrMapping/>
+  </p:clrMapOvr>
+</p:sld>
+</file>
+
+<file path=ppt/slides/slide3.xml><?xml version="1.0" encoding="utf-8"?>
+<p:sld xmlns:a="http://schemas.openxmlformats.org/drawingml/2006/main" xmlns:r="http://schemas.openxmlformats.org/officeDocument/2006/relationships" xmlns:p="http://schemas.openxmlformats.org/presentationml/2006/main">
+  <p:cSld>
+    <p:spTree>
+      <p:nvGrpSpPr>
+        <p:cNvPr id="1" name=""/>
+        <p:cNvGrpSpPr/>
+        <p:nvPr/>
+      </p:nvGrpSpPr>
+      <p:grpSpPr>
+        <a:xfrm>
+          <a:off x="0" y="0"/>
+          <a:ext cx="0" cy="0"/>
+          <a:chOff x="0" y="0"/>
+          <a:chExt cx="0" cy="0"/>
+        </a:xfrm>
+      </p:grpSpPr>
+      <p:sp>
+        <p:nvSpPr>
+          <p:cNvPr id="6" name="제목 1"/>
+          <p:cNvSpPr>
+            <a:spLocks noGrp="1"/>
+          </p:cNvSpPr>
+          <p:nvPr>
+            <p:ph type="title"/>
+          </p:nvPr>
+        </p:nvSpPr>
+        <p:spPr>
+          <a:xfrm>
+            <a:off x="457200" y="-524594"/>
+            <a:ext cx="8229600" cy="857250"/>
+          </a:xfrm>
+        </p:spPr>
+        <p:txBody>
+          <a:bodyPr>
+            <a:noAutofit/>
+          </a:bodyPr>
+          <a:lstStyle/>
+          <a:p>
+            <a:r>
+              <a:rPr lang="en-US" altLang="ko-KR" sz="3600"/>
+              <a:t>Clustered Index, Non-clustered Index</a:t>
+            </a:r>
+            <a:endParaRPr lang="ko-KR" altLang="en-US" sz="3600" dirty="0"/>
+          </a:p>
+        </p:txBody>
+      </p:sp>
+      <p:graphicFrame>
+        <p:nvGraphicFramePr>
+          <p:cNvPr id="24" name="표 23"/>
+          <p:cNvGraphicFramePr>
+            <a:graphicFrameLocks noGrp="1"/>
+          </p:cNvGraphicFramePr>
+          <p:nvPr>
+            <p:extLst>
+              <p:ext uri="{D42A27DB-BD31-4B8C-83A1-F6EECF244321}">
+                <p14:modId xmlns:p14="http://schemas.microsoft.com/office/powerpoint/2010/main" val="586602298"/>
+              </p:ext>
+            </p:extLst>
+          </p:nvPr>
+        </p:nvGraphicFramePr>
+        <p:xfrm>
+          <a:off x="117846" y="4001254"/>
+          <a:ext cx="1810542" cy="853440"/>
+        </p:xfrm>
+        <a:graphic>
+          <a:graphicData uri="http://schemas.openxmlformats.org/drawingml/2006/table">
+            <a:tbl>
+              <a:tblPr firstRow="1" bandRow="1">
+                <a:tableStyleId>{5940675A-B579-460E-94D1-54222C63F5DA}</a:tableStyleId>
+              </a:tblPr>
+              <a:tblGrid>
+                <a:gridCol w="603514">
+                  <a:extLst>
+                    <a:ext uri="{9D8B030D-6E8A-4147-A177-3AD203B41FA5}">
+                      <a16:colId xmlns:a16="http://schemas.microsoft.com/office/drawing/2014/main" val="20000"/>
+                    </a:ext>
+                  </a:extLst>
+                </a:gridCol>
+                <a:gridCol w="603514">
+                  <a:extLst>
+                    <a:ext uri="{9D8B030D-6E8A-4147-A177-3AD203B41FA5}">
+                      <a16:colId xmlns:a16="http://schemas.microsoft.com/office/drawing/2014/main" val="20001"/>
+                    </a:ext>
+                  </a:extLst>
+                </a:gridCol>
+                <a:gridCol w="603514">
+                  <a:extLst>
+                    <a:ext uri="{9D8B030D-6E8A-4147-A177-3AD203B41FA5}">
+                      <a16:colId xmlns:a16="http://schemas.microsoft.com/office/drawing/2014/main" val="20002"/>
+                    </a:ext>
+                  </a:extLst>
+                </a:gridCol>
+              </a:tblGrid>
+              <a:tr h="168355">
+                <a:tc>
+                  <a:txBody>
+                    <a:bodyPr/>
+                    <a:lstStyle/>
+                    <a:p>
+                      <a:pPr algn="ctr" latinLnBrk="1"/>
+                      <a:r>
+                        <a:rPr lang="en-US" altLang="ko-KR" sz="800"/>
+                        <a:t>Fruit ID</a:t>
+                      </a:r>
+                      <a:endParaRPr lang="ko-KR" altLang="en-US" sz="800" dirty="0"/>
+                    </a:p>
+                  </a:txBody>
+                  <a:tcPr>
+                    <a:solidFill>
+                      <a:schemeClr val="bg1">
+                        <a:lumMod val="85000"/>
+                      </a:schemeClr>
+                    </a:solidFill>
+                  </a:tcPr>
+                </a:tc>
+                <a:tc>
+                  <a:txBody>
+                    <a:bodyPr/>
+                    <a:lstStyle/>
+                    <a:p>
+                      <a:pPr algn="ctr" latinLnBrk="1"/>
+                      <a:r>
+                        <a:rPr lang="en-US" altLang="ko-KR" sz="800" dirty="0"/>
+                        <a:t>Fruit</a:t>
+                      </a:r>
+                      <a:endParaRPr lang="ko-KR" altLang="en-US" sz="800" dirty="0"/>
+                    </a:p>
+                  </a:txBody>
+                  <a:tcPr>
+                    <a:solidFill>
+                      <a:schemeClr val="bg1">
+                        <a:lumMod val="85000"/>
+                      </a:schemeClr>
+                    </a:solidFill>
+                  </a:tcPr>
+                </a:tc>
+                <a:tc>
+                  <a:txBody>
+                    <a:bodyPr/>
+                    <a:lstStyle/>
+                    <a:p>
+                      <a:pPr algn="ctr" latinLnBrk="1"/>
+                      <a:r>
+                        <a:rPr lang="en-US" altLang="ko-KR" sz="800" dirty="0"/>
+                        <a:t>State</a:t>
+                      </a:r>
+                      <a:endParaRPr lang="ko-KR" altLang="en-US" sz="800" dirty="0"/>
+                    </a:p>
+                  </a:txBody>
+                  <a:tcPr>
+                    <a:solidFill>
+                      <a:schemeClr val="bg1">
+                        <a:lumMod val="85000"/>
+                      </a:schemeClr>
+                    </a:solidFill>
+                  </a:tcPr>
+                </a:tc>
+                <a:extLst>
+                  <a:ext uri="{0D108BD9-81ED-4DB2-BD59-A6C34878D82A}">
+                    <a16:rowId xmlns:a16="http://schemas.microsoft.com/office/drawing/2014/main" val="10000"/>
+                  </a:ext>
+                </a:extLst>
+              </a:tr>
+              <a:tr h="168355">
+                <a:tc>
+                  <a:txBody>
+                    <a:bodyPr/>
+                    <a:lstStyle/>
+                    <a:p>
+                      <a:pPr algn="ctr" latinLnBrk="1"/>
+                      <a:r>
+                        <a:rPr lang="en-US" altLang="ko-KR" sz="800" dirty="0"/>
+                        <a:t>1</a:t>
+                      </a:r>
+                      <a:endParaRPr lang="ko-KR" altLang="en-US" sz="800" dirty="0"/>
+                    </a:p>
+                  </a:txBody>
+                  <a:tcPr>
+                    <a:solidFill>
+                      <a:schemeClr val="bg1">
+                        <a:lumMod val="85000"/>
+                      </a:schemeClr>
+                    </a:solidFill>
+                  </a:tcPr>
+                </a:tc>
+                <a:tc>
+                  <a:txBody>
+                    <a:bodyPr/>
+                    <a:lstStyle/>
+                    <a:p>
+                      <a:pPr algn="ctr" latinLnBrk="1"/>
+                      <a:r>
+                        <a:rPr lang="en-US" altLang="ko-KR" sz="800" dirty="0"/>
+                        <a:t>Orange</a:t>
+                      </a:r>
+                      <a:endParaRPr lang="ko-KR" altLang="en-US" sz="800" dirty="0"/>
+                    </a:p>
+                  </a:txBody>
+                  <a:tcPr/>
+                </a:tc>
+                <a:tc>
+                  <a:txBody>
+                    <a:bodyPr/>
+                    <a:lstStyle/>
+                    <a:p>
+                      <a:pPr algn="ctr" latinLnBrk="1"/>
+                      <a:r>
+                        <a:rPr lang="en-US" altLang="ko-KR" sz="800" dirty="0"/>
+                        <a:t>FL</a:t>
+                      </a:r>
+                      <a:endParaRPr lang="ko-KR" altLang="en-US" sz="800" dirty="0"/>
+                    </a:p>
+                  </a:txBody>
+                  <a:tcPr/>
+                </a:tc>
+                <a:extLst>
+                  <a:ext uri="{0D108BD9-81ED-4DB2-BD59-A6C34878D82A}">
+                    <a16:rowId xmlns:a16="http://schemas.microsoft.com/office/drawing/2014/main" val="10001"/>
+                  </a:ext>
+                </a:extLst>
+              </a:tr>
+              <a:tr h="168355">
+                <a:tc>
+                  <a:txBody>
+                    <a:bodyPr/>
+                    <a:lstStyle/>
+                    <a:p>
+                      <a:pPr algn="ctr" latinLnBrk="1"/>
+                      <a:r>
+                        <a:rPr lang="en-US" altLang="ko-KR" sz="800" dirty="0"/>
+                        <a:t>2</a:t>
+                      </a:r>
+                      <a:endParaRPr lang="ko-KR" altLang="en-US" sz="800" dirty="0"/>
+                    </a:p>
+                  </a:txBody>
+                  <a:tcPr>
+                    <a:solidFill>
+                      <a:schemeClr val="bg1">
+                        <a:lumMod val="85000"/>
+                      </a:schemeClr>
+                    </a:solidFill>
+                  </a:tcPr>
+                </a:tc>
+                <a:tc>
+                  <a:txBody>
+                    <a:bodyPr/>
+                    <a:lstStyle/>
+                    <a:p>
+                      <a:pPr algn="ctr" latinLnBrk="1"/>
+                      <a:r>
+                        <a:rPr lang="en-US" altLang="ko-KR" sz="800" dirty="0"/>
+                        <a:t>Apple</a:t>
+                      </a:r>
+                      <a:endParaRPr lang="ko-KR" altLang="en-US" sz="800" dirty="0"/>
+                    </a:p>
+                  </a:txBody>
+                  <a:tcPr/>
+                </a:tc>
+                <a:tc>
+                  <a:txBody>
+                    <a:bodyPr/>
+                    <a:lstStyle/>
+                    <a:p>
+                      <a:pPr algn="ctr" latinLnBrk="1"/>
+                      <a:r>
+                        <a:rPr lang="en-US" altLang="ko-KR" sz="800" dirty="0"/>
+                        <a:t>NC</a:t>
+                      </a:r>
+                      <a:endParaRPr lang="ko-KR" altLang="en-US" sz="800" dirty="0"/>
+                    </a:p>
+                  </a:txBody>
+                  <a:tcPr/>
+                </a:tc>
+                <a:extLst>
+                  <a:ext uri="{0D108BD9-81ED-4DB2-BD59-A6C34878D82A}">
+                    <a16:rowId xmlns:a16="http://schemas.microsoft.com/office/drawing/2014/main" val="10002"/>
+                  </a:ext>
+                </a:extLst>
+              </a:tr>
+              <a:tr h="168355">
+                <a:tc>
+                  <a:txBody>
+                    <a:bodyPr/>
+                    <a:lstStyle/>
+                    <a:p>
+                      <a:pPr algn="ctr" latinLnBrk="1"/>
+                      <a:r>
+                        <a:rPr lang="en-US" altLang="ko-KR" sz="800" dirty="0"/>
+                        <a:t>3</a:t>
+                      </a:r>
+                      <a:endParaRPr lang="ko-KR" altLang="en-US" sz="800" dirty="0"/>
+                    </a:p>
+                  </a:txBody>
+                  <a:tcPr>
+                    <a:solidFill>
+                      <a:schemeClr val="bg1">
+                        <a:lumMod val="85000"/>
+                      </a:schemeClr>
+                    </a:solidFill>
+                  </a:tcPr>
+                </a:tc>
+                <a:tc>
+                  <a:txBody>
+                    <a:bodyPr/>
+                    <a:lstStyle/>
+                    <a:p>
+                      <a:pPr algn="ctr" latinLnBrk="1"/>
+                      <a:r>
+                        <a:rPr lang="en-US" altLang="ko-KR" sz="800" dirty="0"/>
+                        <a:t>Peach</a:t>
+                      </a:r>
+                      <a:endParaRPr lang="ko-KR" altLang="en-US" sz="800" dirty="0"/>
+                    </a:p>
+                  </a:txBody>
+                  <a:tcPr/>
+                </a:tc>
+                <a:tc>
+                  <a:txBody>
+                    <a:bodyPr/>
+                    <a:lstStyle/>
+                    <a:p>
+                      <a:pPr algn="ctr" latinLnBrk="1"/>
+                      <a:r>
+                        <a:rPr lang="en-US" altLang="ko-KR" sz="800" dirty="0"/>
+                        <a:t>SC</a:t>
+                      </a:r>
+                      <a:endParaRPr lang="ko-KR" altLang="en-US" sz="800" dirty="0"/>
+                    </a:p>
+                  </a:txBody>
+                  <a:tcPr/>
+                </a:tc>
+                <a:extLst>
+                  <a:ext uri="{0D108BD9-81ED-4DB2-BD59-A6C34878D82A}">
+                    <a16:rowId xmlns:a16="http://schemas.microsoft.com/office/drawing/2014/main" val="10003"/>
+                  </a:ext>
+                </a:extLst>
+              </a:tr>
+            </a:tbl>
+          </a:graphicData>
+        </a:graphic>
+      </p:graphicFrame>
+      <p:graphicFrame>
+        <p:nvGraphicFramePr>
+          <p:cNvPr id="14" name="표 13">
+            <a:extLst>
+              <a:ext uri="{FF2B5EF4-FFF2-40B4-BE49-F238E27FC236}">
+                <a16:creationId xmlns:a16="http://schemas.microsoft.com/office/drawing/2014/main" id="{9BC6D908-75E2-4B4F-923F-095E050B4268}"/>
+              </a:ext>
+            </a:extLst>
+          </p:cNvPr>
+          <p:cNvGraphicFramePr>
+            <a:graphicFrameLocks noGrp="1"/>
+          </p:cNvGraphicFramePr>
+          <p:nvPr>
+            <p:extLst>
+              <p:ext uri="{D42A27DB-BD31-4B8C-83A1-F6EECF244321}">
+                <p14:modId xmlns:p14="http://schemas.microsoft.com/office/powerpoint/2010/main" val="842922952"/>
+              </p:ext>
+            </p:extLst>
+          </p:nvPr>
+        </p:nvGraphicFramePr>
+        <p:xfrm>
+          <a:off x="2627784" y="4001254"/>
+          <a:ext cx="1810542" cy="640080"/>
+        </p:xfrm>
+        <a:graphic>
+          <a:graphicData uri="http://schemas.openxmlformats.org/drawingml/2006/table">
+            <a:tbl>
+              <a:tblPr firstRow="1" bandRow="1">
+                <a:tableStyleId>{5940675A-B579-460E-94D1-54222C63F5DA}</a:tableStyleId>
+              </a:tblPr>
+              <a:tblGrid>
+                <a:gridCol w="603514">
+                  <a:extLst>
+                    <a:ext uri="{9D8B030D-6E8A-4147-A177-3AD203B41FA5}">
+                      <a16:colId xmlns:a16="http://schemas.microsoft.com/office/drawing/2014/main" val="20000"/>
+                    </a:ext>
+                  </a:extLst>
+                </a:gridCol>
+                <a:gridCol w="603514">
+                  <a:extLst>
+                    <a:ext uri="{9D8B030D-6E8A-4147-A177-3AD203B41FA5}">
+                      <a16:colId xmlns:a16="http://schemas.microsoft.com/office/drawing/2014/main" val="20001"/>
+                    </a:ext>
+                  </a:extLst>
+                </a:gridCol>
+                <a:gridCol w="603514">
+                  <a:extLst>
+                    <a:ext uri="{9D8B030D-6E8A-4147-A177-3AD203B41FA5}">
+                      <a16:colId xmlns:a16="http://schemas.microsoft.com/office/drawing/2014/main" val="20002"/>
+                    </a:ext>
+                  </a:extLst>
+                </a:gridCol>
+              </a:tblGrid>
+              <a:tr h="168355">
+                <a:tc>
+                  <a:txBody>
+                    <a:bodyPr/>
+                    <a:lstStyle/>
+                    <a:p>
+                      <a:pPr algn="ctr" latinLnBrk="1"/>
+                      <a:r>
+                        <a:rPr lang="en-US" altLang="ko-KR" sz="800"/>
+                        <a:t>Fruit ID</a:t>
+                      </a:r>
+                      <a:endParaRPr lang="ko-KR" altLang="en-US" sz="800" dirty="0"/>
+                    </a:p>
+                  </a:txBody>
+                  <a:tcPr>
+                    <a:solidFill>
+                      <a:schemeClr val="bg1">
+                        <a:lumMod val="85000"/>
+                      </a:schemeClr>
+                    </a:solidFill>
+                  </a:tcPr>
+                </a:tc>
+                <a:tc>
+                  <a:txBody>
+                    <a:bodyPr/>
+                    <a:lstStyle/>
+                    <a:p>
+                      <a:pPr algn="ctr" latinLnBrk="1"/>
+                      <a:r>
+                        <a:rPr lang="en-US" altLang="ko-KR" sz="800" dirty="0"/>
+                        <a:t>Fruit</a:t>
+                      </a:r>
+                      <a:endParaRPr lang="ko-KR" altLang="en-US" sz="800" dirty="0"/>
+                    </a:p>
+                  </a:txBody>
+                  <a:tcPr>
+                    <a:solidFill>
+                      <a:schemeClr val="bg1">
+                        <a:lumMod val="85000"/>
+                      </a:schemeClr>
+                    </a:solidFill>
+                  </a:tcPr>
+                </a:tc>
+                <a:tc>
+                  <a:txBody>
+                    <a:bodyPr/>
+                    <a:lstStyle/>
+                    <a:p>
+                      <a:pPr algn="ctr" latinLnBrk="1"/>
+                      <a:r>
+                        <a:rPr lang="en-US" altLang="ko-KR" sz="800" dirty="0"/>
+                        <a:t>State</a:t>
+                      </a:r>
+                      <a:endParaRPr lang="ko-KR" altLang="en-US" sz="800" dirty="0"/>
+                    </a:p>
+                  </a:txBody>
+                  <a:tcPr>
+                    <a:solidFill>
+                      <a:schemeClr val="bg1">
+                        <a:lumMod val="85000"/>
+                      </a:schemeClr>
+                    </a:solidFill>
+                  </a:tcPr>
+                </a:tc>
+                <a:extLst>
+                  <a:ext uri="{0D108BD9-81ED-4DB2-BD59-A6C34878D82A}">
+                    <a16:rowId xmlns:a16="http://schemas.microsoft.com/office/drawing/2014/main" val="10000"/>
+                  </a:ext>
+                </a:extLst>
+              </a:tr>
+              <a:tr h="168355">
+                <a:tc>
+                  <a:txBody>
+                    <a:bodyPr/>
+                    <a:lstStyle/>
+                    <a:p>
+                      <a:pPr algn="ctr" latinLnBrk="1"/>
+                      <a:r>
+                        <a:rPr lang="en-US" altLang="ko-KR" sz="800" dirty="0"/>
+                        <a:t>4</a:t>
+                      </a:r>
+                      <a:endParaRPr lang="ko-KR" altLang="en-US" sz="800" dirty="0"/>
+                    </a:p>
+                  </a:txBody>
+                  <a:tcPr>
+                    <a:solidFill>
+                      <a:schemeClr val="bg1">
+                        <a:lumMod val="85000"/>
+                      </a:schemeClr>
+                    </a:solidFill>
+                  </a:tcPr>
+                </a:tc>
+                <a:tc>
+                  <a:txBody>
+                    <a:bodyPr/>
+                    <a:lstStyle/>
+                    <a:p>
+                      <a:pPr algn="ctr" latinLnBrk="1"/>
+                      <a:r>
+                        <a:rPr lang="en-US" altLang="ko-KR" sz="800" dirty="0"/>
+                        <a:t>Grape</a:t>
+                      </a:r>
+                      <a:endParaRPr lang="ko-KR" altLang="en-US" sz="800" dirty="0"/>
+                    </a:p>
+                  </a:txBody>
+                  <a:tcPr/>
+                </a:tc>
+                <a:tc>
+                  <a:txBody>
+                    <a:bodyPr/>
+                    <a:lstStyle/>
+                    <a:p>
+                      <a:pPr algn="ctr" latinLnBrk="1"/>
+                      <a:r>
+                        <a:rPr lang="en-US" altLang="ko-KR" sz="800" dirty="0"/>
+                        <a:t>CA</a:t>
+                      </a:r>
+                      <a:endParaRPr lang="ko-KR" altLang="en-US" sz="800" dirty="0"/>
+                    </a:p>
+                  </a:txBody>
+                  <a:tcPr/>
+                </a:tc>
+                <a:extLst>
+                  <a:ext uri="{0D108BD9-81ED-4DB2-BD59-A6C34878D82A}">
+                    <a16:rowId xmlns:a16="http://schemas.microsoft.com/office/drawing/2014/main" val="10001"/>
+                  </a:ext>
+                </a:extLst>
+              </a:tr>
+              <a:tr h="168355">
+                <a:tc>
+                  <a:txBody>
+                    <a:bodyPr/>
+                    <a:lstStyle/>
+                    <a:p>
+                      <a:pPr algn="ctr" latinLnBrk="1"/>
+                      <a:r>
+                        <a:rPr lang="en-US" altLang="ko-KR" sz="800" dirty="0"/>
+                        <a:t>5</a:t>
+                      </a:r>
+                      <a:endParaRPr lang="ko-KR" altLang="en-US" sz="800" dirty="0"/>
+                    </a:p>
+                  </a:txBody>
+                  <a:tcPr>
+                    <a:solidFill>
+                      <a:schemeClr val="bg1">
+                        <a:lumMod val="85000"/>
+                      </a:schemeClr>
+                    </a:solidFill>
+                  </a:tcPr>
+                </a:tc>
+                <a:tc>
+                  <a:txBody>
+                    <a:bodyPr/>
+                    <a:lstStyle/>
+                    <a:p>
+                      <a:pPr algn="ctr" latinLnBrk="1"/>
+                      <a:r>
+                        <a:rPr lang="en-US" altLang="ko-KR" sz="800" dirty="0"/>
+                        <a:t>Lemon</a:t>
+                      </a:r>
+                      <a:endParaRPr lang="ko-KR" altLang="en-US" sz="800" dirty="0"/>
+                    </a:p>
+                  </a:txBody>
+                  <a:tcPr/>
+                </a:tc>
+                <a:tc>
+                  <a:txBody>
+                    <a:bodyPr/>
+                    <a:lstStyle/>
+                    <a:p>
+                      <a:pPr algn="ctr" latinLnBrk="1"/>
+                      <a:r>
+                        <a:rPr lang="en-US" altLang="ko-KR" sz="800" dirty="0"/>
+                        <a:t>FL</a:t>
+                      </a:r>
+                      <a:endParaRPr lang="ko-KR" altLang="en-US" sz="800" dirty="0"/>
+                    </a:p>
+                  </a:txBody>
+                  <a:tcPr/>
+                </a:tc>
+                <a:extLst>
+                  <a:ext uri="{0D108BD9-81ED-4DB2-BD59-A6C34878D82A}">
+                    <a16:rowId xmlns:a16="http://schemas.microsoft.com/office/drawing/2014/main" val="10002"/>
+                  </a:ext>
+                </a:extLst>
+              </a:tr>
+            </a:tbl>
+          </a:graphicData>
+        </a:graphic>
+      </p:graphicFrame>
+      <p:graphicFrame>
+        <p:nvGraphicFramePr>
+          <p:cNvPr id="15" name="표 14">
+            <a:extLst>
+              <a:ext uri="{FF2B5EF4-FFF2-40B4-BE49-F238E27FC236}">
+                <a16:creationId xmlns:a16="http://schemas.microsoft.com/office/drawing/2014/main" id="{9075518D-1AFA-4D44-BEA7-C7A78007DF92}"/>
+              </a:ext>
+            </a:extLst>
+          </p:cNvPr>
+          <p:cNvGraphicFramePr>
+            <a:graphicFrameLocks noGrp="1"/>
+          </p:cNvGraphicFramePr>
+          <p:nvPr>
+            <p:extLst>
+              <p:ext uri="{D42A27DB-BD31-4B8C-83A1-F6EECF244321}">
+                <p14:modId xmlns:p14="http://schemas.microsoft.com/office/powerpoint/2010/main" val="1849516985"/>
+              </p:ext>
+            </p:extLst>
+          </p:nvPr>
+        </p:nvGraphicFramePr>
+        <p:xfrm>
+          <a:off x="5137722" y="4001254"/>
+          <a:ext cx="1810542" cy="640080"/>
+        </p:xfrm>
+        <a:graphic>
+          <a:graphicData uri="http://schemas.openxmlformats.org/drawingml/2006/table">
+            <a:tbl>
+              <a:tblPr firstRow="1" bandRow="1">
+                <a:tableStyleId>{5940675A-B579-460E-94D1-54222C63F5DA}</a:tableStyleId>
+              </a:tblPr>
+              <a:tblGrid>
+                <a:gridCol w="603514">
+                  <a:extLst>
+                    <a:ext uri="{9D8B030D-6E8A-4147-A177-3AD203B41FA5}">
+                      <a16:colId xmlns:a16="http://schemas.microsoft.com/office/drawing/2014/main" val="20000"/>
+                    </a:ext>
+                  </a:extLst>
+                </a:gridCol>
+                <a:gridCol w="603514">
+                  <a:extLst>
+                    <a:ext uri="{9D8B030D-6E8A-4147-A177-3AD203B41FA5}">
+                      <a16:colId xmlns:a16="http://schemas.microsoft.com/office/drawing/2014/main" val="20001"/>
+                    </a:ext>
+                  </a:extLst>
+                </a:gridCol>
+                <a:gridCol w="603514">
+                  <a:extLst>
+                    <a:ext uri="{9D8B030D-6E8A-4147-A177-3AD203B41FA5}">
+                      <a16:colId xmlns:a16="http://schemas.microsoft.com/office/drawing/2014/main" val="20002"/>
+                    </a:ext>
+                  </a:extLst>
+                </a:gridCol>
+              </a:tblGrid>
+              <a:tr h="168355">
+                <a:tc>
+                  <a:txBody>
+                    <a:bodyPr/>
+                    <a:lstStyle/>
+                    <a:p>
+                      <a:pPr algn="ctr" latinLnBrk="1"/>
+                      <a:r>
+                        <a:rPr lang="en-US" altLang="ko-KR" sz="800"/>
+                        <a:t>Fruit ID</a:t>
+                      </a:r>
+                      <a:endParaRPr lang="ko-KR" altLang="en-US" sz="800" dirty="0"/>
+                    </a:p>
+                  </a:txBody>
+                  <a:tcPr>
+                    <a:solidFill>
+                      <a:schemeClr val="bg1">
+                        <a:lumMod val="85000"/>
+                      </a:schemeClr>
+                    </a:solidFill>
+                  </a:tcPr>
+                </a:tc>
+                <a:tc>
+                  <a:txBody>
+                    <a:bodyPr/>
+                    <a:lstStyle/>
+                    <a:p>
+                      <a:pPr algn="ctr" latinLnBrk="1"/>
+                      <a:r>
+                        <a:rPr lang="en-US" altLang="ko-KR" sz="800" dirty="0"/>
+                        <a:t>Fruit</a:t>
+                      </a:r>
+                      <a:endParaRPr lang="ko-KR" altLang="en-US" sz="800" dirty="0"/>
+                    </a:p>
+                  </a:txBody>
+                  <a:tcPr>
+                    <a:solidFill>
+                      <a:schemeClr val="bg1">
+                        <a:lumMod val="85000"/>
+                      </a:schemeClr>
+                    </a:solidFill>
+                  </a:tcPr>
+                </a:tc>
+                <a:tc>
+                  <a:txBody>
+                    <a:bodyPr/>
+                    <a:lstStyle/>
+                    <a:p>
+                      <a:pPr algn="ctr" latinLnBrk="1"/>
+                      <a:r>
+                        <a:rPr lang="en-US" altLang="ko-KR" sz="800" dirty="0"/>
+                        <a:t>State</a:t>
+                      </a:r>
+                      <a:endParaRPr lang="ko-KR" altLang="en-US" sz="800" dirty="0"/>
+                    </a:p>
+                  </a:txBody>
+                  <a:tcPr>
+                    <a:solidFill>
+                      <a:schemeClr val="bg1">
+                        <a:lumMod val="85000"/>
+                      </a:schemeClr>
+                    </a:solidFill>
+                  </a:tcPr>
+                </a:tc>
+                <a:extLst>
+                  <a:ext uri="{0D108BD9-81ED-4DB2-BD59-A6C34878D82A}">
+                    <a16:rowId xmlns:a16="http://schemas.microsoft.com/office/drawing/2014/main" val="10000"/>
+                  </a:ext>
+                </a:extLst>
+              </a:tr>
+              <a:tr h="168355">
+                <a:tc>
+                  <a:txBody>
+                    <a:bodyPr/>
+                    <a:lstStyle/>
+                    <a:p>
+                      <a:pPr algn="ctr" latinLnBrk="1"/>
+                      <a:r>
+                        <a:rPr lang="en-US" altLang="ko-KR" sz="800"/>
+                        <a:t>6</a:t>
+                      </a:r>
+                      <a:endParaRPr lang="ko-KR" altLang="en-US" sz="800" dirty="0"/>
+                    </a:p>
+                  </a:txBody>
+                  <a:tcPr>
+                    <a:solidFill>
+                      <a:schemeClr val="bg1">
+                        <a:lumMod val="85000"/>
+                      </a:schemeClr>
+                    </a:solidFill>
+                  </a:tcPr>
+                </a:tc>
+                <a:tc>
+                  <a:txBody>
+                    <a:bodyPr/>
+                    <a:lstStyle/>
+                    <a:p>
+                      <a:pPr algn="ctr" latinLnBrk="1"/>
+                      <a:r>
+                        <a:rPr lang="en-US" altLang="ko-KR" sz="800"/>
+                        <a:t>Cherry</a:t>
+                      </a:r>
+                      <a:endParaRPr lang="ko-KR" altLang="en-US" sz="800" dirty="0"/>
+                    </a:p>
+                  </a:txBody>
+                  <a:tcPr/>
+                </a:tc>
+                <a:tc>
+                  <a:txBody>
+                    <a:bodyPr/>
+                    <a:lstStyle/>
+                    <a:p>
+                      <a:pPr algn="ctr" latinLnBrk="1"/>
+                      <a:r>
+                        <a:rPr lang="en-US" altLang="ko-KR" sz="800"/>
+                        <a:t>NC</a:t>
+                      </a:r>
+                      <a:endParaRPr lang="ko-KR" altLang="en-US" sz="800" dirty="0"/>
+                    </a:p>
+                  </a:txBody>
+                  <a:tcPr/>
+                </a:tc>
+                <a:extLst>
+                  <a:ext uri="{0D108BD9-81ED-4DB2-BD59-A6C34878D82A}">
+                    <a16:rowId xmlns:a16="http://schemas.microsoft.com/office/drawing/2014/main" val="10001"/>
+                  </a:ext>
+                </a:extLst>
+              </a:tr>
+              <a:tr h="168355">
+                <a:tc>
+                  <a:txBody>
+                    <a:bodyPr/>
+                    <a:lstStyle/>
+                    <a:p>
+                      <a:pPr algn="ctr" latinLnBrk="1"/>
+                      <a:r>
+                        <a:rPr lang="en-US" altLang="ko-KR" sz="800"/>
+                        <a:t>7</a:t>
+                      </a:r>
+                      <a:endParaRPr lang="ko-KR" altLang="en-US" sz="800" dirty="0"/>
+                    </a:p>
+                  </a:txBody>
+                  <a:tcPr>
+                    <a:solidFill>
+                      <a:schemeClr val="bg1">
+                        <a:lumMod val="85000"/>
+                      </a:schemeClr>
+                    </a:solidFill>
+                  </a:tcPr>
+                </a:tc>
+                <a:tc>
+                  <a:txBody>
+                    <a:bodyPr/>
+                    <a:lstStyle/>
+                    <a:p>
+                      <a:pPr algn="ctr" latinLnBrk="1"/>
+                      <a:r>
+                        <a:rPr lang="en-US" altLang="ko-KR" sz="800"/>
+                        <a:t>Orange</a:t>
+                      </a:r>
+                      <a:endParaRPr lang="ko-KR" altLang="en-US" sz="800" dirty="0"/>
+                    </a:p>
+                  </a:txBody>
+                  <a:tcPr/>
+                </a:tc>
+                <a:tc>
+                  <a:txBody>
+                    <a:bodyPr/>
+                    <a:lstStyle/>
+                    <a:p>
+                      <a:pPr algn="ctr" latinLnBrk="1"/>
+                      <a:r>
+                        <a:rPr lang="en-US" altLang="ko-KR" sz="800"/>
+                        <a:t>CA</a:t>
+                      </a:r>
+                      <a:endParaRPr lang="ko-KR" altLang="en-US" sz="800" dirty="0"/>
+                    </a:p>
+                  </a:txBody>
+                  <a:tcPr/>
+                </a:tc>
+                <a:extLst>
+                  <a:ext uri="{0D108BD9-81ED-4DB2-BD59-A6C34878D82A}">
+                    <a16:rowId xmlns:a16="http://schemas.microsoft.com/office/drawing/2014/main" val="10002"/>
+                  </a:ext>
+                </a:extLst>
+              </a:tr>
+            </a:tbl>
+          </a:graphicData>
+        </a:graphic>
+      </p:graphicFrame>
+      <p:graphicFrame>
+        <p:nvGraphicFramePr>
+          <p:cNvPr id="16" name="표 15">
+            <a:extLst>
+              <a:ext uri="{FF2B5EF4-FFF2-40B4-BE49-F238E27FC236}">
+                <a16:creationId xmlns:a16="http://schemas.microsoft.com/office/drawing/2014/main" id="{5BFEAF8F-2F2A-4804-98BE-47FB8D75287D}"/>
+              </a:ext>
+            </a:extLst>
+          </p:cNvPr>
+          <p:cNvGraphicFramePr>
+            <a:graphicFrameLocks noGrp="1"/>
+          </p:cNvGraphicFramePr>
+          <p:nvPr>
+            <p:extLst>
+              <p:ext uri="{D42A27DB-BD31-4B8C-83A1-F6EECF244321}">
+                <p14:modId xmlns:p14="http://schemas.microsoft.com/office/powerpoint/2010/main" val="334913311"/>
+              </p:ext>
+            </p:extLst>
+          </p:nvPr>
+        </p:nvGraphicFramePr>
+        <p:xfrm>
+          <a:off x="2929541" y="2921134"/>
+          <a:ext cx="1207028" cy="853440"/>
+        </p:xfrm>
+        <a:graphic>
+          <a:graphicData uri="http://schemas.openxmlformats.org/drawingml/2006/table">
+            <a:tbl>
+              <a:tblPr firstRow="1" bandRow="1">
+                <a:tableStyleId>{5940675A-B579-460E-94D1-54222C63F5DA}</a:tableStyleId>
+              </a:tblPr>
+              <a:tblGrid>
+                <a:gridCol w="603514">
+                  <a:extLst>
+                    <a:ext uri="{9D8B030D-6E8A-4147-A177-3AD203B41FA5}">
+                      <a16:colId xmlns:a16="http://schemas.microsoft.com/office/drawing/2014/main" val="20000"/>
+                    </a:ext>
+                  </a:extLst>
+                </a:gridCol>
+                <a:gridCol w="603514">
+                  <a:extLst>
+                    <a:ext uri="{9D8B030D-6E8A-4147-A177-3AD203B41FA5}">
+                      <a16:colId xmlns:a16="http://schemas.microsoft.com/office/drawing/2014/main" val="20001"/>
+                    </a:ext>
+                  </a:extLst>
+                </a:gridCol>
+              </a:tblGrid>
+              <a:tr h="168355">
+                <a:tc>
+                  <a:txBody>
+                    <a:bodyPr/>
+                    <a:lstStyle/>
+                    <a:p>
+                      <a:pPr algn="ctr" latinLnBrk="1"/>
+                      <a:r>
+                        <a:rPr lang="en-US" altLang="ko-KR" sz="800"/>
+                        <a:t>Fruit ID</a:t>
+                      </a:r>
+                      <a:endParaRPr lang="ko-KR" altLang="en-US" sz="800" dirty="0"/>
+                    </a:p>
+                  </a:txBody>
+                  <a:tcPr>
+                    <a:solidFill>
+                      <a:schemeClr val="bg1">
+                        <a:lumMod val="85000"/>
+                      </a:schemeClr>
+                    </a:solidFill>
+                  </a:tcPr>
+                </a:tc>
+                <a:tc>
+                  <a:txBody>
+                    <a:bodyPr/>
+                    <a:lstStyle/>
+                    <a:p>
+                      <a:pPr algn="ctr" latinLnBrk="1"/>
+                      <a:r>
+                        <a:rPr lang="en-US" altLang="ko-KR" sz="800"/>
+                        <a:t>Page ID</a:t>
+                      </a:r>
+                      <a:endParaRPr lang="ko-KR" altLang="en-US" sz="800" dirty="0"/>
+                    </a:p>
+                  </a:txBody>
+                  <a:tcPr>
+                    <a:solidFill>
+                      <a:schemeClr val="bg1">
+                        <a:lumMod val="85000"/>
+                      </a:schemeClr>
+                    </a:solidFill>
+                  </a:tcPr>
+                </a:tc>
+                <a:extLst>
+                  <a:ext uri="{0D108BD9-81ED-4DB2-BD59-A6C34878D82A}">
+                    <a16:rowId xmlns:a16="http://schemas.microsoft.com/office/drawing/2014/main" val="10000"/>
+                  </a:ext>
+                </a:extLst>
+              </a:tr>
+              <a:tr h="168355">
+                <a:tc>
+                  <a:txBody>
+                    <a:bodyPr/>
+                    <a:lstStyle/>
+                    <a:p>
+                      <a:pPr algn="ctr" latinLnBrk="1"/>
+                      <a:r>
+                        <a:rPr lang="en-US" altLang="ko-KR" sz="800"/>
+                        <a:t>1</a:t>
+                      </a:r>
+                      <a:endParaRPr lang="ko-KR" altLang="en-US" sz="800" dirty="0"/>
+                    </a:p>
+                  </a:txBody>
+                  <a:tcPr>
+                    <a:solidFill>
+                      <a:schemeClr val="bg1">
+                        <a:lumMod val="85000"/>
+                      </a:schemeClr>
+                    </a:solidFill>
+                  </a:tcPr>
+                </a:tc>
+                <a:tc>
+                  <a:txBody>
+                    <a:bodyPr/>
+                    <a:lstStyle/>
+                    <a:p>
+                      <a:pPr algn="ctr" latinLnBrk="1"/>
+                      <a:r>
+                        <a:rPr lang="en-US" altLang="ko-KR" sz="800"/>
+                        <a:t>11</a:t>
+                      </a:r>
+                      <a:endParaRPr lang="ko-KR" altLang="en-US" sz="800" dirty="0"/>
+                    </a:p>
+                  </a:txBody>
+                  <a:tcPr/>
+                </a:tc>
+                <a:extLst>
+                  <a:ext uri="{0D108BD9-81ED-4DB2-BD59-A6C34878D82A}">
+                    <a16:rowId xmlns:a16="http://schemas.microsoft.com/office/drawing/2014/main" val="10001"/>
+                  </a:ext>
+                </a:extLst>
+              </a:tr>
+              <a:tr h="168355">
+                <a:tc>
+                  <a:txBody>
+                    <a:bodyPr/>
+                    <a:lstStyle/>
+                    <a:p>
+                      <a:pPr algn="ctr" latinLnBrk="1"/>
+                      <a:r>
+                        <a:rPr lang="en-US" altLang="ko-KR" sz="800"/>
+                        <a:t>4</a:t>
+                      </a:r>
+                      <a:endParaRPr lang="ko-KR" altLang="en-US" sz="800" dirty="0"/>
+                    </a:p>
+                  </a:txBody>
+                  <a:tcPr>
+                    <a:solidFill>
+                      <a:schemeClr val="bg1">
+                        <a:lumMod val="85000"/>
+                      </a:schemeClr>
+                    </a:solidFill>
+                  </a:tcPr>
+                </a:tc>
+                <a:tc>
+                  <a:txBody>
+                    <a:bodyPr/>
+                    <a:lstStyle/>
+                    <a:p>
+                      <a:pPr algn="ctr" latinLnBrk="1"/>
+                      <a:r>
+                        <a:rPr lang="en-US" altLang="ko-KR" sz="800"/>
+                        <a:t>12</a:t>
+                      </a:r>
+                      <a:endParaRPr lang="ko-KR" altLang="en-US" sz="800" dirty="0"/>
+                    </a:p>
+                  </a:txBody>
+                  <a:tcPr/>
+                </a:tc>
+                <a:extLst>
+                  <a:ext uri="{0D108BD9-81ED-4DB2-BD59-A6C34878D82A}">
+                    <a16:rowId xmlns:a16="http://schemas.microsoft.com/office/drawing/2014/main" val="10002"/>
+                  </a:ext>
+                </a:extLst>
+              </a:tr>
+              <a:tr h="168355">
+                <a:tc>
+                  <a:txBody>
+                    <a:bodyPr/>
+                    <a:lstStyle/>
+                    <a:p>
+                      <a:pPr algn="ctr" latinLnBrk="1"/>
+                      <a:r>
+                        <a:rPr lang="en-US" altLang="ko-KR" sz="800"/>
+                        <a:t>6</a:t>
+                      </a:r>
+                      <a:endParaRPr lang="ko-KR" altLang="en-US" sz="800" dirty="0"/>
+                    </a:p>
+                  </a:txBody>
+                  <a:tcPr>
+                    <a:solidFill>
+                      <a:schemeClr val="bg1">
+                        <a:lumMod val="85000"/>
+                      </a:schemeClr>
+                    </a:solidFill>
+                  </a:tcPr>
+                </a:tc>
+                <a:tc>
+                  <a:txBody>
+                    <a:bodyPr/>
+                    <a:lstStyle/>
+                    <a:p>
+                      <a:pPr algn="ctr" latinLnBrk="1"/>
+                      <a:r>
+                        <a:rPr lang="en-US" altLang="ko-KR" sz="800"/>
+                        <a:t>13</a:t>
+                      </a:r>
+                      <a:endParaRPr lang="ko-KR" altLang="en-US" sz="800" dirty="0"/>
+                    </a:p>
+                  </a:txBody>
+                  <a:tcPr/>
+                </a:tc>
+                <a:extLst>
+                  <a:ext uri="{0D108BD9-81ED-4DB2-BD59-A6C34878D82A}">
+                    <a16:rowId xmlns:a16="http://schemas.microsoft.com/office/drawing/2014/main" val="1307968552"/>
+                  </a:ext>
+                </a:extLst>
+              </a:tr>
+            </a:tbl>
+          </a:graphicData>
+        </a:graphic>
+      </p:graphicFrame>
+      <p:sp>
+        <p:nvSpPr>
+          <p:cNvPr id="17" name="TextBox 16">
+            <a:extLst>
+              <a:ext uri="{FF2B5EF4-FFF2-40B4-BE49-F238E27FC236}">
+                <a16:creationId xmlns:a16="http://schemas.microsoft.com/office/drawing/2014/main" id="{74323429-660F-422E-B663-F232922592EC}"/>
+              </a:ext>
+            </a:extLst>
+          </p:cNvPr>
+          <p:cNvSpPr txBox="1"/>
+          <p:nvPr/>
+        </p:nvSpPr>
+        <p:spPr>
+          <a:xfrm>
+            <a:off x="323253" y="4854694"/>
+            <a:ext cx="1399728" cy="261610"/>
+          </a:xfrm>
+          <a:prstGeom prst="rect">
+            <a:avLst/>
+          </a:prstGeom>
+          <a:noFill/>
+        </p:spPr>
+        <p:txBody>
+          <a:bodyPr wrap="square" rtlCol="0">
+            <a:spAutoFit/>
+          </a:bodyPr>
+          <a:lstStyle/>
+          <a:p>
+            <a:pPr algn="ctr"/>
+            <a:r>
+              <a:rPr lang="en-US" altLang="ko-KR" sz="1100"/>
+              <a:t>Page ID 11</a:t>
+            </a:r>
+            <a:endParaRPr lang="ko-KR" altLang="en-US" sz="1100" dirty="0"/>
+          </a:p>
+        </p:txBody>
+      </p:sp>
+      <p:sp>
+        <p:nvSpPr>
+          <p:cNvPr id="18" name="TextBox 17">
+            <a:extLst>
+              <a:ext uri="{FF2B5EF4-FFF2-40B4-BE49-F238E27FC236}">
+                <a16:creationId xmlns:a16="http://schemas.microsoft.com/office/drawing/2014/main" id="{6DC38BE3-D682-4EFA-B1A2-C15C7A654A2C}"/>
+              </a:ext>
+            </a:extLst>
+          </p:cNvPr>
+          <p:cNvSpPr txBox="1"/>
+          <p:nvPr/>
+        </p:nvSpPr>
+        <p:spPr>
+          <a:xfrm>
+            <a:off x="2833191" y="4641334"/>
+            <a:ext cx="1399728" cy="261610"/>
+          </a:xfrm>
+          <a:prstGeom prst="rect">
+            <a:avLst/>
+          </a:prstGeom>
+          <a:noFill/>
+        </p:spPr>
+        <p:txBody>
+          <a:bodyPr wrap="square" rtlCol="0">
+            <a:spAutoFit/>
+          </a:bodyPr>
+          <a:lstStyle/>
+          <a:p>
+            <a:pPr algn="ctr"/>
+            <a:r>
+              <a:rPr lang="en-US" altLang="ko-KR" sz="1100"/>
+              <a:t>Page ID 12</a:t>
+            </a:r>
+            <a:endParaRPr lang="ko-KR" altLang="en-US" sz="1100" dirty="0"/>
+          </a:p>
+        </p:txBody>
+      </p:sp>
+      <p:sp>
+        <p:nvSpPr>
+          <p:cNvPr id="19" name="TextBox 18">
+            <a:extLst>
+              <a:ext uri="{FF2B5EF4-FFF2-40B4-BE49-F238E27FC236}">
+                <a16:creationId xmlns:a16="http://schemas.microsoft.com/office/drawing/2014/main" id="{1DBDEED7-A43A-4576-B57A-154DEEE85752}"/>
+              </a:ext>
+            </a:extLst>
+          </p:cNvPr>
+          <p:cNvSpPr txBox="1"/>
+          <p:nvPr/>
+        </p:nvSpPr>
+        <p:spPr>
+          <a:xfrm>
+            <a:off x="5343129" y="4641334"/>
+            <a:ext cx="1399728" cy="261610"/>
+          </a:xfrm>
+          <a:prstGeom prst="rect">
+            <a:avLst/>
+          </a:prstGeom>
+          <a:noFill/>
+        </p:spPr>
+        <p:txBody>
+          <a:bodyPr wrap="square" rtlCol="0">
+            <a:spAutoFit/>
+          </a:bodyPr>
+          <a:lstStyle/>
+          <a:p>
+            <a:pPr algn="ctr"/>
+            <a:r>
+              <a:rPr lang="en-US" altLang="ko-KR" sz="1100"/>
+              <a:t>Page ID 13</a:t>
+            </a:r>
+            <a:endParaRPr lang="ko-KR" altLang="en-US" sz="1100" dirty="0"/>
+          </a:p>
+        </p:txBody>
+      </p:sp>
+      <p:cxnSp>
+        <p:nvCxnSpPr>
+          <p:cNvPr id="20" name="직선 화살표 연결선 19">
+            <a:extLst>
+              <a:ext uri="{FF2B5EF4-FFF2-40B4-BE49-F238E27FC236}">
+                <a16:creationId xmlns:a16="http://schemas.microsoft.com/office/drawing/2014/main" id="{F58B1D5C-2AC6-450D-A076-3DF2E427DDF2}"/>
+              </a:ext>
+            </a:extLst>
+          </p:cNvPr>
+          <p:cNvCxnSpPr>
+            <a:cxnSpLocks/>
+            <a:stCxn id="16" idx="2"/>
+            <a:endCxn id="24" idx="0"/>
+          </p:cNvCxnSpPr>
+          <p:nvPr/>
+        </p:nvCxnSpPr>
+        <p:spPr>
+          <a:xfrm flipH="1">
+            <a:off x="1023117" y="3774574"/>
+            <a:ext cx="2509938" cy="226680"/>
+          </a:xfrm>
+          <a:prstGeom prst="straightConnector1">
+            <a:avLst/>
+          </a:prstGeom>
+          <a:ln w="19050">
+            <a:solidFill>
+              <a:schemeClr val="tx1"/>
+            </a:solidFill>
+            <a:tailEnd type="arrow"/>
+          </a:ln>
+        </p:spPr>
+        <p:style>
+          <a:lnRef idx="1">
+            <a:schemeClr val="accent1"/>
+          </a:lnRef>
+          <a:fillRef idx="0">
+            <a:schemeClr val="accent1"/>
+          </a:fillRef>
+          <a:effectRef idx="0">
+            <a:schemeClr val="accent1"/>
+          </a:effectRef>
+          <a:fontRef idx="minor">
+            <a:schemeClr val="tx1"/>
+          </a:fontRef>
+        </p:style>
+      </p:cxnSp>
+      <p:cxnSp>
+        <p:nvCxnSpPr>
+          <p:cNvPr id="23" name="직선 화살표 연결선 22">
+            <a:extLst>
+              <a:ext uri="{FF2B5EF4-FFF2-40B4-BE49-F238E27FC236}">
+                <a16:creationId xmlns:a16="http://schemas.microsoft.com/office/drawing/2014/main" id="{DA21491E-BBFD-4DA4-9315-A8D0556FA761}"/>
+              </a:ext>
+            </a:extLst>
+          </p:cNvPr>
+          <p:cNvCxnSpPr>
+            <a:cxnSpLocks/>
+            <a:stCxn id="16" idx="2"/>
+            <a:endCxn id="14" idx="0"/>
+          </p:cNvCxnSpPr>
+          <p:nvPr/>
+        </p:nvCxnSpPr>
+        <p:spPr>
+          <a:xfrm>
+            <a:off x="3533055" y="3774574"/>
+            <a:ext cx="0" cy="226680"/>
+          </a:xfrm>
+          <a:prstGeom prst="straightConnector1">
+            <a:avLst/>
+          </a:prstGeom>
+          <a:ln w="19050">
+            <a:solidFill>
+              <a:schemeClr val="tx1"/>
+            </a:solidFill>
+            <a:tailEnd type="arrow"/>
+          </a:ln>
+        </p:spPr>
+        <p:style>
+          <a:lnRef idx="1">
+            <a:schemeClr val="accent1"/>
+          </a:lnRef>
+          <a:fillRef idx="0">
+            <a:schemeClr val="accent1"/>
+          </a:fillRef>
+          <a:effectRef idx="0">
+            <a:schemeClr val="accent1"/>
+          </a:effectRef>
+          <a:fontRef idx="minor">
+            <a:schemeClr val="tx1"/>
+          </a:fontRef>
+        </p:style>
+      </p:cxnSp>
+      <p:cxnSp>
+        <p:nvCxnSpPr>
+          <p:cNvPr id="29" name="직선 화살표 연결선 28">
+            <a:extLst>
+              <a:ext uri="{FF2B5EF4-FFF2-40B4-BE49-F238E27FC236}">
+                <a16:creationId xmlns:a16="http://schemas.microsoft.com/office/drawing/2014/main" id="{6A287F4F-BF9E-4A17-82BE-08F4F48E1AF9}"/>
+              </a:ext>
+            </a:extLst>
+          </p:cNvPr>
+          <p:cNvCxnSpPr>
+            <a:cxnSpLocks/>
+            <a:stCxn id="16" idx="2"/>
+            <a:endCxn id="15" idx="0"/>
+          </p:cNvCxnSpPr>
+          <p:nvPr/>
+        </p:nvCxnSpPr>
+        <p:spPr>
+          <a:xfrm>
+            <a:off x="3533055" y="3774574"/>
+            <a:ext cx="2509938" cy="226680"/>
+          </a:xfrm>
+          <a:prstGeom prst="straightConnector1">
+            <a:avLst/>
+          </a:prstGeom>
+          <a:ln w="19050">
+            <a:solidFill>
+              <a:schemeClr val="tx1"/>
+            </a:solidFill>
+            <a:tailEnd type="arrow"/>
+          </a:ln>
+        </p:spPr>
+        <p:style>
+          <a:lnRef idx="1">
+            <a:schemeClr val="accent1"/>
+          </a:lnRef>
+          <a:fillRef idx="0">
+            <a:schemeClr val="accent1"/>
+          </a:fillRef>
+          <a:effectRef idx="0">
+            <a:schemeClr val="accent1"/>
+          </a:effectRef>
+          <a:fontRef idx="minor">
+            <a:schemeClr val="tx1"/>
+          </a:fontRef>
+        </p:style>
+      </p:cxnSp>
+      <p:graphicFrame>
+        <p:nvGraphicFramePr>
+          <p:cNvPr id="37" name="표 36">
+            <a:extLst>
+              <a:ext uri="{FF2B5EF4-FFF2-40B4-BE49-F238E27FC236}">
+                <a16:creationId xmlns:a16="http://schemas.microsoft.com/office/drawing/2014/main" id="{D0A8735A-21F4-4EC2-ACDE-00F94ED86AD0}"/>
+              </a:ext>
+            </a:extLst>
+          </p:cNvPr>
+          <p:cNvGraphicFramePr>
+            <a:graphicFrameLocks noGrp="1"/>
+          </p:cNvGraphicFramePr>
+          <p:nvPr>
+            <p:extLst>
+              <p:ext uri="{D42A27DB-BD31-4B8C-83A1-F6EECF244321}">
+                <p14:modId xmlns:p14="http://schemas.microsoft.com/office/powerpoint/2010/main" val="3497439688"/>
+              </p:ext>
+            </p:extLst>
+          </p:nvPr>
+        </p:nvGraphicFramePr>
+        <p:xfrm>
+          <a:off x="2929541" y="1637164"/>
+          <a:ext cx="1207028" cy="640080"/>
+        </p:xfrm>
+        <a:graphic>
+          <a:graphicData uri="http://schemas.openxmlformats.org/drawingml/2006/table">
+            <a:tbl>
+              <a:tblPr firstRow="1" bandRow="1">
+                <a:tableStyleId>{5940675A-B579-460E-94D1-54222C63F5DA}</a:tableStyleId>
+              </a:tblPr>
+              <a:tblGrid>
+                <a:gridCol w="603514">
+                  <a:extLst>
+                    <a:ext uri="{9D8B030D-6E8A-4147-A177-3AD203B41FA5}">
+                      <a16:colId xmlns:a16="http://schemas.microsoft.com/office/drawing/2014/main" val="20000"/>
+                    </a:ext>
+                  </a:extLst>
+                </a:gridCol>
+                <a:gridCol w="603514">
+                  <a:extLst>
+                    <a:ext uri="{9D8B030D-6E8A-4147-A177-3AD203B41FA5}">
+                      <a16:colId xmlns:a16="http://schemas.microsoft.com/office/drawing/2014/main" val="20001"/>
+                    </a:ext>
+                  </a:extLst>
+                </a:gridCol>
+              </a:tblGrid>
+              <a:tr h="168355">
+                <a:tc>
+                  <a:txBody>
+                    <a:bodyPr/>
+                    <a:lstStyle/>
+                    <a:p>
+                      <a:pPr algn="ctr" latinLnBrk="1"/>
+                      <a:r>
+                        <a:rPr lang="en-US" altLang="ko-KR" sz="800"/>
+                        <a:t>State</a:t>
+                      </a:r>
+                      <a:endParaRPr lang="ko-KR" altLang="en-US" sz="800" dirty="0"/>
+                    </a:p>
+                  </a:txBody>
+                  <a:tcPr>
+                    <a:solidFill>
+                      <a:schemeClr val="bg1">
+                        <a:lumMod val="85000"/>
+                      </a:schemeClr>
+                    </a:solidFill>
+                  </a:tcPr>
+                </a:tc>
+                <a:tc>
+                  <a:txBody>
+                    <a:bodyPr/>
+                    <a:lstStyle/>
+                    <a:p>
+                      <a:pPr algn="ctr" latinLnBrk="1"/>
+                      <a:r>
+                        <a:rPr lang="en-US" altLang="ko-KR" sz="800"/>
+                        <a:t>Fruit ID</a:t>
+                      </a:r>
+                      <a:endParaRPr lang="ko-KR" altLang="en-US" sz="800" dirty="0"/>
+                    </a:p>
+                  </a:txBody>
+                  <a:tcPr>
+                    <a:solidFill>
+                      <a:schemeClr val="bg1">
+                        <a:lumMod val="85000"/>
+                      </a:schemeClr>
+                    </a:solidFill>
+                  </a:tcPr>
+                </a:tc>
+                <a:extLst>
+                  <a:ext uri="{0D108BD9-81ED-4DB2-BD59-A6C34878D82A}">
+                    <a16:rowId xmlns:a16="http://schemas.microsoft.com/office/drawing/2014/main" val="10000"/>
+                  </a:ext>
+                </a:extLst>
+              </a:tr>
+              <a:tr h="168355">
+                <a:tc>
+                  <a:txBody>
+                    <a:bodyPr/>
+                    <a:lstStyle/>
+                    <a:p>
+                      <a:pPr algn="ctr" latinLnBrk="1"/>
+                      <a:r>
+                        <a:rPr lang="en-US" altLang="ko-KR" sz="800"/>
+                        <a:t>FL</a:t>
+                      </a:r>
+                      <a:endParaRPr lang="ko-KR" altLang="en-US" sz="800" dirty="0"/>
+                    </a:p>
+                  </a:txBody>
+                  <a:tcPr>
+                    <a:solidFill>
+                      <a:schemeClr val="bg1"/>
+                    </a:solidFill>
+                  </a:tcPr>
+                </a:tc>
+                <a:tc>
+                  <a:txBody>
+                    <a:bodyPr/>
+                    <a:lstStyle/>
+                    <a:p>
+                      <a:pPr algn="ctr" latinLnBrk="1"/>
+                      <a:r>
+                        <a:rPr lang="en-US" altLang="ko-KR" sz="800"/>
+                        <a:t>1</a:t>
+                      </a:r>
+                      <a:endParaRPr lang="ko-KR" altLang="en-US" sz="800" dirty="0"/>
+                    </a:p>
+                  </a:txBody>
+                  <a:tcPr/>
+                </a:tc>
+                <a:extLst>
+                  <a:ext uri="{0D108BD9-81ED-4DB2-BD59-A6C34878D82A}">
+                    <a16:rowId xmlns:a16="http://schemas.microsoft.com/office/drawing/2014/main" val="10001"/>
+                  </a:ext>
+                </a:extLst>
+              </a:tr>
+              <a:tr h="168355">
+                <a:tc>
+                  <a:txBody>
+                    <a:bodyPr/>
+                    <a:lstStyle/>
+                    <a:p>
+                      <a:pPr algn="ctr" latinLnBrk="1"/>
+                      <a:r>
+                        <a:rPr lang="en-US" altLang="ko-KR" sz="800"/>
+                        <a:t>FL</a:t>
+                      </a:r>
+                      <a:endParaRPr lang="ko-KR" altLang="en-US" sz="800" dirty="0"/>
+                    </a:p>
+                  </a:txBody>
+                  <a:tcPr>
+                    <a:solidFill>
+                      <a:schemeClr val="bg1"/>
+                    </a:solidFill>
+                  </a:tcPr>
+                </a:tc>
+                <a:tc>
+                  <a:txBody>
+                    <a:bodyPr/>
+                    <a:lstStyle/>
+                    <a:p>
+                      <a:pPr algn="ctr" latinLnBrk="1"/>
+                      <a:r>
+                        <a:rPr lang="en-US" altLang="ko-KR" sz="800"/>
+                        <a:t>5</a:t>
+                      </a:r>
+                      <a:endParaRPr lang="ko-KR" altLang="en-US" sz="800" dirty="0"/>
+                    </a:p>
+                  </a:txBody>
+                  <a:tcPr/>
+                </a:tc>
+                <a:extLst>
+                  <a:ext uri="{0D108BD9-81ED-4DB2-BD59-A6C34878D82A}">
+                    <a16:rowId xmlns:a16="http://schemas.microsoft.com/office/drawing/2014/main" val="10002"/>
+                  </a:ext>
+                </a:extLst>
+              </a:tr>
+            </a:tbl>
+          </a:graphicData>
+        </a:graphic>
+      </p:graphicFrame>
+      <p:graphicFrame>
+        <p:nvGraphicFramePr>
+          <p:cNvPr id="39" name="표 38">
+            <a:extLst>
+              <a:ext uri="{FF2B5EF4-FFF2-40B4-BE49-F238E27FC236}">
+                <a16:creationId xmlns:a16="http://schemas.microsoft.com/office/drawing/2014/main" id="{3CF01C31-95AF-4E9B-8D58-BD2996D9F57D}"/>
+              </a:ext>
+            </a:extLst>
+          </p:cNvPr>
+          <p:cNvGraphicFramePr>
+            <a:graphicFrameLocks noGrp="1"/>
+          </p:cNvGraphicFramePr>
+          <p:nvPr>
+            <p:extLst>
+              <p:ext uri="{D42A27DB-BD31-4B8C-83A1-F6EECF244321}">
+                <p14:modId xmlns:p14="http://schemas.microsoft.com/office/powerpoint/2010/main" val="2788404264"/>
+              </p:ext>
+            </p:extLst>
+          </p:nvPr>
+        </p:nvGraphicFramePr>
+        <p:xfrm>
+          <a:off x="419603" y="1635428"/>
+          <a:ext cx="1207028" cy="640080"/>
+        </p:xfrm>
+        <a:graphic>
+          <a:graphicData uri="http://schemas.openxmlformats.org/drawingml/2006/table">
+            <a:tbl>
+              <a:tblPr firstRow="1" bandRow="1">
+                <a:tableStyleId>{5940675A-B579-460E-94D1-54222C63F5DA}</a:tableStyleId>
+              </a:tblPr>
+              <a:tblGrid>
+                <a:gridCol w="603514">
+                  <a:extLst>
+                    <a:ext uri="{9D8B030D-6E8A-4147-A177-3AD203B41FA5}">
+                      <a16:colId xmlns:a16="http://schemas.microsoft.com/office/drawing/2014/main" val="20000"/>
+                    </a:ext>
+                  </a:extLst>
+                </a:gridCol>
+                <a:gridCol w="603514">
+                  <a:extLst>
+                    <a:ext uri="{9D8B030D-6E8A-4147-A177-3AD203B41FA5}">
+                      <a16:colId xmlns:a16="http://schemas.microsoft.com/office/drawing/2014/main" val="20001"/>
+                    </a:ext>
+                  </a:extLst>
+                </a:gridCol>
+              </a:tblGrid>
+              <a:tr h="168355">
+                <a:tc>
+                  <a:txBody>
+                    <a:bodyPr/>
+                    <a:lstStyle/>
+                    <a:p>
+                      <a:pPr algn="ctr" latinLnBrk="1"/>
+                      <a:r>
+                        <a:rPr lang="en-US" altLang="ko-KR" sz="800"/>
+                        <a:t>State</a:t>
+                      </a:r>
+                      <a:endParaRPr lang="ko-KR" altLang="en-US" sz="800" dirty="0"/>
+                    </a:p>
+                  </a:txBody>
+                  <a:tcPr>
+                    <a:solidFill>
+                      <a:schemeClr val="bg1">
+                        <a:lumMod val="85000"/>
+                      </a:schemeClr>
+                    </a:solidFill>
+                  </a:tcPr>
+                </a:tc>
+                <a:tc>
+                  <a:txBody>
+                    <a:bodyPr/>
+                    <a:lstStyle/>
+                    <a:p>
+                      <a:pPr algn="ctr" latinLnBrk="1"/>
+                      <a:r>
+                        <a:rPr lang="en-US" altLang="ko-KR" sz="800"/>
+                        <a:t>Fruit ID</a:t>
+                      </a:r>
+                      <a:endParaRPr lang="ko-KR" altLang="en-US" sz="800" dirty="0"/>
+                    </a:p>
+                  </a:txBody>
+                  <a:tcPr>
+                    <a:solidFill>
+                      <a:schemeClr val="bg1">
+                        <a:lumMod val="85000"/>
+                      </a:schemeClr>
+                    </a:solidFill>
+                  </a:tcPr>
+                </a:tc>
+                <a:extLst>
+                  <a:ext uri="{0D108BD9-81ED-4DB2-BD59-A6C34878D82A}">
+                    <a16:rowId xmlns:a16="http://schemas.microsoft.com/office/drawing/2014/main" val="10000"/>
+                  </a:ext>
+                </a:extLst>
+              </a:tr>
+              <a:tr h="168355">
+                <a:tc>
+                  <a:txBody>
+                    <a:bodyPr/>
+                    <a:lstStyle/>
+                    <a:p>
+                      <a:pPr algn="ctr" latinLnBrk="1"/>
+                      <a:r>
+                        <a:rPr lang="en-US" altLang="ko-KR" sz="800"/>
+                        <a:t>CA</a:t>
+                      </a:r>
+                      <a:endParaRPr lang="ko-KR" altLang="en-US" sz="800" dirty="0"/>
+                    </a:p>
+                  </a:txBody>
+                  <a:tcPr>
+                    <a:solidFill>
+                      <a:schemeClr val="bg1"/>
+                    </a:solidFill>
+                  </a:tcPr>
+                </a:tc>
+                <a:tc>
+                  <a:txBody>
+                    <a:bodyPr/>
+                    <a:lstStyle/>
+                    <a:p>
+                      <a:pPr algn="ctr" latinLnBrk="1"/>
+                      <a:r>
+                        <a:rPr lang="en-US" altLang="ko-KR" sz="800"/>
+                        <a:t>4</a:t>
+                      </a:r>
+                      <a:endParaRPr lang="ko-KR" altLang="en-US" sz="800" dirty="0"/>
+                    </a:p>
+                  </a:txBody>
+                  <a:tcPr/>
+                </a:tc>
+                <a:extLst>
+                  <a:ext uri="{0D108BD9-81ED-4DB2-BD59-A6C34878D82A}">
+                    <a16:rowId xmlns:a16="http://schemas.microsoft.com/office/drawing/2014/main" val="10001"/>
+                  </a:ext>
+                </a:extLst>
+              </a:tr>
+              <a:tr h="168355">
+                <a:tc>
+                  <a:txBody>
+                    <a:bodyPr/>
+                    <a:lstStyle/>
+                    <a:p>
+                      <a:pPr algn="ctr" latinLnBrk="1"/>
+                      <a:r>
+                        <a:rPr lang="en-US" altLang="ko-KR" sz="800"/>
+                        <a:t>CA</a:t>
+                      </a:r>
+                      <a:endParaRPr lang="ko-KR" altLang="en-US" sz="800" dirty="0"/>
+                    </a:p>
+                  </a:txBody>
+                  <a:tcPr>
+                    <a:solidFill>
+                      <a:schemeClr val="bg1"/>
+                    </a:solidFill>
+                  </a:tcPr>
+                </a:tc>
+                <a:tc>
+                  <a:txBody>
+                    <a:bodyPr/>
+                    <a:lstStyle/>
+                    <a:p>
+                      <a:pPr algn="ctr" latinLnBrk="1"/>
+                      <a:r>
+                        <a:rPr lang="en-US" altLang="ko-KR" sz="800"/>
+                        <a:t>7</a:t>
+                      </a:r>
+                      <a:endParaRPr lang="ko-KR" altLang="en-US" sz="800" dirty="0"/>
+                    </a:p>
+                  </a:txBody>
+                  <a:tcPr/>
+                </a:tc>
+                <a:extLst>
+                  <a:ext uri="{0D108BD9-81ED-4DB2-BD59-A6C34878D82A}">
+                    <a16:rowId xmlns:a16="http://schemas.microsoft.com/office/drawing/2014/main" val="10002"/>
+                  </a:ext>
+                </a:extLst>
+              </a:tr>
+            </a:tbl>
+          </a:graphicData>
+        </a:graphic>
+      </p:graphicFrame>
+      <p:graphicFrame>
+        <p:nvGraphicFramePr>
+          <p:cNvPr id="40" name="표 39">
+            <a:extLst>
+              <a:ext uri="{FF2B5EF4-FFF2-40B4-BE49-F238E27FC236}">
+                <a16:creationId xmlns:a16="http://schemas.microsoft.com/office/drawing/2014/main" id="{44EEB92E-536A-4C48-A783-30D7464F2FCF}"/>
+              </a:ext>
+            </a:extLst>
+          </p:cNvPr>
+          <p:cNvGraphicFramePr>
+            <a:graphicFrameLocks noGrp="1"/>
+          </p:cNvGraphicFramePr>
+          <p:nvPr>
+            <p:extLst>
+              <p:ext uri="{D42A27DB-BD31-4B8C-83A1-F6EECF244321}">
+                <p14:modId xmlns:p14="http://schemas.microsoft.com/office/powerpoint/2010/main" val="2707217948"/>
+              </p:ext>
+            </p:extLst>
+          </p:nvPr>
+        </p:nvGraphicFramePr>
+        <p:xfrm>
+          <a:off x="5439479" y="1637645"/>
+          <a:ext cx="1207028" cy="853440"/>
+        </p:xfrm>
+        <a:graphic>
+          <a:graphicData uri="http://schemas.openxmlformats.org/drawingml/2006/table">
+            <a:tbl>
+              <a:tblPr firstRow="1" bandRow="1">
+                <a:tableStyleId>{5940675A-B579-460E-94D1-54222C63F5DA}</a:tableStyleId>
+              </a:tblPr>
+              <a:tblGrid>
+                <a:gridCol w="603514">
+                  <a:extLst>
+                    <a:ext uri="{9D8B030D-6E8A-4147-A177-3AD203B41FA5}">
+                      <a16:colId xmlns:a16="http://schemas.microsoft.com/office/drawing/2014/main" val="20000"/>
+                    </a:ext>
+                  </a:extLst>
+                </a:gridCol>
+                <a:gridCol w="603514">
+                  <a:extLst>
+                    <a:ext uri="{9D8B030D-6E8A-4147-A177-3AD203B41FA5}">
+                      <a16:colId xmlns:a16="http://schemas.microsoft.com/office/drawing/2014/main" val="20001"/>
+                    </a:ext>
+                  </a:extLst>
+                </a:gridCol>
+              </a:tblGrid>
+              <a:tr h="168355">
+                <a:tc>
+                  <a:txBody>
+                    <a:bodyPr/>
+                    <a:lstStyle/>
+                    <a:p>
+                      <a:pPr algn="ctr" latinLnBrk="1"/>
+                      <a:r>
+                        <a:rPr lang="en-US" altLang="ko-KR" sz="800"/>
+                        <a:t>State</a:t>
+                      </a:r>
+                      <a:endParaRPr lang="ko-KR" altLang="en-US" sz="800" dirty="0"/>
+                    </a:p>
+                  </a:txBody>
+                  <a:tcPr>
+                    <a:solidFill>
+                      <a:schemeClr val="bg1">
+                        <a:lumMod val="85000"/>
+                      </a:schemeClr>
+                    </a:solidFill>
+                  </a:tcPr>
+                </a:tc>
+                <a:tc>
+                  <a:txBody>
+                    <a:bodyPr/>
+                    <a:lstStyle/>
+                    <a:p>
+                      <a:pPr algn="ctr" latinLnBrk="1"/>
+                      <a:r>
+                        <a:rPr lang="en-US" altLang="ko-KR" sz="800"/>
+                        <a:t>Fruit ID</a:t>
+                      </a:r>
+                      <a:endParaRPr lang="ko-KR" altLang="en-US" sz="800" dirty="0"/>
+                    </a:p>
+                  </a:txBody>
+                  <a:tcPr>
+                    <a:solidFill>
+                      <a:schemeClr val="bg1">
+                        <a:lumMod val="85000"/>
+                      </a:schemeClr>
+                    </a:solidFill>
+                  </a:tcPr>
+                </a:tc>
+                <a:extLst>
+                  <a:ext uri="{0D108BD9-81ED-4DB2-BD59-A6C34878D82A}">
+                    <a16:rowId xmlns:a16="http://schemas.microsoft.com/office/drawing/2014/main" val="10000"/>
+                  </a:ext>
+                </a:extLst>
+              </a:tr>
+              <a:tr h="168355">
+                <a:tc>
+                  <a:txBody>
+                    <a:bodyPr/>
+                    <a:lstStyle/>
+                    <a:p>
+                      <a:pPr algn="ctr" latinLnBrk="1"/>
+                      <a:r>
+                        <a:rPr lang="en-US" altLang="ko-KR" sz="800"/>
+                        <a:t>NC</a:t>
+                      </a:r>
+                      <a:endParaRPr lang="ko-KR" altLang="en-US" sz="800" dirty="0"/>
+                    </a:p>
+                  </a:txBody>
+                  <a:tcPr>
+                    <a:solidFill>
+                      <a:schemeClr val="bg1"/>
+                    </a:solidFill>
+                  </a:tcPr>
+                </a:tc>
+                <a:tc>
+                  <a:txBody>
+                    <a:bodyPr/>
+                    <a:lstStyle/>
+                    <a:p>
+                      <a:pPr algn="ctr" latinLnBrk="1"/>
+                      <a:r>
+                        <a:rPr lang="en-US" altLang="ko-KR" sz="800"/>
+                        <a:t>2</a:t>
+                      </a:r>
+                      <a:endParaRPr lang="ko-KR" altLang="en-US" sz="800" dirty="0"/>
+                    </a:p>
+                  </a:txBody>
+                  <a:tcPr/>
+                </a:tc>
+                <a:extLst>
+                  <a:ext uri="{0D108BD9-81ED-4DB2-BD59-A6C34878D82A}">
+                    <a16:rowId xmlns:a16="http://schemas.microsoft.com/office/drawing/2014/main" val="10001"/>
+                  </a:ext>
+                </a:extLst>
+              </a:tr>
+              <a:tr h="168355">
+                <a:tc>
+                  <a:txBody>
+                    <a:bodyPr/>
+                    <a:lstStyle/>
+                    <a:p>
+                      <a:pPr algn="ctr" latinLnBrk="1"/>
+                      <a:r>
+                        <a:rPr lang="en-US" altLang="ko-KR" sz="800"/>
+                        <a:t>NC</a:t>
+                      </a:r>
+                      <a:endParaRPr lang="ko-KR" altLang="en-US" sz="800" dirty="0"/>
+                    </a:p>
+                  </a:txBody>
+                  <a:tcPr>
+                    <a:solidFill>
+                      <a:schemeClr val="bg1"/>
+                    </a:solidFill>
+                  </a:tcPr>
+                </a:tc>
+                <a:tc>
+                  <a:txBody>
+                    <a:bodyPr/>
+                    <a:lstStyle/>
+                    <a:p>
+                      <a:pPr algn="ctr" latinLnBrk="1"/>
+                      <a:r>
+                        <a:rPr lang="en-US" altLang="ko-KR" sz="800"/>
+                        <a:t>6</a:t>
+                      </a:r>
+                      <a:endParaRPr lang="ko-KR" altLang="en-US" sz="800" dirty="0"/>
+                    </a:p>
+                  </a:txBody>
+                  <a:tcPr/>
+                </a:tc>
+                <a:extLst>
+                  <a:ext uri="{0D108BD9-81ED-4DB2-BD59-A6C34878D82A}">
+                    <a16:rowId xmlns:a16="http://schemas.microsoft.com/office/drawing/2014/main" val="10002"/>
+                  </a:ext>
+                </a:extLst>
+              </a:tr>
+              <a:tr h="168355">
+                <a:tc>
+                  <a:txBody>
+                    <a:bodyPr/>
+                    <a:lstStyle/>
+                    <a:p>
+                      <a:pPr algn="ctr" latinLnBrk="1"/>
+                      <a:r>
+                        <a:rPr lang="en-US" altLang="ko-KR" sz="800"/>
+                        <a:t>6</a:t>
+                      </a:r>
+                      <a:endParaRPr lang="ko-KR" altLang="en-US" sz="800" dirty="0"/>
+                    </a:p>
+                  </a:txBody>
+                  <a:tcPr>
+                    <a:solidFill>
+                      <a:schemeClr val="bg1"/>
+                    </a:solidFill>
+                  </a:tcPr>
+                </a:tc>
+                <a:tc>
+                  <a:txBody>
+                    <a:bodyPr/>
+                    <a:lstStyle/>
+                    <a:p>
+                      <a:pPr algn="ctr" latinLnBrk="1"/>
+                      <a:r>
+                        <a:rPr lang="en-US" altLang="ko-KR" sz="800"/>
+                        <a:t>3</a:t>
+                      </a:r>
+                      <a:endParaRPr lang="ko-KR" altLang="en-US" sz="800" dirty="0"/>
+                    </a:p>
+                  </a:txBody>
+                  <a:tcPr/>
+                </a:tc>
+                <a:extLst>
+                  <a:ext uri="{0D108BD9-81ED-4DB2-BD59-A6C34878D82A}">
+                    <a16:rowId xmlns:a16="http://schemas.microsoft.com/office/drawing/2014/main" val="1307968552"/>
+                  </a:ext>
+                </a:extLst>
+              </a:tr>
+            </a:tbl>
+          </a:graphicData>
+        </a:graphic>
+      </p:graphicFrame>
+      <p:graphicFrame>
+        <p:nvGraphicFramePr>
+          <p:cNvPr id="43" name="표 42">
+            <a:extLst>
+              <a:ext uri="{FF2B5EF4-FFF2-40B4-BE49-F238E27FC236}">
+                <a16:creationId xmlns:a16="http://schemas.microsoft.com/office/drawing/2014/main" id="{B40296A2-3DAE-41E3-A20E-B7E2D5D3A58F}"/>
+              </a:ext>
+            </a:extLst>
+          </p:cNvPr>
+          <p:cNvGraphicFramePr>
+            <a:graphicFrameLocks noGrp="1"/>
+          </p:cNvGraphicFramePr>
+          <p:nvPr>
+            <p:extLst>
+              <p:ext uri="{D42A27DB-BD31-4B8C-83A1-F6EECF244321}">
+                <p14:modId xmlns:p14="http://schemas.microsoft.com/office/powerpoint/2010/main" val="2863666437"/>
+              </p:ext>
+            </p:extLst>
+          </p:nvPr>
+        </p:nvGraphicFramePr>
+        <p:xfrm>
+          <a:off x="2929541" y="555526"/>
+          <a:ext cx="1207028" cy="853440"/>
+        </p:xfrm>
+        <a:graphic>
+          <a:graphicData uri="http://schemas.openxmlformats.org/drawingml/2006/table">
+            <a:tbl>
+              <a:tblPr firstRow="1" bandRow="1">
+                <a:tableStyleId>{5940675A-B579-460E-94D1-54222C63F5DA}</a:tableStyleId>
+              </a:tblPr>
+              <a:tblGrid>
+                <a:gridCol w="603514">
+                  <a:extLst>
+                    <a:ext uri="{9D8B030D-6E8A-4147-A177-3AD203B41FA5}">
+                      <a16:colId xmlns:a16="http://schemas.microsoft.com/office/drawing/2014/main" val="20000"/>
+                    </a:ext>
+                  </a:extLst>
+                </a:gridCol>
+                <a:gridCol w="603514">
+                  <a:extLst>
+                    <a:ext uri="{9D8B030D-6E8A-4147-A177-3AD203B41FA5}">
+                      <a16:colId xmlns:a16="http://schemas.microsoft.com/office/drawing/2014/main" val="20001"/>
+                    </a:ext>
+                  </a:extLst>
+                </a:gridCol>
+              </a:tblGrid>
+              <a:tr h="168355">
+                <a:tc>
+                  <a:txBody>
+                    <a:bodyPr/>
+                    <a:lstStyle/>
+                    <a:p>
+                      <a:pPr algn="ctr" latinLnBrk="1"/>
+                      <a:r>
+                        <a:rPr lang="en-US" altLang="ko-KR" sz="800"/>
+                        <a:t>State</a:t>
+                      </a:r>
+                      <a:endParaRPr lang="ko-KR" altLang="en-US" sz="800" dirty="0"/>
+                    </a:p>
+                  </a:txBody>
+                  <a:tcPr>
+                    <a:solidFill>
+                      <a:schemeClr val="bg1">
+                        <a:lumMod val="85000"/>
+                      </a:schemeClr>
+                    </a:solidFill>
+                  </a:tcPr>
+                </a:tc>
+                <a:tc>
+                  <a:txBody>
+                    <a:bodyPr/>
+                    <a:lstStyle/>
+                    <a:p>
+                      <a:pPr algn="ctr" latinLnBrk="1"/>
+                      <a:r>
+                        <a:rPr lang="en-US" altLang="ko-KR" sz="800"/>
+                        <a:t>Page ID</a:t>
+                      </a:r>
+                      <a:endParaRPr lang="ko-KR" altLang="en-US" sz="800" dirty="0"/>
+                    </a:p>
+                  </a:txBody>
+                  <a:tcPr>
+                    <a:solidFill>
+                      <a:schemeClr val="bg1">
+                        <a:lumMod val="85000"/>
+                      </a:schemeClr>
+                    </a:solidFill>
+                  </a:tcPr>
+                </a:tc>
+                <a:extLst>
+                  <a:ext uri="{0D108BD9-81ED-4DB2-BD59-A6C34878D82A}">
+                    <a16:rowId xmlns:a16="http://schemas.microsoft.com/office/drawing/2014/main" val="10000"/>
+                  </a:ext>
+                </a:extLst>
+              </a:tr>
+              <a:tr h="168355">
+                <a:tc>
+                  <a:txBody>
+                    <a:bodyPr/>
+                    <a:lstStyle/>
+                    <a:p>
+                      <a:pPr algn="ctr" latinLnBrk="1"/>
+                      <a:r>
+                        <a:rPr lang="en-US" altLang="ko-KR" sz="800"/>
+                        <a:t>CA</a:t>
+                      </a:r>
+                      <a:endParaRPr lang="ko-KR" altLang="en-US" sz="800" dirty="0"/>
+                    </a:p>
+                  </a:txBody>
+                  <a:tcPr>
+                    <a:noFill/>
+                  </a:tcPr>
+                </a:tc>
+                <a:tc>
+                  <a:txBody>
+                    <a:bodyPr/>
+                    <a:lstStyle/>
+                    <a:p>
+                      <a:pPr algn="ctr" latinLnBrk="1"/>
+                      <a:r>
+                        <a:rPr lang="en-US" altLang="ko-KR" sz="800"/>
+                        <a:t>1</a:t>
+                      </a:r>
+                      <a:endParaRPr lang="ko-KR" altLang="en-US" sz="800" dirty="0"/>
+                    </a:p>
+                  </a:txBody>
+                  <a:tcPr/>
+                </a:tc>
+                <a:extLst>
+                  <a:ext uri="{0D108BD9-81ED-4DB2-BD59-A6C34878D82A}">
+                    <a16:rowId xmlns:a16="http://schemas.microsoft.com/office/drawing/2014/main" val="10001"/>
+                  </a:ext>
+                </a:extLst>
+              </a:tr>
+              <a:tr h="168355">
+                <a:tc>
+                  <a:txBody>
+                    <a:bodyPr/>
+                    <a:lstStyle/>
+                    <a:p>
+                      <a:pPr algn="ctr" latinLnBrk="1"/>
+                      <a:r>
+                        <a:rPr lang="en-US" altLang="ko-KR" sz="800"/>
+                        <a:t>FL</a:t>
+                      </a:r>
+                      <a:endParaRPr lang="ko-KR" altLang="en-US" sz="800" dirty="0"/>
+                    </a:p>
+                  </a:txBody>
+                  <a:tcPr>
+                    <a:noFill/>
+                  </a:tcPr>
+                </a:tc>
+                <a:tc>
+                  <a:txBody>
+                    <a:bodyPr/>
+                    <a:lstStyle/>
+                    <a:p>
+                      <a:pPr algn="ctr" latinLnBrk="1"/>
+                      <a:r>
+                        <a:rPr lang="en-US" altLang="ko-KR" sz="800"/>
+                        <a:t>2</a:t>
+                      </a:r>
+                      <a:endParaRPr lang="ko-KR" altLang="en-US" sz="800" dirty="0"/>
+                    </a:p>
+                  </a:txBody>
+                  <a:tcPr/>
+                </a:tc>
+                <a:extLst>
+                  <a:ext uri="{0D108BD9-81ED-4DB2-BD59-A6C34878D82A}">
+                    <a16:rowId xmlns:a16="http://schemas.microsoft.com/office/drawing/2014/main" val="10002"/>
+                  </a:ext>
+                </a:extLst>
+              </a:tr>
+              <a:tr h="168355">
+                <a:tc>
+                  <a:txBody>
+                    <a:bodyPr/>
+                    <a:lstStyle/>
+                    <a:p>
+                      <a:pPr algn="ctr" latinLnBrk="1"/>
+                      <a:r>
+                        <a:rPr lang="en-US" altLang="ko-KR" sz="800"/>
+                        <a:t>NC</a:t>
+                      </a:r>
+                      <a:endParaRPr lang="ko-KR" altLang="en-US" sz="800" dirty="0"/>
+                    </a:p>
+                  </a:txBody>
+                  <a:tcPr>
+                    <a:noFill/>
+                  </a:tcPr>
+                </a:tc>
+                <a:tc>
+                  <a:txBody>
+                    <a:bodyPr/>
+                    <a:lstStyle/>
+                    <a:p>
+                      <a:pPr algn="ctr" latinLnBrk="1"/>
+                      <a:r>
+                        <a:rPr lang="en-US" altLang="ko-KR" sz="800"/>
+                        <a:t>3</a:t>
+                      </a:r>
+                      <a:endParaRPr lang="ko-KR" altLang="en-US" sz="800" dirty="0"/>
+                    </a:p>
+                  </a:txBody>
+                  <a:tcPr/>
+                </a:tc>
+                <a:extLst>
+                  <a:ext uri="{0D108BD9-81ED-4DB2-BD59-A6C34878D82A}">
+                    <a16:rowId xmlns:a16="http://schemas.microsoft.com/office/drawing/2014/main" val="1307968552"/>
+                  </a:ext>
+                </a:extLst>
+              </a:tr>
+            </a:tbl>
+          </a:graphicData>
+        </a:graphic>
+      </p:graphicFrame>
+      <p:cxnSp>
+        <p:nvCxnSpPr>
+          <p:cNvPr id="44" name="직선 화살표 연결선 43">
+            <a:extLst>
+              <a:ext uri="{FF2B5EF4-FFF2-40B4-BE49-F238E27FC236}">
+                <a16:creationId xmlns:a16="http://schemas.microsoft.com/office/drawing/2014/main" id="{D5C47709-6FB6-4161-A588-19C0604BB169}"/>
+              </a:ext>
+            </a:extLst>
+          </p:cNvPr>
+          <p:cNvCxnSpPr>
+            <a:cxnSpLocks/>
+            <a:stCxn id="43" idx="2"/>
+            <a:endCxn id="37" idx="0"/>
+          </p:cNvCxnSpPr>
+          <p:nvPr/>
+        </p:nvCxnSpPr>
+        <p:spPr>
+          <a:xfrm>
+            <a:off x="3533055" y="1408966"/>
+            <a:ext cx="0" cy="228198"/>
+          </a:xfrm>
+          <a:prstGeom prst="straightConnector1">
+            <a:avLst/>
+          </a:prstGeom>
+          <a:ln w="19050">
+            <a:solidFill>
+              <a:schemeClr val="tx1"/>
+            </a:solidFill>
+            <a:tailEnd type="arrow"/>
+          </a:ln>
+        </p:spPr>
+        <p:style>
+          <a:lnRef idx="1">
+            <a:schemeClr val="accent1"/>
+          </a:lnRef>
+          <a:fillRef idx="0">
+            <a:schemeClr val="accent1"/>
+          </a:fillRef>
+          <a:effectRef idx="0">
+            <a:schemeClr val="accent1"/>
+          </a:effectRef>
+          <a:fontRef idx="minor">
+            <a:schemeClr val="tx1"/>
+          </a:fontRef>
+        </p:style>
+      </p:cxnSp>
+      <p:cxnSp>
+        <p:nvCxnSpPr>
+          <p:cNvPr id="47" name="직선 화살표 연결선 46">
+            <a:extLst>
+              <a:ext uri="{FF2B5EF4-FFF2-40B4-BE49-F238E27FC236}">
+                <a16:creationId xmlns:a16="http://schemas.microsoft.com/office/drawing/2014/main" id="{B44B02A6-EF49-49CA-82AD-4F6312D206C0}"/>
+              </a:ext>
+            </a:extLst>
+          </p:cNvPr>
+          <p:cNvCxnSpPr>
+            <a:cxnSpLocks/>
+            <a:stCxn id="43" idx="2"/>
+            <a:endCxn id="39" idx="0"/>
+          </p:cNvCxnSpPr>
+          <p:nvPr/>
+        </p:nvCxnSpPr>
+        <p:spPr>
+          <a:xfrm flipH="1">
+            <a:off x="1023117" y="1408966"/>
+            <a:ext cx="2509938" cy="226462"/>
+          </a:xfrm>
+          <a:prstGeom prst="straightConnector1">
+            <a:avLst/>
+          </a:prstGeom>
+          <a:ln w="19050">
+            <a:solidFill>
+              <a:schemeClr val="tx1"/>
+            </a:solidFill>
+            <a:tailEnd type="arrow"/>
+          </a:ln>
+        </p:spPr>
+        <p:style>
+          <a:lnRef idx="1">
+            <a:schemeClr val="accent1"/>
+          </a:lnRef>
+          <a:fillRef idx="0">
+            <a:schemeClr val="accent1"/>
+          </a:fillRef>
+          <a:effectRef idx="0">
+            <a:schemeClr val="accent1"/>
+          </a:effectRef>
+          <a:fontRef idx="minor">
+            <a:schemeClr val="tx1"/>
+          </a:fontRef>
+        </p:style>
+      </p:cxnSp>
+      <p:cxnSp>
+        <p:nvCxnSpPr>
+          <p:cNvPr id="50" name="직선 화살표 연결선 49">
+            <a:extLst>
+              <a:ext uri="{FF2B5EF4-FFF2-40B4-BE49-F238E27FC236}">
+                <a16:creationId xmlns:a16="http://schemas.microsoft.com/office/drawing/2014/main" id="{DDBB8C6D-330D-4CC3-9ABA-B41919A27B9B}"/>
+              </a:ext>
+            </a:extLst>
+          </p:cNvPr>
+          <p:cNvCxnSpPr>
+            <a:cxnSpLocks/>
+            <a:stCxn id="43" idx="2"/>
+            <a:endCxn id="40" idx="0"/>
+          </p:cNvCxnSpPr>
+          <p:nvPr/>
+        </p:nvCxnSpPr>
+        <p:spPr>
+          <a:xfrm>
+            <a:off x="3533055" y="1408966"/>
+            <a:ext cx="2509938" cy="228679"/>
+          </a:xfrm>
+          <a:prstGeom prst="straightConnector1">
+            <a:avLst/>
+          </a:prstGeom>
+          <a:ln w="19050">
+            <a:solidFill>
+              <a:schemeClr val="tx1"/>
+            </a:solidFill>
+            <a:tailEnd type="arrow"/>
+          </a:ln>
+        </p:spPr>
+        <p:style>
+          <a:lnRef idx="1">
+            <a:schemeClr val="accent1"/>
+          </a:lnRef>
+          <a:fillRef idx="0">
+            <a:schemeClr val="accent1"/>
+          </a:fillRef>
+          <a:effectRef idx="0">
+            <a:schemeClr val="accent1"/>
+          </a:effectRef>
+          <a:fontRef idx="minor">
+            <a:schemeClr val="tx1"/>
+          </a:fontRef>
+        </p:style>
+      </p:cxnSp>
+      <p:sp>
+        <p:nvSpPr>
+          <p:cNvPr id="53" name="TextBox 52">
+            <a:extLst>
+              <a:ext uri="{FF2B5EF4-FFF2-40B4-BE49-F238E27FC236}">
+                <a16:creationId xmlns:a16="http://schemas.microsoft.com/office/drawing/2014/main" id="{F0E6467B-F017-40E5-812F-07264648895E}"/>
+              </a:ext>
+            </a:extLst>
+          </p:cNvPr>
+          <p:cNvSpPr txBox="1"/>
+          <p:nvPr/>
+        </p:nvSpPr>
+        <p:spPr>
+          <a:xfrm>
+            <a:off x="323253" y="2280220"/>
+            <a:ext cx="1399728" cy="261610"/>
+          </a:xfrm>
+          <a:prstGeom prst="rect">
+            <a:avLst/>
+          </a:prstGeom>
+          <a:noFill/>
+        </p:spPr>
+        <p:txBody>
+          <a:bodyPr wrap="square" rtlCol="0">
+            <a:spAutoFit/>
+          </a:bodyPr>
+          <a:lstStyle/>
+          <a:p>
+            <a:pPr algn="ctr"/>
+            <a:r>
+              <a:rPr lang="en-US" altLang="ko-KR" sz="1100"/>
+              <a:t>Page ID 1</a:t>
+            </a:r>
+            <a:endParaRPr lang="ko-KR" altLang="en-US" sz="1100" dirty="0"/>
+          </a:p>
+        </p:txBody>
+      </p:sp>
+      <p:sp>
+        <p:nvSpPr>
+          <p:cNvPr id="59" name="TextBox 58">
+            <a:extLst>
+              <a:ext uri="{FF2B5EF4-FFF2-40B4-BE49-F238E27FC236}">
+                <a16:creationId xmlns:a16="http://schemas.microsoft.com/office/drawing/2014/main" id="{D321219F-2616-441A-9030-13DFBCCAE1D0}"/>
+              </a:ext>
+            </a:extLst>
+          </p:cNvPr>
+          <p:cNvSpPr txBox="1"/>
+          <p:nvPr/>
+        </p:nvSpPr>
+        <p:spPr>
+          <a:xfrm>
+            <a:off x="5343129" y="2488868"/>
+            <a:ext cx="1399728" cy="261610"/>
+          </a:xfrm>
+          <a:prstGeom prst="rect">
+            <a:avLst/>
+          </a:prstGeom>
+          <a:noFill/>
+        </p:spPr>
+        <p:txBody>
+          <a:bodyPr wrap="square" rtlCol="0">
+            <a:spAutoFit/>
+          </a:bodyPr>
+          <a:lstStyle/>
+          <a:p>
+            <a:pPr algn="ctr"/>
+            <a:r>
+              <a:rPr lang="en-US" altLang="ko-KR" sz="1100"/>
+              <a:t>Page ID 3</a:t>
+            </a:r>
+            <a:endParaRPr lang="ko-KR" altLang="en-US" sz="1100" dirty="0"/>
+          </a:p>
+        </p:txBody>
+      </p:sp>
+      <p:sp>
+        <p:nvSpPr>
+          <p:cNvPr id="60" name="TextBox 59">
+            <a:extLst>
+              <a:ext uri="{FF2B5EF4-FFF2-40B4-BE49-F238E27FC236}">
+                <a16:creationId xmlns:a16="http://schemas.microsoft.com/office/drawing/2014/main" id="{8050834A-598E-4C21-AA52-23EA6FAA4E53}"/>
+              </a:ext>
+            </a:extLst>
+          </p:cNvPr>
+          <p:cNvSpPr txBox="1"/>
+          <p:nvPr/>
+        </p:nvSpPr>
+        <p:spPr>
+          <a:xfrm>
+            <a:off x="2833191" y="2275508"/>
+            <a:ext cx="1399728" cy="261610"/>
+          </a:xfrm>
+          <a:prstGeom prst="rect">
+            <a:avLst/>
+          </a:prstGeom>
+          <a:noFill/>
+        </p:spPr>
+        <p:txBody>
+          <a:bodyPr wrap="square" rtlCol="0">
+            <a:spAutoFit/>
+          </a:bodyPr>
+          <a:lstStyle/>
+          <a:p>
+            <a:pPr algn="ctr"/>
+            <a:r>
+              <a:rPr lang="en-US" altLang="ko-KR" sz="1100"/>
+              <a:t>Page ID 2</a:t>
+            </a:r>
+            <a:endParaRPr lang="ko-KR" altLang="en-US" sz="1100" dirty="0"/>
+          </a:p>
+        </p:txBody>
+      </p:sp>
+      <p:sp>
+        <p:nvSpPr>
+          <p:cNvPr id="61" name="오른쪽 중괄호 60">
+            <a:extLst>
+              <a:ext uri="{FF2B5EF4-FFF2-40B4-BE49-F238E27FC236}">
+                <a16:creationId xmlns:a16="http://schemas.microsoft.com/office/drawing/2014/main" id="{4FE64452-4A11-48A1-A60B-694B166EA6D0}"/>
+              </a:ext>
+            </a:extLst>
+          </p:cNvPr>
+          <p:cNvSpPr/>
+          <p:nvPr/>
+        </p:nvSpPr>
+        <p:spPr>
+          <a:xfrm>
+            <a:off x="7236296" y="2787774"/>
+            <a:ext cx="288032" cy="2328530"/>
+          </a:xfrm>
+          <a:prstGeom prst="rightBrace">
+            <a:avLst/>
+          </a:prstGeom>
+          <a:ln>
+            <a:solidFill>
+              <a:schemeClr val="tx1"/>
+            </a:solidFill>
+          </a:ln>
+        </p:spPr>
+        <p:style>
+          <a:lnRef idx="1">
+            <a:schemeClr val="accent1"/>
+          </a:lnRef>
+          <a:fillRef idx="0">
+            <a:schemeClr val="accent1"/>
+          </a:fillRef>
+          <a:effectRef idx="0">
+            <a:schemeClr val="accent1"/>
+          </a:effectRef>
+          <a:fontRef idx="minor">
+            <a:schemeClr val="tx1"/>
+          </a:fontRef>
+        </p:style>
+        <p:txBody>
+          <a:bodyPr rtlCol="0" anchor="ctr"/>
+          <a:lstStyle/>
+          <a:p>
+            <a:pPr algn="ctr"/>
+            <a:endParaRPr lang="ko-KR" altLang="en-US"/>
+          </a:p>
+        </p:txBody>
+      </p:sp>
+      <p:sp>
+        <p:nvSpPr>
+          <p:cNvPr id="62" name="TextBox 61">
+            <a:extLst>
+              <a:ext uri="{FF2B5EF4-FFF2-40B4-BE49-F238E27FC236}">
+                <a16:creationId xmlns:a16="http://schemas.microsoft.com/office/drawing/2014/main" id="{C00BECAB-1C6F-432C-8EAC-8868A9ABA238}"/>
+              </a:ext>
+            </a:extLst>
+          </p:cNvPr>
+          <p:cNvSpPr txBox="1"/>
+          <p:nvPr/>
+        </p:nvSpPr>
+        <p:spPr>
+          <a:xfrm>
+            <a:off x="7308304" y="3821234"/>
+            <a:ext cx="1543469" cy="261610"/>
+          </a:xfrm>
+          <a:prstGeom prst="rect">
+            <a:avLst/>
+          </a:prstGeom>
+          <a:noFill/>
+        </p:spPr>
+        <p:txBody>
+          <a:bodyPr wrap="square" rtlCol="0">
+            <a:spAutoFit/>
+          </a:bodyPr>
+          <a:lstStyle/>
+          <a:p>
+            <a:pPr algn="ctr"/>
+            <a:r>
+              <a:rPr lang="en-US" altLang="ko-KR" sz="1100"/>
+              <a:t>Clustered Index</a:t>
+            </a:r>
+            <a:endParaRPr lang="ko-KR" altLang="en-US" sz="1100" dirty="0"/>
+          </a:p>
+        </p:txBody>
+      </p:sp>
+      <p:sp>
+        <p:nvSpPr>
+          <p:cNvPr id="65" name="오른쪽 중괄호 64">
+            <a:extLst>
+              <a:ext uri="{FF2B5EF4-FFF2-40B4-BE49-F238E27FC236}">
+                <a16:creationId xmlns:a16="http://schemas.microsoft.com/office/drawing/2014/main" id="{6F48D161-EBCD-4E0C-839A-6921BC9DF282}"/>
+              </a:ext>
+            </a:extLst>
+          </p:cNvPr>
+          <p:cNvSpPr/>
+          <p:nvPr/>
+        </p:nvSpPr>
+        <p:spPr>
+          <a:xfrm>
+            <a:off x="7236296" y="423061"/>
+            <a:ext cx="288032" cy="2328530"/>
+          </a:xfrm>
+          <a:prstGeom prst="rightBrace">
+            <a:avLst/>
+          </a:prstGeom>
+          <a:ln>
+            <a:solidFill>
+              <a:schemeClr val="tx1"/>
+            </a:solidFill>
+          </a:ln>
+        </p:spPr>
+        <p:style>
+          <a:lnRef idx="1">
+            <a:schemeClr val="accent1"/>
+          </a:lnRef>
+          <a:fillRef idx="0">
+            <a:schemeClr val="accent1"/>
+          </a:fillRef>
+          <a:effectRef idx="0">
+            <a:schemeClr val="accent1"/>
+          </a:effectRef>
+          <a:fontRef idx="minor">
+            <a:schemeClr val="tx1"/>
+          </a:fontRef>
+        </p:style>
+        <p:txBody>
+          <a:bodyPr rtlCol="0" anchor="ctr"/>
+          <a:lstStyle/>
+          <a:p>
+            <a:pPr algn="ctr"/>
+            <a:endParaRPr lang="ko-KR" altLang="en-US"/>
+          </a:p>
+        </p:txBody>
+      </p:sp>
+      <p:sp>
+        <p:nvSpPr>
+          <p:cNvPr id="66" name="TextBox 65">
+            <a:extLst>
+              <a:ext uri="{FF2B5EF4-FFF2-40B4-BE49-F238E27FC236}">
+                <a16:creationId xmlns:a16="http://schemas.microsoft.com/office/drawing/2014/main" id="{1200A459-42D7-4CE7-AFA2-B7432A55E53F}"/>
+              </a:ext>
+            </a:extLst>
+          </p:cNvPr>
+          <p:cNvSpPr txBox="1"/>
+          <p:nvPr/>
+        </p:nvSpPr>
+        <p:spPr>
+          <a:xfrm>
+            <a:off x="7457970" y="1456521"/>
+            <a:ext cx="1543469" cy="261610"/>
+          </a:xfrm>
+          <a:prstGeom prst="rect">
+            <a:avLst/>
+          </a:prstGeom>
+          <a:noFill/>
+        </p:spPr>
+        <p:txBody>
+          <a:bodyPr wrap="square" rtlCol="0">
+            <a:spAutoFit/>
+          </a:bodyPr>
+          <a:lstStyle/>
+          <a:p>
+            <a:pPr algn="ctr"/>
+            <a:r>
+              <a:rPr lang="en-US" altLang="ko-KR" sz="1100"/>
+              <a:t>Non-clustered Index</a:t>
+            </a:r>
+            <a:endParaRPr lang="ko-KR" altLang="en-US" sz="1100" dirty="0"/>
+          </a:p>
+        </p:txBody>
+      </p:sp>
+    </p:spTree>
+    <p:extLst>
+      <p:ext uri="{BB962C8B-B14F-4D97-AF65-F5344CB8AC3E}">
+        <p14:creationId xmlns:p14="http://schemas.microsoft.com/office/powerpoint/2010/main" val="1565860813"/>
+      </p:ext>
+    </p:extLst>
+  </p:cSld>
+  <p:clrMapOvr>
+    <a:masterClrMapping/>
+  </p:clrMapOvr>
+</p:sld>
+</file>
+
+<file path=ppt/slides/slide4.xml><?xml version="1.0" encoding="utf-8"?>
+<p:sld xmlns:a="http://schemas.openxmlformats.org/drawingml/2006/main" xmlns:r="http://schemas.openxmlformats.org/officeDocument/2006/relationships" xmlns:p="http://schemas.openxmlformats.org/presentationml/2006/main">
+  <p:cSld>
+    <p:spTree>
+      <p:nvGrpSpPr>
+        <p:cNvPr id="1" name=""/>
+        <p:cNvGrpSpPr/>
+        <p:nvPr/>
+      </p:nvGrpSpPr>
+      <p:grpSpPr>
+        <a:xfrm>
+          <a:off x="0" y="0"/>
+          <a:ext cx="0" cy="0"/>
+          <a:chOff x="0" y="0"/>
+          <a:chExt cx="0" cy="0"/>
+        </a:xfrm>
+      </p:grpSpPr>
+    </p:spTree>
+    <p:extLst>
+      <p:ext uri="{BB962C8B-B14F-4D97-AF65-F5344CB8AC3E}">
+        <p14:creationId xmlns:p14="http://schemas.microsoft.com/office/powerpoint/2010/main" val="1786132173"/>
+      </p:ext>
+    </p:extLst>
+  </p:cSld>
+  <p:clrMapOvr>
+    <a:masterClrMapping/>
+  </p:clrMapOvr>
+</p:sld>
+</file>
+
+<file path=ppt/slides/slide5.xml><?xml version="1.0" encoding="utf-8"?>
+<p:sld xmlns:a="http://schemas.openxmlformats.org/drawingml/2006/main" xmlns:r="http://schemas.openxmlformats.org/officeDocument/2006/relationships" xmlns:p="http://schemas.openxmlformats.org/presentationml/2006/main">
+  <p:cSld>
+    <p:spTree>
+      <p:nvGrpSpPr>
+        <p:cNvPr id="1" name=""/>
+        <p:cNvGrpSpPr/>
+        <p:nvPr/>
+      </p:nvGrpSpPr>
+      <p:grpSpPr>
+        <a:xfrm>
+          <a:off x="0" y="0"/>
+          <a:ext cx="0" cy="0"/>
+          <a:chOff x="0" y="0"/>
+          <a:chExt cx="0" cy="0"/>
+        </a:xfrm>
+      </p:grpSpPr>
+      <p:sp>
+        <p:nvSpPr>
+          <p:cNvPr id="6" name="제목 1"/>
+          <p:cNvSpPr>
+            <a:spLocks noGrp="1"/>
+          </p:cNvSpPr>
+          <p:nvPr>
+            <p:ph type="title"/>
+          </p:nvPr>
+        </p:nvSpPr>
+        <p:spPr>
+          <a:xfrm>
+            <a:off x="457200" y="-20538"/>
+            <a:ext cx="8229600" cy="857250"/>
+          </a:xfrm>
+        </p:spPr>
+        <p:txBody>
+          <a:bodyPr>
+            <a:normAutofit/>
+          </a:bodyPr>
+          <a:lstStyle/>
+          <a:p>
+            <a:r>
+              <a:rPr lang="en-US" altLang="ko-KR" dirty="0"/>
+              <a:t>Database Indexing</a:t>
+            </a:r>
+            <a:endParaRPr lang="ko-KR" altLang="en-US" dirty="0"/>
+          </a:p>
+        </p:txBody>
+      </p:sp>
+      <p:graphicFrame>
+        <p:nvGraphicFramePr>
+          <p:cNvPr id="2" name="표 1"/>
+          <p:cNvGraphicFramePr>
+            <a:graphicFrameLocks noGrp="1"/>
+          </p:cNvGraphicFramePr>
+          <p:nvPr/>
+        </p:nvGraphicFramePr>
+        <p:xfrm>
+          <a:off x="1691680" y="1563638"/>
+          <a:ext cx="1944216" cy="2438400"/>
+        </p:xfrm>
+        <a:graphic>
+          <a:graphicData uri="http://schemas.openxmlformats.org/drawingml/2006/table">
+            <a:tbl>
+              <a:tblPr firstRow="1" bandRow="1">
+                <a:tableStyleId>{5940675A-B579-460E-94D1-54222C63F5DA}</a:tableStyleId>
+              </a:tblPr>
+              <a:tblGrid>
+                <a:gridCol w="972108">
+                  <a:extLst>
+                    <a:ext uri="{9D8B030D-6E8A-4147-A177-3AD203B41FA5}">
+                      <a16:colId xmlns:a16="http://schemas.microsoft.com/office/drawing/2014/main" val="20000"/>
+                    </a:ext>
+                  </a:extLst>
+                </a:gridCol>
+                <a:gridCol w="972108">
+                  <a:extLst>
+                    <a:ext uri="{9D8B030D-6E8A-4147-A177-3AD203B41FA5}">
+                      <a16:colId xmlns:a16="http://schemas.microsoft.com/office/drawing/2014/main" val="20001"/>
+                    </a:ext>
+                  </a:extLst>
+                </a:gridCol>
+              </a:tblGrid>
+              <a:tr h="228025">
+                <a:tc>
+                  <a:txBody>
+                    <a:bodyPr/>
+                    <a:lstStyle/>
+                    <a:p>
+                      <a:pPr algn="ctr" latinLnBrk="1"/>
+                      <a:r>
+                        <a:rPr lang="en-US" altLang="ko-KR" sz="1400" dirty="0"/>
+                        <a:t>State</a:t>
+                      </a:r>
+                      <a:endParaRPr lang="ko-KR" altLang="en-US" sz="1400" dirty="0"/>
+                    </a:p>
+                  </a:txBody>
+                  <a:tcPr>
+                    <a:solidFill>
+                      <a:schemeClr val="bg1">
+                        <a:lumMod val="85000"/>
+                      </a:schemeClr>
+                    </a:solidFill>
+                  </a:tcPr>
+                </a:tc>
+                <a:tc>
+                  <a:txBody>
+                    <a:bodyPr/>
+                    <a:lstStyle/>
+                    <a:p>
+                      <a:pPr algn="ctr" latinLnBrk="1"/>
+                      <a:r>
+                        <a:rPr lang="en-US" altLang="ko-KR" sz="1400"/>
+                        <a:t>ID</a:t>
+                      </a:r>
+                      <a:endParaRPr lang="ko-KR" altLang="en-US" sz="1400" dirty="0"/>
+                    </a:p>
+                  </a:txBody>
+                  <a:tcPr>
+                    <a:solidFill>
+                      <a:schemeClr val="bg1">
+                        <a:lumMod val="85000"/>
+                      </a:schemeClr>
+                    </a:solidFill>
+                  </a:tcPr>
+                </a:tc>
+                <a:extLst>
+                  <a:ext uri="{0D108BD9-81ED-4DB2-BD59-A6C34878D82A}">
+                    <a16:rowId xmlns:a16="http://schemas.microsoft.com/office/drawing/2014/main" val="10000"/>
+                  </a:ext>
+                </a:extLst>
+              </a:tr>
+              <a:tr h="228025">
+                <a:tc>
+                  <a:txBody>
+                    <a:bodyPr/>
+                    <a:lstStyle/>
+                    <a:p>
+                      <a:pPr algn="ctr" latinLnBrk="1"/>
+                      <a:r>
+                        <a:rPr lang="en-US" altLang="ko-KR" sz="1400" dirty="0"/>
+                        <a:t>CA</a:t>
+                      </a:r>
+                      <a:endParaRPr lang="ko-KR" altLang="en-US" sz="1400" dirty="0"/>
+                    </a:p>
+                  </a:txBody>
+                  <a:tcPr/>
+                </a:tc>
+                <a:tc>
+                  <a:txBody>
+                    <a:bodyPr/>
+                    <a:lstStyle/>
+                    <a:p>
+                      <a:pPr algn="ctr" latinLnBrk="1"/>
+                      <a:r>
+                        <a:rPr lang="en-US" altLang="ko-KR" sz="1400" dirty="0"/>
+                        <a:t>4</a:t>
+                      </a:r>
+                      <a:endParaRPr lang="ko-KR" altLang="en-US" sz="1400" dirty="0"/>
+                    </a:p>
+                  </a:txBody>
+                  <a:tcPr>
+                    <a:solidFill>
+                      <a:schemeClr val="bg1">
+                        <a:lumMod val="85000"/>
+                      </a:schemeClr>
+                    </a:solidFill>
+                  </a:tcPr>
+                </a:tc>
+                <a:extLst>
+                  <a:ext uri="{0D108BD9-81ED-4DB2-BD59-A6C34878D82A}">
+                    <a16:rowId xmlns:a16="http://schemas.microsoft.com/office/drawing/2014/main" val="10001"/>
+                  </a:ext>
+                </a:extLst>
+              </a:tr>
+              <a:tr h="228025">
+                <a:tc>
+                  <a:txBody>
+                    <a:bodyPr/>
+                    <a:lstStyle/>
+                    <a:p>
+                      <a:pPr algn="ctr" latinLnBrk="1"/>
+                      <a:r>
+                        <a:rPr lang="en-US" altLang="ko-KR" sz="1400" dirty="0"/>
+                        <a:t>CA</a:t>
+                      </a:r>
+                      <a:endParaRPr lang="ko-KR" altLang="en-US" sz="1400" dirty="0"/>
+                    </a:p>
+                  </a:txBody>
+                  <a:tcPr/>
+                </a:tc>
+                <a:tc>
+                  <a:txBody>
+                    <a:bodyPr/>
+                    <a:lstStyle/>
+                    <a:p>
+                      <a:pPr algn="ctr" latinLnBrk="1"/>
+                      <a:r>
+                        <a:rPr lang="en-US" altLang="ko-KR" sz="1400" dirty="0"/>
+                        <a:t>7</a:t>
+                      </a:r>
+                      <a:endParaRPr lang="ko-KR" altLang="en-US" sz="1400" dirty="0"/>
+                    </a:p>
+                  </a:txBody>
+                  <a:tcPr>
+                    <a:solidFill>
+                      <a:schemeClr val="bg1">
+                        <a:lumMod val="85000"/>
+                      </a:schemeClr>
+                    </a:solidFill>
+                  </a:tcPr>
+                </a:tc>
+                <a:extLst>
+                  <a:ext uri="{0D108BD9-81ED-4DB2-BD59-A6C34878D82A}">
+                    <a16:rowId xmlns:a16="http://schemas.microsoft.com/office/drawing/2014/main" val="10002"/>
+                  </a:ext>
+                </a:extLst>
+              </a:tr>
+              <a:tr h="228025">
+                <a:tc>
+                  <a:txBody>
+                    <a:bodyPr/>
+                    <a:lstStyle/>
+                    <a:p>
+                      <a:pPr algn="ctr" latinLnBrk="1"/>
+                      <a:r>
+                        <a:rPr lang="en-US" altLang="ko-KR" sz="1400" dirty="0"/>
+                        <a:t>FL</a:t>
+                      </a:r>
+                      <a:endParaRPr lang="ko-KR" altLang="en-US" sz="1400" dirty="0"/>
+                    </a:p>
+                  </a:txBody>
+                  <a:tcPr/>
+                </a:tc>
+                <a:tc>
+                  <a:txBody>
+                    <a:bodyPr/>
+                    <a:lstStyle/>
+                    <a:p>
+                      <a:pPr algn="ctr" latinLnBrk="1"/>
+                      <a:r>
+                        <a:rPr lang="en-US" altLang="ko-KR" sz="1400" dirty="0"/>
+                        <a:t>1</a:t>
+                      </a:r>
+                      <a:endParaRPr lang="ko-KR" altLang="en-US" sz="1400" dirty="0"/>
+                    </a:p>
+                  </a:txBody>
+                  <a:tcPr>
+                    <a:solidFill>
+                      <a:schemeClr val="bg1">
+                        <a:lumMod val="85000"/>
+                      </a:schemeClr>
+                    </a:solidFill>
+                  </a:tcPr>
+                </a:tc>
+                <a:extLst>
+                  <a:ext uri="{0D108BD9-81ED-4DB2-BD59-A6C34878D82A}">
+                    <a16:rowId xmlns:a16="http://schemas.microsoft.com/office/drawing/2014/main" val="10003"/>
+                  </a:ext>
+                </a:extLst>
+              </a:tr>
+              <a:tr h="228025">
+                <a:tc>
+                  <a:txBody>
+                    <a:bodyPr/>
+                    <a:lstStyle/>
+                    <a:p>
+                      <a:pPr algn="ctr" latinLnBrk="1"/>
+                      <a:r>
+                        <a:rPr lang="en-US" altLang="ko-KR" sz="1400" dirty="0"/>
+                        <a:t>FL</a:t>
+                      </a:r>
+                      <a:endParaRPr lang="ko-KR" altLang="en-US" sz="1400" dirty="0"/>
+                    </a:p>
+                  </a:txBody>
+                  <a:tcPr/>
+                </a:tc>
+                <a:tc>
+                  <a:txBody>
+                    <a:bodyPr/>
+                    <a:lstStyle/>
+                    <a:p>
+                      <a:pPr algn="ctr" latinLnBrk="1"/>
+                      <a:r>
+                        <a:rPr lang="en-US" altLang="ko-KR" sz="1400" dirty="0"/>
+                        <a:t>5</a:t>
+                      </a:r>
+                      <a:endParaRPr lang="ko-KR" altLang="en-US" sz="1400" dirty="0"/>
+                    </a:p>
+                  </a:txBody>
+                  <a:tcPr>
+                    <a:solidFill>
+                      <a:schemeClr val="bg1">
+                        <a:lumMod val="85000"/>
+                      </a:schemeClr>
+                    </a:solidFill>
+                  </a:tcPr>
+                </a:tc>
+                <a:extLst>
+                  <a:ext uri="{0D108BD9-81ED-4DB2-BD59-A6C34878D82A}">
+                    <a16:rowId xmlns:a16="http://schemas.microsoft.com/office/drawing/2014/main" val="10004"/>
+                  </a:ext>
+                </a:extLst>
+              </a:tr>
+              <a:tr h="228025">
+                <a:tc>
+                  <a:txBody>
+                    <a:bodyPr/>
+                    <a:lstStyle/>
+                    <a:p>
+                      <a:pPr algn="ctr" latinLnBrk="1"/>
+                      <a:r>
+                        <a:rPr lang="en-US" altLang="ko-KR" sz="1400" dirty="0"/>
+                        <a:t>NC</a:t>
+                      </a:r>
+                      <a:endParaRPr lang="ko-KR" altLang="en-US" sz="1400" dirty="0"/>
+                    </a:p>
+                  </a:txBody>
+                  <a:tcPr/>
+                </a:tc>
+                <a:tc>
+                  <a:txBody>
+                    <a:bodyPr/>
+                    <a:lstStyle/>
+                    <a:p>
+                      <a:pPr algn="ctr" latinLnBrk="1"/>
+                      <a:r>
+                        <a:rPr lang="en-US" altLang="ko-KR" sz="1400" dirty="0"/>
+                        <a:t>2</a:t>
+                      </a:r>
+                      <a:endParaRPr lang="ko-KR" altLang="en-US" sz="1400" dirty="0"/>
+                    </a:p>
+                  </a:txBody>
+                  <a:tcPr>
+                    <a:solidFill>
+                      <a:schemeClr val="bg1">
+                        <a:lumMod val="85000"/>
+                      </a:schemeClr>
+                    </a:solidFill>
+                  </a:tcPr>
+                </a:tc>
+                <a:extLst>
+                  <a:ext uri="{0D108BD9-81ED-4DB2-BD59-A6C34878D82A}">
+                    <a16:rowId xmlns:a16="http://schemas.microsoft.com/office/drawing/2014/main" val="10005"/>
+                  </a:ext>
+                </a:extLst>
+              </a:tr>
+              <a:tr h="228025">
+                <a:tc>
+                  <a:txBody>
+                    <a:bodyPr/>
+                    <a:lstStyle/>
+                    <a:p>
+                      <a:pPr algn="ctr" latinLnBrk="1"/>
+                      <a:r>
+                        <a:rPr lang="en-US" altLang="ko-KR" sz="1400" dirty="0"/>
+                        <a:t>NC</a:t>
+                      </a:r>
+                      <a:endParaRPr lang="ko-KR" altLang="en-US" sz="1400" dirty="0"/>
+                    </a:p>
+                  </a:txBody>
+                  <a:tcPr/>
+                </a:tc>
+                <a:tc>
+                  <a:txBody>
+                    <a:bodyPr/>
+                    <a:lstStyle/>
+                    <a:p>
+                      <a:pPr algn="ctr" latinLnBrk="1"/>
+                      <a:r>
+                        <a:rPr lang="en-US" altLang="ko-KR" sz="1400" dirty="0"/>
+                        <a:t>6</a:t>
+                      </a:r>
+                      <a:endParaRPr lang="ko-KR" altLang="en-US" sz="1400" dirty="0"/>
+                    </a:p>
+                  </a:txBody>
+                  <a:tcPr>
+                    <a:solidFill>
+                      <a:schemeClr val="bg1">
+                        <a:lumMod val="85000"/>
+                      </a:schemeClr>
+                    </a:solidFill>
+                  </a:tcPr>
+                </a:tc>
+                <a:extLst>
+                  <a:ext uri="{0D108BD9-81ED-4DB2-BD59-A6C34878D82A}">
+                    <a16:rowId xmlns:a16="http://schemas.microsoft.com/office/drawing/2014/main" val="10006"/>
+                  </a:ext>
+                </a:extLst>
+              </a:tr>
+              <a:tr h="228025">
+                <a:tc>
+                  <a:txBody>
+                    <a:bodyPr/>
+                    <a:lstStyle/>
+                    <a:p>
+                      <a:pPr algn="ctr" latinLnBrk="1"/>
+                      <a:r>
+                        <a:rPr lang="en-US" altLang="ko-KR" sz="1400" dirty="0"/>
+                        <a:t>SC</a:t>
+                      </a:r>
+                      <a:endParaRPr lang="ko-KR" altLang="en-US" sz="1400" dirty="0"/>
+                    </a:p>
+                  </a:txBody>
+                  <a:tcPr/>
+                </a:tc>
+                <a:tc>
+                  <a:txBody>
+                    <a:bodyPr/>
+                    <a:lstStyle/>
+                    <a:p>
+                      <a:pPr algn="ctr" latinLnBrk="1"/>
+                      <a:r>
+                        <a:rPr lang="en-US" altLang="ko-KR" sz="1400" dirty="0"/>
+                        <a:t>3</a:t>
+                      </a:r>
+                      <a:endParaRPr lang="ko-KR" altLang="en-US" sz="1400" dirty="0"/>
+                    </a:p>
+                  </a:txBody>
+                  <a:tcPr>
+                    <a:solidFill>
+                      <a:schemeClr val="bg1">
+                        <a:lumMod val="85000"/>
+                      </a:schemeClr>
+                    </a:solidFill>
+                  </a:tcPr>
+                </a:tc>
+                <a:extLst>
+                  <a:ext uri="{0D108BD9-81ED-4DB2-BD59-A6C34878D82A}">
+                    <a16:rowId xmlns:a16="http://schemas.microsoft.com/office/drawing/2014/main" val="10007"/>
+                  </a:ext>
+                </a:extLst>
+              </a:tr>
+            </a:tbl>
+          </a:graphicData>
+        </a:graphic>
+      </p:graphicFrame>
+      <p:graphicFrame>
+        <p:nvGraphicFramePr>
+          <p:cNvPr id="24" name="표 23"/>
+          <p:cNvGraphicFramePr>
+            <a:graphicFrameLocks noGrp="1"/>
+          </p:cNvGraphicFramePr>
+          <p:nvPr/>
+        </p:nvGraphicFramePr>
+        <p:xfrm>
+          <a:off x="4644009" y="1563638"/>
+          <a:ext cx="2952327" cy="2438400"/>
+        </p:xfrm>
+        <a:graphic>
+          <a:graphicData uri="http://schemas.openxmlformats.org/drawingml/2006/table">
+            <a:tbl>
+              <a:tblPr firstRow="1" bandRow="1">
+                <a:tableStyleId>{5940675A-B579-460E-94D1-54222C63F5DA}</a:tableStyleId>
+              </a:tblPr>
+              <a:tblGrid>
+                <a:gridCol w="984109">
+                  <a:extLst>
+                    <a:ext uri="{9D8B030D-6E8A-4147-A177-3AD203B41FA5}">
+                      <a16:colId xmlns:a16="http://schemas.microsoft.com/office/drawing/2014/main" val="20000"/>
+                    </a:ext>
+                  </a:extLst>
+                </a:gridCol>
+                <a:gridCol w="984109">
+                  <a:extLst>
+                    <a:ext uri="{9D8B030D-6E8A-4147-A177-3AD203B41FA5}">
+                      <a16:colId xmlns:a16="http://schemas.microsoft.com/office/drawing/2014/main" val="20001"/>
+                    </a:ext>
+                  </a:extLst>
+                </a:gridCol>
+                <a:gridCol w="984109">
+                  <a:extLst>
+                    <a:ext uri="{9D8B030D-6E8A-4147-A177-3AD203B41FA5}">
+                      <a16:colId xmlns:a16="http://schemas.microsoft.com/office/drawing/2014/main" val="20002"/>
+                    </a:ext>
+                  </a:extLst>
+                </a:gridCol>
+              </a:tblGrid>
+              <a:tr h="228025">
+                <a:tc>
+                  <a:txBody>
+                    <a:bodyPr/>
+                    <a:lstStyle/>
+                    <a:p>
+                      <a:pPr algn="ctr" latinLnBrk="1"/>
+                      <a:r>
+                        <a:rPr lang="en-US" altLang="ko-KR" sz="1400"/>
+                        <a:t>ID (PK)</a:t>
+                      </a:r>
+                      <a:endParaRPr lang="ko-KR" altLang="en-US" sz="1400" dirty="0"/>
+                    </a:p>
+                  </a:txBody>
+                  <a:tcPr>
+                    <a:solidFill>
+                      <a:schemeClr val="bg1">
+                        <a:lumMod val="85000"/>
+                      </a:schemeClr>
+                    </a:solidFill>
+                  </a:tcPr>
+                </a:tc>
+                <a:tc>
+                  <a:txBody>
+                    <a:bodyPr/>
+                    <a:lstStyle/>
+                    <a:p>
+                      <a:pPr algn="ctr" latinLnBrk="1"/>
+                      <a:r>
+                        <a:rPr lang="en-US" altLang="ko-KR" sz="1400" dirty="0"/>
+                        <a:t>Fruit</a:t>
+                      </a:r>
+                      <a:endParaRPr lang="ko-KR" altLang="en-US" sz="1400" dirty="0"/>
+                    </a:p>
+                  </a:txBody>
+                  <a:tcPr>
+                    <a:solidFill>
+                      <a:schemeClr val="bg1">
+                        <a:lumMod val="85000"/>
+                      </a:schemeClr>
+                    </a:solidFill>
+                  </a:tcPr>
+                </a:tc>
+                <a:tc>
+                  <a:txBody>
+                    <a:bodyPr/>
+                    <a:lstStyle/>
+                    <a:p>
+                      <a:pPr algn="ctr" latinLnBrk="1"/>
+                      <a:r>
+                        <a:rPr lang="en-US" altLang="ko-KR" sz="1400" dirty="0"/>
+                        <a:t>State</a:t>
+                      </a:r>
+                      <a:endParaRPr lang="ko-KR" altLang="en-US" sz="1400" dirty="0"/>
+                    </a:p>
+                  </a:txBody>
+                  <a:tcPr>
+                    <a:solidFill>
+                      <a:schemeClr val="bg1">
+                        <a:lumMod val="85000"/>
+                      </a:schemeClr>
+                    </a:solidFill>
+                  </a:tcPr>
+                </a:tc>
+                <a:extLst>
+                  <a:ext uri="{0D108BD9-81ED-4DB2-BD59-A6C34878D82A}">
+                    <a16:rowId xmlns:a16="http://schemas.microsoft.com/office/drawing/2014/main" val="10000"/>
+                  </a:ext>
+                </a:extLst>
+              </a:tr>
+              <a:tr h="228025">
+                <a:tc>
+                  <a:txBody>
+                    <a:bodyPr/>
+                    <a:lstStyle/>
+                    <a:p>
+                      <a:pPr algn="ctr" latinLnBrk="1"/>
+                      <a:r>
+                        <a:rPr lang="en-US" altLang="ko-KR" sz="1400" dirty="0"/>
+                        <a:t>1</a:t>
+                      </a:r>
+                      <a:endParaRPr lang="ko-KR" altLang="en-US" sz="1400" dirty="0"/>
+                    </a:p>
+                  </a:txBody>
+                  <a:tcPr>
+                    <a:solidFill>
+                      <a:schemeClr val="bg1">
+                        <a:lumMod val="85000"/>
+                      </a:schemeClr>
+                    </a:solidFill>
+                  </a:tcPr>
+                </a:tc>
+                <a:tc>
+                  <a:txBody>
+                    <a:bodyPr/>
+                    <a:lstStyle/>
+                    <a:p>
+                      <a:pPr algn="ctr" latinLnBrk="1"/>
+                      <a:r>
+                        <a:rPr lang="en-US" altLang="ko-KR" sz="1400" dirty="0"/>
+                        <a:t>Orange</a:t>
+                      </a:r>
+                      <a:endParaRPr lang="ko-KR" altLang="en-US" sz="1400" dirty="0"/>
+                    </a:p>
+                  </a:txBody>
+                  <a:tcPr/>
+                </a:tc>
+                <a:tc>
+                  <a:txBody>
+                    <a:bodyPr/>
+                    <a:lstStyle/>
+                    <a:p>
+                      <a:pPr algn="ctr" latinLnBrk="1"/>
+                      <a:r>
+                        <a:rPr lang="en-US" altLang="ko-KR" sz="1400" dirty="0"/>
+                        <a:t>FL</a:t>
+                      </a:r>
+                      <a:endParaRPr lang="ko-KR" altLang="en-US" sz="1400" dirty="0"/>
+                    </a:p>
+                  </a:txBody>
+                  <a:tcPr/>
+                </a:tc>
+                <a:extLst>
+                  <a:ext uri="{0D108BD9-81ED-4DB2-BD59-A6C34878D82A}">
+                    <a16:rowId xmlns:a16="http://schemas.microsoft.com/office/drawing/2014/main" val="10001"/>
+                  </a:ext>
+                </a:extLst>
+              </a:tr>
+              <a:tr h="228025">
+                <a:tc>
+                  <a:txBody>
+                    <a:bodyPr/>
+                    <a:lstStyle/>
+                    <a:p>
+                      <a:pPr algn="ctr" latinLnBrk="1"/>
+                      <a:r>
+                        <a:rPr lang="en-US" altLang="ko-KR" sz="1400" dirty="0"/>
+                        <a:t>2</a:t>
+                      </a:r>
+                      <a:endParaRPr lang="ko-KR" altLang="en-US" sz="1400" dirty="0"/>
+                    </a:p>
+                  </a:txBody>
+                  <a:tcPr>
+                    <a:solidFill>
+                      <a:schemeClr val="bg1">
+                        <a:lumMod val="85000"/>
+                      </a:schemeClr>
+                    </a:solidFill>
+                  </a:tcPr>
+                </a:tc>
+                <a:tc>
+                  <a:txBody>
+                    <a:bodyPr/>
+                    <a:lstStyle/>
+                    <a:p>
+                      <a:pPr algn="ctr" latinLnBrk="1"/>
+                      <a:r>
+                        <a:rPr lang="en-US" altLang="ko-KR" sz="1400" dirty="0"/>
+                        <a:t>Apple</a:t>
+                      </a:r>
+                      <a:endParaRPr lang="ko-KR" altLang="en-US" sz="1400" dirty="0"/>
+                    </a:p>
+                  </a:txBody>
+                  <a:tcPr/>
+                </a:tc>
+                <a:tc>
+                  <a:txBody>
+                    <a:bodyPr/>
+                    <a:lstStyle/>
+                    <a:p>
+                      <a:pPr algn="ctr" latinLnBrk="1"/>
+                      <a:r>
+                        <a:rPr lang="en-US" altLang="ko-KR" sz="1400" dirty="0"/>
+                        <a:t>NC</a:t>
+                      </a:r>
+                      <a:endParaRPr lang="ko-KR" altLang="en-US" sz="1400" dirty="0"/>
+                    </a:p>
+                  </a:txBody>
+                  <a:tcPr/>
+                </a:tc>
+                <a:extLst>
+                  <a:ext uri="{0D108BD9-81ED-4DB2-BD59-A6C34878D82A}">
+                    <a16:rowId xmlns:a16="http://schemas.microsoft.com/office/drawing/2014/main" val="10002"/>
+                  </a:ext>
+                </a:extLst>
+              </a:tr>
+              <a:tr h="228025">
+                <a:tc>
+                  <a:txBody>
+                    <a:bodyPr/>
+                    <a:lstStyle/>
+                    <a:p>
+                      <a:pPr algn="ctr" latinLnBrk="1"/>
+                      <a:r>
+                        <a:rPr lang="en-US" altLang="ko-KR" sz="1400" dirty="0"/>
+                        <a:t>3</a:t>
+                      </a:r>
+                      <a:endParaRPr lang="ko-KR" altLang="en-US" sz="1400" dirty="0"/>
+                    </a:p>
+                  </a:txBody>
+                  <a:tcPr>
+                    <a:solidFill>
+                      <a:schemeClr val="bg1">
+                        <a:lumMod val="85000"/>
+                      </a:schemeClr>
+                    </a:solidFill>
+                  </a:tcPr>
+                </a:tc>
+                <a:tc>
+                  <a:txBody>
+                    <a:bodyPr/>
+                    <a:lstStyle/>
+                    <a:p>
+                      <a:pPr algn="ctr" latinLnBrk="1"/>
+                      <a:r>
+                        <a:rPr lang="en-US" altLang="ko-KR" sz="1400" dirty="0"/>
+                        <a:t>Peach</a:t>
+                      </a:r>
+                      <a:endParaRPr lang="ko-KR" altLang="en-US" sz="1400" dirty="0"/>
+                    </a:p>
+                  </a:txBody>
+                  <a:tcPr/>
+                </a:tc>
+                <a:tc>
+                  <a:txBody>
+                    <a:bodyPr/>
+                    <a:lstStyle/>
+                    <a:p>
+                      <a:pPr algn="ctr" latinLnBrk="1"/>
+                      <a:r>
+                        <a:rPr lang="en-US" altLang="ko-KR" sz="1400" dirty="0"/>
+                        <a:t>SC</a:t>
+                      </a:r>
+                      <a:endParaRPr lang="ko-KR" altLang="en-US" sz="1400" dirty="0"/>
+                    </a:p>
+                  </a:txBody>
+                  <a:tcPr/>
+                </a:tc>
+                <a:extLst>
+                  <a:ext uri="{0D108BD9-81ED-4DB2-BD59-A6C34878D82A}">
+                    <a16:rowId xmlns:a16="http://schemas.microsoft.com/office/drawing/2014/main" val="10003"/>
+                  </a:ext>
+                </a:extLst>
+              </a:tr>
+              <a:tr h="228025">
+                <a:tc>
+                  <a:txBody>
+                    <a:bodyPr/>
+                    <a:lstStyle/>
+                    <a:p>
+                      <a:pPr algn="ctr" latinLnBrk="1"/>
+                      <a:r>
+                        <a:rPr lang="en-US" altLang="ko-KR" sz="1400" dirty="0"/>
+                        <a:t>4</a:t>
+                      </a:r>
+                      <a:endParaRPr lang="ko-KR" altLang="en-US" sz="1400" dirty="0"/>
+                    </a:p>
+                  </a:txBody>
+                  <a:tcPr>
+                    <a:solidFill>
+                      <a:schemeClr val="bg1">
+                        <a:lumMod val="85000"/>
+                      </a:schemeClr>
+                    </a:solidFill>
+                  </a:tcPr>
+                </a:tc>
+                <a:tc>
+                  <a:txBody>
+                    <a:bodyPr/>
+                    <a:lstStyle/>
+                    <a:p>
+                      <a:pPr algn="ctr" latinLnBrk="1"/>
+                      <a:r>
+                        <a:rPr lang="en-US" altLang="ko-KR" sz="1400" dirty="0"/>
+                        <a:t>Grape</a:t>
+                      </a:r>
+                      <a:endParaRPr lang="ko-KR" altLang="en-US" sz="1400" dirty="0"/>
+                    </a:p>
+                  </a:txBody>
+                  <a:tcPr/>
+                </a:tc>
+                <a:tc>
+                  <a:txBody>
+                    <a:bodyPr/>
+                    <a:lstStyle/>
+                    <a:p>
+                      <a:pPr algn="ctr" latinLnBrk="1"/>
+                      <a:r>
+                        <a:rPr lang="en-US" altLang="ko-KR" sz="1400" dirty="0"/>
+                        <a:t>CA</a:t>
+                      </a:r>
+                      <a:endParaRPr lang="ko-KR" altLang="en-US" sz="1400" dirty="0"/>
+                    </a:p>
+                  </a:txBody>
+                  <a:tcPr/>
+                </a:tc>
+                <a:extLst>
+                  <a:ext uri="{0D108BD9-81ED-4DB2-BD59-A6C34878D82A}">
+                    <a16:rowId xmlns:a16="http://schemas.microsoft.com/office/drawing/2014/main" val="10004"/>
+                  </a:ext>
+                </a:extLst>
+              </a:tr>
+              <a:tr h="228025">
+                <a:tc>
+                  <a:txBody>
+                    <a:bodyPr/>
+                    <a:lstStyle/>
+                    <a:p>
+                      <a:pPr algn="ctr" latinLnBrk="1"/>
+                      <a:r>
+                        <a:rPr lang="en-US" altLang="ko-KR" sz="1400" dirty="0"/>
+                        <a:t>5</a:t>
+                      </a:r>
+                      <a:endParaRPr lang="ko-KR" altLang="en-US" sz="1400" dirty="0"/>
+                    </a:p>
+                  </a:txBody>
+                  <a:tcPr>
+                    <a:solidFill>
+                      <a:schemeClr val="bg1">
+                        <a:lumMod val="85000"/>
+                      </a:schemeClr>
+                    </a:solidFill>
+                  </a:tcPr>
+                </a:tc>
+                <a:tc>
+                  <a:txBody>
+                    <a:bodyPr/>
+                    <a:lstStyle/>
+                    <a:p>
+                      <a:pPr algn="ctr" latinLnBrk="1"/>
+                      <a:r>
+                        <a:rPr lang="en-US" altLang="ko-KR" sz="1400" dirty="0"/>
+                        <a:t>Lemon</a:t>
+                      </a:r>
+                      <a:endParaRPr lang="ko-KR" altLang="en-US" sz="1400" dirty="0"/>
+                    </a:p>
+                  </a:txBody>
+                  <a:tcPr/>
+                </a:tc>
+                <a:tc>
+                  <a:txBody>
+                    <a:bodyPr/>
+                    <a:lstStyle/>
+                    <a:p>
+                      <a:pPr algn="ctr" latinLnBrk="1"/>
+                      <a:r>
+                        <a:rPr lang="en-US" altLang="ko-KR" sz="1400" dirty="0"/>
+                        <a:t>FL</a:t>
+                      </a:r>
+                      <a:endParaRPr lang="ko-KR" altLang="en-US" sz="1400" dirty="0"/>
+                    </a:p>
+                  </a:txBody>
+                  <a:tcPr/>
+                </a:tc>
+                <a:extLst>
+                  <a:ext uri="{0D108BD9-81ED-4DB2-BD59-A6C34878D82A}">
+                    <a16:rowId xmlns:a16="http://schemas.microsoft.com/office/drawing/2014/main" val="10005"/>
+                  </a:ext>
+                </a:extLst>
+              </a:tr>
+              <a:tr h="228025">
+                <a:tc>
+                  <a:txBody>
+                    <a:bodyPr/>
+                    <a:lstStyle/>
+                    <a:p>
+                      <a:pPr algn="ctr" latinLnBrk="1"/>
+                      <a:r>
+                        <a:rPr lang="en-US" altLang="ko-KR" sz="1400" dirty="0"/>
+                        <a:t>6</a:t>
+                      </a:r>
+                      <a:endParaRPr lang="ko-KR" altLang="en-US" sz="1400" dirty="0"/>
+                    </a:p>
+                  </a:txBody>
+                  <a:tcPr>
+                    <a:solidFill>
+                      <a:schemeClr val="bg1">
+                        <a:lumMod val="85000"/>
+                      </a:schemeClr>
+                    </a:solidFill>
+                  </a:tcPr>
+                </a:tc>
+                <a:tc>
+                  <a:txBody>
+                    <a:bodyPr/>
+                    <a:lstStyle/>
+                    <a:p>
+                      <a:pPr algn="ctr" latinLnBrk="1"/>
+                      <a:r>
+                        <a:rPr lang="en-US" altLang="ko-KR" sz="1400" dirty="0"/>
+                        <a:t>Apple</a:t>
+                      </a:r>
+                      <a:endParaRPr lang="ko-KR" altLang="en-US" sz="1400" dirty="0"/>
+                    </a:p>
+                  </a:txBody>
+                  <a:tcPr/>
+                </a:tc>
+                <a:tc>
+                  <a:txBody>
+                    <a:bodyPr/>
+                    <a:lstStyle/>
+                    <a:p>
+                      <a:pPr algn="ctr" latinLnBrk="1"/>
+                      <a:r>
+                        <a:rPr lang="en-US" altLang="ko-KR" sz="1400" dirty="0"/>
+                        <a:t>NC</a:t>
+                      </a:r>
+                      <a:endParaRPr lang="ko-KR" altLang="en-US" sz="1400" dirty="0"/>
+                    </a:p>
+                  </a:txBody>
+                  <a:tcPr/>
+                </a:tc>
+                <a:extLst>
+                  <a:ext uri="{0D108BD9-81ED-4DB2-BD59-A6C34878D82A}">
+                    <a16:rowId xmlns:a16="http://schemas.microsoft.com/office/drawing/2014/main" val="10006"/>
+                  </a:ext>
+                </a:extLst>
+              </a:tr>
+              <a:tr h="228025">
+                <a:tc>
+                  <a:txBody>
+                    <a:bodyPr/>
+                    <a:lstStyle/>
+                    <a:p>
+                      <a:pPr algn="ctr" latinLnBrk="1"/>
+                      <a:r>
+                        <a:rPr lang="en-US" altLang="ko-KR" sz="1400" dirty="0"/>
+                        <a:t>7</a:t>
+                      </a:r>
+                      <a:endParaRPr lang="ko-KR" altLang="en-US" sz="1400" dirty="0"/>
+                    </a:p>
+                  </a:txBody>
+                  <a:tcPr>
+                    <a:solidFill>
+                      <a:schemeClr val="bg1">
+                        <a:lumMod val="85000"/>
+                      </a:schemeClr>
+                    </a:solidFill>
+                  </a:tcPr>
+                </a:tc>
+                <a:tc>
+                  <a:txBody>
+                    <a:bodyPr/>
+                    <a:lstStyle/>
+                    <a:p>
+                      <a:pPr algn="ctr" latinLnBrk="1"/>
+                      <a:r>
+                        <a:rPr lang="en-US" altLang="ko-KR" sz="1400" dirty="0" err="1"/>
                         <a:t>Oragne</a:t>
                       </a:r>
                       <a:endParaRPr lang="ko-KR" altLang="en-US" sz="1400" dirty="0"/>
@@ -4339,7 +11679,7 @@
                     <a:p>
                       <a:pPr algn="ctr" latinLnBrk="1"/>
                       <a:r>
-                        <a:rPr lang="en-US" altLang="ko-KR" sz="1400" dirty="0" smtClean="0"/>
+                        <a:rPr lang="en-US" altLang="ko-KR" sz="1400" dirty="0"/>
                         <a:t>CA</a:t>
                       </a:r>
                       <a:endParaRPr lang="ko-KR" altLang="en-US" sz="1400" dirty="0"/>
@@ -4347,6 +11687,11 @@
                   </a:txBody>
                   <a:tcPr/>
                 </a:tc>
+                <a:extLst>
+                  <a:ext uri="{0D108BD9-81ED-4DB2-BD59-A6C34878D82A}">
+                    <a16:rowId xmlns:a16="http://schemas.microsoft.com/office/drawing/2014/main" val="10007"/>
+                  </a:ext>
+                </a:extLst>
               </a:tr>
             </a:tbl>
           </a:graphicData>
@@ -4628,7 +11973,7 @@
           <a:p>
             <a:pPr algn="ctr"/>
             <a:r>
-              <a:rPr lang="en-US" altLang="ko-KR" sz="1400" dirty="0" smtClean="0"/>
+              <a:rPr lang="en-US" altLang="ko-KR" sz="1400" dirty="0"/>
               <a:t>State Index</a:t>
             </a:r>
             <a:endParaRPr lang="ko-KR" altLang="en-US" sz="1400" dirty="0"/>
@@ -4659,11 +12004,11 @@
           <a:p>
             <a:pPr algn="ctr"/>
             <a:r>
-              <a:rPr lang="en-US" altLang="ko-KR" sz="1400" dirty="0" err="1" smtClean="0"/>
+              <a:rPr lang="en-US" altLang="ko-KR" sz="1400" dirty="0" err="1"/>
               <a:t>Fruit_Info</a:t>
             </a:r>
             <a:r>
-              <a:rPr lang="en-US" altLang="ko-KR" sz="1400" dirty="0" smtClean="0"/>
+              <a:rPr lang="en-US" altLang="ko-KR" sz="1400" dirty="0"/>
               <a:t> Table</a:t>
             </a:r>
             <a:endParaRPr lang="ko-KR" altLang="en-US" sz="1400" dirty="0"/>
@@ -4673,20 +12018,13 @@
     </p:spTree>
     <p:extLst>
       <p:ext uri="{BB962C8B-B14F-4D97-AF65-F5344CB8AC3E}">
-        <p14:creationId xmlns:p14="http://schemas.microsoft.com/office/powerpoint/2010/main" val="2699234921"/>
+        <p14:creationId xmlns:p14="http://schemas.microsoft.com/office/powerpoint/2010/main" val="1963630201"/>
       </p:ext>
     </p:extLst>
   </p:cSld>
   <p:clrMapOvr>
     <a:masterClrMapping/>
   </p:clrMapOvr>
-  <p:timing>
-    <p:tnLst>
-      <p:par>
-        <p:cTn id="1" dur="indefinite" restart="never" nodeType="tmRoot"/>
-      </p:par>
-    </p:tnLst>
-  </p:timing>
 </p:sld>
 </file>
 

--- a/images/theory_analysis/DB_Indexing/DB_Indexing.pptx
+++ b/images/theory_analysis/DB_Indexing/DB_Indexing.pptx
@@ -5,14 +5,15 @@
     <p:sldMasterId id="2147483648" r:id="rId1"/>
   </p:sldMasterIdLst>
   <p:notesMasterIdLst>
-    <p:notesMasterId r:id="rId7"/>
+    <p:notesMasterId r:id="rId8"/>
   </p:notesMasterIdLst>
   <p:sldIdLst>
     <p:sldId id="417" r:id="rId2"/>
     <p:sldId id="421" r:id="rId3"/>
-    <p:sldId id="418" r:id="rId4"/>
-    <p:sldId id="419" r:id="rId5"/>
-    <p:sldId id="420" r:id="rId6"/>
+    <p:sldId id="419" r:id="rId4"/>
+    <p:sldId id="422" r:id="rId5"/>
+    <p:sldId id="418" r:id="rId6"/>
+    <p:sldId id="420" r:id="rId7"/>
   </p:sldIdLst>
   <p:sldSz cx="9144000" cy="5143500" type="screen16x9"/>
   <p:notesSz cx="6858000" cy="9144000"/>
@@ -217,7 +218,7 @@
           <a:p>
             <a:fld id="{6CD5550B-26C4-49A9-A5BA-636EF7BE6CE9}" type="datetimeFigureOut">
               <a:rPr lang="ko-KR" altLang="en-US" smtClean="0"/>
-              <a:t>2022-02-06</a:t>
+              <a:t>2022-02-07</a:t>
             </a:fld>
             <a:endParaRPr lang="ko-KR" altLang="en-US"/>
           </a:p>
@@ -765,7 +766,7 @@
           <a:p>
             <a:fld id="{BA5DFA43-8D57-47FB-BC46-057616015C3B}" type="slidenum">
               <a:rPr lang="ko-KR" altLang="en-US" smtClean="0"/>
-              <a:t>3</a:t>
+              <a:t>4</a:t>
             </a:fld>
             <a:endParaRPr lang="ko-KR" altLang="en-US"/>
           </a:p>
@@ -774,7 +775,7 @@
     </p:spTree>
     <p:extLst>
       <p:ext uri="{BB962C8B-B14F-4D97-AF65-F5344CB8AC3E}">
-        <p14:creationId xmlns:p14="http://schemas.microsoft.com/office/powerpoint/2010/main" val="1215402268"/>
+        <p14:creationId xmlns:p14="http://schemas.microsoft.com/office/powerpoint/2010/main" val="488003125"/>
       </p:ext>
     </p:extLst>
   </p:cSld>
@@ -866,6 +867,106 @@
             <a:fld id="{BA5DFA43-8D57-47FB-BC46-057616015C3B}" type="slidenum">
               <a:rPr lang="ko-KR" altLang="en-US" smtClean="0"/>
               <a:t>5</a:t>
+            </a:fld>
+            <a:endParaRPr lang="ko-KR" altLang="en-US"/>
+          </a:p>
+        </p:txBody>
+      </p:sp>
+    </p:spTree>
+    <p:extLst>
+      <p:ext uri="{BB962C8B-B14F-4D97-AF65-F5344CB8AC3E}">
+        <p14:creationId xmlns:p14="http://schemas.microsoft.com/office/powerpoint/2010/main" val="1215402268"/>
+      </p:ext>
+    </p:extLst>
+  </p:cSld>
+  <p:clrMapOvr>
+    <a:masterClrMapping/>
+  </p:clrMapOvr>
+</p:notes>
+</file>
+
+<file path=ppt/notesSlides/notesSlide5.xml><?xml version="1.0" encoding="utf-8"?>
+<p:notes xmlns:a="http://schemas.openxmlformats.org/drawingml/2006/main" xmlns:r="http://schemas.openxmlformats.org/officeDocument/2006/relationships" xmlns:p="http://schemas.openxmlformats.org/presentationml/2006/main">
+  <p:cSld>
+    <p:spTree>
+      <p:nvGrpSpPr>
+        <p:cNvPr id="1" name=""/>
+        <p:cNvGrpSpPr/>
+        <p:nvPr/>
+      </p:nvGrpSpPr>
+      <p:grpSpPr>
+        <a:xfrm>
+          <a:off x="0" y="0"/>
+          <a:ext cx="0" cy="0"/>
+          <a:chOff x="0" y="0"/>
+          <a:chExt cx="0" cy="0"/>
+        </a:xfrm>
+      </p:grpSpPr>
+      <p:sp>
+        <p:nvSpPr>
+          <p:cNvPr id="2" name="슬라이드 이미지 개체 틀 1"/>
+          <p:cNvSpPr>
+            <a:spLocks noGrp="1" noRot="1" noChangeAspect="1"/>
+          </p:cNvSpPr>
+          <p:nvPr>
+            <p:ph type="sldImg"/>
+          </p:nvPr>
+        </p:nvSpPr>
+        <p:spPr/>
+      </p:sp>
+      <p:sp>
+        <p:nvSpPr>
+          <p:cNvPr id="3" name="슬라이드 노트 개체 틀 2"/>
+          <p:cNvSpPr>
+            <a:spLocks noGrp="1"/>
+          </p:cNvSpPr>
+          <p:nvPr>
+            <p:ph type="body" idx="1"/>
+          </p:nvPr>
+        </p:nvSpPr>
+        <p:spPr/>
+        <p:txBody>
+          <a:bodyPr/>
+          <a:lstStyle/>
+          <a:p>
+            <a:r>
+              <a:rPr lang="en-US" altLang="ko-KR" dirty="0"/>
+              <a:t>1. </a:t>
+            </a:r>
+            <a:r>
+              <a:rPr lang="en-US" altLang="ko-KR" dirty="0" err="1"/>
+              <a:t>AppArmor</a:t>
+            </a:r>
+            <a:r>
+              <a:rPr lang="en-US" altLang="ko-KR" baseline="0" dirty="0"/>
+              <a:t> </a:t>
+            </a:r>
+            <a:r>
+              <a:rPr lang="ko-KR" altLang="en-US" baseline="0" dirty="0"/>
+              <a:t>변경 권한</a:t>
+            </a:r>
+            <a:endParaRPr lang="ko-KR" altLang="en-US" dirty="0"/>
+          </a:p>
+        </p:txBody>
+      </p:sp>
+      <p:sp>
+        <p:nvSpPr>
+          <p:cNvPr id="4" name="슬라이드 번호 개체 틀 3"/>
+          <p:cNvSpPr>
+            <a:spLocks noGrp="1"/>
+          </p:cNvSpPr>
+          <p:nvPr>
+            <p:ph type="sldNum" sz="quarter" idx="10"/>
+          </p:nvPr>
+        </p:nvSpPr>
+        <p:spPr/>
+        <p:txBody>
+          <a:bodyPr/>
+          <a:lstStyle/>
+          <a:p>
+            <a:fld id="{BA5DFA43-8D57-47FB-BC46-057616015C3B}" type="slidenum">
+              <a:rPr lang="ko-KR" altLang="en-US" smtClean="0"/>
+              <a:t>6</a:t>
             </a:fld>
             <a:endParaRPr lang="ko-KR" altLang="en-US"/>
           </a:p>
@@ -1063,7 +1164,7 @@
           <a:p>
             <a:fld id="{FB30EDBD-1C2D-4C1E-B459-B60219FAB484}" type="datetimeFigureOut">
               <a:rPr lang="ko-KR" altLang="en-US" smtClean="0"/>
-              <a:t>2022-02-06</a:t>
+              <a:t>2022-02-07</a:t>
             </a:fld>
             <a:endParaRPr lang="ko-KR" altLang="en-US"/>
           </a:p>
@@ -1226,7 +1327,7 @@
           <a:p>
             <a:fld id="{FB30EDBD-1C2D-4C1E-B459-B60219FAB484}" type="datetimeFigureOut">
               <a:rPr lang="ko-KR" altLang="en-US" smtClean="0"/>
-              <a:t>2022-02-06</a:t>
+              <a:t>2022-02-07</a:t>
             </a:fld>
             <a:endParaRPr lang="ko-KR" altLang="en-US"/>
           </a:p>
@@ -1399,7 +1500,7 @@
           <a:p>
             <a:fld id="{FB30EDBD-1C2D-4C1E-B459-B60219FAB484}" type="datetimeFigureOut">
               <a:rPr lang="ko-KR" altLang="en-US" smtClean="0"/>
-              <a:t>2022-02-06</a:t>
+              <a:t>2022-02-07</a:t>
             </a:fld>
             <a:endParaRPr lang="ko-KR" altLang="en-US"/>
           </a:p>
@@ -1562,7 +1663,7 @@
           <a:p>
             <a:fld id="{FB30EDBD-1C2D-4C1E-B459-B60219FAB484}" type="datetimeFigureOut">
               <a:rPr lang="ko-KR" altLang="en-US" smtClean="0"/>
-              <a:t>2022-02-06</a:t>
+              <a:t>2022-02-07</a:t>
             </a:fld>
             <a:endParaRPr lang="ko-KR" altLang="en-US"/>
           </a:p>
@@ -1802,7 +1903,7 @@
           <a:p>
             <a:fld id="{FB30EDBD-1C2D-4C1E-B459-B60219FAB484}" type="datetimeFigureOut">
               <a:rPr lang="ko-KR" altLang="en-US" smtClean="0"/>
-              <a:t>2022-02-06</a:t>
+              <a:t>2022-02-07</a:t>
             </a:fld>
             <a:endParaRPr lang="ko-KR" altLang="en-US"/>
           </a:p>
@@ -2082,7 +2183,7 @@
           <a:p>
             <a:fld id="{FB30EDBD-1C2D-4C1E-B459-B60219FAB484}" type="datetimeFigureOut">
               <a:rPr lang="ko-KR" altLang="en-US" smtClean="0"/>
-              <a:t>2022-02-06</a:t>
+              <a:t>2022-02-07</a:t>
             </a:fld>
             <a:endParaRPr lang="ko-KR" altLang="en-US"/>
           </a:p>
@@ -2496,7 +2597,7 @@
           <a:p>
             <a:fld id="{FB30EDBD-1C2D-4C1E-B459-B60219FAB484}" type="datetimeFigureOut">
               <a:rPr lang="ko-KR" altLang="en-US" smtClean="0"/>
-              <a:t>2022-02-06</a:t>
+              <a:t>2022-02-07</a:t>
             </a:fld>
             <a:endParaRPr lang="ko-KR" altLang="en-US"/>
           </a:p>
@@ -2608,7 +2709,7 @@
           <a:p>
             <a:fld id="{FB30EDBD-1C2D-4C1E-B459-B60219FAB484}" type="datetimeFigureOut">
               <a:rPr lang="ko-KR" altLang="en-US" smtClean="0"/>
-              <a:t>2022-02-06</a:t>
+              <a:t>2022-02-07</a:t>
             </a:fld>
             <a:endParaRPr lang="ko-KR" altLang="en-US"/>
           </a:p>
@@ -2698,7 +2799,7 @@
           <a:p>
             <a:fld id="{FB30EDBD-1C2D-4C1E-B459-B60219FAB484}" type="datetimeFigureOut">
               <a:rPr lang="ko-KR" altLang="en-US" smtClean="0"/>
-              <a:t>2022-02-06</a:t>
+              <a:t>2022-02-07</a:t>
             </a:fld>
             <a:endParaRPr lang="ko-KR" altLang="en-US"/>
           </a:p>
@@ -2968,7 +3069,7 @@
           <a:p>
             <a:fld id="{FB30EDBD-1C2D-4C1E-B459-B60219FAB484}" type="datetimeFigureOut">
               <a:rPr lang="ko-KR" altLang="en-US" smtClean="0"/>
-              <a:t>2022-02-06</a:t>
+              <a:t>2022-02-07</a:t>
             </a:fld>
             <a:endParaRPr lang="ko-KR" altLang="en-US"/>
           </a:p>
@@ -3215,7 +3316,7 @@
           <a:p>
             <a:fld id="{FB30EDBD-1C2D-4C1E-B459-B60219FAB484}" type="datetimeFigureOut">
               <a:rPr lang="ko-KR" altLang="en-US" smtClean="0"/>
-              <a:t>2022-02-06</a:t>
+              <a:t>2022-02-07</a:t>
             </a:fld>
             <a:endParaRPr lang="ko-KR" altLang="en-US"/>
           </a:p>
@@ -3421,7 +3522,7 @@
           <a:p>
             <a:fld id="{FB30EDBD-1C2D-4C1E-B459-B60219FAB484}" type="datetimeFigureOut">
               <a:rPr lang="ko-KR" altLang="en-US" smtClean="0"/>
-              <a:t>2022-02-06</a:t>
+              <a:t>2022-02-07</a:t>
             </a:fld>
             <a:endParaRPr lang="ko-KR" altLang="en-US"/>
           </a:p>
@@ -8159,6 +8260,238 @@
           </a:fontRef>
         </p:style>
       </p:cxnSp>
+      <p:sp>
+        <p:nvSpPr>
+          <p:cNvPr id="42" name="타원 41">
+            <a:extLst>
+              <a:ext uri="{FF2B5EF4-FFF2-40B4-BE49-F238E27FC236}">
+                <a16:creationId xmlns:a16="http://schemas.microsoft.com/office/drawing/2014/main" id="{FF8BC6DC-6EBF-439B-A57C-1F9DDE7386D3}"/>
+              </a:ext>
+            </a:extLst>
+          </p:cNvPr>
+          <p:cNvSpPr/>
+          <p:nvPr/>
+        </p:nvSpPr>
+        <p:spPr>
+          <a:xfrm>
+            <a:off x="3047220" y="3274839"/>
+            <a:ext cx="970719" cy="208952"/>
+          </a:xfrm>
+          <a:prstGeom prst="ellipse">
+            <a:avLst/>
+          </a:prstGeom>
+          <a:noFill/>
+          <a:ln w="19050">
+            <a:solidFill>
+              <a:srgbClr val="C00000"/>
+            </a:solidFill>
+          </a:ln>
+        </p:spPr>
+        <p:style>
+          <a:lnRef idx="2">
+            <a:schemeClr val="accent1">
+              <a:shade val="50000"/>
+            </a:schemeClr>
+          </a:lnRef>
+          <a:fillRef idx="1">
+            <a:schemeClr val="accent1"/>
+          </a:fillRef>
+          <a:effectRef idx="0">
+            <a:schemeClr val="accent1"/>
+          </a:effectRef>
+          <a:fontRef idx="minor">
+            <a:schemeClr val="lt1"/>
+          </a:fontRef>
+        </p:style>
+        <p:txBody>
+          <a:bodyPr rtlCol="0" anchor="ctr"/>
+          <a:lstStyle/>
+          <a:p>
+            <a:pPr algn="ctr"/>
+            <a:endParaRPr lang="ko-KR" altLang="en-US"/>
+          </a:p>
+        </p:txBody>
+      </p:sp>
+      <p:cxnSp>
+        <p:nvCxnSpPr>
+          <p:cNvPr id="46" name="직선 화살표 연결선 45">
+            <a:extLst>
+              <a:ext uri="{FF2B5EF4-FFF2-40B4-BE49-F238E27FC236}">
+                <a16:creationId xmlns:a16="http://schemas.microsoft.com/office/drawing/2014/main" id="{1EF77FCF-E600-4A32-871A-393E48BFB894}"/>
+              </a:ext>
+            </a:extLst>
+          </p:cNvPr>
+          <p:cNvCxnSpPr>
+            <a:cxnSpLocks/>
+          </p:cNvCxnSpPr>
+          <p:nvPr/>
+        </p:nvCxnSpPr>
+        <p:spPr>
+          <a:xfrm>
+            <a:off x="2627784" y="3167766"/>
+            <a:ext cx="414461" cy="219942"/>
+          </a:xfrm>
+          <a:prstGeom prst="straightConnector1">
+            <a:avLst/>
+          </a:prstGeom>
+          <a:ln w="19050">
+            <a:solidFill>
+              <a:srgbClr val="C00000"/>
+            </a:solidFill>
+            <a:tailEnd type="arrow"/>
+          </a:ln>
+        </p:spPr>
+        <p:style>
+          <a:lnRef idx="1">
+            <a:schemeClr val="accent1"/>
+          </a:lnRef>
+          <a:fillRef idx="0">
+            <a:schemeClr val="accent1"/>
+          </a:fillRef>
+          <a:effectRef idx="0">
+            <a:schemeClr val="accent1"/>
+          </a:effectRef>
+          <a:fontRef idx="minor">
+            <a:schemeClr val="tx1"/>
+          </a:fontRef>
+        </p:style>
+      </p:cxnSp>
+      <p:cxnSp>
+        <p:nvCxnSpPr>
+          <p:cNvPr id="49" name="직선 화살표 연결선 48">
+            <a:extLst>
+              <a:ext uri="{FF2B5EF4-FFF2-40B4-BE49-F238E27FC236}">
+                <a16:creationId xmlns:a16="http://schemas.microsoft.com/office/drawing/2014/main" id="{6C37B632-ABB2-46B7-B7A1-B4EDA590C1F3}"/>
+              </a:ext>
+            </a:extLst>
+          </p:cNvPr>
+          <p:cNvCxnSpPr>
+            <a:cxnSpLocks/>
+            <a:stCxn id="42" idx="6"/>
+            <a:endCxn id="14" idx="0"/>
+          </p:cNvCxnSpPr>
+          <p:nvPr/>
+        </p:nvCxnSpPr>
+        <p:spPr>
+          <a:xfrm flipH="1">
+            <a:off x="3533055" y="3379315"/>
+            <a:ext cx="484884" cy="549932"/>
+          </a:xfrm>
+          <a:prstGeom prst="straightConnector1">
+            <a:avLst/>
+          </a:prstGeom>
+          <a:ln w="19050">
+            <a:solidFill>
+              <a:srgbClr val="C00000"/>
+            </a:solidFill>
+            <a:tailEnd type="arrow"/>
+          </a:ln>
+        </p:spPr>
+        <p:style>
+          <a:lnRef idx="1">
+            <a:schemeClr val="accent1"/>
+          </a:lnRef>
+          <a:fillRef idx="0">
+            <a:schemeClr val="accent1"/>
+          </a:fillRef>
+          <a:effectRef idx="0">
+            <a:schemeClr val="accent1"/>
+          </a:effectRef>
+          <a:fontRef idx="minor">
+            <a:schemeClr val="tx1"/>
+          </a:fontRef>
+        </p:style>
+      </p:cxnSp>
+      <p:sp>
+        <p:nvSpPr>
+          <p:cNvPr id="51" name="TextBox 50">
+            <a:extLst>
+              <a:ext uri="{FF2B5EF4-FFF2-40B4-BE49-F238E27FC236}">
+                <a16:creationId xmlns:a16="http://schemas.microsoft.com/office/drawing/2014/main" id="{D8F33FDF-6619-4645-9CB7-6DCE4AC82028}"/>
+              </a:ext>
+            </a:extLst>
+          </p:cNvPr>
+          <p:cNvSpPr txBox="1"/>
+          <p:nvPr/>
+        </p:nvSpPr>
+        <p:spPr>
+          <a:xfrm>
+            <a:off x="1122203" y="715171"/>
+            <a:ext cx="1656459" cy="430887"/>
+          </a:xfrm>
+          <a:prstGeom prst="rect">
+            <a:avLst/>
+          </a:prstGeom>
+          <a:noFill/>
+        </p:spPr>
+        <p:txBody>
+          <a:bodyPr wrap="square" rtlCol="0">
+            <a:spAutoFit/>
+          </a:bodyPr>
+          <a:lstStyle/>
+          <a:p>
+            <a:pPr algn="ctr"/>
+            <a:r>
+              <a:rPr lang="en-US" altLang="ko-KR" sz="1100">
+                <a:solidFill>
+                  <a:schemeClr val="tx2"/>
+                </a:solidFill>
+              </a:rPr>
+              <a:t>Record access through Non-clustered Index </a:t>
+            </a:r>
+            <a:endParaRPr lang="ko-KR" altLang="en-US" sz="1100" dirty="0">
+              <a:solidFill>
+                <a:schemeClr val="tx2"/>
+              </a:solidFill>
+            </a:endParaRPr>
+          </a:p>
+        </p:txBody>
+      </p:sp>
+      <p:sp>
+        <p:nvSpPr>
+          <p:cNvPr id="52" name="TextBox 51">
+            <a:extLst>
+              <a:ext uri="{FF2B5EF4-FFF2-40B4-BE49-F238E27FC236}">
+                <a16:creationId xmlns:a16="http://schemas.microsoft.com/office/drawing/2014/main" id="{DDE5D54C-F29C-438F-A12F-E02BEFE7B27B}"/>
+              </a:ext>
+            </a:extLst>
+          </p:cNvPr>
+          <p:cNvSpPr txBox="1"/>
+          <p:nvPr/>
+        </p:nvSpPr>
+        <p:spPr>
+          <a:xfrm>
+            <a:off x="1122203" y="2837340"/>
+            <a:ext cx="1656459" cy="430887"/>
+          </a:xfrm>
+          <a:prstGeom prst="rect">
+            <a:avLst/>
+          </a:prstGeom>
+          <a:noFill/>
+        </p:spPr>
+        <p:txBody>
+          <a:bodyPr wrap="square" rtlCol="0">
+            <a:spAutoFit/>
+          </a:bodyPr>
+          <a:lstStyle/>
+          <a:p>
+            <a:pPr algn="ctr"/>
+            <a:r>
+              <a:rPr lang="en-US" altLang="ko-KR" sz="1100">
+                <a:solidFill>
+                  <a:srgbClr val="C00000"/>
+                </a:solidFill>
+              </a:rPr>
+              <a:t>Record access through Clustered Index </a:t>
+            </a:r>
+            <a:endParaRPr lang="ko-KR" altLang="en-US" sz="1100" dirty="0">
+              <a:solidFill>
+                <a:srgbClr val="C00000"/>
+              </a:solidFill>
+            </a:endParaRPr>
+          </a:p>
+        </p:txBody>
+      </p:sp>
     </p:spTree>
     <p:extLst>
       <p:ext uri="{BB962C8B-B14F-4D97-AF65-F5344CB8AC3E}">
@@ -8173,6 +8506,3087 @@
 </file>
 
 <file path=ppt/slides/slide3.xml><?xml version="1.0" encoding="utf-8"?>
+<p:sld xmlns:a="http://schemas.openxmlformats.org/drawingml/2006/main" xmlns:r="http://schemas.openxmlformats.org/officeDocument/2006/relationships" xmlns:p="http://schemas.openxmlformats.org/presentationml/2006/main">
+  <p:cSld>
+    <p:spTree>
+      <p:nvGrpSpPr>
+        <p:cNvPr id="1" name=""/>
+        <p:cNvGrpSpPr/>
+        <p:nvPr/>
+      </p:nvGrpSpPr>
+      <p:grpSpPr>
+        <a:xfrm>
+          <a:off x="0" y="0"/>
+          <a:ext cx="0" cy="0"/>
+          <a:chOff x="0" y="0"/>
+          <a:chExt cx="0" cy="0"/>
+        </a:xfrm>
+      </p:grpSpPr>
+    </p:spTree>
+    <p:extLst>
+      <p:ext uri="{BB962C8B-B14F-4D97-AF65-F5344CB8AC3E}">
+        <p14:creationId xmlns:p14="http://schemas.microsoft.com/office/powerpoint/2010/main" val="1786132173"/>
+      </p:ext>
+    </p:extLst>
+  </p:cSld>
+  <p:clrMapOvr>
+    <a:masterClrMapping/>
+  </p:clrMapOvr>
+</p:sld>
+</file>
+
+<file path=ppt/slides/slide4.xml><?xml version="1.0" encoding="utf-8"?>
+<p:sld xmlns:a="http://schemas.openxmlformats.org/drawingml/2006/main" xmlns:r="http://schemas.openxmlformats.org/officeDocument/2006/relationships" xmlns:p="http://schemas.openxmlformats.org/presentationml/2006/main">
+  <p:cSld>
+    <p:spTree>
+      <p:nvGrpSpPr>
+        <p:cNvPr id="1" name=""/>
+        <p:cNvGrpSpPr/>
+        <p:nvPr/>
+      </p:nvGrpSpPr>
+      <p:grpSpPr>
+        <a:xfrm>
+          <a:off x="0" y="0"/>
+          <a:ext cx="0" cy="0"/>
+          <a:chOff x="0" y="0"/>
+          <a:chExt cx="0" cy="0"/>
+        </a:xfrm>
+      </p:grpSpPr>
+      <p:sp>
+        <p:nvSpPr>
+          <p:cNvPr id="6" name="제목 1"/>
+          <p:cNvSpPr>
+            <a:spLocks noGrp="1"/>
+          </p:cNvSpPr>
+          <p:nvPr>
+            <p:ph type="title"/>
+          </p:nvPr>
+        </p:nvSpPr>
+        <p:spPr>
+          <a:xfrm>
+            <a:off x="457200" y="-524594"/>
+            <a:ext cx="8229600" cy="857250"/>
+          </a:xfrm>
+        </p:spPr>
+        <p:txBody>
+          <a:bodyPr>
+            <a:noAutofit/>
+          </a:bodyPr>
+          <a:lstStyle/>
+          <a:p>
+            <a:r>
+              <a:rPr lang="en-US" altLang="ko-KR" sz="3600"/>
+              <a:t>Clustered Index, Non-clustered Index</a:t>
+            </a:r>
+            <a:endParaRPr lang="ko-KR" altLang="en-US" sz="3600" dirty="0"/>
+          </a:p>
+        </p:txBody>
+      </p:sp>
+      <p:graphicFrame>
+        <p:nvGraphicFramePr>
+          <p:cNvPr id="24" name="표 23"/>
+          <p:cNvGraphicFramePr>
+            <a:graphicFrameLocks noGrp="1"/>
+          </p:cNvGraphicFramePr>
+          <p:nvPr/>
+        </p:nvGraphicFramePr>
+        <p:xfrm>
+          <a:off x="117846" y="3929247"/>
+          <a:ext cx="1810542" cy="853440"/>
+        </p:xfrm>
+        <a:graphic>
+          <a:graphicData uri="http://schemas.openxmlformats.org/drawingml/2006/table">
+            <a:tbl>
+              <a:tblPr firstRow="1" bandRow="1">
+                <a:tableStyleId>{5940675A-B579-460E-94D1-54222C63F5DA}</a:tableStyleId>
+              </a:tblPr>
+              <a:tblGrid>
+                <a:gridCol w="603514">
+                  <a:extLst>
+                    <a:ext uri="{9D8B030D-6E8A-4147-A177-3AD203B41FA5}">
+                      <a16:colId xmlns:a16="http://schemas.microsoft.com/office/drawing/2014/main" val="20000"/>
+                    </a:ext>
+                  </a:extLst>
+                </a:gridCol>
+                <a:gridCol w="603514">
+                  <a:extLst>
+                    <a:ext uri="{9D8B030D-6E8A-4147-A177-3AD203B41FA5}">
+                      <a16:colId xmlns:a16="http://schemas.microsoft.com/office/drawing/2014/main" val="20001"/>
+                    </a:ext>
+                  </a:extLst>
+                </a:gridCol>
+                <a:gridCol w="603514">
+                  <a:extLst>
+                    <a:ext uri="{9D8B030D-6E8A-4147-A177-3AD203B41FA5}">
+                      <a16:colId xmlns:a16="http://schemas.microsoft.com/office/drawing/2014/main" val="20002"/>
+                    </a:ext>
+                  </a:extLst>
+                </a:gridCol>
+              </a:tblGrid>
+              <a:tr h="168355">
+                <a:tc>
+                  <a:txBody>
+                    <a:bodyPr/>
+                    <a:lstStyle/>
+                    <a:p>
+                      <a:pPr algn="ctr" latinLnBrk="1"/>
+                      <a:r>
+                        <a:rPr lang="en-US" altLang="ko-KR" sz="800"/>
+                        <a:t>Fruit ID</a:t>
+                      </a:r>
+                      <a:endParaRPr lang="ko-KR" altLang="en-US" sz="800" dirty="0"/>
+                    </a:p>
+                  </a:txBody>
+                  <a:tcPr>
+                    <a:solidFill>
+                      <a:schemeClr val="bg1">
+                        <a:lumMod val="85000"/>
+                      </a:schemeClr>
+                    </a:solidFill>
+                  </a:tcPr>
+                </a:tc>
+                <a:tc>
+                  <a:txBody>
+                    <a:bodyPr/>
+                    <a:lstStyle/>
+                    <a:p>
+                      <a:pPr algn="ctr" latinLnBrk="1"/>
+                      <a:r>
+                        <a:rPr lang="en-US" altLang="ko-KR" sz="800" dirty="0"/>
+                        <a:t>Fruit</a:t>
+                      </a:r>
+                      <a:endParaRPr lang="ko-KR" altLang="en-US" sz="800" dirty="0"/>
+                    </a:p>
+                  </a:txBody>
+                  <a:tcPr>
+                    <a:solidFill>
+                      <a:schemeClr val="bg1">
+                        <a:lumMod val="85000"/>
+                      </a:schemeClr>
+                    </a:solidFill>
+                  </a:tcPr>
+                </a:tc>
+                <a:tc>
+                  <a:txBody>
+                    <a:bodyPr/>
+                    <a:lstStyle/>
+                    <a:p>
+                      <a:pPr algn="ctr" latinLnBrk="1"/>
+                      <a:r>
+                        <a:rPr lang="en-US" altLang="ko-KR" sz="800" dirty="0"/>
+                        <a:t>State</a:t>
+                      </a:r>
+                      <a:endParaRPr lang="ko-KR" altLang="en-US" sz="800" dirty="0"/>
+                    </a:p>
+                  </a:txBody>
+                  <a:tcPr>
+                    <a:solidFill>
+                      <a:schemeClr val="bg1">
+                        <a:lumMod val="85000"/>
+                      </a:schemeClr>
+                    </a:solidFill>
+                  </a:tcPr>
+                </a:tc>
+                <a:extLst>
+                  <a:ext uri="{0D108BD9-81ED-4DB2-BD59-A6C34878D82A}">
+                    <a16:rowId xmlns:a16="http://schemas.microsoft.com/office/drawing/2014/main" val="10000"/>
+                  </a:ext>
+                </a:extLst>
+              </a:tr>
+              <a:tr h="168355">
+                <a:tc>
+                  <a:txBody>
+                    <a:bodyPr/>
+                    <a:lstStyle/>
+                    <a:p>
+                      <a:pPr algn="ctr" latinLnBrk="1"/>
+                      <a:r>
+                        <a:rPr lang="en-US" altLang="ko-KR" sz="800" dirty="0"/>
+                        <a:t>1</a:t>
+                      </a:r>
+                      <a:endParaRPr lang="ko-KR" altLang="en-US" sz="800" dirty="0"/>
+                    </a:p>
+                  </a:txBody>
+                  <a:tcPr>
+                    <a:solidFill>
+                      <a:schemeClr val="bg1">
+                        <a:lumMod val="85000"/>
+                      </a:schemeClr>
+                    </a:solidFill>
+                  </a:tcPr>
+                </a:tc>
+                <a:tc>
+                  <a:txBody>
+                    <a:bodyPr/>
+                    <a:lstStyle/>
+                    <a:p>
+                      <a:pPr algn="ctr" latinLnBrk="1"/>
+                      <a:r>
+                        <a:rPr lang="en-US" altLang="ko-KR" sz="800" dirty="0"/>
+                        <a:t>Orange</a:t>
+                      </a:r>
+                      <a:endParaRPr lang="ko-KR" altLang="en-US" sz="800" dirty="0"/>
+                    </a:p>
+                  </a:txBody>
+                  <a:tcPr/>
+                </a:tc>
+                <a:tc>
+                  <a:txBody>
+                    <a:bodyPr/>
+                    <a:lstStyle/>
+                    <a:p>
+                      <a:pPr algn="ctr" latinLnBrk="1"/>
+                      <a:r>
+                        <a:rPr lang="en-US" altLang="ko-KR" sz="800" dirty="0"/>
+                        <a:t>FL</a:t>
+                      </a:r>
+                      <a:endParaRPr lang="ko-KR" altLang="en-US" sz="800" dirty="0"/>
+                    </a:p>
+                  </a:txBody>
+                  <a:tcPr/>
+                </a:tc>
+                <a:extLst>
+                  <a:ext uri="{0D108BD9-81ED-4DB2-BD59-A6C34878D82A}">
+                    <a16:rowId xmlns:a16="http://schemas.microsoft.com/office/drawing/2014/main" val="10001"/>
+                  </a:ext>
+                </a:extLst>
+              </a:tr>
+              <a:tr h="168355">
+                <a:tc>
+                  <a:txBody>
+                    <a:bodyPr/>
+                    <a:lstStyle/>
+                    <a:p>
+                      <a:pPr algn="ctr" latinLnBrk="1"/>
+                      <a:r>
+                        <a:rPr lang="en-US" altLang="ko-KR" sz="800" dirty="0"/>
+                        <a:t>2</a:t>
+                      </a:r>
+                      <a:endParaRPr lang="ko-KR" altLang="en-US" sz="800" dirty="0"/>
+                    </a:p>
+                  </a:txBody>
+                  <a:tcPr>
+                    <a:solidFill>
+                      <a:schemeClr val="bg1">
+                        <a:lumMod val="85000"/>
+                      </a:schemeClr>
+                    </a:solidFill>
+                  </a:tcPr>
+                </a:tc>
+                <a:tc>
+                  <a:txBody>
+                    <a:bodyPr/>
+                    <a:lstStyle/>
+                    <a:p>
+                      <a:pPr algn="ctr" latinLnBrk="1"/>
+                      <a:r>
+                        <a:rPr lang="en-US" altLang="ko-KR" sz="800" dirty="0"/>
+                        <a:t>Apple</a:t>
+                      </a:r>
+                      <a:endParaRPr lang="ko-KR" altLang="en-US" sz="800" dirty="0"/>
+                    </a:p>
+                  </a:txBody>
+                  <a:tcPr/>
+                </a:tc>
+                <a:tc>
+                  <a:txBody>
+                    <a:bodyPr/>
+                    <a:lstStyle/>
+                    <a:p>
+                      <a:pPr algn="ctr" latinLnBrk="1"/>
+                      <a:r>
+                        <a:rPr lang="en-US" altLang="ko-KR" sz="800" dirty="0"/>
+                        <a:t>NC</a:t>
+                      </a:r>
+                      <a:endParaRPr lang="ko-KR" altLang="en-US" sz="800" dirty="0"/>
+                    </a:p>
+                  </a:txBody>
+                  <a:tcPr/>
+                </a:tc>
+                <a:extLst>
+                  <a:ext uri="{0D108BD9-81ED-4DB2-BD59-A6C34878D82A}">
+                    <a16:rowId xmlns:a16="http://schemas.microsoft.com/office/drawing/2014/main" val="10002"/>
+                  </a:ext>
+                </a:extLst>
+              </a:tr>
+              <a:tr h="168355">
+                <a:tc>
+                  <a:txBody>
+                    <a:bodyPr/>
+                    <a:lstStyle/>
+                    <a:p>
+                      <a:pPr algn="ctr" latinLnBrk="1"/>
+                      <a:r>
+                        <a:rPr lang="en-US" altLang="ko-KR" sz="800" dirty="0"/>
+                        <a:t>3</a:t>
+                      </a:r>
+                      <a:endParaRPr lang="ko-KR" altLang="en-US" sz="800" dirty="0"/>
+                    </a:p>
+                  </a:txBody>
+                  <a:tcPr>
+                    <a:solidFill>
+                      <a:schemeClr val="bg1">
+                        <a:lumMod val="85000"/>
+                      </a:schemeClr>
+                    </a:solidFill>
+                  </a:tcPr>
+                </a:tc>
+                <a:tc>
+                  <a:txBody>
+                    <a:bodyPr/>
+                    <a:lstStyle/>
+                    <a:p>
+                      <a:pPr algn="ctr" latinLnBrk="1"/>
+                      <a:r>
+                        <a:rPr lang="en-US" altLang="ko-KR" sz="800" dirty="0"/>
+                        <a:t>Peach</a:t>
+                      </a:r>
+                      <a:endParaRPr lang="ko-KR" altLang="en-US" sz="800" dirty="0"/>
+                    </a:p>
+                  </a:txBody>
+                  <a:tcPr/>
+                </a:tc>
+                <a:tc>
+                  <a:txBody>
+                    <a:bodyPr/>
+                    <a:lstStyle/>
+                    <a:p>
+                      <a:pPr algn="ctr" latinLnBrk="1"/>
+                      <a:r>
+                        <a:rPr lang="en-US" altLang="ko-KR" sz="800" dirty="0"/>
+                        <a:t>SC</a:t>
+                      </a:r>
+                      <a:endParaRPr lang="ko-KR" altLang="en-US" sz="800" dirty="0"/>
+                    </a:p>
+                  </a:txBody>
+                  <a:tcPr/>
+                </a:tc>
+                <a:extLst>
+                  <a:ext uri="{0D108BD9-81ED-4DB2-BD59-A6C34878D82A}">
+                    <a16:rowId xmlns:a16="http://schemas.microsoft.com/office/drawing/2014/main" val="10003"/>
+                  </a:ext>
+                </a:extLst>
+              </a:tr>
+            </a:tbl>
+          </a:graphicData>
+        </a:graphic>
+      </p:graphicFrame>
+      <p:graphicFrame>
+        <p:nvGraphicFramePr>
+          <p:cNvPr id="14" name="표 13">
+            <a:extLst>
+              <a:ext uri="{FF2B5EF4-FFF2-40B4-BE49-F238E27FC236}">
+                <a16:creationId xmlns:a16="http://schemas.microsoft.com/office/drawing/2014/main" id="{9BC6D908-75E2-4B4F-923F-095E050B4268}"/>
+              </a:ext>
+            </a:extLst>
+          </p:cNvPr>
+          <p:cNvGraphicFramePr>
+            <a:graphicFrameLocks noGrp="1"/>
+          </p:cNvGraphicFramePr>
+          <p:nvPr/>
+        </p:nvGraphicFramePr>
+        <p:xfrm>
+          <a:off x="2627784" y="3929247"/>
+          <a:ext cx="1810542" cy="640080"/>
+        </p:xfrm>
+        <a:graphic>
+          <a:graphicData uri="http://schemas.openxmlformats.org/drawingml/2006/table">
+            <a:tbl>
+              <a:tblPr firstRow="1" bandRow="1">
+                <a:tableStyleId>{5940675A-B579-460E-94D1-54222C63F5DA}</a:tableStyleId>
+              </a:tblPr>
+              <a:tblGrid>
+                <a:gridCol w="603514">
+                  <a:extLst>
+                    <a:ext uri="{9D8B030D-6E8A-4147-A177-3AD203B41FA5}">
+                      <a16:colId xmlns:a16="http://schemas.microsoft.com/office/drawing/2014/main" val="20000"/>
+                    </a:ext>
+                  </a:extLst>
+                </a:gridCol>
+                <a:gridCol w="603514">
+                  <a:extLst>
+                    <a:ext uri="{9D8B030D-6E8A-4147-A177-3AD203B41FA5}">
+                      <a16:colId xmlns:a16="http://schemas.microsoft.com/office/drawing/2014/main" val="20001"/>
+                    </a:ext>
+                  </a:extLst>
+                </a:gridCol>
+                <a:gridCol w="603514">
+                  <a:extLst>
+                    <a:ext uri="{9D8B030D-6E8A-4147-A177-3AD203B41FA5}">
+                      <a16:colId xmlns:a16="http://schemas.microsoft.com/office/drawing/2014/main" val="20002"/>
+                    </a:ext>
+                  </a:extLst>
+                </a:gridCol>
+              </a:tblGrid>
+              <a:tr h="168355">
+                <a:tc>
+                  <a:txBody>
+                    <a:bodyPr/>
+                    <a:lstStyle/>
+                    <a:p>
+                      <a:pPr algn="ctr" latinLnBrk="1"/>
+                      <a:r>
+                        <a:rPr lang="en-US" altLang="ko-KR" sz="800"/>
+                        <a:t>Fruit ID</a:t>
+                      </a:r>
+                      <a:endParaRPr lang="ko-KR" altLang="en-US" sz="800" dirty="0"/>
+                    </a:p>
+                  </a:txBody>
+                  <a:tcPr>
+                    <a:solidFill>
+                      <a:schemeClr val="bg1">
+                        <a:lumMod val="85000"/>
+                      </a:schemeClr>
+                    </a:solidFill>
+                  </a:tcPr>
+                </a:tc>
+                <a:tc>
+                  <a:txBody>
+                    <a:bodyPr/>
+                    <a:lstStyle/>
+                    <a:p>
+                      <a:pPr algn="ctr" latinLnBrk="1"/>
+                      <a:r>
+                        <a:rPr lang="en-US" altLang="ko-KR" sz="800" dirty="0"/>
+                        <a:t>Fruit</a:t>
+                      </a:r>
+                      <a:endParaRPr lang="ko-KR" altLang="en-US" sz="800" dirty="0"/>
+                    </a:p>
+                  </a:txBody>
+                  <a:tcPr>
+                    <a:solidFill>
+                      <a:schemeClr val="bg1">
+                        <a:lumMod val="85000"/>
+                      </a:schemeClr>
+                    </a:solidFill>
+                  </a:tcPr>
+                </a:tc>
+                <a:tc>
+                  <a:txBody>
+                    <a:bodyPr/>
+                    <a:lstStyle/>
+                    <a:p>
+                      <a:pPr algn="ctr" latinLnBrk="1"/>
+                      <a:r>
+                        <a:rPr lang="en-US" altLang="ko-KR" sz="800" dirty="0"/>
+                        <a:t>State</a:t>
+                      </a:r>
+                      <a:endParaRPr lang="ko-KR" altLang="en-US" sz="800" dirty="0"/>
+                    </a:p>
+                  </a:txBody>
+                  <a:tcPr>
+                    <a:solidFill>
+                      <a:schemeClr val="bg1">
+                        <a:lumMod val="85000"/>
+                      </a:schemeClr>
+                    </a:solidFill>
+                  </a:tcPr>
+                </a:tc>
+                <a:extLst>
+                  <a:ext uri="{0D108BD9-81ED-4DB2-BD59-A6C34878D82A}">
+                    <a16:rowId xmlns:a16="http://schemas.microsoft.com/office/drawing/2014/main" val="10000"/>
+                  </a:ext>
+                </a:extLst>
+              </a:tr>
+              <a:tr h="168355">
+                <a:tc>
+                  <a:txBody>
+                    <a:bodyPr/>
+                    <a:lstStyle/>
+                    <a:p>
+                      <a:pPr algn="ctr" latinLnBrk="1"/>
+                      <a:r>
+                        <a:rPr lang="en-US" altLang="ko-KR" sz="800" dirty="0"/>
+                        <a:t>4</a:t>
+                      </a:r>
+                      <a:endParaRPr lang="ko-KR" altLang="en-US" sz="800" dirty="0"/>
+                    </a:p>
+                  </a:txBody>
+                  <a:tcPr>
+                    <a:solidFill>
+                      <a:schemeClr val="bg1">
+                        <a:lumMod val="85000"/>
+                      </a:schemeClr>
+                    </a:solidFill>
+                  </a:tcPr>
+                </a:tc>
+                <a:tc>
+                  <a:txBody>
+                    <a:bodyPr/>
+                    <a:lstStyle/>
+                    <a:p>
+                      <a:pPr algn="ctr" latinLnBrk="1"/>
+                      <a:r>
+                        <a:rPr lang="en-US" altLang="ko-KR" sz="800" dirty="0"/>
+                        <a:t>Grape</a:t>
+                      </a:r>
+                      <a:endParaRPr lang="ko-KR" altLang="en-US" sz="800" dirty="0"/>
+                    </a:p>
+                  </a:txBody>
+                  <a:tcPr/>
+                </a:tc>
+                <a:tc>
+                  <a:txBody>
+                    <a:bodyPr/>
+                    <a:lstStyle/>
+                    <a:p>
+                      <a:pPr algn="ctr" latinLnBrk="1"/>
+                      <a:r>
+                        <a:rPr lang="en-US" altLang="ko-KR" sz="800" dirty="0"/>
+                        <a:t>CA</a:t>
+                      </a:r>
+                      <a:endParaRPr lang="ko-KR" altLang="en-US" sz="800" dirty="0"/>
+                    </a:p>
+                  </a:txBody>
+                  <a:tcPr/>
+                </a:tc>
+                <a:extLst>
+                  <a:ext uri="{0D108BD9-81ED-4DB2-BD59-A6C34878D82A}">
+                    <a16:rowId xmlns:a16="http://schemas.microsoft.com/office/drawing/2014/main" val="10001"/>
+                  </a:ext>
+                </a:extLst>
+              </a:tr>
+              <a:tr h="168355">
+                <a:tc>
+                  <a:txBody>
+                    <a:bodyPr/>
+                    <a:lstStyle/>
+                    <a:p>
+                      <a:pPr algn="ctr" latinLnBrk="1"/>
+                      <a:r>
+                        <a:rPr lang="en-US" altLang="ko-KR" sz="800" dirty="0"/>
+                        <a:t>5</a:t>
+                      </a:r>
+                      <a:endParaRPr lang="ko-KR" altLang="en-US" sz="800" dirty="0"/>
+                    </a:p>
+                  </a:txBody>
+                  <a:tcPr>
+                    <a:solidFill>
+                      <a:schemeClr val="bg1">
+                        <a:lumMod val="85000"/>
+                      </a:schemeClr>
+                    </a:solidFill>
+                  </a:tcPr>
+                </a:tc>
+                <a:tc>
+                  <a:txBody>
+                    <a:bodyPr/>
+                    <a:lstStyle/>
+                    <a:p>
+                      <a:pPr algn="ctr" latinLnBrk="1"/>
+                      <a:r>
+                        <a:rPr lang="en-US" altLang="ko-KR" sz="800" dirty="0"/>
+                        <a:t>Lemon</a:t>
+                      </a:r>
+                      <a:endParaRPr lang="ko-KR" altLang="en-US" sz="800" dirty="0"/>
+                    </a:p>
+                  </a:txBody>
+                  <a:tcPr/>
+                </a:tc>
+                <a:tc>
+                  <a:txBody>
+                    <a:bodyPr/>
+                    <a:lstStyle/>
+                    <a:p>
+                      <a:pPr algn="ctr" latinLnBrk="1"/>
+                      <a:r>
+                        <a:rPr lang="en-US" altLang="ko-KR" sz="800" dirty="0"/>
+                        <a:t>FL</a:t>
+                      </a:r>
+                      <a:endParaRPr lang="ko-KR" altLang="en-US" sz="800" dirty="0"/>
+                    </a:p>
+                  </a:txBody>
+                  <a:tcPr/>
+                </a:tc>
+                <a:extLst>
+                  <a:ext uri="{0D108BD9-81ED-4DB2-BD59-A6C34878D82A}">
+                    <a16:rowId xmlns:a16="http://schemas.microsoft.com/office/drawing/2014/main" val="10002"/>
+                  </a:ext>
+                </a:extLst>
+              </a:tr>
+            </a:tbl>
+          </a:graphicData>
+        </a:graphic>
+      </p:graphicFrame>
+      <p:graphicFrame>
+        <p:nvGraphicFramePr>
+          <p:cNvPr id="15" name="표 14">
+            <a:extLst>
+              <a:ext uri="{FF2B5EF4-FFF2-40B4-BE49-F238E27FC236}">
+                <a16:creationId xmlns:a16="http://schemas.microsoft.com/office/drawing/2014/main" id="{9075518D-1AFA-4D44-BEA7-C7A78007DF92}"/>
+              </a:ext>
+            </a:extLst>
+          </p:cNvPr>
+          <p:cNvGraphicFramePr>
+            <a:graphicFrameLocks noGrp="1"/>
+          </p:cNvGraphicFramePr>
+          <p:nvPr/>
+        </p:nvGraphicFramePr>
+        <p:xfrm>
+          <a:off x="5137722" y="3929247"/>
+          <a:ext cx="1810542" cy="640080"/>
+        </p:xfrm>
+        <a:graphic>
+          <a:graphicData uri="http://schemas.openxmlformats.org/drawingml/2006/table">
+            <a:tbl>
+              <a:tblPr firstRow="1" bandRow="1">
+                <a:tableStyleId>{5940675A-B579-460E-94D1-54222C63F5DA}</a:tableStyleId>
+              </a:tblPr>
+              <a:tblGrid>
+                <a:gridCol w="603514">
+                  <a:extLst>
+                    <a:ext uri="{9D8B030D-6E8A-4147-A177-3AD203B41FA5}">
+                      <a16:colId xmlns:a16="http://schemas.microsoft.com/office/drawing/2014/main" val="20000"/>
+                    </a:ext>
+                  </a:extLst>
+                </a:gridCol>
+                <a:gridCol w="603514">
+                  <a:extLst>
+                    <a:ext uri="{9D8B030D-6E8A-4147-A177-3AD203B41FA5}">
+                      <a16:colId xmlns:a16="http://schemas.microsoft.com/office/drawing/2014/main" val="20001"/>
+                    </a:ext>
+                  </a:extLst>
+                </a:gridCol>
+                <a:gridCol w="603514">
+                  <a:extLst>
+                    <a:ext uri="{9D8B030D-6E8A-4147-A177-3AD203B41FA5}">
+                      <a16:colId xmlns:a16="http://schemas.microsoft.com/office/drawing/2014/main" val="20002"/>
+                    </a:ext>
+                  </a:extLst>
+                </a:gridCol>
+              </a:tblGrid>
+              <a:tr h="168355">
+                <a:tc>
+                  <a:txBody>
+                    <a:bodyPr/>
+                    <a:lstStyle/>
+                    <a:p>
+                      <a:pPr algn="ctr" latinLnBrk="1"/>
+                      <a:r>
+                        <a:rPr lang="en-US" altLang="ko-KR" sz="800"/>
+                        <a:t>Fruit ID</a:t>
+                      </a:r>
+                      <a:endParaRPr lang="ko-KR" altLang="en-US" sz="800" dirty="0"/>
+                    </a:p>
+                  </a:txBody>
+                  <a:tcPr>
+                    <a:solidFill>
+                      <a:schemeClr val="bg1">
+                        <a:lumMod val="85000"/>
+                      </a:schemeClr>
+                    </a:solidFill>
+                  </a:tcPr>
+                </a:tc>
+                <a:tc>
+                  <a:txBody>
+                    <a:bodyPr/>
+                    <a:lstStyle/>
+                    <a:p>
+                      <a:pPr algn="ctr" latinLnBrk="1"/>
+                      <a:r>
+                        <a:rPr lang="en-US" altLang="ko-KR" sz="800" dirty="0"/>
+                        <a:t>Fruit</a:t>
+                      </a:r>
+                      <a:endParaRPr lang="ko-KR" altLang="en-US" sz="800" dirty="0"/>
+                    </a:p>
+                  </a:txBody>
+                  <a:tcPr>
+                    <a:solidFill>
+                      <a:schemeClr val="bg1">
+                        <a:lumMod val="85000"/>
+                      </a:schemeClr>
+                    </a:solidFill>
+                  </a:tcPr>
+                </a:tc>
+                <a:tc>
+                  <a:txBody>
+                    <a:bodyPr/>
+                    <a:lstStyle/>
+                    <a:p>
+                      <a:pPr algn="ctr" latinLnBrk="1"/>
+                      <a:r>
+                        <a:rPr lang="en-US" altLang="ko-KR" sz="800" dirty="0"/>
+                        <a:t>State</a:t>
+                      </a:r>
+                      <a:endParaRPr lang="ko-KR" altLang="en-US" sz="800" dirty="0"/>
+                    </a:p>
+                  </a:txBody>
+                  <a:tcPr>
+                    <a:solidFill>
+                      <a:schemeClr val="bg1">
+                        <a:lumMod val="85000"/>
+                      </a:schemeClr>
+                    </a:solidFill>
+                  </a:tcPr>
+                </a:tc>
+                <a:extLst>
+                  <a:ext uri="{0D108BD9-81ED-4DB2-BD59-A6C34878D82A}">
+                    <a16:rowId xmlns:a16="http://schemas.microsoft.com/office/drawing/2014/main" val="10000"/>
+                  </a:ext>
+                </a:extLst>
+              </a:tr>
+              <a:tr h="168355">
+                <a:tc>
+                  <a:txBody>
+                    <a:bodyPr/>
+                    <a:lstStyle/>
+                    <a:p>
+                      <a:pPr algn="ctr" latinLnBrk="1"/>
+                      <a:r>
+                        <a:rPr lang="en-US" altLang="ko-KR" sz="800"/>
+                        <a:t>6</a:t>
+                      </a:r>
+                      <a:endParaRPr lang="ko-KR" altLang="en-US" sz="800" dirty="0"/>
+                    </a:p>
+                  </a:txBody>
+                  <a:tcPr>
+                    <a:solidFill>
+                      <a:schemeClr val="bg1">
+                        <a:lumMod val="85000"/>
+                      </a:schemeClr>
+                    </a:solidFill>
+                  </a:tcPr>
+                </a:tc>
+                <a:tc>
+                  <a:txBody>
+                    <a:bodyPr/>
+                    <a:lstStyle/>
+                    <a:p>
+                      <a:pPr algn="ctr" latinLnBrk="1"/>
+                      <a:r>
+                        <a:rPr lang="en-US" altLang="ko-KR" sz="800"/>
+                        <a:t>Cherry</a:t>
+                      </a:r>
+                      <a:endParaRPr lang="ko-KR" altLang="en-US" sz="800" dirty="0"/>
+                    </a:p>
+                  </a:txBody>
+                  <a:tcPr/>
+                </a:tc>
+                <a:tc>
+                  <a:txBody>
+                    <a:bodyPr/>
+                    <a:lstStyle/>
+                    <a:p>
+                      <a:pPr algn="ctr" latinLnBrk="1"/>
+                      <a:r>
+                        <a:rPr lang="en-US" altLang="ko-KR" sz="800"/>
+                        <a:t>NC</a:t>
+                      </a:r>
+                      <a:endParaRPr lang="ko-KR" altLang="en-US" sz="800" dirty="0"/>
+                    </a:p>
+                  </a:txBody>
+                  <a:tcPr/>
+                </a:tc>
+                <a:extLst>
+                  <a:ext uri="{0D108BD9-81ED-4DB2-BD59-A6C34878D82A}">
+                    <a16:rowId xmlns:a16="http://schemas.microsoft.com/office/drawing/2014/main" val="10001"/>
+                  </a:ext>
+                </a:extLst>
+              </a:tr>
+              <a:tr h="168355">
+                <a:tc>
+                  <a:txBody>
+                    <a:bodyPr/>
+                    <a:lstStyle/>
+                    <a:p>
+                      <a:pPr algn="ctr" latinLnBrk="1"/>
+                      <a:r>
+                        <a:rPr lang="en-US" altLang="ko-KR" sz="800"/>
+                        <a:t>7</a:t>
+                      </a:r>
+                      <a:endParaRPr lang="ko-KR" altLang="en-US" sz="800" dirty="0"/>
+                    </a:p>
+                  </a:txBody>
+                  <a:tcPr>
+                    <a:solidFill>
+                      <a:schemeClr val="bg1">
+                        <a:lumMod val="85000"/>
+                      </a:schemeClr>
+                    </a:solidFill>
+                  </a:tcPr>
+                </a:tc>
+                <a:tc>
+                  <a:txBody>
+                    <a:bodyPr/>
+                    <a:lstStyle/>
+                    <a:p>
+                      <a:pPr algn="ctr" latinLnBrk="1"/>
+                      <a:r>
+                        <a:rPr lang="en-US" altLang="ko-KR" sz="800"/>
+                        <a:t>Orange</a:t>
+                      </a:r>
+                      <a:endParaRPr lang="ko-KR" altLang="en-US" sz="800" dirty="0"/>
+                    </a:p>
+                  </a:txBody>
+                  <a:tcPr/>
+                </a:tc>
+                <a:tc>
+                  <a:txBody>
+                    <a:bodyPr/>
+                    <a:lstStyle/>
+                    <a:p>
+                      <a:pPr algn="ctr" latinLnBrk="1"/>
+                      <a:r>
+                        <a:rPr lang="en-US" altLang="ko-KR" sz="800"/>
+                        <a:t>CA</a:t>
+                      </a:r>
+                      <a:endParaRPr lang="ko-KR" altLang="en-US" sz="800" dirty="0"/>
+                    </a:p>
+                  </a:txBody>
+                  <a:tcPr/>
+                </a:tc>
+                <a:extLst>
+                  <a:ext uri="{0D108BD9-81ED-4DB2-BD59-A6C34878D82A}">
+                    <a16:rowId xmlns:a16="http://schemas.microsoft.com/office/drawing/2014/main" val="10002"/>
+                  </a:ext>
+                </a:extLst>
+              </a:tr>
+            </a:tbl>
+          </a:graphicData>
+        </a:graphic>
+      </p:graphicFrame>
+      <p:graphicFrame>
+        <p:nvGraphicFramePr>
+          <p:cNvPr id="16" name="표 15">
+            <a:extLst>
+              <a:ext uri="{FF2B5EF4-FFF2-40B4-BE49-F238E27FC236}">
+                <a16:creationId xmlns:a16="http://schemas.microsoft.com/office/drawing/2014/main" id="{5BFEAF8F-2F2A-4804-98BE-47FB8D75287D}"/>
+              </a:ext>
+            </a:extLst>
+          </p:cNvPr>
+          <p:cNvGraphicFramePr>
+            <a:graphicFrameLocks noGrp="1"/>
+          </p:cNvGraphicFramePr>
+          <p:nvPr/>
+        </p:nvGraphicFramePr>
+        <p:xfrm>
+          <a:off x="2929541" y="2849127"/>
+          <a:ext cx="1207028" cy="853440"/>
+        </p:xfrm>
+        <a:graphic>
+          <a:graphicData uri="http://schemas.openxmlformats.org/drawingml/2006/table">
+            <a:tbl>
+              <a:tblPr firstRow="1" bandRow="1">
+                <a:tableStyleId>{5940675A-B579-460E-94D1-54222C63F5DA}</a:tableStyleId>
+              </a:tblPr>
+              <a:tblGrid>
+                <a:gridCol w="603514">
+                  <a:extLst>
+                    <a:ext uri="{9D8B030D-6E8A-4147-A177-3AD203B41FA5}">
+                      <a16:colId xmlns:a16="http://schemas.microsoft.com/office/drawing/2014/main" val="20000"/>
+                    </a:ext>
+                  </a:extLst>
+                </a:gridCol>
+                <a:gridCol w="603514">
+                  <a:extLst>
+                    <a:ext uri="{9D8B030D-6E8A-4147-A177-3AD203B41FA5}">
+                      <a16:colId xmlns:a16="http://schemas.microsoft.com/office/drawing/2014/main" val="20001"/>
+                    </a:ext>
+                  </a:extLst>
+                </a:gridCol>
+              </a:tblGrid>
+              <a:tr h="168355">
+                <a:tc>
+                  <a:txBody>
+                    <a:bodyPr/>
+                    <a:lstStyle/>
+                    <a:p>
+                      <a:pPr algn="ctr" latinLnBrk="1"/>
+                      <a:r>
+                        <a:rPr lang="en-US" altLang="ko-KR" sz="800"/>
+                        <a:t>Fruit ID</a:t>
+                      </a:r>
+                      <a:endParaRPr lang="ko-KR" altLang="en-US" sz="800" dirty="0"/>
+                    </a:p>
+                  </a:txBody>
+                  <a:tcPr>
+                    <a:solidFill>
+                      <a:schemeClr val="bg1">
+                        <a:lumMod val="85000"/>
+                      </a:schemeClr>
+                    </a:solidFill>
+                  </a:tcPr>
+                </a:tc>
+                <a:tc>
+                  <a:txBody>
+                    <a:bodyPr/>
+                    <a:lstStyle/>
+                    <a:p>
+                      <a:pPr algn="ctr" latinLnBrk="1"/>
+                      <a:r>
+                        <a:rPr lang="en-US" altLang="ko-KR" sz="800"/>
+                        <a:t>Page ID</a:t>
+                      </a:r>
+                      <a:endParaRPr lang="ko-KR" altLang="en-US" sz="800" dirty="0"/>
+                    </a:p>
+                  </a:txBody>
+                  <a:tcPr>
+                    <a:solidFill>
+                      <a:schemeClr val="bg1">
+                        <a:lumMod val="85000"/>
+                      </a:schemeClr>
+                    </a:solidFill>
+                  </a:tcPr>
+                </a:tc>
+                <a:extLst>
+                  <a:ext uri="{0D108BD9-81ED-4DB2-BD59-A6C34878D82A}">
+                    <a16:rowId xmlns:a16="http://schemas.microsoft.com/office/drawing/2014/main" val="10000"/>
+                  </a:ext>
+                </a:extLst>
+              </a:tr>
+              <a:tr h="168355">
+                <a:tc>
+                  <a:txBody>
+                    <a:bodyPr/>
+                    <a:lstStyle/>
+                    <a:p>
+                      <a:pPr algn="ctr" latinLnBrk="1"/>
+                      <a:r>
+                        <a:rPr lang="en-US" altLang="ko-KR" sz="800"/>
+                        <a:t>1</a:t>
+                      </a:r>
+                      <a:endParaRPr lang="ko-KR" altLang="en-US" sz="800" dirty="0"/>
+                    </a:p>
+                  </a:txBody>
+                  <a:tcPr>
+                    <a:solidFill>
+                      <a:schemeClr val="bg1">
+                        <a:lumMod val="85000"/>
+                      </a:schemeClr>
+                    </a:solidFill>
+                  </a:tcPr>
+                </a:tc>
+                <a:tc>
+                  <a:txBody>
+                    <a:bodyPr/>
+                    <a:lstStyle/>
+                    <a:p>
+                      <a:pPr algn="ctr" latinLnBrk="1"/>
+                      <a:r>
+                        <a:rPr lang="en-US" altLang="ko-KR" sz="800"/>
+                        <a:t>11</a:t>
+                      </a:r>
+                      <a:endParaRPr lang="ko-KR" altLang="en-US" sz="800" dirty="0"/>
+                    </a:p>
+                  </a:txBody>
+                  <a:tcPr/>
+                </a:tc>
+                <a:extLst>
+                  <a:ext uri="{0D108BD9-81ED-4DB2-BD59-A6C34878D82A}">
+                    <a16:rowId xmlns:a16="http://schemas.microsoft.com/office/drawing/2014/main" val="10001"/>
+                  </a:ext>
+                </a:extLst>
+              </a:tr>
+              <a:tr h="168355">
+                <a:tc>
+                  <a:txBody>
+                    <a:bodyPr/>
+                    <a:lstStyle/>
+                    <a:p>
+                      <a:pPr algn="ctr" latinLnBrk="1"/>
+                      <a:r>
+                        <a:rPr lang="en-US" altLang="ko-KR" sz="800"/>
+                        <a:t>4</a:t>
+                      </a:r>
+                      <a:endParaRPr lang="ko-KR" altLang="en-US" sz="800" dirty="0"/>
+                    </a:p>
+                  </a:txBody>
+                  <a:tcPr>
+                    <a:solidFill>
+                      <a:schemeClr val="bg1">
+                        <a:lumMod val="85000"/>
+                      </a:schemeClr>
+                    </a:solidFill>
+                  </a:tcPr>
+                </a:tc>
+                <a:tc>
+                  <a:txBody>
+                    <a:bodyPr/>
+                    <a:lstStyle/>
+                    <a:p>
+                      <a:pPr algn="ctr" latinLnBrk="1"/>
+                      <a:r>
+                        <a:rPr lang="en-US" altLang="ko-KR" sz="800"/>
+                        <a:t>12</a:t>
+                      </a:r>
+                      <a:endParaRPr lang="ko-KR" altLang="en-US" sz="800" dirty="0"/>
+                    </a:p>
+                  </a:txBody>
+                  <a:tcPr/>
+                </a:tc>
+                <a:extLst>
+                  <a:ext uri="{0D108BD9-81ED-4DB2-BD59-A6C34878D82A}">
+                    <a16:rowId xmlns:a16="http://schemas.microsoft.com/office/drawing/2014/main" val="10002"/>
+                  </a:ext>
+                </a:extLst>
+              </a:tr>
+              <a:tr h="168355">
+                <a:tc>
+                  <a:txBody>
+                    <a:bodyPr/>
+                    <a:lstStyle/>
+                    <a:p>
+                      <a:pPr algn="ctr" latinLnBrk="1"/>
+                      <a:r>
+                        <a:rPr lang="en-US" altLang="ko-KR" sz="800"/>
+                        <a:t>6</a:t>
+                      </a:r>
+                      <a:endParaRPr lang="ko-KR" altLang="en-US" sz="800" dirty="0"/>
+                    </a:p>
+                  </a:txBody>
+                  <a:tcPr>
+                    <a:solidFill>
+                      <a:schemeClr val="bg1">
+                        <a:lumMod val="85000"/>
+                      </a:schemeClr>
+                    </a:solidFill>
+                  </a:tcPr>
+                </a:tc>
+                <a:tc>
+                  <a:txBody>
+                    <a:bodyPr/>
+                    <a:lstStyle/>
+                    <a:p>
+                      <a:pPr algn="ctr" latinLnBrk="1"/>
+                      <a:r>
+                        <a:rPr lang="en-US" altLang="ko-KR" sz="800"/>
+                        <a:t>13</a:t>
+                      </a:r>
+                      <a:endParaRPr lang="ko-KR" altLang="en-US" sz="800" dirty="0"/>
+                    </a:p>
+                  </a:txBody>
+                  <a:tcPr/>
+                </a:tc>
+                <a:extLst>
+                  <a:ext uri="{0D108BD9-81ED-4DB2-BD59-A6C34878D82A}">
+                    <a16:rowId xmlns:a16="http://schemas.microsoft.com/office/drawing/2014/main" val="1307968552"/>
+                  </a:ext>
+                </a:extLst>
+              </a:tr>
+            </a:tbl>
+          </a:graphicData>
+        </a:graphic>
+      </p:graphicFrame>
+      <p:sp>
+        <p:nvSpPr>
+          <p:cNvPr id="17" name="TextBox 16">
+            <a:extLst>
+              <a:ext uri="{FF2B5EF4-FFF2-40B4-BE49-F238E27FC236}">
+                <a16:creationId xmlns:a16="http://schemas.microsoft.com/office/drawing/2014/main" id="{74323429-660F-422E-B663-F232922592EC}"/>
+              </a:ext>
+            </a:extLst>
+          </p:cNvPr>
+          <p:cNvSpPr txBox="1"/>
+          <p:nvPr/>
+        </p:nvSpPr>
+        <p:spPr>
+          <a:xfrm>
+            <a:off x="323253" y="4782687"/>
+            <a:ext cx="1399728" cy="261610"/>
+          </a:xfrm>
+          <a:prstGeom prst="rect">
+            <a:avLst/>
+          </a:prstGeom>
+          <a:noFill/>
+        </p:spPr>
+        <p:txBody>
+          <a:bodyPr wrap="square" rtlCol="0">
+            <a:spAutoFit/>
+          </a:bodyPr>
+          <a:lstStyle/>
+          <a:p>
+            <a:pPr algn="ctr"/>
+            <a:r>
+              <a:rPr lang="en-US" altLang="ko-KR" sz="1100"/>
+              <a:t>Page ID 11</a:t>
+            </a:r>
+            <a:endParaRPr lang="ko-KR" altLang="en-US" sz="1100" dirty="0"/>
+          </a:p>
+        </p:txBody>
+      </p:sp>
+      <p:sp>
+        <p:nvSpPr>
+          <p:cNvPr id="18" name="TextBox 17">
+            <a:extLst>
+              <a:ext uri="{FF2B5EF4-FFF2-40B4-BE49-F238E27FC236}">
+                <a16:creationId xmlns:a16="http://schemas.microsoft.com/office/drawing/2014/main" id="{6DC38BE3-D682-4EFA-B1A2-C15C7A654A2C}"/>
+              </a:ext>
+            </a:extLst>
+          </p:cNvPr>
+          <p:cNvSpPr txBox="1"/>
+          <p:nvPr/>
+        </p:nvSpPr>
+        <p:spPr>
+          <a:xfrm>
+            <a:off x="2833191" y="4569327"/>
+            <a:ext cx="1399728" cy="261610"/>
+          </a:xfrm>
+          <a:prstGeom prst="rect">
+            <a:avLst/>
+          </a:prstGeom>
+          <a:noFill/>
+        </p:spPr>
+        <p:txBody>
+          <a:bodyPr wrap="square" rtlCol="0">
+            <a:spAutoFit/>
+          </a:bodyPr>
+          <a:lstStyle/>
+          <a:p>
+            <a:pPr algn="ctr"/>
+            <a:r>
+              <a:rPr lang="en-US" altLang="ko-KR" sz="1100"/>
+              <a:t>Page ID 12</a:t>
+            </a:r>
+            <a:endParaRPr lang="ko-KR" altLang="en-US" sz="1100" dirty="0"/>
+          </a:p>
+        </p:txBody>
+      </p:sp>
+      <p:sp>
+        <p:nvSpPr>
+          <p:cNvPr id="19" name="TextBox 18">
+            <a:extLst>
+              <a:ext uri="{FF2B5EF4-FFF2-40B4-BE49-F238E27FC236}">
+                <a16:creationId xmlns:a16="http://schemas.microsoft.com/office/drawing/2014/main" id="{1DBDEED7-A43A-4576-B57A-154DEEE85752}"/>
+              </a:ext>
+            </a:extLst>
+          </p:cNvPr>
+          <p:cNvSpPr txBox="1"/>
+          <p:nvPr/>
+        </p:nvSpPr>
+        <p:spPr>
+          <a:xfrm>
+            <a:off x="5343129" y="4569327"/>
+            <a:ext cx="1399728" cy="261610"/>
+          </a:xfrm>
+          <a:prstGeom prst="rect">
+            <a:avLst/>
+          </a:prstGeom>
+          <a:noFill/>
+        </p:spPr>
+        <p:txBody>
+          <a:bodyPr wrap="square" rtlCol="0">
+            <a:spAutoFit/>
+          </a:bodyPr>
+          <a:lstStyle/>
+          <a:p>
+            <a:pPr algn="ctr"/>
+            <a:r>
+              <a:rPr lang="en-US" altLang="ko-KR" sz="1100"/>
+              <a:t>Page ID 13</a:t>
+            </a:r>
+            <a:endParaRPr lang="ko-KR" altLang="en-US" sz="1100" dirty="0"/>
+          </a:p>
+        </p:txBody>
+      </p:sp>
+      <p:cxnSp>
+        <p:nvCxnSpPr>
+          <p:cNvPr id="20" name="직선 화살표 연결선 19">
+            <a:extLst>
+              <a:ext uri="{FF2B5EF4-FFF2-40B4-BE49-F238E27FC236}">
+                <a16:creationId xmlns:a16="http://schemas.microsoft.com/office/drawing/2014/main" id="{F58B1D5C-2AC6-450D-A076-3DF2E427DDF2}"/>
+              </a:ext>
+            </a:extLst>
+          </p:cNvPr>
+          <p:cNvCxnSpPr>
+            <a:cxnSpLocks/>
+            <a:stCxn id="16" idx="2"/>
+            <a:endCxn id="24" idx="0"/>
+          </p:cNvCxnSpPr>
+          <p:nvPr/>
+        </p:nvCxnSpPr>
+        <p:spPr>
+          <a:xfrm flipH="1">
+            <a:off x="1023117" y="3702567"/>
+            <a:ext cx="2509938" cy="226680"/>
+          </a:xfrm>
+          <a:prstGeom prst="straightConnector1">
+            <a:avLst/>
+          </a:prstGeom>
+          <a:ln w="19050">
+            <a:solidFill>
+              <a:schemeClr val="tx1"/>
+            </a:solidFill>
+            <a:tailEnd type="arrow"/>
+          </a:ln>
+        </p:spPr>
+        <p:style>
+          <a:lnRef idx="1">
+            <a:schemeClr val="accent1"/>
+          </a:lnRef>
+          <a:fillRef idx="0">
+            <a:schemeClr val="accent1"/>
+          </a:fillRef>
+          <a:effectRef idx="0">
+            <a:schemeClr val="accent1"/>
+          </a:effectRef>
+          <a:fontRef idx="minor">
+            <a:schemeClr val="tx1"/>
+          </a:fontRef>
+        </p:style>
+      </p:cxnSp>
+      <p:cxnSp>
+        <p:nvCxnSpPr>
+          <p:cNvPr id="23" name="직선 화살표 연결선 22">
+            <a:extLst>
+              <a:ext uri="{FF2B5EF4-FFF2-40B4-BE49-F238E27FC236}">
+                <a16:creationId xmlns:a16="http://schemas.microsoft.com/office/drawing/2014/main" id="{DA21491E-BBFD-4DA4-9315-A8D0556FA761}"/>
+              </a:ext>
+            </a:extLst>
+          </p:cNvPr>
+          <p:cNvCxnSpPr>
+            <a:cxnSpLocks/>
+            <a:stCxn id="16" idx="2"/>
+            <a:endCxn id="14" idx="0"/>
+          </p:cNvCxnSpPr>
+          <p:nvPr/>
+        </p:nvCxnSpPr>
+        <p:spPr>
+          <a:xfrm>
+            <a:off x="3533055" y="3702567"/>
+            <a:ext cx="0" cy="226680"/>
+          </a:xfrm>
+          <a:prstGeom prst="straightConnector1">
+            <a:avLst/>
+          </a:prstGeom>
+          <a:ln w="19050">
+            <a:solidFill>
+              <a:schemeClr val="tx1"/>
+            </a:solidFill>
+            <a:tailEnd type="arrow"/>
+          </a:ln>
+        </p:spPr>
+        <p:style>
+          <a:lnRef idx="1">
+            <a:schemeClr val="accent1"/>
+          </a:lnRef>
+          <a:fillRef idx="0">
+            <a:schemeClr val="accent1"/>
+          </a:fillRef>
+          <a:effectRef idx="0">
+            <a:schemeClr val="accent1"/>
+          </a:effectRef>
+          <a:fontRef idx="minor">
+            <a:schemeClr val="tx1"/>
+          </a:fontRef>
+        </p:style>
+      </p:cxnSp>
+      <p:cxnSp>
+        <p:nvCxnSpPr>
+          <p:cNvPr id="29" name="직선 화살표 연결선 28">
+            <a:extLst>
+              <a:ext uri="{FF2B5EF4-FFF2-40B4-BE49-F238E27FC236}">
+                <a16:creationId xmlns:a16="http://schemas.microsoft.com/office/drawing/2014/main" id="{6A287F4F-BF9E-4A17-82BE-08F4F48E1AF9}"/>
+              </a:ext>
+            </a:extLst>
+          </p:cNvPr>
+          <p:cNvCxnSpPr>
+            <a:cxnSpLocks/>
+            <a:stCxn id="16" idx="2"/>
+            <a:endCxn id="15" idx="0"/>
+          </p:cNvCxnSpPr>
+          <p:nvPr/>
+        </p:nvCxnSpPr>
+        <p:spPr>
+          <a:xfrm>
+            <a:off x="3533055" y="3702567"/>
+            <a:ext cx="2509938" cy="226680"/>
+          </a:xfrm>
+          <a:prstGeom prst="straightConnector1">
+            <a:avLst/>
+          </a:prstGeom>
+          <a:ln w="19050">
+            <a:solidFill>
+              <a:schemeClr val="tx1"/>
+            </a:solidFill>
+            <a:tailEnd type="arrow"/>
+          </a:ln>
+        </p:spPr>
+        <p:style>
+          <a:lnRef idx="1">
+            <a:schemeClr val="accent1"/>
+          </a:lnRef>
+          <a:fillRef idx="0">
+            <a:schemeClr val="accent1"/>
+          </a:fillRef>
+          <a:effectRef idx="0">
+            <a:schemeClr val="accent1"/>
+          </a:effectRef>
+          <a:fontRef idx="minor">
+            <a:schemeClr val="tx1"/>
+          </a:fontRef>
+        </p:style>
+      </p:cxnSp>
+      <p:graphicFrame>
+        <p:nvGraphicFramePr>
+          <p:cNvPr id="37" name="표 36">
+            <a:extLst>
+              <a:ext uri="{FF2B5EF4-FFF2-40B4-BE49-F238E27FC236}">
+                <a16:creationId xmlns:a16="http://schemas.microsoft.com/office/drawing/2014/main" id="{D0A8735A-21F4-4EC2-ACDE-00F94ED86AD0}"/>
+              </a:ext>
+            </a:extLst>
+          </p:cNvPr>
+          <p:cNvGraphicFramePr>
+            <a:graphicFrameLocks noGrp="1"/>
+          </p:cNvGraphicFramePr>
+          <p:nvPr/>
+        </p:nvGraphicFramePr>
+        <p:xfrm>
+          <a:off x="2929541" y="1565157"/>
+          <a:ext cx="1207028" cy="640080"/>
+        </p:xfrm>
+        <a:graphic>
+          <a:graphicData uri="http://schemas.openxmlformats.org/drawingml/2006/table">
+            <a:tbl>
+              <a:tblPr firstRow="1" bandRow="1">
+                <a:tableStyleId>{5940675A-B579-460E-94D1-54222C63F5DA}</a:tableStyleId>
+              </a:tblPr>
+              <a:tblGrid>
+                <a:gridCol w="603514">
+                  <a:extLst>
+                    <a:ext uri="{9D8B030D-6E8A-4147-A177-3AD203B41FA5}">
+                      <a16:colId xmlns:a16="http://schemas.microsoft.com/office/drawing/2014/main" val="20000"/>
+                    </a:ext>
+                  </a:extLst>
+                </a:gridCol>
+                <a:gridCol w="603514">
+                  <a:extLst>
+                    <a:ext uri="{9D8B030D-6E8A-4147-A177-3AD203B41FA5}">
+                      <a16:colId xmlns:a16="http://schemas.microsoft.com/office/drawing/2014/main" val="20001"/>
+                    </a:ext>
+                  </a:extLst>
+                </a:gridCol>
+              </a:tblGrid>
+              <a:tr h="168355">
+                <a:tc>
+                  <a:txBody>
+                    <a:bodyPr/>
+                    <a:lstStyle/>
+                    <a:p>
+                      <a:pPr algn="ctr" latinLnBrk="1"/>
+                      <a:r>
+                        <a:rPr lang="en-US" altLang="ko-KR" sz="800"/>
+                        <a:t>State</a:t>
+                      </a:r>
+                      <a:endParaRPr lang="ko-KR" altLang="en-US" sz="800" dirty="0"/>
+                    </a:p>
+                  </a:txBody>
+                  <a:tcPr>
+                    <a:solidFill>
+                      <a:schemeClr val="bg1">
+                        <a:lumMod val="85000"/>
+                      </a:schemeClr>
+                    </a:solidFill>
+                  </a:tcPr>
+                </a:tc>
+                <a:tc>
+                  <a:txBody>
+                    <a:bodyPr/>
+                    <a:lstStyle/>
+                    <a:p>
+                      <a:pPr algn="ctr" latinLnBrk="1"/>
+                      <a:r>
+                        <a:rPr lang="en-US" altLang="ko-KR" sz="800"/>
+                        <a:t>Fruit ID</a:t>
+                      </a:r>
+                      <a:endParaRPr lang="ko-KR" altLang="en-US" sz="800" dirty="0"/>
+                    </a:p>
+                  </a:txBody>
+                  <a:tcPr>
+                    <a:solidFill>
+                      <a:schemeClr val="bg1">
+                        <a:lumMod val="85000"/>
+                      </a:schemeClr>
+                    </a:solidFill>
+                  </a:tcPr>
+                </a:tc>
+                <a:extLst>
+                  <a:ext uri="{0D108BD9-81ED-4DB2-BD59-A6C34878D82A}">
+                    <a16:rowId xmlns:a16="http://schemas.microsoft.com/office/drawing/2014/main" val="10000"/>
+                  </a:ext>
+                </a:extLst>
+              </a:tr>
+              <a:tr h="168355">
+                <a:tc>
+                  <a:txBody>
+                    <a:bodyPr/>
+                    <a:lstStyle/>
+                    <a:p>
+                      <a:pPr algn="ctr" latinLnBrk="1"/>
+                      <a:r>
+                        <a:rPr lang="en-US" altLang="ko-KR" sz="800"/>
+                        <a:t>FL</a:t>
+                      </a:r>
+                      <a:endParaRPr lang="ko-KR" altLang="en-US" sz="800" dirty="0"/>
+                    </a:p>
+                  </a:txBody>
+                  <a:tcPr>
+                    <a:solidFill>
+                      <a:schemeClr val="bg1"/>
+                    </a:solidFill>
+                  </a:tcPr>
+                </a:tc>
+                <a:tc>
+                  <a:txBody>
+                    <a:bodyPr/>
+                    <a:lstStyle/>
+                    <a:p>
+                      <a:pPr algn="ctr" latinLnBrk="1"/>
+                      <a:r>
+                        <a:rPr lang="en-US" altLang="ko-KR" sz="800"/>
+                        <a:t>1</a:t>
+                      </a:r>
+                      <a:endParaRPr lang="ko-KR" altLang="en-US" sz="800" dirty="0"/>
+                    </a:p>
+                  </a:txBody>
+                  <a:tcPr/>
+                </a:tc>
+                <a:extLst>
+                  <a:ext uri="{0D108BD9-81ED-4DB2-BD59-A6C34878D82A}">
+                    <a16:rowId xmlns:a16="http://schemas.microsoft.com/office/drawing/2014/main" val="10001"/>
+                  </a:ext>
+                </a:extLst>
+              </a:tr>
+              <a:tr h="168355">
+                <a:tc>
+                  <a:txBody>
+                    <a:bodyPr/>
+                    <a:lstStyle/>
+                    <a:p>
+                      <a:pPr algn="ctr" latinLnBrk="1"/>
+                      <a:r>
+                        <a:rPr lang="en-US" altLang="ko-KR" sz="800"/>
+                        <a:t>FL</a:t>
+                      </a:r>
+                      <a:endParaRPr lang="ko-KR" altLang="en-US" sz="800" dirty="0"/>
+                    </a:p>
+                  </a:txBody>
+                  <a:tcPr>
+                    <a:solidFill>
+                      <a:schemeClr val="bg1"/>
+                    </a:solidFill>
+                  </a:tcPr>
+                </a:tc>
+                <a:tc>
+                  <a:txBody>
+                    <a:bodyPr/>
+                    <a:lstStyle/>
+                    <a:p>
+                      <a:pPr algn="ctr" latinLnBrk="1"/>
+                      <a:r>
+                        <a:rPr lang="en-US" altLang="ko-KR" sz="800"/>
+                        <a:t>5</a:t>
+                      </a:r>
+                      <a:endParaRPr lang="ko-KR" altLang="en-US" sz="800" dirty="0"/>
+                    </a:p>
+                  </a:txBody>
+                  <a:tcPr/>
+                </a:tc>
+                <a:extLst>
+                  <a:ext uri="{0D108BD9-81ED-4DB2-BD59-A6C34878D82A}">
+                    <a16:rowId xmlns:a16="http://schemas.microsoft.com/office/drawing/2014/main" val="10002"/>
+                  </a:ext>
+                </a:extLst>
+              </a:tr>
+            </a:tbl>
+          </a:graphicData>
+        </a:graphic>
+      </p:graphicFrame>
+      <p:graphicFrame>
+        <p:nvGraphicFramePr>
+          <p:cNvPr id="39" name="표 38">
+            <a:extLst>
+              <a:ext uri="{FF2B5EF4-FFF2-40B4-BE49-F238E27FC236}">
+                <a16:creationId xmlns:a16="http://schemas.microsoft.com/office/drawing/2014/main" id="{3CF01C31-95AF-4E9B-8D58-BD2996D9F57D}"/>
+              </a:ext>
+            </a:extLst>
+          </p:cNvPr>
+          <p:cNvGraphicFramePr>
+            <a:graphicFrameLocks noGrp="1"/>
+          </p:cNvGraphicFramePr>
+          <p:nvPr/>
+        </p:nvGraphicFramePr>
+        <p:xfrm>
+          <a:off x="419603" y="1563421"/>
+          <a:ext cx="1207028" cy="640080"/>
+        </p:xfrm>
+        <a:graphic>
+          <a:graphicData uri="http://schemas.openxmlformats.org/drawingml/2006/table">
+            <a:tbl>
+              <a:tblPr firstRow="1" bandRow="1">
+                <a:tableStyleId>{5940675A-B579-460E-94D1-54222C63F5DA}</a:tableStyleId>
+              </a:tblPr>
+              <a:tblGrid>
+                <a:gridCol w="603514">
+                  <a:extLst>
+                    <a:ext uri="{9D8B030D-6E8A-4147-A177-3AD203B41FA5}">
+                      <a16:colId xmlns:a16="http://schemas.microsoft.com/office/drawing/2014/main" val="20000"/>
+                    </a:ext>
+                  </a:extLst>
+                </a:gridCol>
+                <a:gridCol w="603514">
+                  <a:extLst>
+                    <a:ext uri="{9D8B030D-6E8A-4147-A177-3AD203B41FA5}">
+                      <a16:colId xmlns:a16="http://schemas.microsoft.com/office/drawing/2014/main" val="20001"/>
+                    </a:ext>
+                  </a:extLst>
+                </a:gridCol>
+              </a:tblGrid>
+              <a:tr h="168355">
+                <a:tc>
+                  <a:txBody>
+                    <a:bodyPr/>
+                    <a:lstStyle/>
+                    <a:p>
+                      <a:pPr algn="ctr" latinLnBrk="1"/>
+                      <a:r>
+                        <a:rPr lang="en-US" altLang="ko-KR" sz="800"/>
+                        <a:t>State</a:t>
+                      </a:r>
+                      <a:endParaRPr lang="ko-KR" altLang="en-US" sz="800" dirty="0"/>
+                    </a:p>
+                  </a:txBody>
+                  <a:tcPr>
+                    <a:solidFill>
+                      <a:schemeClr val="bg1">
+                        <a:lumMod val="85000"/>
+                      </a:schemeClr>
+                    </a:solidFill>
+                  </a:tcPr>
+                </a:tc>
+                <a:tc>
+                  <a:txBody>
+                    <a:bodyPr/>
+                    <a:lstStyle/>
+                    <a:p>
+                      <a:pPr algn="ctr" latinLnBrk="1"/>
+                      <a:r>
+                        <a:rPr lang="en-US" altLang="ko-KR" sz="800"/>
+                        <a:t>Fruit ID</a:t>
+                      </a:r>
+                      <a:endParaRPr lang="ko-KR" altLang="en-US" sz="800" dirty="0"/>
+                    </a:p>
+                  </a:txBody>
+                  <a:tcPr>
+                    <a:solidFill>
+                      <a:schemeClr val="bg1">
+                        <a:lumMod val="85000"/>
+                      </a:schemeClr>
+                    </a:solidFill>
+                  </a:tcPr>
+                </a:tc>
+                <a:extLst>
+                  <a:ext uri="{0D108BD9-81ED-4DB2-BD59-A6C34878D82A}">
+                    <a16:rowId xmlns:a16="http://schemas.microsoft.com/office/drawing/2014/main" val="10000"/>
+                  </a:ext>
+                </a:extLst>
+              </a:tr>
+              <a:tr h="168355">
+                <a:tc>
+                  <a:txBody>
+                    <a:bodyPr/>
+                    <a:lstStyle/>
+                    <a:p>
+                      <a:pPr algn="ctr" latinLnBrk="1"/>
+                      <a:r>
+                        <a:rPr lang="en-US" altLang="ko-KR" sz="800"/>
+                        <a:t>CA</a:t>
+                      </a:r>
+                      <a:endParaRPr lang="ko-KR" altLang="en-US" sz="800" dirty="0"/>
+                    </a:p>
+                  </a:txBody>
+                  <a:tcPr>
+                    <a:solidFill>
+                      <a:schemeClr val="bg1"/>
+                    </a:solidFill>
+                  </a:tcPr>
+                </a:tc>
+                <a:tc>
+                  <a:txBody>
+                    <a:bodyPr/>
+                    <a:lstStyle/>
+                    <a:p>
+                      <a:pPr algn="ctr" latinLnBrk="1"/>
+                      <a:r>
+                        <a:rPr lang="en-US" altLang="ko-KR" sz="800"/>
+                        <a:t>4</a:t>
+                      </a:r>
+                      <a:endParaRPr lang="ko-KR" altLang="en-US" sz="800" dirty="0"/>
+                    </a:p>
+                  </a:txBody>
+                  <a:tcPr/>
+                </a:tc>
+                <a:extLst>
+                  <a:ext uri="{0D108BD9-81ED-4DB2-BD59-A6C34878D82A}">
+                    <a16:rowId xmlns:a16="http://schemas.microsoft.com/office/drawing/2014/main" val="10001"/>
+                  </a:ext>
+                </a:extLst>
+              </a:tr>
+              <a:tr h="168355">
+                <a:tc>
+                  <a:txBody>
+                    <a:bodyPr/>
+                    <a:lstStyle/>
+                    <a:p>
+                      <a:pPr algn="ctr" latinLnBrk="1"/>
+                      <a:r>
+                        <a:rPr lang="en-US" altLang="ko-KR" sz="800"/>
+                        <a:t>CA</a:t>
+                      </a:r>
+                      <a:endParaRPr lang="ko-KR" altLang="en-US" sz="800" dirty="0"/>
+                    </a:p>
+                  </a:txBody>
+                  <a:tcPr>
+                    <a:solidFill>
+                      <a:schemeClr val="bg1"/>
+                    </a:solidFill>
+                  </a:tcPr>
+                </a:tc>
+                <a:tc>
+                  <a:txBody>
+                    <a:bodyPr/>
+                    <a:lstStyle/>
+                    <a:p>
+                      <a:pPr algn="ctr" latinLnBrk="1"/>
+                      <a:r>
+                        <a:rPr lang="en-US" altLang="ko-KR" sz="800"/>
+                        <a:t>7</a:t>
+                      </a:r>
+                      <a:endParaRPr lang="ko-KR" altLang="en-US" sz="800" dirty="0"/>
+                    </a:p>
+                  </a:txBody>
+                  <a:tcPr/>
+                </a:tc>
+                <a:extLst>
+                  <a:ext uri="{0D108BD9-81ED-4DB2-BD59-A6C34878D82A}">
+                    <a16:rowId xmlns:a16="http://schemas.microsoft.com/office/drawing/2014/main" val="10002"/>
+                  </a:ext>
+                </a:extLst>
+              </a:tr>
+            </a:tbl>
+          </a:graphicData>
+        </a:graphic>
+      </p:graphicFrame>
+      <p:graphicFrame>
+        <p:nvGraphicFramePr>
+          <p:cNvPr id="40" name="표 39">
+            <a:extLst>
+              <a:ext uri="{FF2B5EF4-FFF2-40B4-BE49-F238E27FC236}">
+                <a16:creationId xmlns:a16="http://schemas.microsoft.com/office/drawing/2014/main" id="{44EEB92E-536A-4C48-A783-30D7464F2FCF}"/>
+              </a:ext>
+            </a:extLst>
+          </p:cNvPr>
+          <p:cNvGraphicFramePr>
+            <a:graphicFrameLocks noGrp="1"/>
+          </p:cNvGraphicFramePr>
+          <p:nvPr/>
+        </p:nvGraphicFramePr>
+        <p:xfrm>
+          <a:off x="5439479" y="1565638"/>
+          <a:ext cx="1207028" cy="853440"/>
+        </p:xfrm>
+        <a:graphic>
+          <a:graphicData uri="http://schemas.openxmlformats.org/drawingml/2006/table">
+            <a:tbl>
+              <a:tblPr firstRow="1" bandRow="1">
+                <a:tableStyleId>{5940675A-B579-460E-94D1-54222C63F5DA}</a:tableStyleId>
+              </a:tblPr>
+              <a:tblGrid>
+                <a:gridCol w="603514">
+                  <a:extLst>
+                    <a:ext uri="{9D8B030D-6E8A-4147-A177-3AD203B41FA5}">
+                      <a16:colId xmlns:a16="http://schemas.microsoft.com/office/drawing/2014/main" val="20000"/>
+                    </a:ext>
+                  </a:extLst>
+                </a:gridCol>
+                <a:gridCol w="603514">
+                  <a:extLst>
+                    <a:ext uri="{9D8B030D-6E8A-4147-A177-3AD203B41FA5}">
+                      <a16:colId xmlns:a16="http://schemas.microsoft.com/office/drawing/2014/main" val="20001"/>
+                    </a:ext>
+                  </a:extLst>
+                </a:gridCol>
+              </a:tblGrid>
+              <a:tr h="168355">
+                <a:tc>
+                  <a:txBody>
+                    <a:bodyPr/>
+                    <a:lstStyle/>
+                    <a:p>
+                      <a:pPr algn="ctr" latinLnBrk="1"/>
+                      <a:r>
+                        <a:rPr lang="en-US" altLang="ko-KR" sz="800"/>
+                        <a:t>State</a:t>
+                      </a:r>
+                      <a:endParaRPr lang="ko-KR" altLang="en-US" sz="800" dirty="0"/>
+                    </a:p>
+                  </a:txBody>
+                  <a:tcPr>
+                    <a:solidFill>
+                      <a:schemeClr val="bg1">
+                        <a:lumMod val="85000"/>
+                      </a:schemeClr>
+                    </a:solidFill>
+                  </a:tcPr>
+                </a:tc>
+                <a:tc>
+                  <a:txBody>
+                    <a:bodyPr/>
+                    <a:lstStyle/>
+                    <a:p>
+                      <a:pPr algn="ctr" latinLnBrk="1"/>
+                      <a:r>
+                        <a:rPr lang="en-US" altLang="ko-KR" sz="800"/>
+                        <a:t>Fruit ID</a:t>
+                      </a:r>
+                      <a:endParaRPr lang="ko-KR" altLang="en-US" sz="800" dirty="0"/>
+                    </a:p>
+                  </a:txBody>
+                  <a:tcPr>
+                    <a:solidFill>
+                      <a:schemeClr val="bg1">
+                        <a:lumMod val="85000"/>
+                      </a:schemeClr>
+                    </a:solidFill>
+                  </a:tcPr>
+                </a:tc>
+                <a:extLst>
+                  <a:ext uri="{0D108BD9-81ED-4DB2-BD59-A6C34878D82A}">
+                    <a16:rowId xmlns:a16="http://schemas.microsoft.com/office/drawing/2014/main" val="10000"/>
+                  </a:ext>
+                </a:extLst>
+              </a:tr>
+              <a:tr h="168355">
+                <a:tc>
+                  <a:txBody>
+                    <a:bodyPr/>
+                    <a:lstStyle/>
+                    <a:p>
+                      <a:pPr algn="ctr" latinLnBrk="1"/>
+                      <a:r>
+                        <a:rPr lang="en-US" altLang="ko-KR" sz="800"/>
+                        <a:t>NC</a:t>
+                      </a:r>
+                      <a:endParaRPr lang="ko-KR" altLang="en-US" sz="800" dirty="0"/>
+                    </a:p>
+                  </a:txBody>
+                  <a:tcPr>
+                    <a:solidFill>
+                      <a:schemeClr val="bg1"/>
+                    </a:solidFill>
+                  </a:tcPr>
+                </a:tc>
+                <a:tc>
+                  <a:txBody>
+                    <a:bodyPr/>
+                    <a:lstStyle/>
+                    <a:p>
+                      <a:pPr algn="ctr" latinLnBrk="1"/>
+                      <a:r>
+                        <a:rPr lang="en-US" altLang="ko-KR" sz="800"/>
+                        <a:t>2</a:t>
+                      </a:r>
+                      <a:endParaRPr lang="ko-KR" altLang="en-US" sz="800" dirty="0"/>
+                    </a:p>
+                  </a:txBody>
+                  <a:tcPr/>
+                </a:tc>
+                <a:extLst>
+                  <a:ext uri="{0D108BD9-81ED-4DB2-BD59-A6C34878D82A}">
+                    <a16:rowId xmlns:a16="http://schemas.microsoft.com/office/drawing/2014/main" val="10001"/>
+                  </a:ext>
+                </a:extLst>
+              </a:tr>
+              <a:tr h="168355">
+                <a:tc>
+                  <a:txBody>
+                    <a:bodyPr/>
+                    <a:lstStyle/>
+                    <a:p>
+                      <a:pPr algn="ctr" latinLnBrk="1"/>
+                      <a:r>
+                        <a:rPr lang="en-US" altLang="ko-KR" sz="800"/>
+                        <a:t>NC</a:t>
+                      </a:r>
+                      <a:endParaRPr lang="ko-KR" altLang="en-US" sz="800" dirty="0"/>
+                    </a:p>
+                  </a:txBody>
+                  <a:tcPr>
+                    <a:solidFill>
+                      <a:schemeClr val="bg1"/>
+                    </a:solidFill>
+                  </a:tcPr>
+                </a:tc>
+                <a:tc>
+                  <a:txBody>
+                    <a:bodyPr/>
+                    <a:lstStyle/>
+                    <a:p>
+                      <a:pPr algn="ctr" latinLnBrk="1"/>
+                      <a:r>
+                        <a:rPr lang="en-US" altLang="ko-KR" sz="800"/>
+                        <a:t>6</a:t>
+                      </a:r>
+                      <a:endParaRPr lang="ko-KR" altLang="en-US" sz="800" dirty="0"/>
+                    </a:p>
+                  </a:txBody>
+                  <a:tcPr/>
+                </a:tc>
+                <a:extLst>
+                  <a:ext uri="{0D108BD9-81ED-4DB2-BD59-A6C34878D82A}">
+                    <a16:rowId xmlns:a16="http://schemas.microsoft.com/office/drawing/2014/main" val="10002"/>
+                  </a:ext>
+                </a:extLst>
+              </a:tr>
+              <a:tr h="168355">
+                <a:tc>
+                  <a:txBody>
+                    <a:bodyPr/>
+                    <a:lstStyle/>
+                    <a:p>
+                      <a:pPr algn="ctr" latinLnBrk="1"/>
+                      <a:r>
+                        <a:rPr lang="en-US" altLang="ko-KR" sz="800"/>
+                        <a:t>6</a:t>
+                      </a:r>
+                      <a:endParaRPr lang="ko-KR" altLang="en-US" sz="800" dirty="0"/>
+                    </a:p>
+                  </a:txBody>
+                  <a:tcPr>
+                    <a:solidFill>
+                      <a:schemeClr val="bg1"/>
+                    </a:solidFill>
+                  </a:tcPr>
+                </a:tc>
+                <a:tc>
+                  <a:txBody>
+                    <a:bodyPr/>
+                    <a:lstStyle/>
+                    <a:p>
+                      <a:pPr algn="ctr" latinLnBrk="1"/>
+                      <a:r>
+                        <a:rPr lang="en-US" altLang="ko-KR" sz="800"/>
+                        <a:t>3</a:t>
+                      </a:r>
+                      <a:endParaRPr lang="ko-KR" altLang="en-US" sz="800" dirty="0"/>
+                    </a:p>
+                  </a:txBody>
+                  <a:tcPr/>
+                </a:tc>
+                <a:extLst>
+                  <a:ext uri="{0D108BD9-81ED-4DB2-BD59-A6C34878D82A}">
+                    <a16:rowId xmlns:a16="http://schemas.microsoft.com/office/drawing/2014/main" val="1307968552"/>
+                  </a:ext>
+                </a:extLst>
+              </a:tr>
+            </a:tbl>
+          </a:graphicData>
+        </a:graphic>
+      </p:graphicFrame>
+      <p:graphicFrame>
+        <p:nvGraphicFramePr>
+          <p:cNvPr id="43" name="표 42">
+            <a:extLst>
+              <a:ext uri="{FF2B5EF4-FFF2-40B4-BE49-F238E27FC236}">
+                <a16:creationId xmlns:a16="http://schemas.microsoft.com/office/drawing/2014/main" id="{B40296A2-3DAE-41E3-A20E-B7E2D5D3A58F}"/>
+              </a:ext>
+            </a:extLst>
+          </p:cNvPr>
+          <p:cNvGraphicFramePr>
+            <a:graphicFrameLocks noGrp="1"/>
+          </p:cNvGraphicFramePr>
+          <p:nvPr/>
+        </p:nvGraphicFramePr>
+        <p:xfrm>
+          <a:off x="2929541" y="483519"/>
+          <a:ext cx="1207028" cy="853440"/>
+        </p:xfrm>
+        <a:graphic>
+          <a:graphicData uri="http://schemas.openxmlformats.org/drawingml/2006/table">
+            <a:tbl>
+              <a:tblPr firstRow="1" bandRow="1">
+                <a:tableStyleId>{5940675A-B579-460E-94D1-54222C63F5DA}</a:tableStyleId>
+              </a:tblPr>
+              <a:tblGrid>
+                <a:gridCol w="603514">
+                  <a:extLst>
+                    <a:ext uri="{9D8B030D-6E8A-4147-A177-3AD203B41FA5}">
+                      <a16:colId xmlns:a16="http://schemas.microsoft.com/office/drawing/2014/main" val="20000"/>
+                    </a:ext>
+                  </a:extLst>
+                </a:gridCol>
+                <a:gridCol w="603514">
+                  <a:extLst>
+                    <a:ext uri="{9D8B030D-6E8A-4147-A177-3AD203B41FA5}">
+                      <a16:colId xmlns:a16="http://schemas.microsoft.com/office/drawing/2014/main" val="20001"/>
+                    </a:ext>
+                  </a:extLst>
+                </a:gridCol>
+              </a:tblGrid>
+              <a:tr h="168355">
+                <a:tc>
+                  <a:txBody>
+                    <a:bodyPr/>
+                    <a:lstStyle/>
+                    <a:p>
+                      <a:pPr algn="ctr" latinLnBrk="1"/>
+                      <a:r>
+                        <a:rPr lang="en-US" altLang="ko-KR" sz="800"/>
+                        <a:t>State</a:t>
+                      </a:r>
+                      <a:endParaRPr lang="ko-KR" altLang="en-US" sz="800" dirty="0"/>
+                    </a:p>
+                  </a:txBody>
+                  <a:tcPr>
+                    <a:solidFill>
+                      <a:schemeClr val="bg1">
+                        <a:lumMod val="85000"/>
+                      </a:schemeClr>
+                    </a:solidFill>
+                  </a:tcPr>
+                </a:tc>
+                <a:tc>
+                  <a:txBody>
+                    <a:bodyPr/>
+                    <a:lstStyle/>
+                    <a:p>
+                      <a:pPr algn="ctr" latinLnBrk="1"/>
+                      <a:r>
+                        <a:rPr lang="en-US" altLang="ko-KR" sz="800"/>
+                        <a:t>Page ID</a:t>
+                      </a:r>
+                      <a:endParaRPr lang="ko-KR" altLang="en-US" sz="800" dirty="0"/>
+                    </a:p>
+                  </a:txBody>
+                  <a:tcPr>
+                    <a:solidFill>
+                      <a:schemeClr val="bg1">
+                        <a:lumMod val="85000"/>
+                      </a:schemeClr>
+                    </a:solidFill>
+                  </a:tcPr>
+                </a:tc>
+                <a:extLst>
+                  <a:ext uri="{0D108BD9-81ED-4DB2-BD59-A6C34878D82A}">
+                    <a16:rowId xmlns:a16="http://schemas.microsoft.com/office/drawing/2014/main" val="10000"/>
+                  </a:ext>
+                </a:extLst>
+              </a:tr>
+              <a:tr h="168355">
+                <a:tc>
+                  <a:txBody>
+                    <a:bodyPr/>
+                    <a:lstStyle/>
+                    <a:p>
+                      <a:pPr algn="ctr" latinLnBrk="1"/>
+                      <a:r>
+                        <a:rPr lang="en-US" altLang="ko-KR" sz="800"/>
+                        <a:t>CA</a:t>
+                      </a:r>
+                      <a:endParaRPr lang="ko-KR" altLang="en-US" sz="800" dirty="0"/>
+                    </a:p>
+                  </a:txBody>
+                  <a:tcPr>
+                    <a:noFill/>
+                  </a:tcPr>
+                </a:tc>
+                <a:tc>
+                  <a:txBody>
+                    <a:bodyPr/>
+                    <a:lstStyle/>
+                    <a:p>
+                      <a:pPr algn="ctr" latinLnBrk="1"/>
+                      <a:r>
+                        <a:rPr lang="en-US" altLang="ko-KR" sz="800"/>
+                        <a:t>1</a:t>
+                      </a:r>
+                      <a:endParaRPr lang="ko-KR" altLang="en-US" sz="800" dirty="0"/>
+                    </a:p>
+                  </a:txBody>
+                  <a:tcPr/>
+                </a:tc>
+                <a:extLst>
+                  <a:ext uri="{0D108BD9-81ED-4DB2-BD59-A6C34878D82A}">
+                    <a16:rowId xmlns:a16="http://schemas.microsoft.com/office/drawing/2014/main" val="10001"/>
+                  </a:ext>
+                </a:extLst>
+              </a:tr>
+              <a:tr h="168355">
+                <a:tc>
+                  <a:txBody>
+                    <a:bodyPr/>
+                    <a:lstStyle/>
+                    <a:p>
+                      <a:pPr algn="ctr" latinLnBrk="1"/>
+                      <a:r>
+                        <a:rPr lang="en-US" altLang="ko-KR" sz="800"/>
+                        <a:t>FL</a:t>
+                      </a:r>
+                      <a:endParaRPr lang="ko-KR" altLang="en-US" sz="800" dirty="0"/>
+                    </a:p>
+                  </a:txBody>
+                  <a:tcPr>
+                    <a:noFill/>
+                  </a:tcPr>
+                </a:tc>
+                <a:tc>
+                  <a:txBody>
+                    <a:bodyPr/>
+                    <a:lstStyle/>
+                    <a:p>
+                      <a:pPr algn="ctr" latinLnBrk="1"/>
+                      <a:r>
+                        <a:rPr lang="en-US" altLang="ko-KR" sz="800"/>
+                        <a:t>2</a:t>
+                      </a:r>
+                      <a:endParaRPr lang="ko-KR" altLang="en-US" sz="800" dirty="0"/>
+                    </a:p>
+                  </a:txBody>
+                  <a:tcPr/>
+                </a:tc>
+                <a:extLst>
+                  <a:ext uri="{0D108BD9-81ED-4DB2-BD59-A6C34878D82A}">
+                    <a16:rowId xmlns:a16="http://schemas.microsoft.com/office/drawing/2014/main" val="10002"/>
+                  </a:ext>
+                </a:extLst>
+              </a:tr>
+              <a:tr h="168355">
+                <a:tc>
+                  <a:txBody>
+                    <a:bodyPr/>
+                    <a:lstStyle/>
+                    <a:p>
+                      <a:pPr algn="ctr" latinLnBrk="1"/>
+                      <a:r>
+                        <a:rPr lang="en-US" altLang="ko-KR" sz="800"/>
+                        <a:t>NC</a:t>
+                      </a:r>
+                      <a:endParaRPr lang="ko-KR" altLang="en-US" sz="800" dirty="0"/>
+                    </a:p>
+                  </a:txBody>
+                  <a:tcPr>
+                    <a:noFill/>
+                  </a:tcPr>
+                </a:tc>
+                <a:tc>
+                  <a:txBody>
+                    <a:bodyPr/>
+                    <a:lstStyle/>
+                    <a:p>
+                      <a:pPr algn="ctr" latinLnBrk="1"/>
+                      <a:r>
+                        <a:rPr lang="en-US" altLang="ko-KR" sz="800"/>
+                        <a:t>3</a:t>
+                      </a:r>
+                      <a:endParaRPr lang="ko-KR" altLang="en-US" sz="800" dirty="0"/>
+                    </a:p>
+                  </a:txBody>
+                  <a:tcPr/>
+                </a:tc>
+                <a:extLst>
+                  <a:ext uri="{0D108BD9-81ED-4DB2-BD59-A6C34878D82A}">
+                    <a16:rowId xmlns:a16="http://schemas.microsoft.com/office/drawing/2014/main" val="1307968552"/>
+                  </a:ext>
+                </a:extLst>
+              </a:tr>
+            </a:tbl>
+          </a:graphicData>
+        </a:graphic>
+      </p:graphicFrame>
+      <p:cxnSp>
+        <p:nvCxnSpPr>
+          <p:cNvPr id="44" name="직선 화살표 연결선 43">
+            <a:extLst>
+              <a:ext uri="{FF2B5EF4-FFF2-40B4-BE49-F238E27FC236}">
+                <a16:creationId xmlns:a16="http://schemas.microsoft.com/office/drawing/2014/main" id="{D5C47709-6FB6-4161-A588-19C0604BB169}"/>
+              </a:ext>
+            </a:extLst>
+          </p:cNvPr>
+          <p:cNvCxnSpPr>
+            <a:cxnSpLocks/>
+            <a:stCxn id="43" idx="2"/>
+            <a:endCxn id="37" idx="0"/>
+          </p:cNvCxnSpPr>
+          <p:nvPr/>
+        </p:nvCxnSpPr>
+        <p:spPr>
+          <a:xfrm>
+            <a:off x="3533055" y="1336959"/>
+            <a:ext cx="0" cy="228198"/>
+          </a:xfrm>
+          <a:prstGeom prst="straightConnector1">
+            <a:avLst/>
+          </a:prstGeom>
+          <a:ln w="19050">
+            <a:solidFill>
+              <a:schemeClr val="tx1"/>
+            </a:solidFill>
+            <a:tailEnd type="arrow"/>
+          </a:ln>
+        </p:spPr>
+        <p:style>
+          <a:lnRef idx="1">
+            <a:schemeClr val="accent1"/>
+          </a:lnRef>
+          <a:fillRef idx="0">
+            <a:schemeClr val="accent1"/>
+          </a:fillRef>
+          <a:effectRef idx="0">
+            <a:schemeClr val="accent1"/>
+          </a:effectRef>
+          <a:fontRef idx="minor">
+            <a:schemeClr val="tx1"/>
+          </a:fontRef>
+        </p:style>
+      </p:cxnSp>
+      <p:cxnSp>
+        <p:nvCxnSpPr>
+          <p:cNvPr id="47" name="직선 화살표 연결선 46">
+            <a:extLst>
+              <a:ext uri="{FF2B5EF4-FFF2-40B4-BE49-F238E27FC236}">
+                <a16:creationId xmlns:a16="http://schemas.microsoft.com/office/drawing/2014/main" id="{B44B02A6-EF49-49CA-82AD-4F6312D206C0}"/>
+              </a:ext>
+            </a:extLst>
+          </p:cNvPr>
+          <p:cNvCxnSpPr>
+            <a:cxnSpLocks/>
+            <a:stCxn id="43" idx="2"/>
+            <a:endCxn id="39" idx="0"/>
+          </p:cNvCxnSpPr>
+          <p:nvPr/>
+        </p:nvCxnSpPr>
+        <p:spPr>
+          <a:xfrm flipH="1">
+            <a:off x="1023117" y="1336959"/>
+            <a:ext cx="2509938" cy="226462"/>
+          </a:xfrm>
+          <a:prstGeom prst="straightConnector1">
+            <a:avLst/>
+          </a:prstGeom>
+          <a:ln w="19050">
+            <a:solidFill>
+              <a:schemeClr val="tx1"/>
+            </a:solidFill>
+            <a:tailEnd type="arrow"/>
+          </a:ln>
+        </p:spPr>
+        <p:style>
+          <a:lnRef idx="1">
+            <a:schemeClr val="accent1"/>
+          </a:lnRef>
+          <a:fillRef idx="0">
+            <a:schemeClr val="accent1"/>
+          </a:fillRef>
+          <a:effectRef idx="0">
+            <a:schemeClr val="accent1"/>
+          </a:effectRef>
+          <a:fontRef idx="minor">
+            <a:schemeClr val="tx1"/>
+          </a:fontRef>
+        </p:style>
+      </p:cxnSp>
+      <p:cxnSp>
+        <p:nvCxnSpPr>
+          <p:cNvPr id="50" name="직선 화살표 연결선 49">
+            <a:extLst>
+              <a:ext uri="{FF2B5EF4-FFF2-40B4-BE49-F238E27FC236}">
+                <a16:creationId xmlns:a16="http://schemas.microsoft.com/office/drawing/2014/main" id="{DDBB8C6D-330D-4CC3-9ABA-B41919A27B9B}"/>
+              </a:ext>
+            </a:extLst>
+          </p:cNvPr>
+          <p:cNvCxnSpPr>
+            <a:cxnSpLocks/>
+            <a:stCxn id="43" idx="2"/>
+            <a:endCxn id="40" idx="0"/>
+          </p:cNvCxnSpPr>
+          <p:nvPr/>
+        </p:nvCxnSpPr>
+        <p:spPr>
+          <a:xfrm>
+            <a:off x="3533055" y="1336959"/>
+            <a:ext cx="2509938" cy="228679"/>
+          </a:xfrm>
+          <a:prstGeom prst="straightConnector1">
+            <a:avLst/>
+          </a:prstGeom>
+          <a:ln w="19050">
+            <a:solidFill>
+              <a:schemeClr val="tx1"/>
+            </a:solidFill>
+            <a:tailEnd type="arrow"/>
+          </a:ln>
+        </p:spPr>
+        <p:style>
+          <a:lnRef idx="1">
+            <a:schemeClr val="accent1"/>
+          </a:lnRef>
+          <a:fillRef idx="0">
+            <a:schemeClr val="accent1"/>
+          </a:fillRef>
+          <a:effectRef idx="0">
+            <a:schemeClr val="accent1"/>
+          </a:effectRef>
+          <a:fontRef idx="minor">
+            <a:schemeClr val="tx1"/>
+          </a:fontRef>
+        </p:style>
+      </p:cxnSp>
+      <p:sp>
+        <p:nvSpPr>
+          <p:cNvPr id="53" name="TextBox 52">
+            <a:extLst>
+              <a:ext uri="{FF2B5EF4-FFF2-40B4-BE49-F238E27FC236}">
+                <a16:creationId xmlns:a16="http://schemas.microsoft.com/office/drawing/2014/main" id="{F0E6467B-F017-40E5-812F-07264648895E}"/>
+              </a:ext>
+            </a:extLst>
+          </p:cNvPr>
+          <p:cNvSpPr txBox="1"/>
+          <p:nvPr/>
+        </p:nvSpPr>
+        <p:spPr>
+          <a:xfrm>
+            <a:off x="323253" y="2208213"/>
+            <a:ext cx="1399728" cy="261610"/>
+          </a:xfrm>
+          <a:prstGeom prst="rect">
+            <a:avLst/>
+          </a:prstGeom>
+          <a:noFill/>
+        </p:spPr>
+        <p:txBody>
+          <a:bodyPr wrap="square" rtlCol="0">
+            <a:spAutoFit/>
+          </a:bodyPr>
+          <a:lstStyle/>
+          <a:p>
+            <a:pPr algn="ctr"/>
+            <a:r>
+              <a:rPr lang="en-US" altLang="ko-KR" sz="1100"/>
+              <a:t>Page ID 1</a:t>
+            </a:r>
+            <a:endParaRPr lang="ko-KR" altLang="en-US" sz="1100" dirty="0"/>
+          </a:p>
+        </p:txBody>
+      </p:sp>
+      <p:sp>
+        <p:nvSpPr>
+          <p:cNvPr id="59" name="TextBox 58">
+            <a:extLst>
+              <a:ext uri="{FF2B5EF4-FFF2-40B4-BE49-F238E27FC236}">
+                <a16:creationId xmlns:a16="http://schemas.microsoft.com/office/drawing/2014/main" id="{D321219F-2616-441A-9030-13DFBCCAE1D0}"/>
+              </a:ext>
+            </a:extLst>
+          </p:cNvPr>
+          <p:cNvSpPr txBox="1"/>
+          <p:nvPr/>
+        </p:nvSpPr>
+        <p:spPr>
+          <a:xfrm>
+            <a:off x="5343129" y="2416861"/>
+            <a:ext cx="1399728" cy="261610"/>
+          </a:xfrm>
+          <a:prstGeom prst="rect">
+            <a:avLst/>
+          </a:prstGeom>
+          <a:noFill/>
+        </p:spPr>
+        <p:txBody>
+          <a:bodyPr wrap="square" rtlCol="0">
+            <a:spAutoFit/>
+          </a:bodyPr>
+          <a:lstStyle/>
+          <a:p>
+            <a:pPr algn="ctr"/>
+            <a:r>
+              <a:rPr lang="en-US" altLang="ko-KR" sz="1100"/>
+              <a:t>Page ID 3</a:t>
+            </a:r>
+            <a:endParaRPr lang="ko-KR" altLang="en-US" sz="1100" dirty="0"/>
+          </a:p>
+        </p:txBody>
+      </p:sp>
+      <p:sp>
+        <p:nvSpPr>
+          <p:cNvPr id="60" name="TextBox 59">
+            <a:extLst>
+              <a:ext uri="{FF2B5EF4-FFF2-40B4-BE49-F238E27FC236}">
+                <a16:creationId xmlns:a16="http://schemas.microsoft.com/office/drawing/2014/main" id="{8050834A-598E-4C21-AA52-23EA6FAA4E53}"/>
+              </a:ext>
+            </a:extLst>
+          </p:cNvPr>
+          <p:cNvSpPr txBox="1"/>
+          <p:nvPr/>
+        </p:nvSpPr>
+        <p:spPr>
+          <a:xfrm>
+            <a:off x="2833191" y="2203501"/>
+            <a:ext cx="1399728" cy="261610"/>
+          </a:xfrm>
+          <a:prstGeom prst="rect">
+            <a:avLst/>
+          </a:prstGeom>
+          <a:noFill/>
+        </p:spPr>
+        <p:txBody>
+          <a:bodyPr wrap="square" rtlCol="0">
+            <a:spAutoFit/>
+          </a:bodyPr>
+          <a:lstStyle/>
+          <a:p>
+            <a:pPr algn="ctr"/>
+            <a:r>
+              <a:rPr lang="en-US" altLang="ko-KR" sz="1100"/>
+              <a:t>Page ID 2</a:t>
+            </a:r>
+            <a:endParaRPr lang="ko-KR" altLang="en-US" sz="1100" dirty="0"/>
+          </a:p>
+        </p:txBody>
+      </p:sp>
+      <p:sp>
+        <p:nvSpPr>
+          <p:cNvPr id="61" name="오른쪽 중괄호 60">
+            <a:extLst>
+              <a:ext uri="{FF2B5EF4-FFF2-40B4-BE49-F238E27FC236}">
+                <a16:creationId xmlns:a16="http://schemas.microsoft.com/office/drawing/2014/main" id="{4FE64452-4A11-48A1-A60B-694B166EA6D0}"/>
+              </a:ext>
+            </a:extLst>
+          </p:cNvPr>
+          <p:cNvSpPr/>
+          <p:nvPr/>
+        </p:nvSpPr>
+        <p:spPr>
+          <a:xfrm>
+            <a:off x="7236296" y="2715767"/>
+            <a:ext cx="288032" cy="2328530"/>
+          </a:xfrm>
+          <a:prstGeom prst="rightBrace">
+            <a:avLst/>
+          </a:prstGeom>
+          <a:ln>
+            <a:solidFill>
+              <a:schemeClr val="tx1"/>
+            </a:solidFill>
+          </a:ln>
+        </p:spPr>
+        <p:style>
+          <a:lnRef idx="1">
+            <a:schemeClr val="accent1"/>
+          </a:lnRef>
+          <a:fillRef idx="0">
+            <a:schemeClr val="accent1"/>
+          </a:fillRef>
+          <a:effectRef idx="0">
+            <a:schemeClr val="accent1"/>
+          </a:effectRef>
+          <a:fontRef idx="minor">
+            <a:schemeClr val="tx1"/>
+          </a:fontRef>
+        </p:style>
+        <p:txBody>
+          <a:bodyPr rtlCol="0" anchor="ctr"/>
+          <a:lstStyle/>
+          <a:p>
+            <a:pPr algn="ctr"/>
+            <a:endParaRPr lang="ko-KR" altLang="en-US"/>
+          </a:p>
+        </p:txBody>
+      </p:sp>
+      <p:sp>
+        <p:nvSpPr>
+          <p:cNvPr id="62" name="TextBox 61">
+            <a:extLst>
+              <a:ext uri="{FF2B5EF4-FFF2-40B4-BE49-F238E27FC236}">
+                <a16:creationId xmlns:a16="http://schemas.microsoft.com/office/drawing/2014/main" id="{C00BECAB-1C6F-432C-8EAC-8868A9ABA238}"/>
+              </a:ext>
+            </a:extLst>
+          </p:cNvPr>
+          <p:cNvSpPr txBox="1"/>
+          <p:nvPr/>
+        </p:nvSpPr>
+        <p:spPr>
+          <a:xfrm>
+            <a:off x="7308304" y="3749227"/>
+            <a:ext cx="1543469" cy="261610"/>
+          </a:xfrm>
+          <a:prstGeom prst="rect">
+            <a:avLst/>
+          </a:prstGeom>
+          <a:noFill/>
+        </p:spPr>
+        <p:txBody>
+          <a:bodyPr wrap="square" rtlCol="0">
+            <a:spAutoFit/>
+          </a:bodyPr>
+          <a:lstStyle/>
+          <a:p>
+            <a:pPr algn="ctr"/>
+            <a:r>
+              <a:rPr lang="en-US" altLang="ko-KR" sz="1100"/>
+              <a:t>Clustered Index</a:t>
+            </a:r>
+            <a:endParaRPr lang="ko-KR" altLang="en-US" sz="1100" dirty="0"/>
+          </a:p>
+        </p:txBody>
+      </p:sp>
+      <p:sp>
+        <p:nvSpPr>
+          <p:cNvPr id="65" name="오른쪽 중괄호 64">
+            <a:extLst>
+              <a:ext uri="{FF2B5EF4-FFF2-40B4-BE49-F238E27FC236}">
+                <a16:creationId xmlns:a16="http://schemas.microsoft.com/office/drawing/2014/main" id="{6F48D161-EBCD-4E0C-839A-6921BC9DF282}"/>
+              </a:ext>
+            </a:extLst>
+          </p:cNvPr>
+          <p:cNvSpPr/>
+          <p:nvPr/>
+        </p:nvSpPr>
+        <p:spPr>
+          <a:xfrm>
+            <a:off x="7236296" y="411510"/>
+            <a:ext cx="288032" cy="2268073"/>
+          </a:xfrm>
+          <a:prstGeom prst="rightBrace">
+            <a:avLst/>
+          </a:prstGeom>
+          <a:ln>
+            <a:solidFill>
+              <a:schemeClr val="tx1"/>
+            </a:solidFill>
+          </a:ln>
+        </p:spPr>
+        <p:style>
+          <a:lnRef idx="1">
+            <a:schemeClr val="accent1"/>
+          </a:lnRef>
+          <a:fillRef idx="0">
+            <a:schemeClr val="accent1"/>
+          </a:fillRef>
+          <a:effectRef idx="0">
+            <a:schemeClr val="accent1"/>
+          </a:effectRef>
+          <a:fontRef idx="minor">
+            <a:schemeClr val="tx1"/>
+          </a:fontRef>
+        </p:style>
+        <p:txBody>
+          <a:bodyPr rtlCol="0" anchor="ctr"/>
+          <a:lstStyle/>
+          <a:p>
+            <a:pPr algn="ctr"/>
+            <a:endParaRPr lang="ko-KR" altLang="en-US"/>
+          </a:p>
+        </p:txBody>
+      </p:sp>
+      <p:sp>
+        <p:nvSpPr>
+          <p:cNvPr id="66" name="TextBox 65">
+            <a:extLst>
+              <a:ext uri="{FF2B5EF4-FFF2-40B4-BE49-F238E27FC236}">
+                <a16:creationId xmlns:a16="http://schemas.microsoft.com/office/drawing/2014/main" id="{1200A459-42D7-4CE7-AFA2-B7432A55E53F}"/>
+              </a:ext>
+            </a:extLst>
+          </p:cNvPr>
+          <p:cNvSpPr txBox="1"/>
+          <p:nvPr/>
+        </p:nvSpPr>
+        <p:spPr>
+          <a:xfrm>
+            <a:off x="7452320" y="1414741"/>
+            <a:ext cx="1543469" cy="261610"/>
+          </a:xfrm>
+          <a:prstGeom prst="rect">
+            <a:avLst/>
+          </a:prstGeom>
+          <a:noFill/>
+        </p:spPr>
+        <p:txBody>
+          <a:bodyPr wrap="square" rtlCol="0">
+            <a:spAutoFit/>
+          </a:bodyPr>
+          <a:lstStyle/>
+          <a:p>
+            <a:pPr algn="ctr"/>
+            <a:r>
+              <a:rPr lang="en-US" altLang="ko-KR" sz="1100"/>
+              <a:t>Non-clustered Index</a:t>
+            </a:r>
+            <a:endParaRPr lang="ko-KR" altLang="en-US" sz="1100" dirty="0"/>
+          </a:p>
+        </p:txBody>
+      </p:sp>
+      <p:cxnSp>
+        <p:nvCxnSpPr>
+          <p:cNvPr id="67" name="직선 화살표 연결선 66">
+            <a:extLst>
+              <a:ext uri="{FF2B5EF4-FFF2-40B4-BE49-F238E27FC236}">
+                <a16:creationId xmlns:a16="http://schemas.microsoft.com/office/drawing/2014/main" id="{A120AA52-03CE-4829-A76B-9833AB9B149F}"/>
+              </a:ext>
+            </a:extLst>
+          </p:cNvPr>
+          <p:cNvCxnSpPr>
+            <a:cxnSpLocks/>
+            <a:endCxn id="106" idx="2"/>
+          </p:cNvCxnSpPr>
+          <p:nvPr/>
+        </p:nvCxnSpPr>
+        <p:spPr>
+          <a:xfrm>
+            <a:off x="2627784" y="1010754"/>
+            <a:ext cx="414461" cy="219942"/>
+          </a:xfrm>
+          <a:prstGeom prst="straightConnector1">
+            <a:avLst/>
+          </a:prstGeom>
+          <a:ln w="19050">
+            <a:solidFill>
+              <a:schemeClr val="tx2"/>
+            </a:solidFill>
+            <a:tailEnd type="arrow"/>
+          </a:ln>
+        </p:spPr>
+        <p:style>
+          <a:lnRef idx="1">
+            <a:schemeClr val="accent1"/>
+          </a:lnRef>
+          <a:fillRef idx="0">
+            <a:schemeClr val="accent1"/>
+          </a:fillRef>
+          <a:effectRef idx="0">
+            <a:schemeClr val="accent1"/>
+          </a:effectRef>
+          <a:fontRef idx="minor">
+            <a:schemeClr val="tx1"/>
+          </a:fontRef>
+        </p:style>
+      </p:cxnSp>
+      <p:cxnSp>
+        <p:nvCxnSpPr>
+          <p:cNvPr id="72" name="직선 화살표 연결선 71">
+            <a:extLst>
+              <a:ext uri="{FF2B5EF4-FFF2-40B4-BE49-F238E27FC236}">
+                <a16:creationId xmlns:a16="http://schemas.microsoft.com/office/drawing/2014/main" id="{351EA37D-E181-4DAF-AF98-A7050FA68902}"/>
+              </a:ext>
+            </a:extLst>
+          </p:cNvPr>
+          <p:cNvCxnSpPr>
+            <a:cxnSpLocks/>
+            <a:stCxn id="106" idx="6"/>
+            <a:endCxn id="88" idx="2"/>
+          </p:cNvCxnSpPr>
+          <p:nvPr/>
+        </p:nvCxnSpPr>
+        <p:spPr>
+          <a:xfrm>
+            <a:off x="4012964" y="1230696"/>
+            <a:ext cx="1522865" cy="652114"/>
+          </a:xfrm>
+          <a:prstGeom prst="straightConnector1">
+            <a:avLst/>
+          </a:prstGeom>
+          <a:ln w="19050">
+            <a:solidFill>
+              <a:schemeClr val="tx2"/>
+            </a:solidFill>
+            <a:tailEnd type="arrow"/>
+          </a:ln>
+        </p:spPr>
+        <p:style>
+          <a:lnRef idx="1">
+            <a:schemeClr val="accent1"/>
+          </a:lnRef>
+          <a:fillRef idx="0">
+            <a:schemeClr val="accent1"/>
+          </a:fillRef>
+          <a:effectRef idx="0">
+            <a:schemeClr val="accent1"/>
+          </a:effectRef>
+          <a:fontRef idx="minor">
+            <a:schemeClr val="tx1"/>
+          </a:fontRef>
+        </p:style>
+      </p:cxnSp>
+      <p:sp>
+        <p:nvSpPr>
+          <p:cNvPr id="88" name="타원 87">
+            <a:extLst>
+              <a:ext uri="{FF2B5EF4-FFF2-40B4-BE49-F238E27FC236}">
+                <a16:creationId xmlns:a16="http://schemas.microsoft.com/office/drawing/2014/main" id="{CC2A25C7-0DAE-4501-BB42-B5C7E8C9D49E}"/>
+              </a:ext>
+            </a:extLst>
+          </p:cNvPr>
+          <p:cNvSpPr/>
+          <p:nvPr/>
+        </p:nvSpPr>
+        <p:spPr>
+          <a:xfrm>
+            <a:off x="5535829" y="1778334"/>
+            <a:ext cx="970719" cy="208952"/>
+          </a:xfrm>
+          <a:prstGeom prst="ellipse">
+            <a:avLst/>
+          </a:prstGeom>
+          <a:noFill/>
+          <a:ln w="19050"/>
+        </p:spPr>
+        <p:style>
+          <a:lnRef idx="2">
+            <a:schemeClr val="accent1">
+              <a:shade val="50000"/>
+            </a:schemeClr>
+          </a:lnRef>
+          <a:fillRef idx="1">
+            <a:schemeClr val="accent1"/>
+          </a:fillRef>
+          <a:effectRef idx="0">
+            <a:schemeClr val="accent1"/>
+          </a:effectRef>
+          <a:fontRef idx="minor">
+            <a:schemeClr val="lt1"/>
+          </a:fontRef>
+        </p:style>
+        <p:txBody>
+          <a:bodyPr rtlCol="0" anchor="ctr"/>
+          <a:lstStyle/>
+          <a:p>
+            <a:pPr algn="ctr"/>
+            <a:endParaRPr lang="ko-KR" altLang="en-US"/>
+          </a:p>
+        </p:txBody>
+      </p:sp>
+      <p:sp>
+        <p:nvSpPr>
+          <p:cNvPr id="104" name="타원 103">
+            <a:extLst>
+              <a:ext uri="{FF2B5EF4-FFF2-40B4-BE49-F238E27FC236}">
+                <a16:creationId xmlns:a16="http://schemas.microsoft.com/office/drawing/2014/main" id="{F9692EC2-7699-4D81-97CB-C477B362209C}"/>
+              </a:ext>
+            </a:extLst>
+          </p:cNvPr>
+          <p:cNvSpPr/>
+          <p:nvPr/>
+        </p:nvSpPr>
+        <p:spPr>
+          <a:xfrm>
+            <a:off x="5535829" y="1993247"/>
+            <a:ext cx="970719" cy="208952"/>
+          </a:xfrm>
+          <a:prstGeom prst="ellipse">
+            <a:avLst/>
+          </a:prstGeom>
+          <a:noFill/>
+          <a:ln w="19050"/>
+        </p:spPr>
+        <p:style>
+          <a:lnRef idx="2">
+            <a:schemeClr val="accent1">
+              <a:shade val="50000"/>
+            </a:schemeClr>
+          </a:lnRef>
+          <a:fillRef idx="1">
+            <a:schemeClr val="accent1"/>
+          </a:fillRef>
+          <a:effectRef idx="0">
+            <a:schemeClr val="accent1"/>
+          </a:effectRef>
+          <a:fontRef idx="minor">
+            <a:schemeClr val="lt1"/>
+          </a:fontRef>
+        </p:style>
+        <p:txBody>
+          <a:bodyPr rtlCol="0" anchor="ctr"/>
+          <a:lstStyle/>
+          <a:p>
+            <a:pPr algn="ctr"/>
+            <a:endParaRPr lang="ko-KR" altLang="en-US"/>
+          </a:p>
+        </p:txBody>
+      </p:sp>
+      <p:sp>
+        <p:nvSpPr>
+          <p:cNvPr id="106" name="타원 105">
+            <a:extLst>
+              <a:ext uri="{FF2B5EF4-FFF2-40B4-BE49-F238E27FC236}">
+                <a16:creationId xmlns:a16="http://schemas.microsoft.com/office/drawing/2014/main" id="{C457FC7A-B5EC-4C60-8402-38C4C5BCA0C8}"/>
+              </a:ext>
+            </a:extLst>
+          </p:cNvPr>
+          <p:cNvSpPr/>
+          <p:nvPr/>
+        </p:nvSpPr>
+        <p:spPr>
+          <a:xfrm>
+            <a:off x="3042245" y="1126220"/>
+            <a:ext cx="970719" cy="208952"/>
+          </a:xfrm>
+          <a:prstGeom prst="ellipse">
+            <a:avLst/>
+          </a:prstGeom>
+          <a:noFill/>
+          <a:ln w="19050"/>
+        </p:spPr>
+        <p:style>
+          <a:lnRef idx="2">
+            <a:schemeClr val="accent1">
+              <a:shade val="50000"/>
+            </a:schemeClr>
+          </a:lnRef>
+          <a:fillRef idx="1">
+            <a:schemeClr val="accent1"/>
+          </a:fillRef>
+          <a:effectRef idx="0">
+            <a:schemeClr val="accent1"/>
+          </a:effectRef>
+          <a:fontRef idx="minor">
+            <a:schemeClr val="lt1"/>
+          </a:fontRef>
+        </p:style>
+        <p:txBody>
+          <a:bodyPr rtlCol="0" anchor="ctr"/>
+          <a:lstStyle/>
+          <a:p>
+            <a:pPr algn="ctr"/>
+            <a:endParaRPr lang="ko-KR" altLang="en-US"/>
+          </a:p>
+        </p:txBody>
+      </p:sp>
+      <p:cxnSp>
+        <p:nvCxnSpPr>
+          <p:cNvPr id="115" name="직선 화살표 연결선 114">
+            <a:extLst>
+              <a:ext uri="{FF2B5EF4-FFF2-40B4-BE49-F238E27FC236}">
+                <a16:creationId xmlns:a16="http://schemas.microsoft.com/office/drawing/2014/main" id="{948EDA09-B547-4AD6-9FA6-314A1FCDA42F}"/>
+              </a:ext>
+            </a:extLst>
+          </p:cNvPr>
+          <p:cNvCxnSpPr>
+            <a:cxnSpLocks/>
+            <a:stCxn id="106" idx="6"/>
+            <a:endCxn id="104" idx="2"/>
+          </p:cNvCxnSpPr>
+          <p:nvPr/>
+        </p:nvCxnSpPr>
+        <p:spPr>
+          <a:xfrm>
+            <a:off x="4012964" y="1230696"/>
+            <a:ext cx="1522865" cy="867027"/>
+          </a:xfrm>
+          <a:prstGeom prst="straightConnector1">
+            <a:avLst/>
+          </a:prstGeom>
+          <a:ln w="19050">
+            <a:solidFill>
+              <a:schemeClr val="tx2"/>
+            </a:solidFill>
+            <a:tailEnd type="arrow"/>
+          </a:ln>
+        </p:spPr>
+        <p:style>
+          <a:lnRef idx="1">
+            <a:schemeClr val="accent1"/>
+          </a:lnRef>
+          <a:fillRef idx="0">
+            <a:schemeClr val="accent1"/>
+          </a:fillRef>
+          <a:effectRef idx="0">
+            <a:schemeClr val="accent1"/>
+          </a:effectRef>
+          <a:fontRef idx="minor">
+            <a:schemeClr val="tx1"/>
+          </a:fontRef>
+        </p:style>
+      </p:cxnSp>
+      <p:sp>
+        <p:nvSpPr>
+          <p:cNvPr id="123" name="타원 122">
+            <a:extLst>
+              <a:ext uri="{FF2B5EF4-FFF2-40B4-BE49-F238E27FC236}">
+                <a16:creationId xmlns:a16="http://schemas.microsoft.com/office/drawing/2014/main" id="{85F56CCA-376F-4AFB-9F77-39725490B0BC}"/>
+              </a:ext>
+            </a:extLst>
+          </p:cNvPr>
+          <p:cNvSpPr/>
+          <p:nvPr/>
+        </p:nvSpPr>
+        <p:spPr>
+          <a:xfrm>
+            <a:off x="3047220" y="3059275"/>
+            <a:ext cx="970719" cy="208952"/>
+          </a:xfrm>
+          <a:prstGeom prst="ellipse">
+            <a:avLst/>
+          </a:prstGeom>
+          <a:noFill/>
+          <a:ln w="19050"/>
+        </p:spPr>
+        <p:style>
+          <a:lnRef idx="2">
+            <a:schemeClr val="accent1">
+              <a:shade val="50000"/>
+            </a:schemeClr>
+          </a:lnRef>
+          <a:fillRef idx="1">
+            <a:schemeClr val="accent1"/>
+          </a:fillRef>
+          <a:effectRef idx="0">
+            <a:schemeClr val="accent1"/>
+          </a:effectRef>
+          <a:fontRef idx="minor">
+            <a:schemeClr val="lt1"/>
+          </a:fontRef>
+        </p:style>
+        <p:txBody>
+          <a:bodyPr rtlCol="0" anchor="ctr"/>
+          <a:lstStyle/>
+          <a:p>
+            <a:pPr algn="ctr"/>
+            <a:endParaRPr lang="ko-KR" altLang="en-US"/>
+          </a:p>
+        </p:txBody>
+      </p:sp>
+      <p:sp>
+        <p:nvSpPr>
+          <p:cNvPr id="124" name="타원 123">
+            <a:extLst>
+              <a:ext uri="{FF2B5EF4-FFF2-40B4-BE49-F238E27FC236}">
+                <a16:creationId xmlns:a16="http://schemas.microsoft.com/office/drawing/2014/main" id="{BB942323-C4ED-4977-A688-F4FDF8937626}"/>
+              </a:ext>
+            </a:extLst>
+          </p:cNvPr>
+          <p:cNvSpPr/>
+          <p:nvPr/>
+        </p:nvSpPr>
+        <p:spPr>
+          <a:xfrm>
+            <a:off x="3047220" y="3494907"/>
+            <a:ext cx="970719" cy="208952"/>
+          </a:xfrm>
+          <a:prstGeom prst="ellipse">
+            <a:avLst/>
+          </a:prstGeom>
+          <a:noFill/>
+          <a:ln w="19050"/>
+        </p:spPr>
+        <p:style>
+          <a:lnRef idx="2">
+            <a:schemeClr val="accent1">
+              <a:shade val="50000"/>
+            </a:schemeClr>
+          </a:lnRef>
+          <a:fillRef idx="1">
+            <a:schemeClr val="accent1"/>
+          </a:fillRef>
+          <a:effectRef idx="0">
+            <a:schemeClr val="accent1"/>
+          </a:effectRef>
+          <a:fontRef idx="minor">
+            <a:schemeClr val="lt1"/>
+          </a:fontRef>
+        </p:style>
+        <p:txBody>
+          <a:bodyPr rtlCol="0" anchor="ctr"/>
+          <a:lstStyle/>
+          <a:p>
+            <a:pPr algn="ctr"/>
+            <a:endParaRPr lang="ko-KR" altLang="en-US"/>
+          </a:p>
+        </p:txBody>
+      </p:sp>
+      <p:cxnSp>
+        <p:nvCxnSpPr>
+          <p:cNvPr id="38" name="직선 화살표 연결선 37">
+            <a:extLst>
+              <a:ext uri="{FF2B5EF4-FFF2-40B4-BE49-F238E27FC236}">
+                <a16:creationId xmlns:a16="http://schemas.microsoft.com/office/drawing/2014/main" id="{A7A9EE24-36E4-4528-8198-FF97E555FDE2}"/>
+              </a:ext>
+            </a:extLst>
+          </p:cNvPr>
+          <p:cNvCxnSpPr>
+            <a:cxnSpLocks/>
+            <a:stCxn id="88" idx="2"/>
+            <a:endCxn id="123" idx="6"/>
+          </p:cNvCxnSpPr>
+          <p:nvPr/>
+        </p:nvCxnSpPr>
+        <p:spPr>
+          <a:xfrm flipH="1">
+            <a:off x="4017939" y="1882810"/>
+            <a:ext cx="1517890" cy="1280941"/>
+          </a:xfrm>
+          <a:prstGeom prst="straightConnector1">
+            <a:avLst/>
+          </a:prstGeom>
+          <a:ln w="19050">
+            <a:solidFill>
+              <a:schemeClr val="tx2"/>
+            </a:solidFill>
+            <a:tailEnd type="arrow"/>
+          </a:ln>
+        </p:spPr>
+        <p:style>
+          <a:lnRef idx="1">
+            <a:schemeClr val="accent1"/>
+          </a:lnRef>
+          <a:fillRef idx="0">
+            <a:schemeClr val="accent1"/>
+          </a:fillRef>
+          <a:effectRef idx="0">
+            <a:schemeClr val="accent1"/>
+          </a:effectRef>
+          <a:fontRef idx="minor">
+            <a:schemeClr val="tx1"/>
+          </a:fontRef>
+        </p:style>
+      </p:cxnSp>
+      <p:cxnSp>
+        <p:nvCxnSpPr>
+          <p:cNvPr id="41" name="직선 화살표 연결선 40">
+            <a:extLst>
+              <a:ext uri="{FF2B5EF4-FFF2-40B4-BE49-F238E27FC236}">
+                <a16:creationId xmlns:a16="http://schemas.microsoft.com/office/drawing/2014/main" id="{D95F0C77-0A1D-47A4-90F2-AD6602B293C9}"/>
+              </a:ext>
+            </a:extLst>
+          </p:cNvPr>
+          <p:cNvCxnSpPr>
+            <a:cxnSpLocks/>
+            <a:endCxn id="124" idx="6"/>
+          </p:cNvCxnSpPr>
+          <p:nvPr/>
+        </p:nvCxnSpPr>
+        <p:spPr>
+          <a:xfrm flipH="1">
+            <a:off x="4017939" y="2103973"/>
+            <a:ext cx="1517890" cy="1495410"/>
+          </a:xfrm>
+          <a:prstGeom prst="straightConnector1">
+            <a:avLst/>
+          </a:prstGeom>
+          <a:ln w="19050">
+            <a:solidFill>
+              <a:schemeClr val="tx2"/>
+            </a:solidFill>
+            <a:tailEnd type="arrow"/>
+          </a:ln>
+        </p:spPr>
+        <p:style>
+          <a:lnRef idx="1">
+            <a:schemeClr val="accent1"/>
+          </a:lnRef>
+          <a:fillRef idx="0">
+            <a:schemeClr val="accent1"/>
+          </a:fillRef>
+          <a:effectRef idx="0">
+            <a:schemeClr val="accent1"/>
+          </a:effectRef>
+          <a:fontRef idx="minor">
+            <a:schemeClr val="tx1"/>
+          </a:fontRef>
+        </p:style>
+      </p:cxnSp>
+      <p:cxnSp>
+        <p:nvCxnSpPr>
+          <p:cNvPr id="45" name="직선 화살표 연결선 44">
+            <a:extLst>
+              <a:ext uri="{FF2B5EF4-FFF2-40B4-BE49-F238E27FC236}">
+                <a16:creationId xmlns:a16="http://schemas.microsoft.com/office/drawing/2014/main" id="{5AABB6DF-BC5F-4475-9F6F-579B090BF408}"/>
+              </a:ext>
+            </a:extLst>
+          </p:cNvPr>
+          <p:cNvCxnSpPr>
+            <a:cxnSpLocks/>
+            <a:stCxn id="123" idx="2"/>
+            <a:endCxn id="24" idx="0"/>
+          </p:cNvCxnSpPr>
+          <p:nvPr/>
+        </p:nvCxnSpPr>
+        <p:spPr>
+          <a:xfrm flipH="1">
+            <a:off x="1023117" y="3163751"/>
+            <a:ext cx="2024103" cy="765496"/>
+          </a:xfrm>
+          <a:prstGeom prst="straightConnector1">
+            <a:avLst/>
+          </a:prstGeom>
+          <a:ln w="19050">
+            <a:solidFill>
+              <a:schemeClr val="tx2"/>
+            </a:solidFill>
+            <a:tailEnd type="arrow"/>
+          </a:ln>
+        </p:spPr>
+        <p:style>
+          <a:lnRef idx="1">
+            <a:schemeClr val="accent1"/>
+          </a:lnRef>
+          <a:fillRef idx="0">
+            <a:schemeClr val="accent1"/>
+          </a:fillRef>
+          <a:effectRef idx="0">
+            <a:schemeClr val="accent1"/>
+          </a:effectRef>
+          <a:fontRef idx="minor">
+            <a:schemeClr val="tx1"/>
+          </a:fontRef>
+        </p:style>
+      </p:cxnSp>
+      <p:cxnSp>
+        <p:nvCxnSpPr>
+          <p:cNvPr id="48" name="직선 화살표 연결선 47">
+            <a:extLst>
+              <a:ext uri="{FF2B5EF4-FFF2-40B4-BE49-F238E27FC236}">
+                <a16:creationId xmlns:a16="http://schemas.microsoft.com/office/drawing/2014/main" id="{F1D9AF08-8437-4847-B61F-F40D570240F1}"/>
+              </a:ext>
+            </a:extLst>
+          </p:cNvPr>
+          <p:cNvCxnSpPr>
+            <a:cxnSpLocks/>
+            <a:stCxn id="124" idx="6"/>
+            <a:endCxn id="15" idx="0"/>
+          </p:cNvCxnSpPr>
+          <p:nvPr/>
+        </p:nvCxnSpPr>
+        <p:spPr>
+          <a:xfrm>
+            <a:off x="4017939" y="3599383"/>
+            <a:ext cx="2025054" cy="329864"/>
+          </a:xfrm>
+          <a:prstGeom prst="straightConnector1">
+            <a:avLst/>
+          </a:prstGeom>
+          <a:ln w="19050">
+            <a:solidFill>
+              <a:schemeClr val="tx2"/>
+            </a:solidFill>
+            <a:tailEnd type="arrow"/>
+          </a:ln>
+        </p:spPr>
+        <p:style>
+          <a:lnRef idx="1">
+            <a:schemeClr val="accent1"/>
+          </a:lnRef>
+          <a:fillRef idx="0">
+            <a:schemeClr val="accent1"/>
+          </a:fillRef>
+          <a:effectRef idx="0">
+            <a:schemeClr val="accent1"/>
+          </a:effectRef>
+          <a:fontRef idx="minor">
+            <a:schemeClr val="tx1"/>
+          </a:fontRef>
+        </p:style>
+      </p:cxnSp>
+    </p:spTree>
+    <p:extLst>
+      <p:ext uri="{BB962C8B-B14F-4D97-AF65-F5344CB8AC3E}">
+        <p14:creationId xmlns:p14="http://schemas.microsoft.com/office/powerpoint/2010/main" val="1130604873"/>
+      </p:ext>
+    </p:extLst>
+  </p:cSld>
+  <p:clrMapOvr>
+    <a:masterClrMapping/>
+  </p:clrMapOvr>
+</p:sld>
+</file>
+
+<file path=ppt/slides/slide5.xml><?xml version="1.0" encoding="utf-8"?>
 <p:sld xmlns:a="http://schemas.openxmlformats.org/drawingml/2006/main" xmlns:r="http://schemas.openxmlformats.org/officeDocument/2006/relationships" xmlns:p="http://schemas.openxmlformats.org/presentationml/2006/main">
   <p:cSld>
     <p:spTree>
@@ -10711,37 +14125,7 @@
 </p:sld>
 </file>
 
-<file path=ppt/slides/slide4.xml><?xml version="1.0" encoding="utf-8"?>
-<p:sld xmlns:a="http://schemas.openxmlformats.org/drawingml/2006/main" xmlns:r="http://schemas.openxmlformats.org/officeDocument/2006/relationships" xmlns:p="http://schemas.openxmlformats.org/presentationml/2006/main">
-  <p:cSld>
-    <p:spTree>
-      <p:nvGrpSpPr>
-        <p:cNvPr id="1" name=""/>
-        <p:cNvGrpSpPr/>
-        <p:nvPr/>
-      </p:nvGrpSpPr>
-      <p:grpSpPr>
-        <a:xfrm>
-          <a:off x="0" y="0"/>
-          <a:ext cx="0" cy="0"/>
-          <a:chOff x="0" y="0"/>
-          <a:chExt cx="0" cy="0"/>
-        </a:xfrm>
-      </p:grpSpPr>
-    </p:spTree>
-    <p:extLst>
-      <p:ext uri="{BB962C8B-B14F-4D97-AF65-F5344CB8AC3E}">
-        <p14:creationId xmlns:p14="http://schemas.microsoft.com/office/powerpoint/2010/main" val="1786132173"/>
-      </p:ext>
-    </p:extLst>
-  </p:cSld>
-  <p:clrMapOvr>
-    <a:masterClrMapping/>
-  </p:clrMapOvr>
-</p:sld>
-</file>
-
-<file path=ppt/slides/slide5.xml><?xml version="1.0" encoding="utf-8"?>
+<file path=ppt/slides/slide6.xml><?xml version="1.0" encoding="utf-8"?>
 <p:sld xmlns:a="http://schemas.openxmlformats.org/drawingml/2006/main" xmlns:r="http://schemas.openxmlformats.org/officeDocument/2006/relationships" xmlns:p="http://schemas.openxmlformats.org/presentationml/2006/main">
   <p:cSld>
     <p:spTree>

--- a/images/theory_analysis/DB_Indexing/DB_Indexing.pptx
+++ b/images/theory_analysis/DB_Indexing/DB_Indexing.pptx
@@ -218,7 +218,7 @@
           <a:p>
             <a:fld id="{6CD5550B-26C4-49A9-A5BA-636EF7BE6CE9}" type="datetimeFigureOut">
               <a:rPr lang="ko-KR" altLang="en-US" smtClean="0"/>
-              <a:t>2022-02-07</a:t>
+              <a:t>2022-02-11</a:t>
             </a:fld>
             <a:endParaRPr lang="ko-KR" altLang="en-US"/>
           </a:p>
@@ -1164,7 +1164,7 @@
           <a:p>
             <a:fld id="{FB30EDBD-1C2D-4C1E-B459-B60219FAB484}" type="datetimeFigureOut">
               <a:rPr lang="ko-KR" altLang="en-US" smtClean="0"/>
-              <a:t>2022-02-07</a:t>
+              <a:t>2022-02-11</a:t>
             </a:fld>
             <a:endParaRPr lang="ko-KR" altLang="en-US"/>
           </a:p>
@@ -1327,7 +1327,7 @@
           <a:p>
             <a:fld id="{FB30EDBD-1C2D-4C1E-B459-B60219FAB484}" type="datetimeFigureOut">
               <a:rPr lang="ko-KR" altLang="en-US" smtClean="0"/>
-              <a:t>2022-02-07</a:t>
+              <a:t>2022-02-11</a:t>
             </a:fld>
             <a:endParaRPr lang="ko-KR" altLang="en-US"/>
           </a:p>
@@ -1500,7 +1500,7 @@
           <a:p>
             <a:fld id="{FB30EDBD-1C2D-4C1E-B459-B60219FAB484}" type="datetimeFigureOut">
               <a:rPr lang="ko-KR" altLang="en-US" smtClean="0"/>
-              <a:t>2022-02-07</a:t>
+              <a:t>2022-02-11</a:t>
             </a:fld>
             <a:endParaRPr lang="ko-KR" altLang="en-US"/>
           </a:p>
@@ -1663,7 +1663,7 @@
           <a:p>
             <a:fld id="{FB30EDBD-1C2D-4C1E-B459-B60219FAB484}" type="datetimeFigureOut">
               <a:rPr lang="ko-KR" altLang="en-US" smtClean="0"/>
-              <a:t>2022-02-07</a:t>
+              <a:t>2022-02-11</a:t>
             </a:fld>
             <a:endParaRPr lang="ko-KR" altLang="en-US"/>
           </a:p>
@@ -1903,7 +1903,7 @@
           <a:p>
             <a:fld id="{FB30EDBD-1C2D-4C1E-B459-B60219FAB484}" type="datetimeFigureOut">
               <a:rPr lang="ko-KR" altLang="en-US" smtClean="0"/>
-              <a:t>2022-02-07</a:t>
+              <a:t>2022-02-11</a:t>
             </a:fld>
             <a:endParaRPr lang="ko-KR" altLang="en-US"/>
           </a:p>
@@ -2183,7 +2183,7 @@
           <a:p>
             <a:fld id="{FB30EDBD-1C2D-4C1E-B459-B60219FAB484}" type="datetimeFigureOut">
               <a:rPr lang="ko-KR" altLang="en-US" smtClean="0"/>
-              <a:t>2022-02-07</a:t>
+              <a:t>2022-02-11</a:t>
             </a:fld>
             <a:endParaRPr lang="ko-KR" altLang="en-US"/>
           </a:p>
@@ -2597,7 +2597,7 @@
           <a:p>
             <a:fld id="{FB30EDBD-1C2D-4C1E-B459-B60219FAB484}" type="datetimeFigureOut">
               <a:rPr lang="ko-KR" altLang="en-US" smtClean="0"/>
-              <a:t>2022-02-07</a:t>
+              <a:t>2022-02-11</a:t>
             </a:fld>
             <a:endParaRPr lang="ko-KR" altLang="en-US"/>
           </a:p>
@@ -2709,7 +2709,7 @@
           <a:p>
             <a:fld id="{FB30EDBD-1C2D-4C1E-B459-B60219FAB484}" type="datetimeFigureOut">
               <a:rPr lang="ko-KR" altLang="en-US" smtClean="0"/>
-              <a:t>2022-02-07</a:t>
+              <a:t>2022-02-11</a:t>
             </a:fld>
             <a:endParaRPr lang="ko-KR" altLang="en-US"/>
           </a:p>
@@ -2799,7 +2799,7 @@
           <a:p>
             <a:fld id="{FB30EDBD-1C2D-4C1E-B459-B60219FAB484}" type="datetimeFigureOut">
               <a:rPr lang="ko-KR" altLang="en-US" smtClean="0"/>
-              <a:t>2022-02-07</a:t>
+              <a:t>2022-02-11</a:t>
             </a:fld>
             <a:endParaRPr lang="ko-KR" altLang="en-US"/>
           </a:p>
@@ -3069,7 +3069,7 @@
           <a:p>
             <a:fld id="{FB30EDBD-1C2D-4C1E-B459-B60219FAB484}" type="datetimeFigureOut">
               <a:rPr lang="ko-KR" altLang="en-US" smtClean="0"/>
-              <a:t>2022-02-07</a:t>
+              <a:t>2022-02-11</a:t>
             </a:fld>
             <a:endParaRPr lang="ko-KR" altLang="en-US"/>
           </a:p>
@@ -3316,7 +3316,7 @@
           <a:p>
             <a:fld id="{FB30EDBD-1C2D-4C1E-B459-B60219FAB484}" type="datetimeFigureOut">
               <a:rPr lang="ko-KR" altLang="en-US" smtClean="0"/>
-              <a:t>2022-02-07</a:t>
+              <a:t>2022-02-11</a:t>
             </a:fld>
             <a:endParaRPr lang="ko-KR" altLang="en-US"/>
           </a:p>
@@ -3522,7 +3522,7 @@
           <a:p>
             <a:fld id="{FB30EDBD-1C2D-4C1E-B459-B60219FAB484}" type="datetimeFigureOut">
               <a:rPr lang="ko-KR" altLang="en-US" smtClean="0"/>
-              <a:t>2022-02-07</a:t>
+              <a:t>2022-02-11</a:t>
             </a:fld>
             <a:endParaRPr lang="ko-KR" altLang="en-US"/>
           </a:p>
